--- a/PowerShell/Day1/PowerShell.pptx
+++ b/PowerShell/Day1/PowerShell.pptx
@@ -11,6 +11,10 @@
     <p:sldId id="261" r:id="rId5"/>
     <p:sldId id="260" r:id="rId6"/>
     <p:sldId id="263" r:id="rId7"/>
+    <p:sldId id="264" r:id="rId8"/>
+    <p:sldId id="265" r:id="rId9"/>
+    <p:sldId id="266" r:id="rId10"/>
+    <p:sldId id="267" r:id="rId11"/>
   </p:sldIdLst>
   <p:sldSz cx="12192000" cy="6858000"/>
   <p:notesSz cx="6858000" cy="9144000"/>
@@ -109,6 +113,11 @@
       </a:defRPr>
     </a:lvl9pPr>
   </p:defaultTextStyle>
+  <p:extLst>
+    <p:ext uri="{EFAFB233-063F-42B5-8137-9DF3F51BA10A}">
+      <p15:sldGuideLst xmlns:p15="http://schemas.microsoft.com/office/powerpoint/2012/main"/>
+    </p:ext>
+  </p:extLst>
 </p:presentation>
 </file>
 
@@ -243,7 +252,7 @@
           <a:p>
             <a:fld id="{AFB8E898-F050-4571-96C6-C6DFBE4F6A98}" type="datetimeFigureOut">
               <a:rPr lang="en-GB" smtClean="0"/>
-              <a:t>12/11/2024</a:t>
+              <a:t>15/11/2024</a:t>
             </a:fld>
             <a:endParaRPr lang="en-GB"/>
           </a:p>
@@ -413,7 +422,7 @@
           <a:p>
             <a:fld id="{AFB8E898-F050-4571-96C6-C6DFBE4F6A98}" type="datetimeFigureOut">
               <a:rPr lang="en-GB" smtClean="0"/>
-              <a:t>12/11/2024</a:t>
+              <a:t>15/11/2024</a:t>
             </a:fld>
             <a:endParaRPr lang="en-GB"/>
           </a:p>
@@ -593,7 +602,7 @@
           <a:p>
             <a:fld id="{AFB8E898-F050-4571-96C6-C6DFBE4F6A98}" type="datetimeFigureOut">
               <a:rPr lang="en-GB" smtClean="0"/>
-              <a:t>12/11/2024</a:t>
+              <a:t>15/11/2024</a:t>
             </a:fld>
             <a:endParaRPr lang="en-GB"/>
           </a:p>
@@ -763,7 +772,7 @@
           <a:p>
             <a:fld id="{AFB8E898-F050-4571-96C6-C6DFBE4F6A98}" type="datetimeFigureOut">
               <a:rPr lang="en-GB" smtClean="0"/>
-              <a:t>12/11/2024</a:t>
+              <a:t>15/11/2024</a:t>
             </a:fld>
             <a:endParaRPr lang="en-GB"/>
           </a:p>
@@ -1009,7 +1018,7 @@
           <a:p>
             <a:fld id="{AFB8E898-F050-4571-96C6-C6DFBE4F6A98}" type="datetimeFigureOut">
               <a:rPr lang="en-GB" smtClean="0"/>
-              <a:t>12/11/2024</a:t>
+              <a:t>15/11/2024</a:t>
             </a:fld>
             <a:endParaRPr lang="en-GB"/>
           </a:p>
@@ -1241,7 +1250,7 @@
           <a:p>
             <a:fld id="{AFB8E898-F050-4571-96C6-C6DFBE4F6A98}" type="datetimeFigureOut">
               <a:rPr lang="en-GB" smtClean="0"/>
-              <a:t>12/11/2024</a:t>
+              <a:t>15/11/2024</a:t>
             </a:fld>
             <a:endParaRPr lang="en-GB"/>
           </a:p>
@@ -1608,7 +1617,7 @@
           <a:p>
             <a:fld id="{AFB8E898-F050-4571-96C6-C6DFBE4F6A98}" type="datetimeFigureOut">
               <a:rPr lang="en-GB" smtClean="0"/>
-              <a:t>12/11/2024</a:t>
+              <a:t>15/11/2024</a:t>
             </a:fld>
             <a:endParaRPr lang="en-GB"/>
           </a:p>
@@ -1726,7 +1735,7 @@
           <a:p>
             <a:fld id="{AFB8E898-F050-4571-96C6-C6DFBE4F6A98}" type="datetimeFigureOut">
               <a:rPr lang="en-GB" smtClean="0"/>
-              <a:t>12/11/2024</a:t>
+              <a:t>15/11/2024</a:t>
             </a:fld>
             <a:endParaRPr lang="en-GB"/>
           </a:p>
@@ -1821,7 +1830,7 @@
           <a:p>
             <a:fld id="{AFB8E898-F050-4571-96C6-C6DFBE4F6A98}" type="datetimeFigureOut">
               <a:rPr lang="en-GB" smtClean="0"/>
-              <a:t>12/11/2024</a:t>
+              <a:t>15/11/2024</a:t>
             </a:fld>
             <a:endParaRPr lang="en-GB"/>
           </a:p>
@@ -2098,7 +2107,7 @@
           <a:p>
             <a:fld id="{AFB8E898-F050-4571-96C6-C6DFBE4F6A98}" type="datetimeFigureOut">
               <a:rPr lang="en-GB" smtClean="0"/>
-              <a:t>12/11/2024</a:t>
+              <a:t>15/11/2024</a:t>
             </a:fld>
             <a:endParaRPr lang="en-GB"/>
           </a:p>
@@ -2351,7 +2360,7 @@
           <a:p>
             <a:fld id="{AFB8E898-F050-4571-96C6-C6DFBE4F6A98}" type="datetimeFigureOut">
               <a:rPr lang="en-GB" smtClean="0"/>
-              <a:t>12/11/2024</a:t>
+              <a:t>15/11/2024</a:t>
             </a:fld>
             <a:endParaRPr lang="en-GB"/>
           </a:p>
@@ -2564,7 +2573,7 @@
           <a:p>
             <a:fld id="{AFB8E898-F050-4571-96C6-C6DFBE4F6A98}" type="datetimeFigureOut">
               <a:rPr lang="en-GB" smtClean="0"/>
-              <a:t>12/11/2024</a:t>
+              <a:t>15/11/2024</a:t>
             </a:fld>
             <a:endParaRPr lang="en-GB"/>
           </a:p>
@@ -2992,7 +3001,7 @@
             <a:pPr algn="l"/>
             <a:r>
               <a:rPr lang="en-US" dirty="0" smtClean="0"/>
-              <a:t>PowerShell</a:t>
+              <a:t>PowerShell: Introduction</a:t>
             </a:r>
             <a:endParaRPr lang="en-GB" dirty="0"/>
           </a:p>
@@ -3106,6 +3115,103 @@
 </p:sld>
 </file>
 
+<file path=ppt/slides/slide10.xml><?xml version="1.0" encoding="utf-8"?>
+<p:sld xmlns:a="http://schemas.openxmlformats.org/drawingml/2006/main" xmlns:r="http://schemas.openxmlformats.org/officeDocument/2006/relationships" xmlns:p="http://schemas.openxmlformats.org/presentationml/2006/main">
+  <p:cSld>
+    <p:spTree>
+      <p:nvGrpSpPr>
+        <p:cNvPr id="1" name=""/>
+        <p:cNvGrpSpPr/>
+        <p:nvPr/>
+      </p:nvGrpSpPr>
+      <p:grpSpPr>
+        <a:xfrm>
+          <a:off x="0" y="0"/>
+          <a:ext cx="0" cy="0"/>
+          <a:chOff x="0" y="0"/>
+          <a:chExt cx="0" cy="0"/>
+        </a:xfrm>
+      </p:grpSpPr>
+      <p:sp>
+        <p:nvSpPr>
+          <p:cNvPr id="4" name="Content Placeholder 3"/>
+          <p:cNvSpPr>
+            <a:spLocks noGrp="1"/>
+          </p:cNvSpPr>
+          <p:nvPr>
+            <p:ph sz="half" idx="2"/>
+          </p:nvPr>
+        </p:nvSpPr>
+        <p:spPr>
+          <a:xfrm>
+            <a:off x="0" y="0"/>
+            <a:ext cx="12192000" cy="6858000"/>
+          </a:xfrm>
+          <a:noFill/>
+        </p:spPr>
+        <p:style>
+          <a:lnRef idx="0">
+            <a:schemeClr val="accent1"/>
+          </a:lnRef>
+          <a:fillRef idx="3">
+            <a:schemeClr val="accent1"/>
+          </a:fillRef>
+          <a:effectRef idx="3">
+            <a:schemeClr val="accent1"/>
+          </a:effectRef>
+          <a:fontRef idx="minor">
+            <a:schemeClr val="lt1"/>
+          </a:fontRef>
+        </p:style>
+        <p:txBody>
+          <a:bodyPr anchor="ctr">
+            <a:normAutofit/>
+          </a:bodyPr>
+          <a:lstStyle/>
+          <a:p>
+            <a:pPr marL="0" indent="0" algn="ctr">
+              <a:buNone/>
+            </a:pPr>
+            <a:r>
+              <a:rPr lang="en-IN" sz="6000" dirty="0" smtClean="0">
+                <a:solidFill>
+                  <a:schemeClr val="accent1">
+                    <a:lumMod val="75000"/>
+                  </a:schemeClr>
+                </a:solidFill>
+              </a:rPr>
+              <a:t>Q &amp; A</a:t>
+            </a:r>
+            <a:endParaRPr lang="en-GB" sz="6000" dirty="0">
+              <a:solidFill>
+                <a:schemeClr val="accent1">
+                  <a:lumMod val="75000"/>
+                </a:schemeClr>
+              </a:solidFill>
+            </a:endParaRPr>
+          </a:p>
+        </p:txBody>
+      </p:sp>
+    </p:spTree>
+    <p:extLst>
+      <p:ext uri="{BB962C8B-B14F-4D97-AF65-F5344CB8AC3E}">
+        <p14:creationId xmlns:p14="http://schemas.microsoft.com/office/powerpoint/2010/main" val="590247916"/>
+      </p:ext>
+    </p:extLst>
+  </p:cSld>
+  <p:clrMapOvr>
+    <a:masterClrMapping/>
+  </p:clrMapOvr>
+  <p:timing>
+    <p:tnLst>
+      <p:par>
+        <p:cTn id="1" dur="indefinite" restart="never" nodeType="tmRoot"/>
+      </p:par>
+    </p:tnLst>
+  </p:timing>
+</p:sld>
+</file>
+
 <file path=ppt/slides/slide2.xml><?xml version="1.0" encoding="utf-8"?>
 <p:sld xmlns:a="http://schemas.openxmlformats.org/drawingml/2006/main" xmlns:r="http://schemas.openxmlformats.org/officeDocument/2006/relationships" xmlns:p="http://schemas.openxmlformats.org/presentationml/2006/main">
   <p:cSld>
@@ -3206,6 +3312,14 @@
   <p:clrMapOvr>
     <a:masterClrMapping/>
   </p:clrMapOvr>
+  <mc:AlternateContent xmlns:mc="http://schemas.openxmlformats.org/markup-compatibility/2006" xmlns:p14="http://schemas.microsoft.com/office/powerpoint/2010/main">
+    <mc:Choice Requires="p14">
+      <p:transition spd="slow" p14:dur="2000"/>
+    </mc:Choice>
+    <mc:Fallback xmlns="">
+      <p:transition spd="slow"/>
+    </mc:Fallback>
+  </mc:AlternateContent>
   <p:timing>
     <p:tnLst>
       <p:par>
@@ -3893,6 +4007,14 @@
   <p:clrMapOvr>
     <a:masterClrMapping/>
   </p:clrMapOvr>
+  <mc:AlternateContent xmlns:mc="http://schemas.openxmlformats.org/markup-compatibility/2006" xmlns:p14="http://schemas.microsoft.com/office/powerpoint/2010/main">
+    <mc:Choice Requires="p14">
+      <p:transition spd="slow" p14:dur="2000"/>
+    </mc:Choice>
+    <mc:Fallback xmlns="">
+      <p:transition spd="slow"/>
+    </mc:Fallback>
+  </mc:AlternateContent>
   <p:timing>
     <p:tnLst>
       <p:par>
@@ -4421,14 +4543,10 @@
             </a:r>
             <a:r>
               <a:rPr lang="en-US" altLang="en-US" sz="2400" dirty="0"/>
-              <a:t> Customize </a:t>
-            </a:r>
-            <a:r>
-              <a:rPr lang="en-US" altLang="en-US" sz="2400"/>
-              <a:t>with </a:t>
-            </a:r>
-            <a:r>
-              <a:rPr lang="en-US" altLang="en-US" sz="2400" smtClean="0"/>
+              <a:t> Customize with </a:t>
+            </a:r>
+            <a:r>
+              <a:rPr lang="en-US" altLang="en-US" sz="2400" dirty="0" smtClean="0"/>
               <a:t>our own </a:t>
             </a:r>
             <a:r>
@@ -4443,8 +4561,12 @@
               </a:spcAft>
             </a:pPr>
             <a:r>
+              <a:rPr lang="en-US" altLang="en-US" sz="2400" b="1" dirty="0"/>
+              <a:t>Error Handling:</a:t>
+            </a:r>
+            <a:r>
               <a:rPr lang="en-US" altLang="en-US" sz="2400" dirty="0"/>
-              <a:t>Error Handling: Reliable error handling for robust scripts.</a:t>
+              <a:t> Reliable error handling for robust scripts.</a:t>
             </a:r>
           </a:p>
           <a:p>
@@ -4454,8 +4576,12 @@
               </a:spcAft>
             </a:pPr>
             <a:r>
+              <a:rPr lang="en-US" altLang="en-US" sz="2400" b="1" dirty="0"/>
+              <a:t>Security:</a:t>
+            </a:r>
+            <a:r>
               <a:rPr lang="en-US" altLang="en-US" sz="2400" dirty="0"/>
-              <a:t>Security: Secure remote management and credential handling. </a:t>
+              <a:t> Secure remote management and credential handling. </a:t>
             </a:r>
           </a:p>
         </p:txBody>
@@ -4470,6 +4596,2300 @@
   <p:clrMapOvr>
     <a:masterClrMapping/>
   </p:clrMapOvr>
+  <p:timing>
+    <p:tnLst>
+      <p:par>
+        <p:cTn id="1" dur="indefinite" restart="never" nodeType="tmRoot"/>
+      </p:par>
+    </p:tnLst>
+  </p:timing>
+</p:sld>
+</file>
+
+<file path=ppt/slides/slide7.xml><?xml version="1.0" encoding="utf-8"?>
+<p:sld xmlns:a="http://schemas.openxmlformats.org/drawingml/2006/main" xmlns:r="http://schemas.openxmlformats.org/officeDocument/2006/relationships" xmlns:p="http://schemas.openxmlformats.org/presentationml/2006/main">
+  <p:cSld>
+    <p:spTree>
+      <p:nvGrpSpPr>
+        <p:cNvPr id="1" name=""/>
+        <p:cNvGrpSpPr/>
+        <p:nvPr/>
+      </p:nvGrpSpPr>
+      <p:grpSpPr>
+        <a:xfrm>
+          <a:off x="0" y="0"/>
+          <a:ext cx="0" cy="0"/>
+          <a:chOff x="0" y="0"/>
+          <a:chExt cx="0" cy="0"/>
+        </a:xfrm>
+      </p:grpSpPr>
+      <p:sp>
+        <p:nvSpPr>
+          <p:cNvPr id="2" name="Title 1"/>
+          <p:cNvSpPr>
+            <a:spLocks noGrp="1"/>
+          </p:cNvSpPr>
+          <p:nvPr>
+            <p:ph type="title"/>
+          </p:nvPr>
+        </p:nvSpPr>
+        <p:spPr>
+          <a:xfrm>
+            <a:off x="838199" y="365125"/>
+            <a:ext cx="11040611" cy="1051783"/>
+          </a:xfrm>
+        </p:spPr>
+        <p:txBody>
+          <a:bodyPr/>
+          <a:lstStyle/>
+          <a:p>
+            <a:r>
+              <a:rPr lang="en-GB" b="1" dirty="0"/>
+              <a:t>History of </a:t>
+            </a:r>
+            <a:r>
+              <a:rPr lang="en-GB" b="1" dirty="0" smtClean="0"/>
+              <a:t>PowerShell</a:t>
+            </a:r>
+            <a:endParaRPr lang="en-GB" dirty="0"/>
+          </a:p>
+        </p:txBody>
+      </p:sp>
+      <p:sp>
+        <p:nvSpPr>
+          <p:cNvPr id="5" name="Rectangle 2"/>
+          <p:cNvSpPr>
+            <a:spLocks noGrp="1" noChangeArrowheads="1"/>
+          </p:cNvSpPr>
+          <p:nvPr>
+            <p:ph idx="1"/>
+          </p:nvPr>
+        </p:nvSpPr>
+        <p:spPr bwMode="auto">
+          <a:xfrm>
+            <a:off x="838198" y="1641540"/>
+            <a:ext cx="11040611" cy="4093428"/>
+          </a:xfrm>
+          <a:prstGeom prst="rect">
+            <a:avLst/>
+          </a:prstGeom>
+          <a:noFill/>
+          <a:ln>
+            <a:noFill/>
+          </a:ln>
+          <a:effectLst/>
+          <a:extLst>
+            <a:ext uri="{909E8E84-426E-40DD-AFC4-6F175D3DCCD1}">
+              <a14:hiddenFill xmlns:a14="http://schemas.microsoft.com/office/drawing/2010/main">
+                <a:solidFill>
+                  <a:schemeClr val="accent1"/>
+                </a:solidFill>
+              </a14:hiddenFill>
+            </a:ext>
+            <a:ext uri="{91240B29-F687-4F45-9708-019B960494DF}">
+              <a14:hiddenLine xmlns:a14="http://schemas.microsoft.com/office/drawing/2010/main" w="9525">
+                <a:solidFill>
+                  <a:schemeClr val="tx1"/>
+                </a:solidFill>
+                <a:miter lim="800000"/>
+                <a:headEnd/>
+                <a:tailEnd/>
+              </a14:hiddenLine>
+            </a:ext>
+            <a:ext uri="{AF507438-7753-43E0-B8FC-AC1667EBCBE1}">
+              <a14:hiddenEffects xmlns:a14="http://schemas.microsoft.com/office/drawing/2010/main">
+                <a:effectLst>
+                  <a:outerShdw dist="35921" dir="2700000" algn="ctr" rotWithShape="0">
+                    <a:schemeClr val="bg2"/>
+                  </a:outerShdw>
+                </a:effectLst>
+              </a14:hiddenEffects>
+            </a:ext>
+          </a:extLst>
+        </p:spPr>
+        <p:txBody>
+          <a:bodyPr vert="horz" wrap="square" lIns="91440" tIns="45720" rIns="91440" bIns="45720" numCol="1" anchor="ctr" anchorCtr="0" compatLnSpc="1">
+            <a:prstTxWarp prst="textNoShape">
+              <a:avLst/>
+            </a:prstTxWarp>
+            <a:spAutoFit/>
+          </a:bodyPr>
+          <a:lstStyle/>
+          <a:p>
+            <a:pPr eaLnBrk="0" fontAlgn="base" hangingPunct="0">
+              <a:lnSpc>
+                <a:spcPct val="100000"/>
+              </a:lnSpc>
+              <a:spcBef>
+                <a:spcPct val="0"/>
+              </a:spcBef>
+              <a:spcAft>
+                <a:spcPct val="0"/>
+              </a:spcAft>
+            </a:pPr>
+            <a:r>
+              <a:rPr kumimoji="0" lang="en-US" altLang="en-US" sz="2000" b="1" i="0" u="none" strike="noStrike" cap="none" normalizeH="0" baseline="0" dirty="0" smtClean="0">
+                <a:ln>
+                  <a:noFill/>
+                </a:ln>
+                <a:solidFill>
+                  <a:schemeClr val="tx1"/>
+                </a:solidFill>
+                <a:effectLst/>
+                <a:latin typeface="Arial" panose="020B0604020202020204" pitchFamily="34" charset="0"/>
+              </a:rPr>
+              <a:t>PowerShell 1.0 (2006) : </a:t>
+            </a:r>
+            <a:r>
+              <a:rPr kumimoji="0" lang="en-US" altLang="en-US" sz="2000" b="0" i="0" u="none" strike="noStrike" cap="none" normalizeH="0" baseline="0" dirty="0" smtClean="0">
+                <a:ln>
+                  <a:noFill/>
+                </a:ln>
+                <a:solidFill>
+                  <a:schemeClr val="tx1"/>
+                </a:solidFill>
+                <a:effectLst/>
+                <a:latin typeface="Arial" panose="020B0604020202020204" pitchFamily="34" charset="0"/>
+              </a:rPr>
+              <a:t>Introduced as a command-line shell and scripting language for Windows system administration, featuring cmdlets and the pipeline.</a:t>
+            </a:r>
+          </a:p>
+          <a:p>
+            <a:pPr eaLnBrk="0" fontAlgn="base" hangingPunct="0">
+              <a:lnSpc>
+                <a:spcPct val="100000"/>
+              </a:lnSpc>
+              <a:spcBef>
+                <a:spcPct val="0"/>
+              </a:spcBef>
+              <a:spcAft>
+                <a:spcPct val="0"/>
+              </a:spcAft>
+            </a:pPr>
+            <a:r>
+              <a:rPr kumimoji="0" lang="en-US" altLang="en-US" sz="2000" b="1" i="0" u="none" strike="noStrike" cap="none" normalizeH="0" baseline="0" dirty="0" smtClean="0">
+                <a:ln>
+                  <a:noFill/>
+                </a:ln>
+                <a:solidFill>
+                  <a:schemeClr val="tx1"/>
+                </a:solidFill>
+                <a:effectLst/>
+                <a:latin typeface="Arial" panose="020B0604020202020204" pitchFamily="34" charset="0"/>
+              </a:rPr>
+              <a:t>PowerShell 2.0 (2009): </a:t>
+            </a:r>
+            <a:r>
+              <a:rPr kumimoji="0" lang="en-US" altLang="en-US" sz="2000" b="0" i="0" u="none" strike="noStrike" cap="none" normalizeH="0" baseline="0" dirty="0" smtClean="0">
+                <a:ln>
+                  <a:noFill/>
+                </a:ln>
+                <a:solidFill>
+                  <a:schemeClr val="tx1"/>
+                </a:solidFill>
+                <a:effectLst/>
+                <a:latin typeface="Arial" panose="020B0604020202020204" pitchFamily="34" charset="0"/>
+              </a:rPr>
+              <a:t>Added remoting, Integrated Scripting Environment (ISE), and enhanced cmdlets.</a:t>
+            </a:r>
+          </a:p>
+          <a:p>
+            <a:pPr eaLnBrk="0" fontAlgn="base" hangingPunct="0">
+              <a:lnSpc>
+                <a:spcPct val="100000"/>
+              </a:lnSpc>
+              <a:spcBef>
+                <a:spcPct val="0"/>
+              </a:spcBef>
+              <a:spcAft>
+                <a:spcPct val="0"/>
+              </a:spcAft>
+            </a:pPr>
+            <a:r>
+              <a:rPr kumimoji="0" lang="en-US" altLang="en-US" sz="2000" b="1" i="0" u="none" strike="noStrike" cap="none" normalizeH="0" baseline="0" dirty="0" smtClean="0">
+                <a:ln>
+                  <a:noFill/>
+                </a:ln>
+                <a:solidFill>
+                  <a:schemeClr val="tx1"/>
+                </a:solidFill>
+                <a:effectLst/>
+                <a:latin typeface="Arial" panose="020B0604020202020204" pitchFamily="34" charset="0"/>
+              </a:rPr>
+              <a:t>PowerShell 3.0 (2012): </a:t>
+            </a:r>
+            <a:r>
+              <a:rPr kumimoji="0" lang="en-US" altLang="en-US" sz="2000" b="0" i="0" u="none" strike="noStrike" cap="none" normalizeH="0" baseline="0" dirty="0" smtClean="0">
+                <a:ln>
+                  <a:noFill/>
+                </a:ln>
+                <a:solidFill>
+                  <a:schemeClr val="tx1"/>
+                </a:solidFill>
+                <a:effectLst/>
+                <a:latin typeface="Arial" panose="020B0604020202020204" pitchFamily="34" charset="0"/>
+              </a:rPr>
+              <a:t>Introduced workflows and improved debugging capabilities.</a:t>
+            </a:r>
+          </a:p>
+          <a:p>
+            <a:pPr eaLnBrk="0" fontAlgn="base" hangingPunct="0">
+              <a:lnSpc>
+                <a:spcPct val="100000"/>
+              </a:lnSpc>
+              <a:spcBef>
+                <a:spcPct val="0"/>
+              </a:spcBef>
+              <a:spcAft>
+                <a:spcPct val="0"/>
+              </a:spcAft>
+            </a:pPr>
+            <a:r>
+              <a:rPr kumimoji="0" lang="en-US" altLang="en-US" sz="2000" b="1" i="0" u="none" strike="noStrike" cap="none" normalizeH="0" baseline="0" dirty="0" smtClean="0">
+                <a:ln>
+                  <a:noFill/>
+                </a:ln>
+                <a:solidFill>
+                  <a:schemeClr val="tx1"/>
+                </a:solidFill>
+                <a:effectLst/>
+                <a:latin typeface="Arial" panose="020B0604020202020204" pitchFamily="34" charset="0"/>
+              </a:rPr>
+              <a:t>PowerShell 4.0 (2013): </a:t>
+            </a:r>
+            <a:r>
+              <a:rPr kumimoji="0" lang="en-US" altLang="en-US" sz="2000" b="0" i="0" u="none" strike="noStrike" cap="none" normalizeH="0" baseline="0" dirty="0" smtClean="0">
+                <a:ln>
+                  <a:noFill/>
+                </a:ln>
+                <a:solidFill>
+                  <a:schemeClr val="tx1"/>
+                </a:solidFill>
+                <a:effectLst/>
+                <a:latin typeface="Arial" panose="020B0604020202020204" pitchFamily="34" charset="0"/>
+              </a:rPr>
+              <a:t>Added Desired State Configuration (DSC) for system configuration management.</a:t>
+            </a:r>
+          </a:p>
+          <a:p>
+            <a:pPr eaLnBrk="0" fontAlgn="base" hangingPunct="0">
+              <a:lnSpc>
+                <a:spcPct val="100000"/>
+              </a:lnSpc>
+              <a:spcBef>
+                <a:spcPct val="0"/>
+              </a:spcBef>
+              <a:spcAft>
+                <a:spcPct val="0"/>
+              </a:spcAft>
+            </a:pPr>
+            <a:r>
+              <a:rPr kumimoji="0" lang="en-US" altLang="en-US" sz="2000" b="1" i="0" u="none" strike="noStrike" cap="none" normalizeH="0" baseline="0" dirty="0" smtClean="0">
+                <a:ln>
+                  <a:noFill/>
+                </a:ln>
+                <a:solidFill>
+                  <a:schemeClr val="tx1"/>
+                </a:solidFill>
+                <a:effectLst/>
+                <a:latin typeface="Arial" panose="020B0604020202020204" pitchFamily="34" charset="0"/>
+              </a:rPr>
+              <a:t>PowerShell 5.0 (2016) : </a:t>
+            </a:r>
+            <a:r>
+              <a:rPr kumimoji="0" lang="en-US" altLang="en-US" sz="2000" b="0" i="0" u="none" strike="noStrike" cap="none" normalizeH="0" baseline="0" dirty="0" smtClean="0">
+                <a:ln>
+                  <a:noFill/>
+                </a:ln>
+                <a:solidFill>
+                  <a:schemeClr val="tx1"/>
+                </a:solidFill>
+                <a:effectLst/>
+                <a:latin typeface="Arial" panose="020B0604020202020204" pitchFamily="34" charset="0"/>
+              </a:rPr>
+              <a:t>Introduced cloud cmdlets, </a:t>
+            </a:r>
+            <a:r>
+              <a:rPr kumimoji="0" lang="en-US" altLang="en-US" sz="2000" b="0" i="0" u="none" strike="noStrike" cap="none" normalizeH="0" baseline="0" dirty="0" err="1" smtClean="0">
+                <a:ln>
+                  <a:noFill/>
+                </a:ln>
+                <a:solidFill>
+                  <a:schemeClr val="tx1"/>
+                </a:solidFill>
+                <a:effectLst/>
+                <a:latin typeface="Arial" panose="020B0604020202020204" pitchFamily="34" charset="0"/>
+              </a:rPr>
+              <a:t>OneGet</a:t>
+            </a:r>
+            <a:r>
+              <a:rPr kumimoji="0" lang="en-US" altLang="en-US" sz="2000" b="0" i="0" u="none" strike="noStrike" cap="none" normalizeH="0" baseline="0" dirty="0" smtClean="0">
+                <a:ln>
+                  <a:noFill/>
+                </a:ln>
+                <a:solidFill>
+                  <a:schemeClr val="tx1"/>
+                </a:solidFill>
+                <a:effectLst/>
+                <a:latin typeface="Arial" panose="020B0604020202020204" pitchFamily="34" charset="0"/>
+              </a:rPr>
+              <a:t>, and the PowerShell Gallery for sharing scripts.</a:t>
+            </a:r>
+          </a:p>
+          <a:p>
+            <a:pPr eaLnBrk="0" fontAlgn="base" hangingPunct="0">
+              <a:lnSpc>
+                <a:spcPct val="100000"/>
+              </a:lnSpc>
+              <a:spcBef>
+                <a:spcPct val="0"/>
+              </a:spcBef>
+              <a:spcAft>
+                <a:spcPct val="0"/>
+              </a:spcAft>
+            </a:pPr>
+            <a:r>
+              <a:rPr kumimoji="0" lang="en-US" altLang="en-US" sz="2000" b="1" i="0" u="none" strike="noStrike" cap="none" normalizeH="0" baseline="0" dirty="0" smtClean="0">
+                <a:ln>
+                  <a:noFill/>
+                </a:ln>
+                <a:solidFill>
+                  <a:schemeClr val="tx1"/>
+                </a:solidFill>
+                <a:effectLst/>
+                <a:latin typeface="Arial" panose="020B0604020202020204" pitchFamily="34" charset="0"/>
+              </a:rPr>
+              <a:t>PowerShell Core 6.0 (2016) :</a:t>
+            </a:r>
+            <a:r>
+              <a:rPr kumimoji="0" lang="en-US" altLang="en-US" sz="2000" b="0" i="0" u="none" strike="noStrike" cap="none" normalizeH="0" baseline="0" dirty="0" smtClean="0">
+                <a:ln>
+                  <a:noFill/>
+                </a:ln>
+                <a:solidFill>
+                  <a:schemeClr val="tx1"/>
+                </a:solidFill>
+                <a:effectLst/>
+                <a:latin typeface="Arial" panose="020B0604020202020204" pitchFamily="34" charset="0"/>
+              </a:rPr>
+              <a:t>Became open-source and cross-platform, running on Windows, </a:t>
+            </a:r>
+            <a:r>
+              <a:rPr kumimoji="0" lang="en-US" altLang="en-US" sz="2000" b="0" i="0" u="none" strike="noStrike" cap="none" normalizeH="0" baseline="0" dirty="0" err="1" smtClean="0">
+                <a:ln>
+                  <a:noFill/>
+                </a:ln>
+                <a:solidFill>
+                  <a:schemeClr val="tx1"/>
+                </a:solidFill>
+                <a:effectLst/>
+                <a:latin typeface="Arial" panose="020B0604020202020204" pitchFamily="34" charset="0"/>
+              </a:rPr>
+              <a:t>macOS</a:t>
+            </a:r>
+            <a:r>
+              <a:rPr kumimoji="0" lang="en-US" altLang="en-US" sz="2000" b="0" i="0" u="none" strike="noStrike" cap="none" normalizeH="0" baseline="0" dirty="0" smtClean="0">
+                <a:ln>
+                  <a:noFill/>
+                </a:ln>
+                <a:solidFill>
+                  <a:schemeClr val="tx1"/>
+                </a:solidFill>
+                <a:effectLst/>
+                <a:latin typeface="Arial" panose="020B0604020202020204" pitchFamily="34" charset="0"/>
+              </a:rPr>
+              <a:t>, and Linux.</a:t>
+            </a:r>
+          </a:p>
+          <a:p>
+            <a:pPr eaLnBrk="0" fontAlgn="base" hangingPunct="0">
+              <a:lnSpc>
+                <a:spcPct val="100000"/>
+              </a:lnSpc>
+              <a:spcBef>
+                <a:spcPct val="0"/>
+              </a:spcBef>
+              <a:spcAft>
+                <a:spcPct val="0"/>
+              </a:spcAft>
+            </a:pPr>
+            <a:r>
+              <a:rPr kumimoji="0" lang="en-US" altLang="en-US" sz="2000" b="1" i="0" u="none" strike="noStrike" cap="none" normalizeH="0" baseline="0" dirty="0" smtClean="0">
+                <a:ln>
+                  <a:noFill/>
+                </a:ln>
+                <a:solidFill>
+                  <a:schemeClr val="tx1"/>
+                </a:solidFill>
+                <a:effectLst/>
+                <a:latin typeface="Arial" panose="020B0604020202020204" pitchFamily="34" charset="0"/>
+              </a:rPr>
+              <a:t>PowerShell 7.0 (2020): </a:t>
+            </a:r>
+            <a:r>
+              <a:rPr kumimoji="0" lang="en-US" altLang="en-US" sz="2000" b="0" i="0" u="none" strike="noStrike" cap="none" normalizeH="0" baseline="0" dirty="0" smtClean="0">
+                <a:ln>
+                  <a:noFill/>
+                </a:ln>
+                <a:solidFill>
+                  <a:schemeClr val="tx1"/>
+                </a:solidFill>
+                <a:effectLst/>
+                <a:latin typeface="Arial" panose="020B0604020202020204" pitchFamily="34" charset="0"/>
+              </a:rPr>
+              <a:t>Continued improvements, including better error handling and cloud integration, while maintaining cross-platform support.</a:t>
+            </a:r>
+          </a:p>
+        </p:txBody>
+      </p:sp>
+    </p:spTree>
+    <p:extLst>
+      <p:ext uri="{BB962C8B-B14F-4D97-AF65-F5344CB8AC3E}">
+        <p14:creationId xmlns:p14="http://schemas.microsoft.com/office/powerpoint/2010/main" val="3908053814"/>
+      </p:ext>
+    </p:extLst>
+  </p:cSld>
+  <p:clrMapOvr>
+    <a:masterClrMapping/>
+  </p:clrMapOvr>
+  <p:timing>
+    <p:tnLst>
+      <p:par>
+        <p:cTn id="1" dur="indefinite" restart="never" nodeType="tmRoot"/>
+      </p:par>
+    </p:tnLst>
+  </p:timing>
+</p:sld>
+</file>
+
+<file path=ppt/slides/slide8.xml><?xml version="1.0" encoding="utf-8"?>
+<p:sld xmlns:a="http://schemas.openxmlformats.org/drawingml/2006/main" xmlns:r="http://schemas.openxmlformats.org/officeDocument/2006/relationships" xmlns:p="http://schemas.openxmlformats.org/presentationml/2006/main">
+  <p:cSld>
+    <p:spTree>
+      <p:nvGrpSpPr>
+        <p:cNvPr id="1" name=""/>
+        <p:cNvGrpSpPr/>
+        <p:nvPr/>
+      </p:nvGrpSpPr>
+      <p:grpSpPr>
+        <a:xfrm>
+          <a:off x="0" y="0"/>
+          <a:ext cx="0" cy="0"/>
+          <a:chOff x="0" y="0"/>
+          <a:chExt cx="0" cy="0"/>
+        </a:xfrm>
+      </p:grpSpPr>
+      <p:sp>
+        <p:nvSpPr>
+          <p:cNvPr id="2" name="Title 1"/>
+          <p:cNvSpPr>
+            <a:spLocks noGrp="1"/>
+          </p:cNvSpPr>
+          <p:nvPr>
+            <p:ph type="title"/>
+          </p:nvPr>
+        </p:nvSpPr>
+        <p:spPr/>
+        <p:txBody>
+          <a:bodyPr>
+            <a:normAutofit/>
+          </a:bodyPr>
+          <a:lstStyle/>
+          <a:p>
+            <a:r>
+              <a:rPr lang="en-GB" b="1" dirty="0"/>
+              <a:t>PowerShell vs Other </a:t>
+            </a:r>
+            <a:r>
+              <a:rPr lang="en-GB" b="1" dirty="0" smtClean="0"/>
+              <a:t>Shells</a:t>
+            </a:r>
+            <a:endParaRPr lang="en-GB" dirty="0"/>
+          </a:p>
+        </p:txBody>
+      </p:sp>
+      <p:graphicFrame>
+        <p:nvGraphicFramePr>
+          <p:cNvPr id="4" name="Content Placeholder 3"/>
+          <p:cNvGraphicFramePr>
+            <a:graphicFrameLocks noGrp="1"/>
+          </p:cNvGraphicFramePr>
+          <p:nvPr>
+            <p:ph idx="1"/>
+            <p:extLst>
+              <p:ext uri="{D42A27DB-BD31-4B8C-83A1-F6EECF244321}">
+                <p14:modId xmlns:p14="http://schemas.microsoft.com/office/powerpoint/2010/main" val="1736538618"/>
+              </p:ext>
+            </p:extLst>
+          </p:nvPr>
+        </p:nvGraphicFramePr>
+        <p:xfrm>
+          <a:off x="838198" y="1690688"/>
+          <a:ext cx="10431163" cy="4792490"/>
+        </p:xfrm>
+        <a:graphic>
+          <a:graphicData uri="http://schemas.openxmlformats.org/drawingml/2006/table">
+            <a:tbl>
+              <a:tblPr/>
+              <a:tblGrid>
+                <a:gridCol w="2269376"/>
+                <a:gridCol w="2269376"/>
+                <a:gridCol w="2269376"/>
+                <a:gridCol w="3623035"/>
+              </a:tblGrid>
+              <a:tr h="581516">
+                <a:tc>
+                  <a:txBody>
+                    <a:bodyPr/>
+                    <a:lstStyle/>
+                    <a:p>
+                      <a:r>
+                        <a:rPr lang="en-GB" sz="1400" dirty="0">
+                          <a:effectLst/>
+                        </a:rPr>
+                        <a:t>Feature</a:t>
+                      </a:r>
+                    </a:p>
+                  </a:txBody>
+                  <a:tcPr marL="98618" marR="98618" marT="45516" marB="45516" anchor="ctr">
+                    <a:lnL w="12700" cap="flat" cmpd="sng" algn="ctr">
+                      <a:solidFill>
+                        <a:schemeClr val="tx1"/>
+                      </a:solidFill>
+                      <a:prstDash val="solid"/>
+                      <a:round/>
+                      <a:headEnd type="none" w="med" len="med"/>
+                      <a:tailEnd type="none" w="med" len="med"/>
+                    </a:lnL>
+                    <a:lnR w="12700" cap="flat" cmpd="sng" algn="ctr">
+                      <a:solidFill>
+                        <a:schemeClr val="tx1"/>
+                      </a:solidFill>
+                      <a:prstDash val="solid"/>
+                      <a:round/>
+                      <a:headEnd type="none" w="med" len="med"/>
+                      <a:tailEnd type="none" w="med" len="med"/>
+                    </a:lnR>
+                    <a:lnT w="12700" cap="flat" cmpd="sng" algn="ctr">
+                      <a:solidFill>
+                        <a:schemeClr val="tx1"/>
+                      </a:solidFill>
+                      <a:prstDash val="solid"/>
+                      <a:round/>
+                      <a:headEnd type="none" w="med" len="med"/>
+                      <a:tailEnd type="none" w="med" len="med"/>
+                    </a:lnT>
+                    <a:lnB w="12700" cap="flat" cmpd="sng" algn="ctr">
+                      <a:solidFill>
+                        <a:schemeClr val="tx1"/>
+                      </a:solidFill>
+                      <a:prstDash val="solid"/>
+                      <a:round/>
+                      <a:headEnd type="none" w="med" len="med"/>
+                      <a:tailEnd type="none" w="med" len="med"/>
+                    </a:lnB>
+                    <a:solidFill>
+                      <a:srgbClr val="FFFFFF"/>
+                    </a:solidFill>
+                  </a:tcPr>
+                </a:tc>
+                <a:tc>
+                  <a:txBody>
+                    <a:bodyPr/>
+                    <a:lstStyle/>
+                    <a:p>
+                      <a:r>
+                        <a:rPr lang="en-GB" sz="1400" b="1">
+                          <a:effectLst/>
+                        </a:rPr>
+                        <a:t>PowerShell</a:t>
+                      </a:r>
+                      <a:endParaRPr lang="en-GB" sz="1400">
+                        <a:effectLst/>
+                      </a:endParaRPr>
+                    </a:p>
+                  </a:txBody>
+                  <a:tcPr marL="98618" marR="98618" marT="45516" marB="45516" anchor="ctr">
+                    <a:lnL w="12700" cap="flat" cmpd="sng" algn="ctr">
+                      <a:solidFill>
+                        <a:schemeClr val="tx1"/>
+                      </a:solidFill>
+                      <a:prstDash val="solid"/>
+                      <a:round/>
+                      <a:headEnd type="none" w="med" len="med"/>
+                      <a:tailEnd type="none" w="med" len="med"/>
+                    </a:lnL>
+                    <a:lnR w="12700" cap="flat" cmpd="sng" algn="ctr">
+                      <a:solidFill>
+                        <a:schemeClr val="tx1"/>
+                      </a:solidFill>
+                      <a:prstDash val="solid"/>
+                      <a:round/>
+                      <a:headEnd type="none" w="med" len="med"/>
+                      <a:tailEnd type="none" w="med" len="med"/>
+                    </a:lnR>
+                    <a:lnT w="12700" cap="flat" cmpd="sng" algn="ctr">
+                      <a:solidFill>
+                        <a:schemeClr val="tx1"/>
+                      </a:solidFill>
+                      <a:prstDash val="solid"/>
+                      <a:round/>
+                      <a:headEnd type="none" w="med" len="med"/>
+                      <a:tailEnd type="none" w="med" len="med"/>
+                    </a:lnT>
+                    <a:lnB w="12700" cap="flat" cmpd="sng" algn="ctr">
+                      <a:solidFill>
+                        <a:schemeClr val="tx1"/>
+                      </a:solidFill>
+                      <a:prstDash val="solid"/>
+                      <a:round/>
+                      <a:headEnd type="none" w="med" len="med"/>
+                      <a:tailEnd type="none" w="med" len="med"/>
+                    </a:lnB>
+                    <a:solidFill>
+                      <a:srgbClr val="FFFFFF"/>
+                    </a:solidFill>
+                  </a:tcPr>
+                </a:tc>
+                <a:tc>
+                  <a:txBody>
+                    <a:bodyPr/>
+                    <a:lstStyle/>
+                    <a:p>
+                      <a:r>
+                        <a:rPr lang="en-GB" sz="1400" b="1">
+                          <a:effectLst/>
+                        </a:rPr>
+                        <a:t>Command Prompt (cmd.exe)</a:t>
+                      </a:r>
+                      <a:endParaRPr lang="en-GB" sz="1400">
+                        <a:effectLst/>
+                      </a:endParaRPr>
+                    </a:p>
+                  </a:txBody>
+                  <a:tcPr marL="98618" marR="98618" marT="45516" marB="45516" anchor="ctr">
+                    <a:lnL w="12700" cap="flat" cmpd="sng" algn="ctr">
+                      <a:solidFill>
+                        <a:schemeClr val="tx1"/>
+                      </a:solidFill>
+                      <a:prstDash val="solid"/>
+                      <a:round/>
+                      <a:headEnd type="none" w="med" len="med"/>
+                      <a:tailEnd type="none" w="med" len="med"/>
+                    </a:lnL>
+                    <a:lnR w="12700" cap="flat" cmpd="sng" algn="ctr">
+                      <a:solidFill>
+                        <a:schemeClr val="tx1"/>
+                      </a:solidFill>
+                      <a:prstDash val="solid"/>
+                      <a:round/>
+                      <a:headEnd type="none" w="med" len="med"/>
+                      <a:tailEnd type="none" w="med" len="med"/>
+                    </a:lnR>
+                    <a:lnT w="12700" cap="flat" cmpd="sng" algn="ctr">
+                      <a:solidFill>
+                        <a:schemeClr val="tx1"/>
+                      </a:solidFill>
+                      <a:prstDash val="solid"/>
+                      <a:round/>
+                      <a:headEnd type="none" w="med" len="med"/>
+                      <a:tailEnd type="none" w="med" len="med"/>
+                    </a:lnT>
+                    <a:lnB w="12700" cap="flat" cmpd="sng" algn="ctr">
+                      <a:solidFill>
+                        <a:schemeClr val="tx1"/>
+                      </a:solidFill>
+                      <a:prstDash val="solid"/>
+                      <a:round/>
+                      <a:headEnd type="none" w="med" len="med"/>
+                      <a:tailEnd type="none" w="med" len="med"/>
+                    </a:lnB>
+                    <a:solidFill>
+                      <a:srgbClr val="FFFFFF"/>
+                    </a:solidFill>
+                  </a:tcPr>
+                </a:tc>
+                <a:tc>
+                  <a:txBody>
+                    <a:bodyPr/>
+                    <a:lstStyle/>
+                    <a:p>
+                      <a:r>
+                        <a:rPr lang="en-GB" sz="1400" b="1">
+                          <a:effectLst/>
+                        </a:rPr>
+                        <a:t>Bash</a:t>
+                      </a:r>
+                      <a:endParaRPr lang="en-GB" sz="1400">
+                        <a:effectLst/>
+                      </a:endParaRPr>
+                    </a:p>
+                  </a:txBody>
+                  <a:tcPr marL="98618" marR="98618" marT="45516" marB="45516" anchor="ctr">
+                    <a:lnL w="12700" cap="flat" cmpd="sng" algn="ctr">
+                      <a:solidFill>
+                        <a:schemeClr val="tx1"/>
+                      </a:solidFill>
+                      <a:prstDash val="solid"/>
+                      <a:round/>
+                      <a:headEnd type="none" w="med" len="med"/>
+                      <a:tailEnd type="none" w="med" len="med"/>
+                    </a:lnL>
+                    <a:lnR w="12700" cap="flat" cmpd="sng" algn="ctr">
+                      <a:solidFill>
+                        <a:schemeClr val="tx1"/>
+                      </a:solidFill>
+                      <a:prstDash val="solid"/>
+                      <a:round/>
+                      <a:headEnd type="none" w="med" len="med"/>
+                      <a:tailEnd type="none" w="med" len="med"/>
+                    </a:lnR>
+                    <a:lnT w="12700" cap="flat" cmpd="sng" algn="ctr">
+                      <a:solidFill>
+                        <a:schemeClr val="tx1"/>
+                      </a:solidFill>
+                      <a:prstDash val="solid"/>
+                      <a:round/>
+                      <a:headEnd type="none" w="med" len="med"/>
+                      <a:tailEnd type="none" w="med" len="med"/>
+                    </a:lnT>
+                    <a:lnB w="12700" cap="flat" cmpd="sng" algn="ctr">
+                      <a:solidFill>
+                        <a:schemeClr val="tx1"/>
+                      </a:solidFill>
+                      <a:prstDash val="solid"/>
+                      <a:round/>
+                      <a:headEnd type="none" w="med" len="med"/>
+                      <a:tailEnd type="none" w="med" len="med"/>
+                    </a:lnB>
+                    <a:solidFill>
+                      <a:srgbClr val="FFFFFF"/>
+                    </a:solidFill>
+                  </a:tcPr>
+                </a:tc>
+              </a:tr>
+              <a:tr h="581516">
+                <a:tc>
+                  <a:txBody>
+                    <a:bodyPr/>
+                    <a:lstStyle/>
+                    <a:p>
+                      <a:r>
+                        <a:rPr lang="en-GB" sz="1400" b="1">
+                          <a:effectLst/>
+                        </a:rPr>
+                        <a:t>Type</a:t>
+                      </a:r>
+                      <a:endParaRPr lang="en-GB" sz="1400">
+                        <a:effectLst/>
+                      </a:endParaRPr>
+                    </a:p>
+                  </a:txBody>
+                  <a:tcPr marL="98618" marR="98618" marT="45516" marB="45516" anchor="ctr">
+                    <a:lnL w="12700" cap="flat" cmpd="sng" algn="ctr">
+                      <a:solidFill>
+                        <a:schemeClr val="tx1"/>
+                      </a:solidFill>
+                      <a:prstDash val="solid"/>
+                      <a:round/>
+                      <a:headEnd type="none" w="med" len="med"/>
+                      <a:tailEnd type="none" w="med" len="med"/>
+                    </a:lnL>
+                    <a:lnR w="12700" cap="flat" cmpd="sng" algn="ctr">
+                      <a:solidFill>
+                        <a:schemeClr val="tx1"/>
+                      </a:solidFill>
+                      <a:prstDash val="solid"/>
+                      <a:round/>
+                      <a:headEnd type="none" w="med" len="med"/>
+                      <a:tailEnd type="none" w="med" len="med"/>
+                    </a:lnR>
+                    <a:lnT w="12700" cap="flat" cmpd="sng" algn="ctr">
+                      <a:solidFill>
+                        <a:schemeClr val="tx1"/>
+                      </a:solidFill>
+                      <a:prstDash val="solid"/>
+                      <a:round/>
+                      <a:headEnd type="none" w="med" len="med"/>
+                      <a:tailEnd type="none" w="med" len="med"/>
+                    </a:lnT>
+                    <a:lnB w="12700" cap="flat" cmpd="sng" algn="ctr">
+                      <a:solidFill>
+                        <a:schemeClr val="tx1"/>
+                      </a:solidFill>
+                      <a:prstDash val="solid"/>
+                      <a:round/>
+                      <a:headEnd type="none" w="med" len="med"/>
+                      <a:tailEnd type="none" w="med" len="med"/>
+                    </a:lnB>
+                    <a:solidFill>
+                      <a:srgbClr val="FFFFFF"/>
+                    </a:solidFill>
+                  </a:tcPr>
+                </a:tc>
+                <a:tc>
+                  <a:txBody>
+                    <a:bodyPr/>
+                    <a:lstStyle/>
+                    <a:p>
+                      <a:r>
+                        <a:rPr lang="en-US" sz="1400" dirty="0">
+                          <a:effectLst/>
+                        </a:rPr>
+                        <a:t>Object-oriented shell and scripting language</a:t>
+                      </a:r>
+                    </a:p>
+                  </a:txBody>
+                  <a:tcPr marL="98618" marR="98618" marT="45516" marB="45516" anchor="ctr">
+                    <a:lnL w="12700" cap="flat" cmpd="sng" algn="ctr">
+                      <a:solidFill>
+                        <a:schemeClr val="tx1"/>
+                      </a:solidFill>
+                      <a:prstDash val="solid"/>
+                      <a:round/>
+                      <a:headEnd type="none" w="med" len="med"/>
+                      <a:tailEnd type="none" w="med" len="med"/>
+                    </a:lnL>
+                    <a:lnR w="12700" cap="flat" cmpd="sng" algn="ctr">
+                      <a:solidFill>
+                        <a:schemeClr val="tx1"/>
+                      </a:solidFill>
+                      <a:prstDash val="solid"/>
+                      <a:round/>
+                      <a:headEnd type="none" w="med" len="med"/>
+                      <a:tailEnd type="none" w="med" len="med"/>
+                    </a:lnR>
+                    <a:lnT w="12700" cap="flat" cmpd="sng" algn="ctr">
+                      <a:solidFill>
+                        <a:schemeClr val="tx1"/>
+                      </a:solidFill>
+                      <a:prstDash val="solid"/>
+                      <a:round/>
+                      <a:headEnd type="none" w="med" len="med"/>
+                      <a:tailEnd type="none" w="med" len="med"/>
+                    </a:lnT>
+                    <a:lnB w="12700" cap="flat" cmpd="sng" algn="ctr">
+                      <a:solidFill>
+                        <a:schemeClr val="tx1"/>
+                      </a:solidFill>
+                      <a:prstDash val="solid"/>
+                      <a:round/>
+                      <a:headEnd type="none" w="med" len="med"/>
+                      <a:tailEnd type="none" w="med" len="med"/>
+                    </a:lnB>
+                    <a:solidFill>
+                      <a:srgbClr val="FFFFFF"/>
+                    </a:solidFill>
+                  </a:tcPr>
+                </a:tc>
+                <a:tc>
+                  <a:txBody>
+                    <a:bodyPr/>
+                    <a:lstStyle/>
+                    <a:p>
+                      <a:r>
+                        <a:rPr lang="en-GB" sz="1400">
+                          <a:effectLst/>
+                        </a:rPr>
+                        <a:t>Text-based command-line interface</a:t>
+                      </a:r>
+                    </a:p>
+                  </a:txBody>
+                  <a:tcPr marL="98618" marR="98618" marT="45516" marB="45516" anchor="ctr">
+                    <a:lnL w="12700" cap="flat" cmpd="sng" algn="ctr">
+                      <a:solidFill>
+                        <a:schemeClr val="tx1"/>
+                      </a:solidFill>
+                      <a:prstDash val="solid"/>
+                      <a:round/>
+                      <a:headEnd type="none" w="med" len="med"/>
+                      <a:tailEnd type="none" w="med" len="med"/>
+                    </a:lnL>
+                    <a:lnR w="12700" cap="flat" cmpd="sng" algn="ctr">
+                      <a:solidFill>
+                        <a:schemeClr val="tx1"/>
+                      </a:solidFill>
+                      <a:prstDash val="solid"/>
+                      <a:round/>
+                      <a:headEnd type="none" w="med" len="med"/>
+                      <a:tailEnd type="none" w="med" len="med"/>
+                    </a:lnR>
+                    <a:lnT w="12700" cap="flat" cmpd="sng" algn="ctr">
+                      <a:solidFill>
+                        <a:schemeClr val="tx1"/>
+                      </a:solidFill>
+                      <a:prstDash val="solid"/>
+                      <a:round/>
+                      <a:headEnd type="none" w="med" len="med"/>
+                      <a:tailEnd type="none" w="med" len="med"/>
+                    </a:lnT>
+                    <a:lnB w="12700" cap="flat" cmpd="sng" algn="ctr">
+                      <a:solidFill>
+                        <a:schemeClr val="tx1"/>
+                      </a:solidFill>
+                      <a:prstDash val="solid"/>
+                      <a:round/>
+                      <a:headEnd type="none" w="med" len="med"/>
+                      <a:tailEnd type="none" w="med" len="med"/>
+                    </a:lnB>
+                    <a:solidFill>
+                      <a:srgbClr val="FFFFFF"/>
+                    </a:solidFill>
+                  </a:tcPr>
+                </a:tc>
+                <a:tc>
+                  <a:txBody>
+                    <a:bodyPr/>
+                    <a:lstStyle/>
+                    <a:p>
+                      <a:r>
+                        <a:rPr lang="en-US" sz="1400">
+                          <a:effectLst/>
+                        </a:rPr>
+                        <a:t>Text-based shell with scripting capabilities</a:t>
+                      </a:r>
+                    </a:p>
+                  </a:txBody>
+                  <a:tcPr marL="98618" marR="98618" marT="45516" marB="45516" anchor="ctr">
+                    <a:lnL w="12700" cap="flat" cmpd="sng" algn="ctr">
+                      <a:solidFill>
+                        <a:schemeClr val="tx1"/>
+                      </a:solidFill>
+                      <a:prstDash val="solid"/>
+                      <a:round/>
+                      <a:headEnd type="none" w="med" len="med"/>
+                      <a:tailEnd type="none" w="med" len="med"/>
+                    </a:lnL>
+                    <a:lnR w="12700" cap="flat" cmpd="sng" algn="ctr">
+                      <a:solidFill>
+                        <a:schemeClr val="tx1"/>
+                      </a:solidFill>
+                      <a:prstDash val="solid"/>
+                      <a:round/>
+                      <a:headEnd type="none" w="med" len="med"/>
+                      <a:tailEnd type="none" w="med" len="med"/>
+                    </a:lnR>
+                    <a:lnT w="12700" cap="flat" cmpd="sng" algn="ctr">
+                      <a:solidFill>
+                        <a:schemeClr val="tx1"/>
+                      </a:solidFill>
+                      <a:prstDash val="solid"/>
+                      <a:round/>
+                      <a:headEnd type="none" w="med" len="med"/>
+                      <a:tailEnd type="none" w="med" len="med"/>
+                    </a:lnT>
+                    <a:lnB w="12700" cap="flat" cmpd="sng" algn="ctr">
+                      <a:solidFill>
+                        <a:schemeClr val="tx1"/>
+                      </a:solidFill>
+                      <a:prstDash val="solid"/>
+                      <a:round/>
+                      <a:headEnd type="none" w="med" len="med"/>
+                      <a:tailEnd type="none" w="med" len="med"/>
+                    </a:lnB>
+                    <a:solidFill>
+                      <a:srgbClr val="FFFFFF"/>
+                    </a:solidFill>
+                  </a:tcPr>
+                </a:tc>
+              </a:tr>
+              <a:tr h="822142">
+                <a:tc>
+                  <a:txBody>
+                    <a:bodyPr/>
+                    <a:lstStyle/>
+                    <a:p>
+                      <a:r>
+                        <a:rPr lang="en-GB" sz="1400" b="1">
+                          <a:effectLst/>
+                        </a:rPr>
+                        <a:t>Output Format</a:t>
+                      </a:r>
+                      <a:endParaRPr lang="en-GB" sz="1400">
+                        <a:effectLst/>
+                      </a:endParaRPr>
+                    </a:p>
+                  </a:txBody>
+                  <a:tcPr marL="98618" marR="98618" marT="45516" marB="45516" anchor="ctr">
+                    <a:lnL w="12700" cap="flat" cmpd="sng" algn="ctr">
+                      <a:solidFill>
+                        <a:schemeClr val="tx1"/>
+                      </a:solidFill>
+                      <a:prstDash val="solid"/>
+                      <a:round/>
+                      <a:headEnd type="none" w="med" len="med"/>
+                      <a:tailEnd type="none" w="med" len="med"/>
+                    </a:lnL>
+                    <a:lnR w="12700" cap="flat" cmpd="sng" algn="ctr">
+                      <a:solidFill>
+                        <a:schemeClr val="tx1"/>
+                      </a:solidFill>
+                      <a:prstDash val="solid"/>
+                      <a:round/>
+                      <a:headEnd type="none" w="med" len="med"/>
+                      <a:tailEnd type="none" w="med" len="med"/>
+                    </a:lnR>
+                    <a:lnT w="12700" cap="flat" cmpd="sng" algn="ctr">
+                      <a:solidFill>
+                        <a:schemeClr val="tx1"/>
+                      </a:solidFill>
+                      <a:prstDash val="solid"/>
+                      <a:round/>
+                      <a:headEnd type="none" w="med" len="med"/>
+                      <a:tailEnd type="none" w="med" len="med"/>
+                    </a:lnT>
+                    <a:lnB w="12700" cap="flat" cmpd="sng" algn="ctr">
+                      <a:solidFill>
+                        <a:schemeClr val="tx1"/>
+                      </a:solidFill>
+                      <a:prstDash val="solid"/>
+                      <a:round/>
+                      <a:headEnd type="none" w="med" len="med"/>
+                      <a:tailEnd type="none" w="med" len="med"/>
+                    </a:lnB>
+                    <a:solidFill>
+                      <a:srgbClr val="FFFFFF"/>
+                    </a:solidFill>
+                  </a:tcPr>
+                </a:tc>
+                <a:tc>
+                  <a:txBody>
+                    <a:bodyPr/>
+                    <a:lstStyle/>
+                    <a:p>
+                      <a:r>
+                        <a:rPr lang="en-GB" sz="1400">
+                          <a:effectLst/>
+                        </a:rPr>
+                        <a:t>Objects (easily manipulated)</a:t>
+                      </a:r>
+                    </a:p>
+                  </a:txBody>
+                  <a:tcPr marL="98618" marR="98618" marT="45516" marB="45516" anchor="ctr">
+                    <a:lnL w="12700" cap="flat" cmpd="sng" algn="ctr">
+                      <a:solidFill>
+                        <a:schemeClr val="tx1"/>
+                      </a:solidFill>
+                      <a:prstDash val="solid"/>
+                      <a:round/>
+                      <a:headEnd type="none" w="med" len="med"/>
+                      <a:tailEnd type="none" w="med" len="med"/>
+                    </a:lnL>
+                    <a:lnR w="12700" cap="flat" cmpd="sng" algn="ctr">
+                      <a:solidFill>
+                        <a:schemeClr val="tx1"/>
+                      </a:solidFill>
+                      <a:prstDash val="solid"/>
+                      <a:round/>
+                      <a:headEnd type="none" w="med" len="med"/>
+                      <a:tailEnd type="none" w="med" len="med"/>
+                    </a:lnR>
+                    <a:lnT w="12700" cap="flat" cmpd="sng" algn="ctr">
+                      <a:solidFill>
+                        <a:schemeClr val="tx1"/>
+                      </a:solidFill>
+                      <a:prstDash val="solid"/>
+                      <a:round/>
+                      <a:headEnd type="none" w="med" len="med"/>
+                      <a:tailEnd type="none" w="med" len="med"/>
+                    </a:lnT>
+                    <a:lnB w="12700" cap="flat" cmpd="sng" algn="ctr">
+                      <a:solidFill>
+                        <a:schemeClr val="tx1"/>
+                      </a:solidFill>
+                      <a:prstDash val="solid"/>
+                      <a:round/>
+                      <a:headEnd type="none" w="med" len="med"/>
+                      <a:tailEnd type="none" w="med" len="med"/>
+                    </a:lnB>
+                    <a:solidFill>
+                      <a:srgbClr val="FFFFFF"/>
+                    </a:solidFill>
+                  </a:tcPr>
+                </a:tc>
+                <a:tc>
+                  <a:txBody>
+                    <a:bodyPr/>
+                    <a:lstStyle/>
+                    <a:p>
+                      <a:r>
+                        <a:rPr lang="en-GB" sz="1400">
+                          <a:effectLst/>
+                        </a:rPr>
+                        <a:t>Text (limited processing)</a:t>
+                      </a:r>
+                    </a:p>
+                  </a:txBody>
+                  <a:tcPr marL="98618" marR="98618" marT="45516" marB="45516" anchor="ctr">
+                    <a:lnL w="12700" cap="flat" cmpd="sng" algn="ctr">
+                      <a:solidFill>
+                        <a:schemeClr val="tx1"/>
+                      </a:solidFill>
+                      <a:prstDash val="solid"/>
+                      <a:round/>
+                      <a:headEnd type="none" w="med" len="med"/>
+                      <a:tailEnd type="none" w="med" len="med"/>
+                    </a:lnL>
+                    <a:lnR w="12700" cap="flat" cmpd="sng" algn="ctr">
+                      <a:solidFill>
+                        <a:schemeClr val="tx1"/>
+                      </a:solidFill>
+                      <a:prstDash val="solid"/>
+                      <a:round/>
+                      <a:headEnd type="none" w="med" len="med"/>
+                      <a:tailEnd type="none" w="med" len="med"/>
+                    </a:lnR>
+                    <a:lnT w="12700" cap="flat" cmpd="sng" algn="ctr">
+                      <a:solidFill>
+                        <a:schemeClr val="tx1"/>
+                      </a:solidFill>
+                      <a:prstDash val="solid"/>
+                      <a:round/>
+                      <a:headEnd type="none" w="med" len="med"/>
+                      <a:tailEnd type="none" w="med" len="med"/>
+                    </a:lnT>
+                    <a:lnB w="12700" cap="flat" cmpd="sng" algn="ctr">
+                      <a:solidFill>
+                        <a:schemeClr val="tx1"/>
+                      </a:solidFill>
+                      <a:prstDash val="solid"/>
+                      <a:round/>
+                      <a:headEnd type="none" w="med" len="med"/>
+                      <a:tailEnd type="none" w="med" len="med"/>
+                    </a:lnB>
+                    <a:solidFill>
+                      <a:srgbClr val="FFFFFF"/>
+                    </a:solidFill>
+                  </a:tcPr>
+                </a:tc>
+                <a:tc>
+                  <a:txBody>
+                    <a:bodyPr/>
+                    <a:lstStyle/>
+                    <a:p>
+                      <a:r>
+                        <a:rPr lang="en-US" sz="1400">
+                          <a:effectLst/>
+                        </a:rPr>
+                        <a:t>Text (often piped into other text-based commands)</a:t>
+                      </a:r>
+                    </a:p>
+                  </a:txBody>
+                  <a:tcPr marL="98618" marR="98618" marT="45516" marB="45516" anchor="ctr">
+                    <a:lnL w="12700" cap="flat" cmpd="sng" algn="ctr">
+                      <a:solidFill>
+                        <a:schemeClr val="tx1"/>
+                      </a:solidFill>
+                      <a:prstDash val="solid"/>
+                      <a:round/>
+                      <a:headEnd type="none" w="med" len="med"/>
+                      <a:tailEnd type="none" w="med" len="med"/>
+                    </a:lnL>
+                    <a:lnR w="12700" cap="flat" cmpd="sng" algn="ctr">
+                      <a:solidFill>
+                        <a:schemeClr val="tx1"/>
+                      </a:solidFill>
+                      <a:prstDash val="solid"/>
+                      <a:round/>
+                      <a:headEnd type="none" w="med" len="med"/>
+                      <a:tailEnd type="none" w="med" len="med"/>
+                    </a:lnR>
+                    <a:lnT w="12700" cap="flat" cmpd="sng" algn="ctr">
+                      <a:solidFill>
+                        <a:schemeClr val="tx1"/>
+                      </a:solidFill>
+                      <a:prstDash val="solid"/>
+                      <a:round/>
+                      <a:headEnd type="none" w="med" len="med"/>
+                      <a:tailEnd type="none" w="med" len="med"/>
+                    </a:lnT>
+                    <a:lnB w="12700" cap="flat" cmpd="sng" algn="ctr">
+                      <a:solidFill>
+                        <a:schemeClr val="tx1"/>
+                      </a:solidFill>
+                      <a:prstDash val="solid"/>
+                      <a:round/>
+                      <a:headEnd type="none" w="med" len="med"/>
+                      <a:tailEnd type="none" w="med" len="med"/>
+                    </a:lnB>
+                    <a:solidFill>
+                      <a:srgbClr val="FFFFFF"/>
+                    </a:solidFill>
+                  </a:tcPr>
+                </a:tc>
+              </a:tr>
+              <a:tr h="581516">
+                <a:tc>
+                  <a:txBody>
+                    <a:bodyPr/>
+                    <a:lstStyle/>
+                    <a:p>
+                      <a:r>
+                        <a:rPr lang="en-GB" sz="1400" b="1">
+                          <a:effectLst/>
+                        </a:rPr>
+                        <a:t>Automation Support</a:t>
+                      </a:r>
+                      <a:endParaRPr lang="en-GB" sz="1400">
+                        <a:effectLst/>
+                      </a:endParaRPr>
+                    </a:p>
+                  </a:txBody>
+                  <a:tcPr marL="98618" marR="98618" marT="45516" marB="45516" anchor="ctr">
+                    <a:lnL w="12700" cap="flat" cmpd="sng" algn="ctr">
+                      <a:solidFill>
+                        <a:schemeClr val="tx1"/>
+                      </a:solidFill>
+                      <a:prstDash val="solid"/>
+                      <a:round/>
+                      <a:headEnd type="none" w="med" len="med"/>
+                      <a:tailEnd type="none" w="med" len="med"/>
+                    </a:lnL>
+                    <a:lnR w="12700" cap="flat" cmpd="sng" algn="ctr">
+                      <a:solidFill>
+                        <a:schemeClr val="tx1"/>
+                      </a:solidFill>
+                      <a:prstDash val="solid"/>
+                      <a:round/>
+                      <a:headEnd type="none" w="med" len="med"/>
+                      <a:tailEnd type="none" w="med" len="med"/>
+                    </a:lnR>
+                    <a:lnT w="12700" cap="flat" cmpd="sng" algn="ctr">
+                      <a:solidFill>
+                        <a:schemeClr val="tx1"/>
+                      </a:solidFill>
+                      <a:prstDash val="solid"/>
+                      <a:round/>
+                      <a:headEnd type="none" w="med" len="med"/>
+                      <a:tailEnd type="none" w="med" len="med"/>
+                    </a:lnT>
+                    <a:lnB w="12700" cap="flat" cmpd="sng" algn="ctr">
+                      <a:solidFill>
+                        <a:schemeClr val="tx1"/>
+                      </a:solidFill>
+                      <a:prstDash val="solid"/>
+                      <a:round/>
+                      <a:headEnd type="none" w="med" len="med"/>
+                      <a:tailEnd type="none" w="med" len="med"/>
+                    </a:lnB>
+                    <a:solidFill>
+                      <a:srgbClr val="FFFFFF"/>
+                    </a:solidFill>
+                  </a:tcPr>
+                </a:tc>
+                <a:tc>
+                  <a:txBody>
+                    <a:bodyPr/>
+                    <a:lstStyle/>
+                    <a:p>
+                      <a:r>
+                        <a:rPr lang="en-US" sz="1400">
+                          <a:effectLst/>
+                        </a:rPr>
+                        <a:t>Extensive automation with cmdlets and scripts</a:t>
+                      </a:r>
+                    </a:p>
+                  </a:txBody>
+                  <a:tcPr marL="98618" marR="98618" marT="45516" marB="45516" anchor="ctr">
+                    <a:lnL w="12700" cap="flat" cmpd="sng" algn="ctr">
+                      <a:solidFill>
+                        <a:schemeClr val="tx1"/>
+                      </a:solidFill>
+                      <a:prstDash val="solid"/>
+                      <a:round/>
+                      <a:headEnd type="none" w="med" len="med"/>
+                      <a:tailEnd type="none" w="med" len="med"/>
+                    </a:lnL>
+                    <a:lnR w="12700" cap="flat" cmpd="sng" algn="ctr">
+                      <a:solidFill>
+                        <a:schemeClr val="tx1"/>
+                      </a:solidFill>
+                      <a:prstDash val="solid"/>
+                      <a:round/>
+                      <a:headEnd type="none" w="med" len="med"/>
+                      <a:tailEnd type="none" w="med" len="med"/>
+                    </a:lnR>
+                    <a:lnT w="12700" cap="flat" cmpd="sng" algn="ctr">
+                      <a:solidFill>
+                        <a:schemeClr val="tx1"/>
+                      </a:solidFill>
+                      <a:prstDash val="solid"/>
+                      <a:round/>
+                      <a:headEnd type="none" w="med" len="med"/>
+                      <a:tailEnd type="none" w="med" len="med"/>
+                    </a:lnT>
+                    <a:lnB w="12700" cap="flat" cmpd="sng" algn="ctr">
+                      <a:solidFill>
+                        <a:schemeClr val="tx1"/>
+                      </a:solidFill>
+                      <a:prstDash val="solid"/>
+                      <a:round/>
+                      <a:headEnd type="none" w="med" len="med"/>
+                      <a:tailEnd type="none" w="med" len="med"/>
+                    </a:lnB>
+                    <a:solidFill>
+                      <a:srgbClr val="FFFFFF"/>
+                    </a:solidFill>
+                  </a:tcPr>
+                </a:tc>
+                <a:tc>
+                  <a:txBody>
+                    <a:bodyPr/>
+                    <a:lstStyle/>
+                    <a:p>
+                      <a:r>
+                        <a:rPr lang="en-US" sz="1400" dirty="0">
+                          <a:effectLst/>
+                        </a:rPr>
+                        <a:t>Basic scripting support (batch files)</a:t>
+                      </a:r>
+                    </a:p>
+                  </a:txBody>
+                  <a:tcPr marL="98618" marR="98618" marT="45516" marB="45516" anchor="ctr">
+                    <a:lnL w="12700" cap="flat" cmpd="sng" algn="ctr">
+                      <a:solidFill>
+                        <a:schemeClr val="tx1"/>
+                      </a:solidFill>
+                      <a:prstDash val="solid"/>
+                      <a:round/>
+                      <a:headEnd type="none" w="med" len="med"/>
+                      <a:tailEnd type="none" w="med" len="med"/>
+                    </a:lnL>
+                    <a:lnR w="12700" cap="flat" cmpd="sng" algn="ctr">
+                      <a:solidFill>
+                        <a:schemeClr val="tx1"/>
+                      </a:solidFill>
+                      <a:prstDash val="solid"/>
+                      <a:round/>
+                      <a:headEnd type="none" w="med" len="med"/>
+                      <a:tailEnd type="none" w="med" len="med"/>
+                    </a:lnR>
+                    <a:lnT w="12700" cap="flat" cmpd="sng" algn="ctr">
+                      <a:solidFill>
+                        <a:schemeClr val="tx1"/>
+                      </a:solidFill>
+                      <a:prstDash val="solid"/>
+                      <a:round/>
+                      <a:headEnd type="none" w="med" len="med"/>
+                      <a:tailEnd type="none" w="med" len="med"/>
+                    </a:lnT>
+                    <a:lnB w="12700" cap="flat" cmpd="sng" algn="ctr">
+                      <a:solidFill>
+                        <a:schemeClr val="tx1"/>
+                      </a:solidFill>
+                      <a:prstDash val="solid"/>
+                      <a:round/>
+                      <a:headEnd type="none" w="med" len="med"/>
+                      <a:tailEnd type="none" w="med" len="med"/>
+                    </a:lnB>
+                    <a:solidFill>
+                      <a:srgbClr val="FFFFFF"/>
+                    </a:solidFill>
+                  </a:tcPr>
+                </a:tc>
+                <a:tc>
+                  <a:txBody>
+                    <a:bodyPr/>
+                    <a:lstStyle/>
+                    <a:p>
+                      <a:r>
+                        <a:rPr lang="en-US" sz="1400">
+                          <a:effectLst/>
+                        </a:rPr>
+                        <a:t>Extensive scripting support (Bash scripts)</a:t>
+                      </a:r>
+                    </a:p>
+                  </a:txBody>
+                  <a:tcPr marL="98618" marR="98618" marT="45516" marB="45516" anchor="ctr">
+                    <a:lnL w="12700" cap="flat" cmpd="sng" algn="ctr">
+                      <a:solidFill>
+                        <a:schemeClr val="tx1"/>
+                      </a:solidFill>
+                      <a:prstDash val="solid"/>
+                      <a:round/>
+                      <a:headEnd type="none" w="med" len="med"/>
+                      <a:tailEnd type="none" w="med" len="med"/>
+                    </a:lnL>
+                    <a:lnR w="12700" cap="flat" cmpd="sng" algn="ctr">
+                      <a:solidFill>
+                        <a:schemeClr val="tx1"/>
+                      </a:solidFill>
+                      <a:prstDash val="solid"/>
+                      <a:round/>
+                      <a:headEnd type="none" w="med" len="med"/>
+                      <a:tailEnd type="none" w="med" len="med"/>
+                    </a:lnR>
+                    <a:lnT w="12700" cap="flat" cmpd="sng" algn="ctr">
+                      <a:solidFill>
+                        <a:schemeClr val="tx1"/>
+                      </a:solidFill>
+                      <a:prstDash val="solid"/>
+                      <a:round/>
+                      <a:headEnd type="none" w="med" len="med"/>
+                      <a:tailEnd type="none" w="med" len="med"/>
+                    </a:lnT>
+                    <a:lnB w="12700" cap="flat" cmpd="sng" algn="ctr">
+                      <a:solidFill>
+                        <a:schemeClr val="tx1"/>
+                      </a:solidFill>
+                      <a:prstDash val="solid"/>
+                      <a:round/>
+                      <a:headEnd type="none" w="med" len="med"/>
+                      <a:tailEnd type="none" w="med" len="med"/>
+                    </a:lnB>
+                    <a:solidFill>
+                      <a:srgbClr val="FFFFFF"/>
+                    </a:solidFill>
+                  </a:tcPr>
+                </a:tc>
+              </a:tr>
+              <a:tr h="822142">
+                <a:tc>
+                  <a:txBody>
+                    <a:bodyPr/>
+                    <a:lstStyle/>
+                    <a:p>
+                      <a:r>
+                        <a:rPr lang="en-GB" sz="1400" b="1">
+                          <a:effectLst/>
+                        </a:rPr>
+                        <a:t>Platform Support</a:t>
+                      </a:r>
+                      <a:endParaRPr lang="en-GB" sz="1400">
+                        <a:effectLst/>
+                      </a:endParaRPr>
+                    </a:p>
+                  </a:txBody>
+                  <a:tcPr marL="98618" marR="98618" marT="45516" marB="45516" anchor="ctr">
+                    <a:lnL w="12700" cap="flat" cmpd="sng" algn="ctr">
+                      <a:solidFill>
+                        <a:schemeClr val="tx1"/>
+                      </a:solidFill>
+                      <a:prstDash val="solid"/>
+                      <a:round/>
+                      <a:headEnd type="none" w="med" len="med"/>
+                      <a:tailEnd type="none" w="med" len="med"/>
+                    </a:lnL>
+                    <a:lnR w="12700" cap="flat" cmpd="sng" algn="ctr">
+                      <a:solidFill>
+                        <a:schemeClr val="tx1"/>
+                      </a:solidFill>
+                      <a:prstDash val="solid"/>
+                      <a:round/>
+                      <a:headEnd type="none" w="med" len="med"/>
+                      <a:tailEnd type="none" w="med" len="med"/>
+                    </a:lnR>
+                    <a:lnT w="12700" cap="flat" cmpd="sng" algn="ctr">
+                      <a:solidFill>
+                        <a:schemeClr val="tx1"/>
+                      </a:solidFill>
+                      <a:prstDash val="solid"/>
+                      <a:round/>
+                      <a:headEnd type="none" w="med" len="med"/>
+                      <a:tailEnd type="none" w="med" len="med"/>
+                    </a:lnT>
+                    <a:lnB w="12700" cap="flat" cmpd="sng" algn="ctr">
+                      <a:solidFill>
+                        <a:schemeClr val="tx1"/>
+                      </a:solidFill>
+                      <a:prstDash val="solid"/>
+                      <a:round/>
+                      <a:headEnd type="none" w="med" len="med"/>
+                      <a:tailEnd type="none" w="med" len="med"/>
+                    </a:lnB>
+                    <a:solidFill>
+                      <a:srgbClr val="FFFFFF"/>
+                    </a:solidFill>
+                  </a:tcPr>
+                </a:tc>
+                <a:tc>
+                  <a:txBody>
+                    <a:bodyPr/>
+                    <a:lstStyle/>
+                    <a:p>
+                      <a:r>
+                        <a:rPr lang="en-GB" sz="1400">
+                          <a:effectLst/>
+                        </a:rPr>
+                        <a:t>Cross-platform (Windows, macOS, Linux)</a:t>
+                      </a:r>
+                    </a:p>
+                  </a:txBody>
+                  <a:tcPr marL="98618" marR="98618" marT="45516" marB="45516" anchor="ctr">
+                    <a:lnL w="12700" cap="flat" cmpd="sng" algn="ctr">
+                      <a:solidFill>
+                        <a:schemeClr val="tx1"/>
+                      </a:solidFill>
+                      <a:prstDash val="solid"/>
+                      <a:round/>
+                      <a:headEnd type="none" w="med" len="med"/>
+                      <a:tailEnd type="none" w="med" len="med"/>
+                    </a:lnL>
+                    <a:lnR w="12700" cap="flat" cmpd="sng" algn="ctr">
+                      <a:solidFill>
+                        <a:schemeClr val="tx1"/>
+                      </a:solidFill>
+                      <a:prstDash val="solid"/>
+                      <a:round/>
+                      <a:headEnd type="none" w="med" len="med"/>
+                      <a:tailEnd type="none" w="med" len="med"/>
+                    </a:lnR>
+                    <a:lnT w="12700" cap="flat" cmpd="sng" algn="ctr">
+                      <a:solidFill>
+                        <a:schemeClr val="tx1"/>
+                      </a:solidFill>
+                      <a:prstDash val="solid"/>
+                      <a:round/>
+                      <a:headEnd type="none" w="med" len="med"/>
+                      <a:tailEnd type="none" w="med" len="med"/>
+                    </a:lnT>
+                    <a:lnB w="12700" cap="flat" cmpd="sng" algn="ctr">
+                      <a:solidFill>
+                        <a:schemeClr val="tx1"/>
+                      </a:solidFill>
+                      <a:prstDash val="solid"/>
+                      <a:round/>
+                      <a:headEnd type="none" w="med" len="med"/>
+                      <a:tailEnd type="none" w="med" len="med"/>
+                    </a:lnB>
+                    <a:solidFill>
+                      <a:srgbClr val="FFFFFF"/>
+                    </a:solidFill>
+                  </a:tcPr>
+                </a:tc>
+                <a:tc>
+                  <a:txBody>
+                    <a:bodyPr/>
+                    <a:lstStyle/>
+                    <a:p>
+                      <a:r>
+                        <a:rPr lang="en-GB" sz="1400">
+                          <a:effectLst/>
+                        </a:rPr>
+                        <a:t>Primarily Windows</a:t>
+                      </a:r>
+                    </a:p>
+                  </a:txBody>
+                  <a:tcPr marL="98618" marR="98618" marT="45516" marB="45516" anchor="ctr">
+                    <a:lnL w="12700" cap="flat" cmpd="sng" algn="ctr">
+                      <a:solidFill>
+                        <a:schemeClr val="tx1"/>
+                      </a:solidFill>
+                      <a:prstDash val="solid"/>
+                      <a:round/>
+                      <a:headEnd type="none" w="med" len="med"/>
+                      <a:tailEnd type="none" w="med" len="med"/>
+                    </a:lnL>
+                    <a:lnR w="12700" cap="flat" cmpd="sng" algn="ctr">
+                      <a:solidFill>
+                        <a:schemeClr val="tx1"/>
+                      </a:solidFill>
+                      <a:prstDash val="solid"/>
+                      <a:round/>
+                      <a:headEnd type="none" w="med" len="med"/>
+                      <a:tailEnd type="none" w="med" len="med"/>
+                    </a:lnR>
+                    <a:lnT w="12700" cap="flat" cmpd="sng" algn="ctr">
+                      <a:solidFill>
+                        <a:schemeClr val="tx1"/>
+                      </a:solidFill>
+                      <a:prstDash val="solid"/>
+                      <a:round/>
+                      <a:headEnd type="none" w="med" len="med"/>
+                      <a:tailEnd type="none" w="med" len="med"/>
+                    </a:lnT>
+                    <a:lnB w="12700" cap="flat" cmpd="sng" algn="ctr">
+                      <a:solidFill>
+                        <a:schemeClr val="tx1"/>
+                      </a:solidFill>
+                      <a:prstDash val="solid"/>
+                      <a:round/>
+                      <a:headEnd type="none" w="med" len="med"/>
+                      <a:tailEnd type="none" w="med" len="med"/>
+                    </a:lnB>
+                    <a:solidFill>
+                      <a:srgbClr val="FFFFFF"/>
+                    </a:solidFill>
+                  </a:tcPr>
+                </a:tc>
+                <a:tc>
+                  <a:txBody>
+                    <a:bodyPr/>
+                    <a:lstStyle/>
+                    <a:p>
+                      <a:r>
+                        <a:rPr lang="en-US" sz="1400">
+                          <a:effectLst/>
+                        </a:rPr>
+                        <a:t>Linux/Unix, macOS (with some Windows support via WSL)</a:t>
+                      </a:r>
+                    </a:p>
+                  </a:txBody>
+                  <a:tcPr marL="98618" marR="98618" marT="45516" marB="45516" anchor="ctr">
+                    <a:lnL w="12700" cap="flat" cmpd="sng" algn="ctr">
+                      <a:solidFill>
+                        <a:schemeClr val="tx1"/>
+                      </a:solidFill>
+                      <a:prstDash val="solid"/>
+                      <a:round/>
+                      <a:headEnd type="none" w="med" len="med"/>
+                      <a:tailEnd type="none" w="med" len="med"/>
+                    </a:lnL>
+                    <a:lnR w="12700" cap="flat" cmpd="sng" algn="ctr">
+                      <a:solidFill>
+                        <a:schemeClr val="tx1"/>
+                      </a:solidFill>
+                      <a:prstDash val="solid"/>
+                      <a:round/>
+                      <a:headEnd type="none" w="med" len="med"/>
+                      <a:tailEnd type="none" w="med" len="med"/>
+                    </a:lnR>
+                    <a:lnT w="12700" cap="flat" cmpd="sng" algn="ctr">
+                      <a:solidFill>
+                        <a:schemeClr val="tx1"/>
+                      </a:solidFill>
+                      <a:prstDash val="solid"/>
+                      <a:round/>
+                      <a:headEnd type="none" w="med" len="med"/>
+                      <a:tailEnd type="none" w="med" len="med"/>
+                    </a:lnT>
+                    <a:lnB w="12700" cap="flat" cmpd="sng" algn="ctr">
+                      <a:solidFill>
+                        <a:schemeClr val="tx1"/>
+                      </a:solidFill>
+                      <a:prstDash val="solid"/>
+                      <a:round/>
+                      <a:headEnd type="none" w="med" len="med"/>
+                      <a:tailEnd type="none" w="med" len="med"/>
+                    </a:lnB>
+                    <a:solidFill>
+                      <a:srgbClr val="FFFFFF"/>
+                    </a:solidFill>
+                  </a:tcPr>
+                </a:tc>
+              </a:tr>
+              <a:tr h="822142">
+                <a:tc>
+                  <a:txBody>
+                    <a:bodyPr/>
+                    <a:lstStyle/>
+                    <a:p>
+                      <a:r>
+                        <a:rPr lang="en-GB" sz="1400" b="1">
+                          <a:effectLst/>
+                        </a:rPr>
+                        <a:t>Integration</a:t>
+                      </a:r>
+                      <a:endParaRPr lang="en-GB" sz="1400">
+                        <a:effectLst/>
+                      </a:endParaRPr>
+                    </a:p>
+                  </a:txBody>
+                  <a:tcPr marL="98618" marR="98618" marT="45516" marB="45516" anchor="ctr">
+                    <a:lnL w="12700" cap="flat" cmpd="sng" algn="ctr">
+                      <a:solidFill>
+                        <a:schemeClr val="tx1"/>
+                      </a:solidFill>
+                      <a:prstDash val="solid"/>
+                      <a:round/>
+                      <a:headEnd type="none" w="med" len="med"/>
+                      <a:tailEnd type="none" w="med" len="med"/>
+                    </a:lnL>
+                    <a:lnR w="12700" cap="flat" cmpd="sng" algn="ctr">
+                      <a:solidFill>
+                        <a:schemeClr val="tx1"/>
+                      </a:solidFill>
+                      <a:prstDash val="solid"/>
+                      <a:round/>
+                      <a:headEnd type="none" w="med" len="med"/>
+                      <a:tailEnd type="none" w="med" len="med"/>
+                    </a:lnR>
+                    <a:lnT w="12700" cap="flat" cmpd="sng" algn="ctr">
+                      <a:solidFill>
+                        <a:schemeClr val="tx1"/>
+                      </a:solidFill>
+                      <a:prstDash val="solid"/>
+                      <a:round/>
+                      <a:headEnd type="none" w="med" len="med"/>
+                      <a:tailEnd type="none" w="med" len="med"/>
+                    </a:lnT>
+                    <a:lnB w="12700" cap="flat" cmpd="sng" algn="ctr">
+                      <a:solidFill>
+                        <a:schemeClr val="tx1"/>
+                      </a:solidFill>
+                      <a:prstDash val="solid"/>
+                      <a:round/>
+                      <a:headEnd type="none" w="med" len="med"/>
+                      <a:tailEnd type="none" w="med" len="med"/>
+                    </a:lnB>
+                    <a:solidFill>
+                      <a:srgbClr val="FFFFFF"/>
+                    </a:solidFill>
+                  </a:tcPr>
+                </a:tc>
+                <a:tc>
+                  <a:txBody>
+                    <a:bodyPr/>
+                    <a:lstStyle/>
+                    <a:p>
+                      <a:r>
+                        <a:rPr lang="en-US" sz="1400">
+                          <a:effectLst/>
+                        </a:rPr>
+                        <a:t>Deep integration with Windows, .NET, Azure, and more</a:t>
+                      </a:r>
+                    </a:p>
+                  </a:txBody>
+                  <a:tcPr marL="98618" marR="98618" marT="45516" marB="45516" anchor="ctr">
+                    <a:lnL w="12700" cap="flat" cmpd="sng" algn="ctr">
+                      <a:solidFill>
+                        <a:schemeClr val="tx1"/>
+                      </a:solidFill>
+                      <a:prstDash val="solid"/>
+                      <a:round/>
+                      <a:headEnd type="none" w="med" len="med"/>
+                      <a:tailEnd type="none" w="med" len="med"/>
+                    </a:lnL>
+                    <a:lnR w="12700" cap="flat" cmpd="sng" algn="ctr">
+                      <a:solidFill>
+                        <a:schemeClr val="tx1"/>
+                      </a:solidFill>
+                      <a:prstDash val="solid"/>
+                      <a:round/>
+                      <a:headEnd type="none" w="med" len="med"/>
+                      <a:tailEnd type="none" w="med" len="med"/>
+                    </a:lnR>
+                    <a:lnT w="12700" cap="flat" cmpd="sng" algn="ctr">
+                      <a:solidFill>
+                        <a:schemeClr val="tx1"/>
+                      </a:solidFill>
+                      <a:prstDash val="solid"/>
+                      <a:round/>
+                      <a:headEnd type="none" w="med" len="med"/>
+                      <a:tailEnd type="none" w="med" len="med"/>
+                    </a:lnT>
+                    <a:lnB w="12700" cap="flat" cmpd="sng" algn="ctr">
+                      <a:solidFill>
+                        <a:schemeClr val="tx1"/>
+                      </a:solidFill>
+                      <a:prstDash val="solid"/>
+                      <a:round/>
+                      <a:headEnd type="none" w="med" len="med"/>
+                      <a:tailEnd type="none" w="med" len="med"/>
+                    </a:lnB>
+                    <a:solidFill>
+                      <a:srgbClr val="FFFFFF"/>
+                    </a:solidFill>
+                  </a:tcPr>
+                </a:tc>
+                <a:tc>
+                  <a:txBody>
+                    <a:bodyPr/>
+                    <a:lstStyle/>
+                    <a:p>
+                      <a:r>
+                        <a:rPr lang="en-US" sz="1400">
+                          <a:effectLst/>
+                        </a:rPr>
+                        <a:t>Limited integration with Windows features</a:t>
+                      </a:r>
+                    </a:p>
+                  </a:txBody>
+                  <a:tcPr marL="98618" marR="98618" marT="45516" marB="45516" anchor="ctr">
+                    <a:lnL w="12700" cap="flat" cmpd="sng" algn="ctr">
+                      <a:solidFill>
+                        <a:schemeClr val="tx1"/>
+                      </a:solidFill>
+                      <a:prstDash val="solid"/>
+                      <a:round/>
+                      <a:headEnd type="none" w="med" len="med"/>
+                      <a:tailEnd type="none" w="med" len="med"/>
+                    </a:lnL>
+                    <a:lnR w="12700" cap="flat" cmpd="sng" algn="ctr">
+                      <a:solidFill>
+                        <a:schemeClr val="tx1"/>
+                      </a:solidFill>
+                      <a:prstDash val="solid"/>
+                      <a:round/>
+                      <a:headEnd type="none" w="med" len="med"/>
+                      <a:tailEnd type="none" w="med" len="med"/>
+                    </a:lnR>
+                    <a:lnT w="12700" cap="flat" cmpd="sng" algn="ctr">
+                      <a:solidFill>
+                        <a:schemeClr val="tx1"/>
+                      </a:solidFill>
+                      <a:prstDash val="solid"/>
+                      <a:round/>
+                      <a:headEnd type="none" w="med" len="med"/>
+                      <a:tailEnd type="none" w="med" len="med"/>
+                    </a:lnT>
+                    <a:lnB w="12700" cap="flat" cmpd="sng" algn="ctr">
+                      <a:solidFill>
+                        <a:schemeClr val="tx1"/>
+                      </a:solidFill>
+                      <a:prstDash val="solid"/>
+                      <a:round/>
+                      <a:headEnd type="none" w="med" len="med"/>
+                      <a:tailEnd type="none" w="med" len="med"/>
+                    </a:lnB>
+                    <a:solidFill>
+                      <a:srgbClr val="FFFFFF"/>
+                    </a:solidFill>
+                  </a:tcPr>
+                </a:tc>
+                <a:tc>
+                  <a:txBody>
+                    <a:bodyPr/>
+                    <a:lstStyle/>
+                    <a:p>
+                      <a:r>
+                        <a:rPr lang="en-US" sz="1400">
+                          <a:effectLst/>
+                        </a:rPr>
+                        <a:t>Integrated with Linux tools and utilities</a:t>
+                      </a:r>
+                    </a:p>
+                  </a:txBody>
+                  <a:tcPr marL="98618" marR="98618" marT="45516" marB="45516" anchor="ctr">
+                    <a:lnL w="12700" cap="flat" cmpd="sng" algn="ctr">
+                      <a:solidFill>
+                        <a:schemeClr val="tx1"/>
+                      </a:solidFill>
+                      <a:prstDash val="solid"/>
+                      <a:round/>
+                      <a:headEnd type="none" w="med" len="med"/>
+                      <a:tailEnd type="none" w="med" len="med"/>
+                    </a:lnL>
+                    <a:lnR w="12700" cap="flat" cmpd="sng" algn="ctr">
+                      <a:solidFill>
+                        <a:schemeClr val="tx1"/>
+                      </a:solidFill>
+                      <a:prstDash val="solid"/>
+                      <a:round/>
+                      <a:headEnd type="none" w="med" len="med"/>
+                      <a:tailEnd type="none" w="med" len="med"/>
+                    </a:lnR>
+                    <a:lnT w="12700" cap="flat" cmpd="sng" algn="ctr">
+                      <a:solidFill>
+                        <a:schemeClr val="tx1"/>
+                      </a:solidFill>
+                      <a:prstDash val="solid"/>
+                      <a:round/>
+                      <a:headEnd type="none" w="med" len="med"/>
+                      <a:tailEnd type="none" w="med" len="med"/>
+                    </a:lnT>
+                    <a:lnB w="12700" cap="flat" cmpd="sng" algn="ctr">
+                      <a:solidFill>
+                        <a:schemeClr val="tx1"/>
+                      </a:solidFill>
+                      <a:prstDash val="solid"/>
+                      <a:round/>
+                      <a:headEnd type="none" w="med" len="med"/>
+                      <a:tailEnd type="none" w="med" len="med"/>
+                    </a:lnB>
+                    <a:solidFill>
+                      <a:srgbClr val="FFFFFF"/>
+                    </a:solidFill>
+                  </a:tcPr>
+                </a:tc>
+              </a:tr>
+              <a:tr h="581516">
+                <a:tc>
+                  <a:txBody>
+                    <a:bodyPr/>
+                    <a:lstStyle/>
+                    <a:p>
+                      <a:r>
+                        <a:rPr lang="en-GB" sz="1400" b="1">
+                          <a:effectLst/>
+                        </a:rPr>
+                        <a:t>Learning Curve</a:t>
+                      </a:r>
+                      <a:endParaRPr lang="en-GB" sz="1400">
+                        <a:effectLst/>
+                      </a:endParaRPr>
+                    </a:p>
+                  </a:txBody>
+                  <a:tcPr marL="98618" marR="98618" marT="45516" marB="45516" anchor="ctr">
+                    <a:lnL w="12700" cap="flat" cmpd="sng" algn="ctr">
+                      <a:solidFill>
+                        <a:schemeClr val="tx1"/>
+                      </a:solidFill>
+                      <a:prstDash val="solid"/>
+                      <a:round/>
+                      <a:headEnd type="none" w="med" len="med"/>
+                      <a:tailEnd type="none" w="med" len="med"/>
+                    </a:lnL>
+                    <a:lnR w="12700" cap="flat" cmpd="sng" algn="ctr">
+                      <a:solidFill>
+                        <a:schemeClr val="tx1"/>
+                      </a:solidFill>
+                      <a:prstDash val="solid"/>
+                      <a:round/>
+                      <a:headEnd type="none" w="med" len="med"/>
+                      <a:tailEnd type="none" w="med" len="med"/>
+                    </a:lnR>
+                    <a:lnT w="12700" cap="flat" cmpd="sng" algn="ctr">
+                      <a:solidFill>
+                        <a:schemeClr val="tx1"/>
+                      </a:solidFill>
+                      <a:prstDash val="solid"/>
+                      <a:round/>
+                      <a:headEnd type="none" w="med" len="med"/>
+                      <a:tailEnd type="none" w="med" len="med"/>
+                    </a:lnT>
+                    <a:lnB w="12700" cap="flat" cmpd="sng" algn="ctr">
+                      <a:solidFill>
+                        <a:schemeClr val="tx1"/>
+                      </a:solidFill>
+                      <a:prstDash val="solid"/>
+                      <a:round/>
+                      <a:headEnd type="none" w="med" len="med"/>
+                      <a:tailEnd type="none" w="med" len="med"/>
+                    </a:lnB>
+                    <a:solidFill>
+                      <a:srgbClr val="FFFFFF"/>
+                    </a:solidFill>
+                  </a:tcPr>
+                </a:tc>
+                <a:tc>
+                  <a:txBody>
+                    <a:bodyPr/>
+                    <a:lstStyle/>
+                    <a:p>
+                      <a:r>
+                        <a:rPr lang="en-US" sz="1400">
+                          <a:effectLst/>
+                        </a:rPr>
+                        <a:t>Moderate to High (due to cmdlets, objects, etc.)</a:t>
+                      </a:r>
+                    </a:p>
+                  </a:txBody>
+                  <a:tcPr marL="98618" marR="98618" marT="45516" marB="45516" anchor="ctr">
+                    <a:lnL w="12700" cap="flat" cmpd="sng" algn="ctr">
+                      <a:solidFill>
+                        <a:schemeClr val="tx1"/>
+                      </a:solidFill>
+                      <a:prstDash val="solid"/>
+                      <a:round/>
+                      <a:headEnd type="none" w="med" len="med"/>
+                      <a:tailEnd type="none" w="med" len="med"/>
+                    </a:lnL>
+                    <a:lnR w="12700" cap="flat" cmpd="sng" algn="ctr">
+                      <a:solidFill>
+                        <a:schemeClr val="tx1"/>
+                      </a:solidFill>
+                      <a:prstDash val="solid"/>
+                      <a:round/>
+                      <a:headEnd type="none" w="med" len="med"/>
+                      <a:tailEnd type="none" w="med" len="med"/>
+                    </a:lnR>
+                    <a:lnT w="12700" cap="flat" cmpd="sng" algn="ctr">
+                      <a:solidFill>
+                        <a:schemeClr val="tx1"/>
+                      </a:solidFill>
+                      <a:prstDash val="solid"/>
+                      <a:round/>
+                      <a:headEnd type="none" w="med" len="med"/>
+                      <a:tailEnd type="none" w="med" len="med"/>
+                    </a:lnT>
+                    <a:lnB w="12700" cap="flat" cmpd="sng" algn="ctr">
+                      <a:solidFill>
+                        <a:schemeClr val="tx1"/>
+                      </a:solidFill>
+                      <a:prstDash val="solid"/>
+                      <a:round/>
+                      <a:headEnd type="none" w="med" len="med"/>
+                      <a:tailEnd type="none" w="med" len="med"/>
+                    </a:lnB>
+                    <a:solidFill>
+                      <a:srgbClr val="FFFFFF"/>
+                    </a:solidFill>
+                  </a:tcPr>
+                </a:tc>
+                <a:tc>
+                  <a:txBody>
+                    <a:bodyPr/>
+                    <a:lstStyle/>
+                    <a:p>
+                      <a:r>
+                        <a:rPr lang="en-GB" sz="1400">
+                          <a:effectLst/>
+                        </a:rPr>
+                        <a:t>Low (simple text-based commands)</a:t>
+                      </a:r>
+                    </a:p>
+                  </a:txBody>
+                  <a:tcPr marL="98618" marR="98618" marT="45516" marB="45516" anchor="ctr">
+                    <a:lnL w="12700" cap="flat" cmpd="sng" algn="ctr">
+                      <a:solidFill>
+                        <a:schemeClr val="tx1"/>
+                      </a:solidFill>
+                      <a:prstDash val="solid"/>
+                      <a:round/>
+                      <a:headEnd type="none" w="med" len="med"/>
+                      <a:tailEnd type="none" w="med" len="med"/>
+                    </a:lnL>
+                    <a:lnR w="12700" cap="flat" cmpd="sng" algn="ctr">
+                      <a:solidFill>
+                        <a:schemeClr val="tx1"/>
+                      </a:solidFill>
+                      <a:prstDash val="solid"/>
+                      <a:round/>
+                      <a:headEnd type="none" w="med" len="med"/>
+                      <a:tailEnd type="none" w="med" len="med"/>
+                    </a:lnR>
+                    <a:lnT w="12700" cap="flat" cmpd="sng" algn="ctr">
+                      <a:solidFill>
+                        <a:schemeClr val="tx1"/>
+                      </a:solidFill>
+                      <a:prstDash val="solid"/>
+                      <a:round/>
+                      <a:headEnd type="none" w="med" len="med"/>
+                      <a:tailEnd type="none" w="med" len="med"/>
+                    </a:lnT>
+                    <a:lnB w="12700" cap="flat" cmpd="sng" algn="ctr">
+                      <a:solidFill>
+                        <a:schemeClr val="tx1"/>
+                      </a:solidFill>
+                      <a:prstDash val="solid"/>
+                      <a:round/>
+                      <a:headEnd type="none" w="med" len="med"/>
+                      <a:tailEnd type="none" w="med" len="med"/>
+                    </a:lnB>
+                    <a:solidFill>
+                      <a:srgbClr val="FFFFFF"/>
+                    </a:solidFill>
+                  </a:tcPr>
+                </a:tc>
+                <a:tc>
+                  <a:txBody>
+                    <a:bodyPr/>
+                    <a:lstStyle/>
+                    <a:p>
+                      <a:r>
+                        <a:rPr lang="en-US" sz="1400" dirty="0">
+                          <a:effectLst/>
+                        </a:rPr>
+                        <a:t>Moderate (due to scripting capabilities)</a:t>
+                      </a:r>
+                    </a:p>
+                  </a:txBody>
+                  <a:tcPr marL="98618" marR="98618" marT="45516" marB="45516" anchor="ctr">
+                    <a:lnL w="12700" cap="flat" cmpd="sng" algn="ctr">
+                      <a:solidFill>
+                        <a:schemeClr val="tx1"/>
+                      </a:solidFill>
+                      <a:prstDash val="solid"/>
+                      <a:round/>
+                      <a:headEnd type="none" w="med" len="med"/>
+                      <a:tailEnd type="none" w="med" len="med"/>
+                    </a:lnL>
+                    <a:lnR w="12700" cap="flat" cmpd="sng" algn="ctr">
+                      <a:solidFill>
+                        <a:schemeClr val="tx1"/>
+                      </a:solidFill>
+                      <a:prstDash val="solid"/>
+                      <a:round/>
+                      <a:headEnd type="none" w="med" len="med"/>
+                      <a:tailEnd type="none" w="med" len="med"/>
+                    </a:lnR>
+                    <a:lnT w="12700" cap="flat" cmpd="sng" algn="ctr">
+                      <a:solidFill>
+                        <a:schemeClr val="tx1"/>
+                      </a:solidFill>
+                      <a:prstDash val="solid"/>
+                      <a:round/>
+                      <a:headEnd type="none" w="med" len="med"/>
+                      <a:tailEnd type="none" w="med" len="med"/>
+                    </a:lnT>
+                    <a:lnB w="12700" cap="flat" cmpd="sng" algn="ctr">
+                      <a:solidFill>
+                        <a:schemeClr val="tx1"/>
+                      </a:solidFill>
+                      <a:prstDash val="solid"/>
+                      <a:round/>
+                      <a:headEnd type="none" w="med" len="med"/>
+                      <a:tailEnd type="none" w="med" len="med"/>
+                    </a:lnB>
+                    <a:solidFill>
+                      <a:srgbClr val="FFFFFF"/>
+                    </a:solidFill>
+                  </a:tcPr>
+                </a:tc>
+              </a:tr>
+            </a:tbl>
+          </a:graphicData>
+        </a:graphic>
+      </p:graphicFrame>
+    </p:spTree>
+    <p:extLst>
+      <p:ext uri="{BB962C8B-B14F-4D97-AF65-F5344CB8AC3E}">
+        <p14:creationId xmlns:p14="http://schemas.microsoft.com/office/powerpoint/2010/main" val="2898675647"/>
+      </p:ext>
+    </p:extLst>
+  </p:cSld>
+  <p:clrMapOvr>
+    <a:masterClrMapping/>
+  </p:clrMapOvr>
+  <p:timing>
+    <p:tnLst>
+      <p:par>
+        <p:cTn id="1" dur="indefinite" restart="never" nodeType="tmRoot"/>
+      </p:par>
+    </p:tnLst>
+  </p:timing>
+</p:sld>
+</file>
+
+<file path=ppt/slides/slide9.xml><?xml version="1.0" encoding="utf-8"?>
+<p:sld xmlns:a="http://schemas.openxmlformats.org/drawingml/2006/main" xmlns:r="http://schemas.openxmlformats.org/officeDocument/2006/relationships" xmlns:p="http://schemas.openxmlformats.org/presentationml/2006/main">
+  <p:cSld>
+    <p:spTree>
+      <p:nvGrpSpPr>
+        <p:cNvPr id="1" name=""/>
+        <p:cNvGrpSpPr/>
+        <p:nvPr/>
+      </p:nvGrpSpPr>
+      <p:grpSpPr>
+        <a:xfrm>
+          <a:off x="0" y="0"/>
+          <a:ext cx="0" cy="0"/>
+          <a:chOff x="0" y="0"/>
+          <a:chExt cx="0" cy="0"/>
+        </a:xfrm>
+      </p:grpSpPr>
+      <p:sp>
+        <p:nvSpPr>
+          <p:cNvPr id="4" name="Content Placeholder 3"/>
+          <p:cNvSpPr>
+            <a:spLocks noGrp="1"/>
+          </p:cNvSpPr>
+          <p:nvPr>
+            <p:ph sz="half" idx="2"/>
+          </p:nvPr>
+        </p:nvSpPr>
+        <p:spPr>
+          <a:xfrm>
+            <a:off x="0" y="0"/>
+            <a:ext cx="3525795" cy="6858000"/>
+          </a:xfrm>
+        </p:spPr>
+        <p:style>
+          <a:lnRef idx="0">
+            <a:schemeClr val="accent1"/>
+          </a:lnRef>
+          <a:fillRef idx="3">
+            <a:schemeClr val="accent1"/>
+          </a:fillRef>
+          <a:effectRef idx="3">
+            <a:schemeClr val="accent1"/>
+          </a:effectRef>
+          <a:fontRef idx="minor">
+            <a:schemeClr val="lt1"/>
+          </a:fontRef>
+        </p:style>
+        <p:txBody>
+          <a:bodyPr anchor="ctr"/>
+          <a:lstStyle/>
+          <a:p>
+            <a:pPr marL="0" indent="0" algn="ctr">
+              <a:buNone/>
+            </a:pPr>
+            <a:r>
+              <a:rPr lang="en-IN" dirty="0" smtClean="0"/>
+              <a:t>Demo</a:t>
+            </a:r>
+            <a:endParaRPr lang="en-GB" dirty="0"/>
+          </a:p>
+        </p:txBody>
+      </p:sp>
+      <p:sp>
+        <p:nvSpPr>
+          <p:cNvPr id="6" name="Content Placeholder 5"/>
+          <p:cNvSpPr>
+            <a:spLocks noGrp="1"/>
+          </p:cNvSpPr>
+          <p:nvPr>
+            <p:ph sz="quarter" idx="4"/>
+          </p:nvPr>
+        </p:nvSpPr>
+        <p:spPr>
+          <a:xfrm>
+            <a:off x="3525794" y="0"/>
+            <a:ext cx="8666205" cy="6858000"/>
+          </a:xfrm>
+        </p:spPr>
+        <p:txBody>
+          <a:bodyPr anchor="ctr"/>
+          <a:lstStyle/>
+          <a:p>
+            <a:r>
+              <a:rPr lang="en-IN" dirty="0" smtClean="0"/>
+              <a:t>Hello World</a:t>
+            </a:r>
+          </a:p>
+          <a:p>
+            <a:r>
+              <a:rPr lang="en-IN" dirty="0" smtClean="0"/>
+              <a:t>Get current location</a:t>
+            </a:r>
+          </a:p>
+          <a:p>
+            <a:r>
+              <a:rPr lang="en-IN" dirty="0" smtClean="0"/>
+              <a:t>Get all items in the current folder</a:t>
+            </a:r>
+          </a:p>
+          <a:p>
+            <a:r>
+              <a:rPr lang="en-IN" dirty="0" smtClean="0"/>
+              <a:t>Get all drives in the current system</a:t>
+            </a:r>
+          </a:p>
+          <a:p>
+            <a:r>
+              <a:rPr lang="en-IN" dirty="0" smtClean="0"/>
+              <a:t>Get all services</a:t>
+            </a:r>
+          </a:p>
+          <a:p>
+            <a:r>
+              <a:rPr lang="en-IN" dirty="0" smtClean="0"/>
+              <a:t>Get all </a:t>
+            </a:r>
+            <a:r>
+              <a:rPr lang="en-GB" dirty="0" smtClean="0"/>
+              <a:t>processes</a:t>
+            </a:r>
+            <a:endParaRPr lang="en-IN" dirty="0"/>
+          </a:p>
+          <a:p>
+            <a:r>
+              <a:rPr lang="en-IN" dirty="0" smtClean="0"/>
+              <a:t>Get help</a:t>
+            </a:r>
+            <a:endParaRPr lang="en-IN" dirty="0"/>
+          </a:p>
+        </p:txBody>
+      </p:sp>
+    </p:spTree>
+    <p:extLst>
+      <p:ext uri="{BB962C8B-B14F-4D97-AF65-F5344CB8AC3E}">
+        <p14:creationId xmlns:p14="http://schemas.microsoft.com/office/powerpoint/2010/main" val="3840072570"/>
+      </p:ext>
+    </p:extLst>
+  </p:cSld>
+  <p:clrMapOvr>
+    <a:masterClrMapping/>
+  </p:clrMapOvr>
+  <p:timing>
+    <p:tnLst>
+      <p:par>
+        <p:cTn id="1" dur="indefinite" restart="never" nodeType="tmRoot"/>
+      </p:par>
+    </p:tnLst>
+  </p:timing>
 </p:sld>
 </file>
 

--- a/PowerShell/Day1/PowerShell.pptx
+++ b/PowerShell/Day1/PowerShell.pptx
@@ -2,19 +2,22 @@
 <file path=ppt/presentation.xml><?xml version="1.0" encoding="utf-8"?>
 <p:presentation xmlns:a="http://schemas.openxmlformats.org/drawingml/2006/main" xmlns:r="http://schemas.openxmlformats.org/officeDocument/2006/relationships" xmlns:p="http://schemas.openxmlformats.org/presentationml/2006/main" saveSubsetFonts="1">
   <p:sldMasterIdLst>
-    <p:sldMasterId id="2147483648" r:id="rId1"/>
+    <p:sldMasterId id="2147483718" r:id="rId1"/>
   </p:sldMasterIdLst>
   <p:sldIdLst>
     <p:sldId id="256" r:id="rId2"/>
     <p:sldId id="257" r:id="rId3"/>
-    <p:sldId id="258" r:id="rId4"/>
-    <p:sldId id="261" r:id="rId5"/>
-    <p:sldId id="260" r:id="rId6"/>
-    <p:sldId id="263" r:id="rId7"/>
-    <p:sldId id="264" r:id="rId8"/>
-    <p:sldId id="265" r:id="rId9"/>
-    <p:sldId id="266" r:id="rId10"/>
-    <p:sldId id="267" r:id="rId11"/>
+    <p:sldId id="270" r:id="rId4"/>
+    <p:sldId id="276" r:id="rId5"/>
+    <p:sldId id="271" r:id="rId6"/>
+    <p:sldId id="273" r:id="rId7"/>
+    <p:sldId id="277" r:id="rId8"/>
+    <p:sldId id="278" r:id="rId9"/>
+    <p:sldId id="272" r:id="rId10"/>
+    <p:sldId id="279" r:id="rId11"/>
+    <p:sldId id="258" r:id="rId12"/>
+    <p:sldId id="266" r:id="rId13"/>
+    <p:sldId id="267" r:id="rId14"/>
   </p:sldIdLst>
   <p:sldSz cx="12192000" cy="6858000"/>
   <p:notesSz cx="6858000" cy="9144000"/>
@@ -193,35 +196,35 @@
               <a:buNone/>
               <a:defRPr sz="2400"/>
             </a:lvl1pPr>
-            <a:lvl2pPr marL="457200" indent="0" algn="ctr">
+            <a:lvl2pPr marL="457189" indent="0" algn="ctr">
               <a:buNone/>
               <a:defRPr sz="2000"/>
             </a:lvl2pPr>
-            <a:lvl3pPr marL="914400" indent="0" algn="ctr">
+            <a:lvl3pPr marL="914377" indent="0" algn="ctr">
               <a:buNone/>
               <a:defRPr sz="1800"/>
             </a:lvl3pPr>
-            <a:lvl4pPr marL="1371600" indent="0" algn="ctr">
+            <a:lvl4pPr marL="1371566" indent="0" algn="ctr">
               <a:buNone/>
               <a:defRPr sz="1600"/>
             </a:lvl4pPr>
-            <a:lvl5pPr marL="1828800" indent="0" algn="ctr">
+            <a:lvl5pPr marL="1828754" indent="0" algn="ctr">
               <a:buNone/>
               <a:defRPr sz="1600"/>
             </a:lvl5pPr>
-            <a:lvl6pPr marL="2286000" indent="0" algn="ctr">
+            <a:lvl6pPr marL="2285943" indent="0" algn="ctr">
               <a:buNone/>
               <a:defRPr sz="1600"/>
             </a:lvl6pPr>
-            <a:lvl7pPr marL="2743200" indent="0" algn="ctr">
+            <a:lvl7pPr marL="2743131" indent="0" algn="ctr">
               <a:buNone/>
               <a:defRPr sz="1600"/>
             </a:lvl7pPr>
-            <a:lvl8pPr marL="3200400" indent="0" algn="ctr">
+            <a:lvl8pPr marL="3200320" indent="0" algn="ctr">
               <a:buNone/>
               <a:defRPr sz="1600"/>
             </a:lvl8pPr>
-            <a:lvl9pPr marL="3657600" indent="0" algn="ctr">
+            <a:lvl9pPr marL="3657509" indent="0" algn="ctr">
               <a:buNone/>
               <a:defRPr sz="1600"/>
             </a:lvl9pPr>
@@ -303,7 +306,7 @@
     </p:spTree>
     <p:extLst>
       <p:ext uri="{BB962C8B-B14F-4D97-AF65-F5344CB8AC3E}">
-        <p14:creationId xmlns:p14="http://schemas.microsoft.com/office/powerpoint/2010/main" val="562439992"/>
+        <p14:creationId xmlns:p14="http://schemas.microsoft.com/office/powerpoint/2010/main" val="338248777"/>
       </p:ext>
     </p:extLst>
   </p:cSld>
@@ -473,7 +476,7 @@
     </p:spTree>
     <p:extLst>
       <p:ext uri="{BB962C8B-B14F-4D97-AF65-F5344CB8AC3E}">
-        <p14:creationId xmlns:p14="http://schemas.microsoft.com/office/powerpoint/2010/main" val="2177956917"/>
+        <p14:creationId xmlns:p14="http://schemas.microsoft.com/office/powerpoint/2010/main" val="3779142362"/>
       </p:ext>
     </p:extLst>
   </p:cSld>
@@ -512,7 +515,7 @@
         </p:nvSpPr>
         <p:spPr>
           <a:xfrm>
-            <a:off x="8724900" y="365125"/>
+            <a:off x="8724901" y="365125"/>
             <a:ext cx="2628900" cy="5811838"/>
           </a:xfrm>
         </p:spPr>
@@ -540,7 +543,7 @@
         </p:nvSpPr>
         <p:spPr>
           <a:xfrm>
-            <a:off x="838200" y="365125"/>
+            <a:off x="838201" y="365125"/>
             <a:ext cx="7734300" cy="5811838"/>
           </a:xfrm>
         </p:spPr>
@@ -653,7 +656,7 @@
     </p:spTree>
     <p:extLst>
       <p:ext uri="{BB962C8B-B14F-4D97-AF65-F5344CB8AC3E}">
-        <p14:creationId xmlns:p14="http://schemas.microsoft.com/office/powerpoint/2010/main" val="3287926785"/>
+        <p14:creationId xmlns:p14="http://schemas.microsoft.com/office/powerpoint/2010/main" val="2845947976"/>
       </p:ext>
     </p:extLst>
   </p:cSld>
@@ -823,7 +826,7 @@
     </p:spTree>
     <p:extLst>
       <p:ext uri="{BB962C8B-B14F-4D97-AF65-F5344CB8AC3E}">
-        <p14:creationId xmlns:p14="http://schemas.microsoft.com/office/powerpoint/2010/main" val="126069533"/>
+        <p14:creationId xmlns:p14="http://schemas.microsoft.com/office/powerpoint/2010/main" val="2648165176"/>
       </p:ext>
     </p:extLst>
   </p:cSld>
@@ -862,7 +865,7 @@
         </p:nvSpPr>
         <p:spPr>
           <a:xfrm>
-            <a:off x="831850" y="1709738"/>
+            <a:off x="831851" y="1709740"/>
             <a:ext cx="10515600" cy="2852737"/>
           </a:xfrm>
         </p:spPr>
@@ -894,7 +897,7 @@
         </p:nvSpPr>
         <p:spPr>
           <a:xfrm>
-            <a:off x="831850" y="4589463"/>
+            <a:off x="831851" y="4589465"/>
             <a:ext cx="10515600" cy="1500187"/>
           </a:xfrm>
         </p:spPr>
@@ -911,7 +914,7 @@
                 </a:solidFill>
               </a:defRPr>
             </a:lvl1pPr>
-            <a:lvl2pPr marL="457200" indent="0">
+            <a:lvl2pPr marL="457189" indent="0">
               <a:buNone/>
               <a:defRPr sz="2000">
                 <a:solidFill>
@@ -921,7 +924,7 @@
                 </a:solidFill>
               </a:defRPr>
             </a:lvl2pPr>
-            <a:lvl3pPr marL="914400" indent="0">
+            <a:lvl3pPr marL="914377" indent="0">
               <a:buNone/>
               <a:defRPr sz="1800">
                 <a:solidFill>
@@ -931,7 +934,7 @@
                 </a:solidFill>
               </a:defRPr>
             </a:lvl3pPr>
-            <a:lvl4pPr marL="1371600" indent="0">
+            <a:lvl4pPr marL="1371566" indent="0">
               <a:buNone/>
               <a:defRPr sz="1600">
                 <a:solidFill>
@@ -941,7 +944,7 @@
                 </a:solidFill>
               </a:defRPr>
             </a:lvl4pPr>
-            <a:lvl5pPr marL="1828800" indent="0">
+            <a:lvl5pPr marL="1828754" indent="0">
               <a:buNone/>
               <a:defRPr sz="1600">
                 <a:solidFill>
@@ -951,7 +954,7 @@
                 </a:solidFill>
               </a:defRPr>
             </a:lvl5pPr>
-            <a:lvl6pPr marL="2286000" indent="0">
+            <a:lvl6pPr marL="2285943" indent="0">
               <a:buNone/>
               <a:defRPr sz="1600">
                 <a:solidFill>
@@ -961,7 +964,7 @@
                 </a:solidFill>
               </a:defRPr>
             </a:lvl6pPr>
-            <a:lvl7pPr marL="2743200" indent="0">
+            <a:lvl7pPr marL="2743131" indent="0">
               <a:buNone/>
               <a:defRPr sz="1600">
                 <a:solidFill>
@@ -971,7 +974,7 @@
                 </a:solidFill>
               </a:defRPr>
             </a:lvl7pPr>
-            <a:lvl8pPr marL="3200400" indent="0">
+            <a:lvl8pPr marL="3200320" indent="0">
               <a:buNone/>
               <a:defRPr sz="1600">
                 <a:solidFill>
@@ -981,7 +984,7 @@
                 </a:solidFill>
               </a:defRPr>
             </a:lvl8pPr>
-            <a:lvl9pPr marL="3657600" indent="0">
+            <a:lvl9pPr marL="3657509" indent="0">
               <a:buNone/>
               <a:defRPr sz="1600">
                 <a:solidFill>
@@ -1069,7 +1072,7 @@
     </p:spTree>
     <p:extLst>
       <p:ext uri="{BB962C8B-B14F-4D97-AF65-F5344CB8AC3E}">
-        <p14:creationId xmlns:p14="http://schemas.microsoft.com/office/powerpoint/2010/main" val="2257769319"/>
+        <p14:creationId xmlns:p14="http://schemas.microsoft.com/office/powerpoint/2010/main" val="1554770991"/>
       </p:ext>
     </p:extLst>
   </p:cSld>
@@ -1301,7 +1304,7 @@
     </p:spTree>
     <p:extLst>
       <p:ext uri="{BB962C8B-B14F-4D97-AF65-F5344CB8AC3E}">
-        <p14:creationId xmlns:p14="http://schemas.microsoft.com/office/powerpoint/2010/main" val="1067503548"/>
+        <p14:creationId xmlns:p14="http://schemas.microsoft.com/office/powerpoint/2010/main" val="1491179269"/>
       </p:ext>
     </p:extLst>
   </p:cSld>
@@ -1340,7 +1343,7 @@
         </p:nvSpPr>
         <p:spPr>
           <a:xfrm>
-            <a:off x="839788" y="365125"/>
+            <a:off x="839788" y="365127"/>
             <a:ext cx="10515600" cy="1325563"/>
           </a:xfrm>
         </p:spPr>
@@ -1368,7 +1371,7 @@
         </p:nvSpPr>
         <p:spPr>
           <a:xfrm>
-            <a:off x="839788" y="1681163"/>
+            <a:off x="839789" y="1681163"/>
             <a:ext cx="5157787" cy="823912"/>
           </a:xfrm>
         </p:spPr>
@@ -1379,35 +1382,35 @@
               <a:buNone/>
               <a:defRPr sz="2400" b="1"/>
             </a:lvl1pPr>
-            <a:lvl2pPr marL="457200" indent="0">
+            <a:lvl2pPr marL="457189" indent="0">
               <a:buNone/>
               <a:defRPr sz="2000" b="1"/>
             </a:lvl2pPr>
-            <a:lvl3pPr marL="914400" indent="0">
+            <a:lvl3pPr marL="914377" indent="0">
               <a:buNone/>
               <a:defRPr sz="1800" b="1"/>
             </a:lvl3pPr>
-            <a:lvl4pPr marL="1371600" indent="0">
+            <a:lvl4pPr marL="1371566" indent="0">
               <a:buNone/>
               <a:defRPr sz="1600" b="1"/>
             </a:lvl4pPr>
-            <a:lvl5pPr marL="1828800" indent="0">
+            <a:lvl5pPr marL="1828754" indent="0">
               <a:buNone/>
               <a:defRPr sz="1600" b="1"/>
             </a:lvl5pPr>
-            <a:lvl6pPr marL="2286000" indent="0">
+            <a:lvl6pPr marL="2285943" indent="0">
               <a:buNone/>
               <a:defRPr sz="1600" b="1"/>
             </a:lvl6pPr>
-            <a:lvl7pPr marL="2743200" indent="0">
+            <a:lvl7pPr marL="2743131" indent="0">
               <a:buNone/>
               <a:defRPr sz="1600" b="1"/>
             </a:lvl7pPr>
-            <a:lvl8pPr marL="3200400" indent="0">
+            <a:lvl8pPr marL="3200320" indent="0">
               <a:buNone/>
               <a:defRPr sz="1600" b="1"/>
             </a:lvl8pPr>
-            <a:lvl9pPr marL="3657600" indent="0">
+            <a:lvl9pPr marL="3657509" indent="0">
               <a:buNone/>
               <a:defRPr sz="1600" b="1"/>
             </a:lvl9pPr>
@@ -1433,7 +1436,7 @@
         </p:nvSpPr>
         <p:spPr>
           <a:xfrm>
-            <a:off x="839788" y="2505075"/>
+            <a:off x="839789" y="2505075"/>
             <a:ext cx="5157787" cy="3684588"/>
           </a:xfrm>
         </p:spPr>
@@ -1490,7 +1493,7 @@
         </p:nvSpPr>
         <p:spPr>
           <a:xfrm>
-            <a:off x="6172200" y="1681163"/>
+            <a:off x="6172201" y="1681163"/>
             <a:ext cx="5183188" cy="823912"/>
           </a:xfrm>
         </p:spPr>
@@ -1501,35 +1504,35 @@
               <a:buNone/>
               <a:defRPr sz="2400" b="1"/>
             </a:lvl1pPr>
-            <a:lvl2pPr marL="457200" indent="0">
+            <a:lvl2pPr marL="457189" indent="0">
               <a:buNone/>
               <a:defRPr sz="2000" b="1"/>
             </a:lvl2pPr>
-            <a:lvl3pPr marL="914400" indent="0">
+            <a:lvl3pPr marL="914377" indent="0">
               <a:buNone/>
               <a:defRPr sz="1800" b="1"/>
             </a:lvl3pPr>
-            <a:lvl4pPr marL="1371600" indent="0">
+            <a:lvl4pPr marL="1371566" indent="0">
               <a:buNone/>
               <a:defRPr sz="1600" b="1"/>
             </a:lvl4pPr>
-            <a:lvl5pPr marL="1828800" indent="0">
+            <a:lvl5pPr marL="1828754" indent="0">
               <a:buNone/>
               <a:defRPr sz="1600" b="1"/>
             </a:lvl5pPr>
-            <a:lvl6pPr marL="2286000" indent="0">
+            <a:lvl6pPr marL="2285943" indent="0">
               <a:buNone/>
               <a:defRPr sz="1600" b="1"/>
             </a:lvl6pPr>
-            <a:lvl7pPr marL="2743200" indent="0">
+            <a:lvl7pPr marL="2743131" indent="0">
               <a:buNone/>
               <a:defRPr sz="1600" b="1"/>
             </a:lvl7pPr>
-            <a:lvl8pPr marL="3200400" indent="0">
+            <a:lvl8pPr marL="3200320" indent="0">
               <a:buNone/>
               <a:defRPr sz="1600" b="1"/>
             </a:lvl8pPr>
-            <a:lvl9pPr marL="3657600" indent="0">
+            <a:lvl9pPr marL="3657509" indent="0">
               <a:buNone/>
               <a:defRPr sz="1600" b="1"/>
             </a:lvl9pPr>
@@ -1555,7 +1558,7 @@
         </p:nvSpPr>
         <p:spPr>
           <a:xfrm>
-            <a:off x="6172200" y="2505075"/>
+            <a:off x="6172201" y="2505075"/>
             <a:ext cx="5183188" cy="3684588"/>
           </a:xfrm>
         </p:spPr>
@@ -1668,7 +1671,7 @@
     </p:spTree>
     <p:extLst>
       <p:ext uri="{BB962C8B-B14F-4D97-AF65-F5344CB8AC3E}">
-        <p14:creationId xmlns:p14="http://schemas.microsoft.com/office/powerpoint/2010/main" val="2722387897"/>
+        <p14:creationId xmlns:p14="http://schemas.microsoft.com/office/powerpoint/2010/main" val="2342150966"/>
       </p:ext>
     </p:extLst>
   </p:cSld>
@@ -1786,7 +1789,7 @@
     </p:spTree>
     <p:extLst>
       <p:ext uri="{BB962C8B-B14F-4D97-AF65-F5344CB8AC3E}">
-        <p14:creationId xmlns:p14="http://schemas.microsoft.com/office/powerpoint/2010/main" val="3235100774"/>
+        <p14:creationId xmlns:p14="http://schemas.microsoft.com/office/powerpoint/2010/main" val="2303367772"/>
       </p:ext>
     </p:extLst>
   </p:cSld>
@@ -1881,7 +1884,7 @@
     </p:spTree>
     <p:extLst>
       <p:ext uri="{BB962C8B-B14F-4D97-AF65-F5344CB8AC3E}">
-        <p14:creationId xmlns:p14="http://schemas.microsoft.com/office/powerpoint/2010/main" val="3882528566"/>
+        <p14:creationId xmlns:p14="http://schemas.microsoft.com/office/powerpoint/2010/main" val="645435364"/>
       </p:ext>
     </p:extLst>
   </p:cSld>
@@ -1952,7 +1955,7 @@
         </p:nvSpPr>
         <p:spPr>
           <a:xfrm>
-            <a:off x="5183188" y="987425"/>
+            <a:off x="5183188" y="987427"/>
             <a:ext cx="6172200" cy="4873625"/>
           </a:xfrm>
         </p:spPr>
@@ -2048,35 +2051,35 @@
               <a:buNone/>
               <a:defRPr sz="1600"/>
             </a:lvl1pPr>
-            <a:lvl2pPr marL="457200" indent="0">
+            <a:lvl2pPr marL="457189" indent="0">
               <a:buNone/>
               <a:defRPr sz="1400"/>
             </a:lvl2pPr>
-            <a:lvl3pPr marL="914400" indent="0">
+            <a:lvl3pPr marL="914377" indent="0">
               <a:buNone/>
               <a:defRPr sz="1200"/>
             </a:lvl3pPr>
-            <a:lvl4pPr marL="1371600" indent="0">
+            <a:lvl4pPr marL="1371566" indent="0">
               <a:buNone/>
               <a:defRPr sz="1000"/>
             </a:lvl4pPr>
-            <a:lvl5pPr marL="1828800" indent="0">
+            <a:lvl5pPr marL="1828754" indent="0">
               <a:buNone/>
               <a:defRPr sz="1000"/>
             </a:lvl5pPr>
-            <a:lvl6pPr marL="2286000" indent="0">
+            <a:lvl6pPr marL="2285943" indent="0">
               <a:buNone/>
               <a:defRPr sz="1000"/>
             </a:lvl6pPr>
-            <a:lvl7pPr marL="2743200" indent="0">
+            <a:lvl7pPr marL="2743131" indent="0">
               <a:buNone/>
               <a:defRPr sz="1000"/>
             </a:lvl7pPr>
-            <a:lvl8pPr marL="3200400" indent="0">
+            <a:lvl8pPr marL="3200320" indent="0">
               <a:buNone/>
               <a:defRPr sz="1000"/>
             </a:lvl8pPr>
-            <a:lvl9pPr marL="3657600" indent="0">
+            <a:lvl9pPr marL="3657509" indent="0">
               <a:buNone/>
               <a:defRPr sz="1000"/>
             </a:lvl9pPr>
@@ -2158,7 +2161,7 @@
     </p:spTree>
     <p:extLst>
       <p:ext uri="{BB962C8B-B14F-4D97-AF65-F5344CB8AC3E}">
-        <p14:creationId xmlns:p14="http://schemas.microsoft.com/office/powerpoint/2010/main" val="2883776251"/>
+        <p14:creationId xmlns:p14="http://schemas.microsoft.com/office/powerpoint/2010/main" val="2562644918"/>
       </p:ext>
     </p:extLst>
   </p:cSld>
@@ -2229,7 +2232,7 @@
         </p:nvSpPr>
         <p:spPr>
           <a:xfrm>
-            <a:off x="5183188" y="987425"/>
+            <a:off x="5183188" y="987427"/>
             <a:ext cx="6172200" cy="4873625"/>
           </a:xfrm>
         </p:spPr>
@@ -2240,35 +2243,35 @@
               <a:buNone/>
               <a:defRPr sz="3200"/>
             </a:lvl1pPr>
-            <a:lvl2pPr marL="457200" indent="0">
+            <a:lvl2pPr marL="457189" indent="0">
               <a:buNone/>
               <a:defRPr sz="2800"/>
             </a:lvl2pPr>
-            <a:lvl3pPr marL="914400" indent="0">
+            <a:lvl3pPr marL="914377" indent="0">
               <a:buNone/>
               <a:defRPr sz="2400"/>
             </a:lvl3pPr>
-            <a:lvl4pPr marL="1371600" indent="0">
+            <a:lvl4pPr marL="1371566" indent="0">
               <a:buNone/>
               <a:defRPr sz="2000"/>
             </a:lvl4pPr>
-            <a:lvl5pPr marL="1828800" indent="0">
+            <a:lvl5pPr marL="1828754" indent="0">
               <a:buNone/>
               <a:defRPr sz="2000"/>
             </a:lvl5pPr>
-            <a:lvl6pPr marL="2286000" indent="0">
+            <a:lvl6pPr marL="2285943" indent="0">
               <a:buNone/>
               <a:defRPr sz="2000"/>
             </a:lvl6pPr>
-            <a:lvl7pPr marL="2743200" indent="0">
+            <a:lvl7pPr marL="2743131" indent="0">
               <a:buNone/>
               <a:defRPr sz="2000"/>
             </a:lvl7pPr>
-            <a:lvl8pPr marL="3200400" indent="0">
+            <a:lvl8pPr marL="3200320" indent="0">
               <a:buNone/>
               <a:defRPr sz="2000"/>
             </a:lvl8pPr>
-            <a:lvl9pPr marL="3657600" indent="0">
+            <a:lvl9pPr marL="3657509" indent="0">
               <a:buNone/>
               <a:defRPr sz="2000"/>
             </a:lvl9pPr>
@@ -2301,35 +2304,35 @@
               <a:buNone/>
               <a:defRPr sz="1600"/>
             </a:lvl1pPr>
-            <a:lvl2pPr marL="457200" indent="0">
+            <a:lvl2pPr marL="457189" indent="0">
               <a:buNone/>
               <a:defRPr sz="1400"/>
             </a:lvl2pPr>
-            <a:lvl3pPr marL="914400" indent="0">
+            <a:lvl3pPr marL="914377" indent="0">
               <a:buNone/>
               <a:defRPr sz="1200"/>
             </a:lvl3pPr>
-            <a:lvl4pPr marL="1371600" indent="0">
+            <a:lvl4pPr marL="1371566" indent="0">
               <a:buNone/>
               <a:defRPr sz="1000"/>
             </a:lvl4pPr>
-            <a:lvl5pPr marL="1828800" indent="0">
+            <a:lvl5pPr marL="1828754" indent="0">
               <a:buNone/>
               <a:defRPr sz="1000"/>
             </a:lvl5pPr>
-            <a:lvl6pPr marL="2286000" indent="0">
+            <a:lvl6pPr marL="2285943" indent="0">
               <a:buNone/>
               <a:defRPr sz="1000"/>
             </a:lvl6pPr>
-            <a:lvl7pPr marL="2743200" indent="0">
+            <a:lvl7pPr marL="2743131" indent="0">
               <a:buNone/>
               <a:defRPr sz="1000"/>
             </a:lvl7pPr>
-            <a:lvl8pPr marL="3200400" indent="0">
+            <a:lvl8pPr marL="3200320" indent="0">
               <a:buNone/>
               <a:defRPr sz="1000"/>
             </a:lvl8pPr>
-            <a:lvl9pPr marL="3657600" indent="0">
+            <a:lvl9pPr marL="3657509" indent="0">
               <a:buNone/>
               <a:defRPr sz="1000"/>
             </a:lvl9pPr>
@@ -2411,7 +2414,7 @@
     </p:spTree>
     <p:extLst>
       <p:ext uri="{BB962C8B-B14F-4D97-AF65-F5344CB8AC3E}">
-        <p14:creationId xmlns:p14="http://schemas.microsoft.com/office/powerpoint/2010/main" val="1106440702"/>
+        <p14:creationId xmlns:p14="http://schemas.microsoft.com/office/powerpoint/2010/main" val="2142237689"/>
       </p:ext>
     </p:extLst>
   </p:cSld>
@@ -2455,7 +2458,7 @@
         </p:nvSpPr>
         <p:spPr>
           <a:xfrm>
-            <a:off x="838200" y="365125"/>
+            <a:off x="838200" y="365127"/>
             <a:ext cx="10515600" cy="1325563"/>
           </a:xfrm>
           <a:prstGeom prst="rect">
@@ -2550,7 +2553,7 @@
         </p:nvSpPr>
         <p:spPr>
           <a:xfrm>
-            <a:off x="838200" y="6356350"/>
+            <a:off x="838200" y="6356352"/>
             <a:ext cx="2743200" cy="365125"/>
           </a:xfrm>
           <a:prstGeom prst="rect">
@@ -2591,7 +2594,7 @@
         </p:nvSpPr>
         <p:spPr>
           <a:xfrm>
-            <a:off x="4038600" y="6356350"/>
+            <a:off x="4038600" y="6356352"/>
             <a:ext cx="4114800" cy="365125"/>
           </a:xfrm>
           <a:prstGeom prst="rect">
@@ -2628,7 +2631,7 @@
         </p:nvSpPr>
         <p:spPr>
           <a:xfrm>
-            <a:off x="8610600" y="6356350"/>
+            <a:off x="8610600" y="6356352"/>
             <a:ext cx="2743200" cy="365125"/>
           </a:xfrm>
           <a:prstGeom prst="rect">
@@ -2660,27 +2663,27 @@
     </p:spTree>
     <p:extLst>
       <p:ext uri="{BB962C8B-B14F-4D97-AF65-F5344CB8AC3E}">
-        <p14:creationId xmlns:p14="http://schemas.microsoft.com/office/powerpoint/2010/main" val="3467909811"/>
+        <p14:creationId xmlns:p14="http://schemas.microsoft.com/office/powerpoint/2010/main" val="3907391625"/>
       </p:ext>
     </p:extLst>
   </p:cSld>
   <p:clrMap bg1="lt1" tx1="dk1" bg2="lt2" tx2="dk2" accent1="accent1" accent2="accent2" accent3="accent3" accent4="accent4" accent5="accent5" accent6="accent6" hlink="hlink" folHlink="folHlink"/>
   <p:sldLayoutIdLst>
-    <p:sldLayoutId id="2147483649" r:id="rId1"/>
-    <p:sldLayoutId id="2147483650" r:id="rId2"/>
-    <p:sldLayoutId id="2147483651" r:id="rId3"/>
-    <p:sldLayoutId id="2147483652" r:id="rId4"/>
-    <p:sldLayoutId id="2147483653" r:id="rId5"/>
-    <p:sldLayoutId id="2147483654" r:id="rId6"/>
-    <p:sldLayoutId id="2147483655" r:id="rId7"/>
-    <p:sldLayoutId id="2147483656" r:id="rId8"/>
-    <p:sldLayoutId id="2147483657" r:id="rId9"/>
-    <p:sldLayoutId id="2147483658" r:id="rId10"/>
-    <p:sldLayoutId id="2147483659" r:id="rId11"/>
+    <p:sldLayoutId id="2147483719" r:id="rId1"/>
+    <p:sldLayoutId id="2147483720" r:id="rId2"/>
+    <p:sldLayoutId id="2147483721" r:id="rId3"/>
+    <p:sldLayoutId id="2147483722" r:id="rId4"/>
+    <p:sldLayoutId id="2147483723" r:id="rId5"/>
+    <p:sldLayoutId id="2147483724" r:id="rId6"/>
+    <p:sldLayoutId id="2147483725" r:id="rId7"/>
+    <p:sldLayoutId id="2147483726" r:id="rId8"/>
+    <p:sldLayoutId id="2147483727" r:id="rId9"/>
+    <p:sldLayoutId id="2147483728" r:id="rId10"/>
+    <p:sldLayoutId id="2147483729" r:id="rId11"/>
   </p:sldLayoutIdLst>
   <p:txStyles>
     <p:titleStyle>
-      <a:lvl1pPr algn="l" defTabSz="914400" rtl="0" eaLnBrk="1" latinLnBrk="0" hangingPunct="1">
+      <a:lvl1pPr algn="l" defTabSz="914377" rtl="0" eaLnBrk="1" latinLnBrk="0" hangingPunct="1">
         <a:lnSpc>
           <a:spcPct val="90000"/>
         </a:lnSpc>
@@ -2699,7 +2702,7 @@
       </a:lvl1pPr>
     </p:titleStyle>
     <p:bodyStyle>
-      <a:lvl1pPr marL="228600" indent="-228600" algn="l" defTabSz="914400" rtl="0" eaLnBrk="1" latinLnBrk="0" hangingPunct="1">
+      <a:lvl1pPr marL="228594" indent="-228594" algn="l" defTabSz="914377" rtl="0" eaLnBrk="1" latinLnBrk="0" hangingPunct="1">
         <a:lnSpc>
           <a:spcPct val="90000"/>
         </a:lnSpc>
@@ -2717,7 +2720,7 @@
           <a:cs typeface="+mn-cs"/>
         </a:defRPr>
       </a:lvl1pPr>
-      <a:lvl2pPr marL="685800" indent="-228600" algn="l" defTabSz="914400" rtl="0" eaLnBrk="1" latinLnBrk="0" hangingPunct="1">
+      <a:lvl2pPr marL="685783" indent="-228594" algn="l" defTabSz="914377" rtl="0" eaLnBrk="1" latinLnBrk="0" hangingPunct="1">
         <a:lnSpc>
           <a:spcPct val="90000"/>
         </a:lnSpc>
@@ -2735,7 +2738,7 @@
           <a:cs typeface="+mn-cs"/>
         </a:defRPr>
       </a:lvl2pPr>
-      <a:lvl3pPr marL="1143000" indent="-228600" algn="l" defTabSz="914400" rtl="0" eaLnBrk="1" latinLnBrk="0" hangingPunct="1">
+      <a:lvl3pPr marL="1142971" indent="-228594" algn="l" defTabSz="914377" rtl="0" eaLnBrk="1" latinLnBrk="0" hangingPunct="1">
         <a:lnSpc>
           <a:spcPct val="90000"/>
         </a:lnSpc>
@@ -2753,7 +2756,7 @@
           <a:cs typeface="+mn-cs"/>
         </a:defRPr>
       </a:lvl3pPr>
-      <a:lvl4pPr marL="1600200" indent="-228600" algn="l" defTabSz="914400" rtl="0" eaLnBrk="1" latinLnBrk="0" hangingPunct="1">
+      <a:lvl4pPr marL="1600160" indent="-228594" algn="l" defTabSz="914377" rtl="0" eaLnBrk="1" latinLnBrk="0" hangingPunct="1">
         <a:lnSpc>
           <a:spcPct val="90000"/>
         </a:lnSpc>
@@ -2771,7 +2774,7 @@
           <a:cs typeface="+mn-cs"/>
         </a:defRPr>
       </a:lvl4pPr>
-      <a:lvl5pPr marL="2057400" indent="-228600" algn="l" defTabSz="914400" rtl="0" eaLnBrk="1" latinLnBrk="0" hangingPunct="1">
+      <a:lvl5pPr marL="2057349" indent="-228594" algn="l" defTabSz="914377" rtl="0" eaLnBrk="1" latinLnBrk="0" hangingPunct="1">
         <a:lnSpc>
           <a:spcPct val="90000"/>
         </a:lnSpc>
@@ -2789,7 +2792,7 @@
           <a:cs typeface="+mn-cs"/>
         </a:defRPr>
       </a:lvl5pPr>
-      <a:lvl6pPr marL="2514600" indent="-228600" algn="l" defTabSz="914400" rtl="0" eaLnBrk="1" latinLnBrk="0" hangingPunct="1">
+      <a:lvl6pPr marL="2514537" indent="-228594" algn="l" defTabSz="914377" rtl="0" eaLnBrk="1" latinLnBrk="0" hangingPunct="1">
         <a:lnSpc>
           <a:spcPct val="90000"/>
         </a:lnSpc>
@@ -2807,7 +2810,7 @@
           <a:cs typeface="+mn-cs"/>
         </a:defRPr>
       </a:lvl6pPr>
-      <a:lvl7pPr marL="2971800" indent="-228600" algn="l" defTabSz="914400" rtl="0" eaLnBrk="1" latinLnBrk="0" hangingPunct="1">
+      <a:lvl7pPr marL="2971726" indent="-228594" algn="l" defTabSz="914377" rtl="0" eaLnBrk="1" latinLnBrk="0" hangingPunct="1">
         <a:lnSpc>
           <a:spcPct val="90000"/>
         </a:lnSpc>
@@ -2825,7 +2828,7 @@
           <a:cs typeface="+mn-cs"/>
         </a:defRPr>
       </a:lvl7pPr>
-      <a:lvl8pPr marL="3429000" indent="-228600" algn="l" defTabSz="914400" rtl="0" eaLnBrk="1" latinLnBrk="0" hangingPunct="1">
+      <a:lvl8pPr marL="3428914" indent="-228594" algn="l" defTabSz="914377" rtl="0" eaLnBrk="1" latinLnBrk="0" hangingPunct="1">
         <a:lnSpc>
           <a:spcPct val="90000"/>
         </a:lnSpc>
@@ -2843,7 +2846,7 @@
           <a:cs typeface="+mn-cs"/>
         </a:defRPr>
       </a:lvl8pPr>
-      <a:lvl9pPr marL="3886200" indent="-228600" algn="l" defTabSz="914400" rtl="0" eaLnBrk="1" latinLnBrk="0" hangingPunct="1">
+      <a:lvl9pPr marL="3886103" indent="-228594" algn="l" defTabSz="914377" rtl="0" eaLnBrk="1" latinLnBrk="0" hangingPunct="1">
         <a:lnSpc>
           <a:spcPct val="90000"/>
         </a:lnSpc>
@@ -2866,7 +2869,7 @@
       <a:defPPr>
         <a:defRPr lang="en-US"/>
       </a:defPPr>
-      <a:lvl1pPr marL="0" algn="l" defTabSz="914400" rtl="0" eaLnBrk="1" latinLnBrk="0" hangingPunct="1">
+      <a:lvl1pPr marL="0" algn="l" defTabSz="914377" rtl="0" eaLnBrk="1" latinLnBrk="0" hangingPunct="1">
         <a:defRPr sz="1800" kern="1200">
           <a:solidFill>
             <a:schemeClr val="tx1"/>
@@ -2876,7 +2879,7 @@
           <a:cs typeface="+mn-cs"/>
         </a:defRPr>
       </a:lvl1pPr>
-      <a:lvl2pPr marL="457200" algn="l" defTabSz="914400" rtl="0" eaLnBrk="1" latinLnBrk="0" hangingPunct="1">
+      <a:lvl2pPr marL="457189" algn="l" defTabSz="914377" rtl="0" eaLnBrk="1" latinLnBrk="0" hangingPunct="1">
         <a:defRPr sz="1800" kern="1200">
           <a:solidFill>
             <a:schemeClr val="tx1"/>
@@ -2886,7 +2889,7 @@
           <a:cs typeface="+mn-cs"/>
         </a:defRPr>
       </a:lvl2pPr>
-      <a:lvl3pPr marL="914400" algn="l" defTabSz="914400" rtl="0" eaLnBrk="1" latinLnBrk="0" hangingPunct="1">
+      <a:lvl3pPr marL="914377" algn="l" defTabSz="914377" rtl="0" eaLnBrk="1" latinLnBrk="0" hangingPunct="1">
         <a:defRPr sz="1800" kern="1200">
           <a:solidFill>
             <a:schemeClr val="tx1"/>
@@ -2896,7 +2899,7 @@
           <a:cs typeface="+mn-cs"/>
         </a:defRPr>
       </a:lvl3pPr>
-      <a:lvl4pPr marL="1371600" algn="l" defTabSz="914400" rtl="0" eaLnBrk="1" latinLnBrk="0" hangingPunct="1">
+      <a:lvl4pPr marL="1371566" algn="l" defTabSz="914377" rtl="0" eaLnBrk="1" latinLnBrk="0" hangingPunct="1">
         <a:defRPr sz="1800" kern="1200">
           <a:solidFill>
             <a:schemeClr val="tx1"/>
@@ -2906,7 +2909,7 @@
           <a:cs typeface="+mn-cs"/>
         </a:defRPr>
       </a:lvl4pPr>
-      <a:lvl5pPr marL="1828800" algn="l" defTabSz="914400" rtl="0" eaLnBrk="1" latinLnBrk="0" hangingPunct="1">
+      <a:lvl5pPr marL="1828754" algn="l" defTabSz="914377" rtl="0" eaLnBrk="1" latinLnBrk="0" hangingPunct="1">
         <a:defRPr sz="1800" kern="1200">
           <a:solidFill>
             <a:schemeClr val="tx1"/>
@@ -2916,7 +2919,7 @@
           <a:cs typeface="+mn-cs"/>
         </a:defRPr>
       </a:lvl5pPr>
-      <a:lvl6pPr marL="2286000" algn="l" defTabSz="914400" rtl="0" eaLnBrk="1" latinLnBrk="0" hangingPunct="1">
+      <a:lvl6pPr marL="2285943" algn="l" defTabSz="914377" rtl="0" eaLnBrk="1" latinLnBrk="0" hangingPunct="1">
         <a:defRPr sz="1800" kern="1200">
           <a:solidFill>
             <a:schemeClr val="tx1"/>
@@ -2926,7 +2929,7 @@
           <a:cs typeface="+mn-cs"/>
         </a:defRPr>
       </a:lvl6pPr>
-      <a:lvl7pPr marL="2743200" algn="l" defTabSz="914400" rtl="0" eaLnBrk="1" latinLnBrk="0" hangingPunct="1">
+      <a:lvl7pPr marL="2743131" algn="l" defTabSz="914377" rtl="0" eaLnBrk="1" latinLnBrk="0" hangingPunct="1">
         <a:defRPr sz="1800" kern="1200">
           <a:solidFill>
             <a:schemeClr val="tx1"/>
@@ -2936,7 +2939,7 @@
           <a:cs typeface="+mn-cs"/>
         </a:defRPr>
       </a:lvl7pPr>
-      <a:lvl8pPr marL="3200400" algn="l" defTabSz="914400" rtl="0" eaLnBrk="1" latinLnBrk="0" hangingPunct="1">
+      <a:lvl8pPr marL="3200320" algn="l" defTabSz="914377" rtl="0" eaLnBrk="1" latinLnBrk="0" hangingPunct="1">
         <a:defRPr sz="1800" kern="1200">
           <a:solidFill>
             <a:schemeClr val="tx1"/>
@@ -2946,7 +2949,7 @@
           <a:cs typeface="+mn-cs"/>
         </a:defRPr>
       </a:lvl8pPr>
-      <a:lvl9pPr marL="3657600" algn="l" defTabSz="914400" rtl="0" eaLnBrk="1" latinLnBrk="0" hangingPunct="1">
+      <a:lvl9pPr marL="3657509" algn="l" defTabSz="914377" rtl="0" eaLnBrk="1" latinLnBrk="0" hangingPunct="1">
         <a:defRPr sz="1800" kern="1200">
           <a:solidFill>
             <a:schemeClr val="tx1"/>
@@ -2990,8 +2993,8 @@
         </p:nvSpPr>
         <p:spPr>
           <a:xfrm>
-            <a:off x="2133600" y="1129227"/>
-            <a:ext cx="9160476" cy="2387600"/>
+            <a:off x="2150076" y="1147699"/>
+            <a:ext cx="9145997" cy="2387600"/>
           </a:xfrm>
         </p:spPr>
         <p:txBody>
@@ -3019,8 +3022,8 @@
         </p:nvSpPr>
         <p:spPr>
           <a:xfrm>
-            <a:off x="2133600" y="3882125"/>
-            <a:ext cx="9127524" cy="978199"/>
+            <a:off x="2150076" y="3882126"/>
+            <a:ext cx="9144000" cy="978199"/>
           </a:xfrm>
         </p:spPr>
         <p:txBody>
@@ -3072,13 +3075,19 @@
         </p:nvCxnSpPr>
         <p:spPr>
           <a:xfrm>
-            <a:off x="2150076" y="3764692"/>
+            <a:off x="2150076" y="3764693"/>
             <a:ext cx="9144000" cy="1"/>
           </a:xfrm>
           <a:prstGeom prst="line">
             <a:avLst/>
           </a:prstGeom>
-          <a:ln w="28575"/>
+          <a:ln w="57150">
+            <a:solidFill>
+              <a:schemeClr val="accent6">
+                <a:lumMod val="75000"/>
+              </a:schemeClr>
+            </a:solidFill>
+          </a:ln>
         </p:spPr>
         <p:style>
           <a:lnRef idx="1">
@@ -3134,6 +3143,2444 @@
       </p:grpSpPr>
       <p:sp>
         <p:nvSpPr>
+          <p:cNvPr id="2" name="Title 1"/>
+          <p:cNvSpPr>
+            <a:spLocks noGrp="1"/>
+          </p:cNvSpPr>
+          <p:nvPr>
+            <p:ph type="title"/>
+          </p:nvPr>
+        </p:nvSpPr>
+        <p:spPr>
+          <a:xfrm>
+            <a:off x="810490" y="284743"/>
+            <a:ext cx="10515600" cy="638893"/>
+          </a:xfrm>
+          <a:ln>
+            <a:solidFill>
+              <a:schemeClr val="bg1"/>
+            </a:solidFill>
+          </a:ln>
+        </p:spPr>
+        <p:txBody>
+          <a:bodyPr>
+            <a:normAutofit/>
+          </a:bodyPr>
+          <a:lstStyle/>
+          <a:p>
+            <a:r>
+              <a:rPr lang="en-GB" sz="3600" b="1" dirty="0" smtClean="0"/>
+              <a:t>PowerShell vs Other Shells</a:t>
+            </a:r>
+            <a:endParaRPr lang="en-GB" sz="4000" dirty="0"/>
+          </a:p>
+        </p:txBody>
+      </p:sp>
+      <p:cxnSp>
+        <p:nvCxnSpPr>
+          <p:cNvPr id="4" name="Straight Connector 3"/>
+          <p:cNvCxnSpPr/>
+          <p:nvPr/>
+        </p:nvCxnSpPr>
+        <p:spPr>
+          <a:xfrm flipV="1">
+            <a:off x="810490" y="1281901"/>
+            <a:ext cx="10515600" cy="14169"/>
+          </a:xfrm>
+          <a:prstGeom prst="line">
+            <a:avLst/>
+          </a:prstGeom>
+          <a:ln w="57150">
+            <a:solidFill>
+              <a:schemeClr val="accent6">
+                <a:lumMod val="75000"/>
+              </a:schemeClr>
+            </a:solidFill>
+          </a:ln>
+        </p:spPr>
+        <p:style>
+          <a:lnRef idx="1">
+            <a:schemeClr val="accent1"/>
+          </a:lnRef>
+          <a:fillRef idx="0">
+            <a:schemeClr val="accent1"/>
+          </a:fillRef>
+          <a:effectRef idx="0">
+            <a:schemeClr val="accent1"/>
+          </a:effectRef>
+          <a:fontRef idx="minor">
+            <a:schemeClr val="tx1"/>
+          </a:fontRef>
+        </p:style>
+      </p:cxnSp>
+      <p:graphicFrame>
+        <p:nvGraphicFramePr>
+          <p:cNvPr id="5" name="Content Placeholder 3"/>
+          <p:cNvGraphicFramePr>
+            <a:graphicFrameLocks/>
+          </p:cNvGraphicFramePr>
+          <p:nvPr>
+            <p:extLst>
+              <p:ext uri="{D42A27DB-BD31-4B8C-83A1-F6EECF244321}">
+                <p14:modId xmlns:p14="http://schemas.microsoft.com/office/powerpoint/2010/main" val="1965709604"/>
+              </p:ext>
+            </p:extLst>
+          </p:nvPr>
+        </p:nvGraphicFramePr>
+        <p:xfrm>
+          <a:off x="810490" y="1654335"/>
+          <a:ext cx="10515600" cy="4811118"/>
+        </p:xfrm>
+        <a:graphic>
+          <a:graphicData uri="http://schemas.openxmlformats.org/drawingml/2006/table">
+            <a:tbl>
+              <a:tblPr/>
+              <a:tblGrid>
+                <a:gridCol w="2287746"/>
+                <a:gridCol w="2287746"/>
+                <a:gridCol w="2287746"/>
+                <a:gridCol w="3652362"/>
+              </a:tblGrid>
+              <a:tr h="583776">
+                <a:tc>
+                  <a:txBody>
+                    <a:bodyPr/>
+                    <a:lstStyle/>
+                    <a:p>
+                      <a:r>
+                        <a:rPr lang="en-GB" sz="1500" dirty="0">
+                          <a:effectLst/>
+                        </a:rPr>
+                        <a:t>Feature</a:t>
+                      </a:r>
+                    </a:p>
+                  </a:txBody>
+                  <a:tcPr marL="98619" marR="98619" marT="45516" marB="45516" anchor="ctr">
+                    <a:lnL w="12700" cap="flat" cmpd="sng" algn="ctr">
+                      <a:solidFill>
+                        <a:schemeClr val="tx1"/>
+                      </a:solidFill>
+                      <a:prstDash val="solid"/>
+                      <a:round/>
+                      <a:headEnd type="none" w="med" len="med"/>
+                      <a:tailEnd type="none" w="med" len="med"/>
+                    </a:lnL>
+                    <a:lnR w="12700" cap="flat" cmpd="sng" algn="ctr">
+                      <a:solidFill>
+                        <a:schemeClr val="tx1"/>
+                      </a:solidFill>
+                      <a:prstDash val="solid"/>
+                      <a:round/>
+                      <a:headEnd type="none" w="med" len="med"/>
+                      <a:tailEnd type="none" w="med" len="med"/>
+                    </a:lnR>
+                    <a:lnT w="12700" cap="flat" cmpd="sng" algn="ctr">
+                      <a:solidFill>
+                        <a:schemeClr val="tx1"/>
+                      </a:solidFill>
+                      <a:prstDash val="solid"/>
+                      <a:round/>
+                      <a:headEnd type="none" w="med" len="med"/>
+                      <a:tailEnd type="none" w="med" len="med"/>
+                    </a:lnT>
+                    <a:lnB w="12700" cap="flat" cmpd="sng" algn="ctr">
+                      <a:solidFill>
+                        <a:schemeClr val="tx1"/>
+                      </a:solidFill>
+                      <a:prstDash val="solid"/>
+                      <a:round/>
+                      <a:headEnd type="none" w="med" len="med"/>
+                      <a:tailEnd type="none" w="med" len="med"/>
+                    </a:lnB>
+                    <a:solidFill>
+                      <a:srgbClr val="FFFFFF"/>
+                    </a:solidFill>
+                  </a:tcPr>
+                </a:tc>
+                <a:tc>
+                  <a:txBody>
+                    <a:bodyPr/>
+                    <a:lstStyle/>
+                    <a:p>
+                      <a:r>
+                        <a:rPr lang="en-GB" sz="1500" b="1">
+                          <a:effectLst/>
+                        </a:rPr>
+                        <a:t>PowerShell</a:t>
+                      </a:r>
+                      <a:endParaRPr lang="en-GB" sz="1500">
+                        <a:effectLst/>
+                      </a:endParaRPr>
+                    </a:p>
+                  </a:txBody>
+                  <a:tcPr marL="98619" marR="98619" marT="45516" marB="45516" anchor="ctr">
+                    <a:lnL w="12700" cap="flat" cmpd="sng" algn="ctr">
+                      <a:solidFill>
+                        <a:schemeClr val="tx1"/>
+                      </a:solidFill>
+                      <a:prstDash val="solid"/>
+                      <a:round/>
+                      <a:headEnd type="none" w="med" len="med"/>
+                      <a:tailEnd type="none" w="med" len="med"/>
+                    </a:lnL>
+                    <a:lnR w="12700" cap="flat" cmpd="sng" algn="ctr">
+                      <a:solidFill>
+                        <a:schemeClr val="tx1"/>
+                      </a:solidFill>
+                      <a:prstDash val="solid"/>
+                      <a:round/>
+                      <a:headEnd type="none" w="med" len="med"/>
+                      <a:tailEnd type="none" w="med" len="med"/>
+                    </a:lnR>
+                    <a:lnT w="12700" cap="flat" cmpd="sng" algn="ctr">
+                      <a:solidFill>
+                        <a:schemeClr val="tx1"/>
+                      </a:solidFill>
+                      <a:prstDash val="solid"/>
+                      <a:round/>
+                      <a:headEnd type="none" w="med" len="med"/>
+                      <a:tailEnd type="none" w="med" len="med"/>
+                    </a:lnT>
+                    <a:lnB w="12700" cap="flat" cmpd="sng" algn="ctr">
+                      <a:solidFill>
+                        <a:schemeClr val="tx1"/>
+                      </a:solidFill>
+                      <a:prstDash val="solid"/>
+                      <a:round/>
+                      <a:headEnd type="none" w="med" len="med"/>
+                      <a:tailEnd type="none" w="med" len="med"/>
+                    </a:lnB>
+                    <a:solidFill>
+                      <a:srgbClr val="FFFFFF"/>
+                    </a:solidFill>
+                  </a:tcPr>
+                </a:tc>
+                <a:tc>
+                  <a:txBody>
+                    <a:bodyPr/>
+                    <a:lstStyle/>
+                    <a:p>
+                      <a:r>
+                        <a:rPr lang="en-GB" sz="1500" b="1">
+                          <a:effectLst/>
+                        </a:rPr>
+                        <a:t>Command Prompt (cmd.exe)</a:t>
+                      </a:r>
+                      <a:endParaRPr lang="en-GB" sz="1500">
+                        <a:effectLst/>
+                      </a:endParaRPr>
+                    </a:p>
+                  </a:txBody>
+                  <a:tcPr marL="98619" marR="98619" marT="45516" marB="45516" anchor="ctr">
+                    <a:lnL w="12700" cap="flat" cmpd="sng" algn="ctr">
+                      <a:solidFill>
+                        <a:schemeClr val="tx1"/>
+                      </a:solidFill>
+                      <a:prstDash val="solid"/>
+                      <a:round/>
+                      <a:headEnd type="none" w="med" len="med"/>
+                      <a:tailEnd type="none" w="med" len="med"/>
+                    </a:lnL>
+                    <a:lnR w="12700" cap="flat" cmpd="sng" algn="ctr">
+                      <a:solidFill>
+                        <a:schemeClr val="tx1"/>
+                      </a:solidFill>
+                      <a:prstDash val="solid"/>
+                      <a:round/>
+                      <a:headEnd type="none" w="med" len="med"/>
+                      <a:tailEnd type="none" w="med" len="med"/>
+                    </a:lnR>
+                    <a:lnT w="12700" cap="flat" cmpd="sng" algn="ctr">
+                      <a:solidFill>
+                        <a:schemeClr val="tx1"/>
+                      </a:solidFill>
+                      <a:prstDash val="solid"/>
+                      <a:round/>
+                      <a:headEnd type="none" w="med" len="med"/>
+                      <a:tailEnd type="none" w="med" len="med"/>
+                    </a:lnT>
+                    <a:lnB w="12700" cap="flat" cmpd="sng" algn="ctr">
+                      <a:solidFill>
+                        <a:schemeClr val="tx1"/>
+                      </a:solidFill>
+                      <a:prstDash val="solid"/>
+                      <a:round/>
+                      <a:headEnd type="none" w="med" len="med"/>
+                      <a:tailEnd type="none" w="med" len="med"/>
+                    </a:lnB>
+                    <a:solidFill>
+                      <a:srgbClr val="FFFFFF"/>
+                    </a:solidFill>
+                  </a:tcPr>
+                </a:tc>
+                <a:tc>
+                  <a:txBody>
+                    <a:bodyPr/>
+                    <a:lstStyle/>
+                    <a:p>
+                      <a:r>
+                        <a:rPr lang="en-GB" sz="1500" b="1">
+                          <a:effectLst/>
+                        </a:rPr>
+                        <a:t>Bash</a:t>
+                      </a:r>
+                      <a:endParaRPr lang="en-GB" sz="1500">
+                        <a:effectLst/>
+                      </a:endParaRPr>
+                    </a:p>
+                  </a:txBody>
+                  <a:tcPr marL="98619" marR="98619" marT="45516" marB="45516" anchor="ctr">
+                    <a:lnL w="12700" cap="flat" cmpd="sng" algn="ctr">
+                      <a:solidFill>
+                        <a:schemeClr val="tx1"/>
+                      </a:solidFill>
+                      <a:prstDash val="solid"/>
+                      <a:round/>
+                      <a:headEnd type="none" w="med" len="med"/>
+                      <a:tailEnd type="none" w="med" len="med"/>
+                    </a:lnL>
+                    <a:lnR w="12700" cap="flat" cmpd="sng" algn="ctr">
+                      <a:solidFill>
+                        <a:schemeClr val="tx1"/>
+                      </a:solidFill>
+                      <a:prstDash val="solid"/>
+                      <a:round/>
+                      <a:headEnd type="none" w="med" len="med"/>
+                      <a:tailEnd type="none" w="med" len="med"/>
+                    </a:lnR>
+                    <a:lnT w="12700" cap="flat" cmpd="sng" algn="ctr">
+                      <a:solidFill>
+                        <a:schemeClr val="tx1"/>
+                      </a:solidFill>
+                      <a:prstDash val="solid"/>
+                      <a:round/>
+                      <a:headEnd type="none" w="med" len="med"/>
+                      <a:tailEnd type="none" w="med" len="med"/>
+                    </a:lnT>
+                    <a:lnB w="12700" cap="flat" cmpd="sng" algn="ctr">
+                      <a:solidFill>
+                        <a:schemeClr val="tx1"/>
+                      </a:solidFill>
+                      <a:prstDash val="solid"/>
+                      <a:round/>
+                      <a:headEnd type="none" w="med" len="med"/>
+                      <a:tailEnd type="none" w="med" len="med"/>
+                    </a:lnB>
+                    <a:solidFill>
+                      <a:srgbClr val="FFFFFF"/>
+                    </a:solidFill>
+                  </a:tcPr>
+                </a:tc>
+              </a:tr>
+              <a:tr h="583776">
+                <a:tc>
+                  <a:txBody>
+                    <a:bodyPr/>
+                    <a:lstStyle/>
+                    <a:p>
+                      <a:r>
+                        <a:rPr lang="en-GB" sz="1500" b="1">
+                          <a:effectLst/>
+                        </a:rPr>
+                        <a:t>Type</a:t>
+                      </a:r>
+                      <a:endParaRPr lang="en-GB" sz="1500">
+                        <a:effectLst/>
+                      </a:endParaRPr>
+                    </a:p>
+                  </a:txBody>
+                  <a:tcPr marL="98619" marR="98619" marT="45516" marB="45516" anchor="ctr">
+                    <a:lnL w="12700" cap="flat" cmpd="sng" algn="ctr">
+                      <a:solidFill>
+                        <a:schemeClr val="tx1"/>
+                      </a:solidFill>
+                      <a:prstDash val="solid"/>
+                      <a:round/>
+                      <a:headEnd type="none" w="med" len="med"/>
+                      <a:tailEnd type="none" w="med" len="med"/>
+                    </a:lnL>
+                    <a:lnR w="12700" cap="flat" cmpd="sng" algn="ctr">
+                      <a:solidFill>
+                        <a:schemeClr val="tx1"/>
+                      </a:solidFill>
+                      <a:prstDash val="solid"/>
+                      <a:round/>
+                      <a:headEnd type="none" w="med" len="med"/>
+                      <a:tailEnd type="none" w="med" len="med"/>
+                    </a:lnR>
+                    <a:lnT w="12700" cap="flat" cmpd="sng" algn="ctr">
+                      <a:solidFill>
+                        <a:schemeClr val="tx1"/>
+                      </a:solidFill>
+                      <a:prstDash val="solid"/>
+                      <a:round/>
+                      <a:headEnd type="none" w="med" len="med"/>
+                      <a:tailEnd type="none" w="med" len="med"/>
+                    </a:lnT>
+                    <a:lnB w="12700" cap="flat" cmpd="sng" algn="ctr">
+                      <a:solidFill>
+                        <a:schemeClr val="tx1"/>
+                      </a:solidFill>
+                      <a:prstDash val="solid"/>
+                      <a:round/>
+                      <a:headEnd type="none" w="med" len="med"/>
+                      <a:tailEnd type="none" w="med" len="med"/>
+                    </a:lnB>
+                    <a:solidFill>
+                      <a:srgbClr val="FFFFFF"/>
+                    </a:solidFill>
+                  </a:tcPr>
+                </a:tc>
+                <a:tc>
+                  <a:txBody>
+                    <a:bodyPr/>
+                    <a:lstStyle/>
+                    <a:p>
+                      <a:r>
+                        <a:rPr lang="en-US" sz="1500" dirty="0">
+                          <a:effectLst/>
+                        </a:rPr>
+                        <a:t>Object-oriented shell and scripting language</a:t>
+                      </a:r>
+                    </a:p>
+                  </a:txBody>
+                  <a:tcPr marL="98619" marR="98619" marT="45516" marB="45516" anchor="ctr">
+                    <a:lnL w="12700" cap="flat" cmpd="sng" algn="ctr">
+                      <a:solidFill>
+                        <a:schemeClr val="tx1"/>
+                      </a:solidFill>
+                      <a:prstDash val="solid"/>
+                      <a:round/>
+                      <a:headEnd type="none" w="med" len="med"/>
+                      <a:tailEnd type="none" w="med" len="med"/>
+                    </a:lnL>
+                    <a:lnR w="12700" cap="flat" cmpd="sng" algn="ctr">
+                      <a:solidFill>
+                        <a:schemeClr val="tx1"/>
+                      </a:solidFill>
+                      <a:prstDash val="solid"/>
+                      <a:round/>
+                      <a:headEnd type="none" w="med" len="med"/>
+                      <a:tailEnd type="none" w="med" len="med"/>
+                    </a:lnR>
+                    <a:lnT w="12700" cap="flat" cmpd="sng" algn="ctr">
+                      <a:solidFill>
+                        <a:schemeClr val="tx1"/>
+                      </a:solidFill>
+                      <a:prstDash val="solid"/>
+                      <a:round/>
+                      <a:headEnd type="none" w="med" len="med"/>
+                      <a:tailEnd type="none" w="med" len="med"/>
+                    </a:lnT>
+                    <a:lnB w="12700" cap="flat" cmpd="sng" algn="ctr">
+                      <a:solidFill>
+                        <a:schemeClr val="tx1"/>
+                      </a:solidFill>
+                      <a:prstDash val="solid"/>
+                      <a:round/>
+                      <a:headEnd type="none" w="med" len="med"/>
+                      <a:tailEnd type="none" w="med" len="med"/>
+                    </a:lnB>
+                    <a:solidFill>
+                      <a:srgbClr val="FFFFFF"/>
+                    </a:solidFill>
+                  </a:tcPr>
+                </a:tc>
+                <a:tc>
+                  <a:txBody>
+                    <a:bodyPr/>
+                    <a:lstStyle/>
+                    <a:p>
+                      <a:r>
+                        <a:rPr lang="en-GB" sz="1500">
+                          <a:effectLst/>
+                        </a:rPr>
+                        <a:t>Text-based command-line interface</a:t>
+                      </a:r>
+                    </a:p>
+                  </a:txBody>
+                  <a:tcPr marL="98619" marR="98619" marT="45516" marB="45516" anchor="ctr">
+                    <a:lnL w="12700" cap="flat" cmpd="sng" algn="ctr">
+                      <a:solidFill>
+                        <a:schemeClr val="tx1"/>
+                      </a:solidFill>
+                      <a:prstDash val="solid"/>
+                      <a:round/>
+                      <a:headEnd type="none" w="med" len="med"/>
+                      <a:tailEnd type="none" w="med" len="med"/>
+                    </a:lnL>
+                    <a:lnR w="12700" cap="flat" cmpd="sng" algn="ctr">
+                      <a:solidFill>
+                        <a:schemeClr val="tx1"/>
+                      </a:solidFill>
+                      <a:prstDash val="solid"/>
+                      <a:round/>
+                      <a:headEnd type="none" w="med" len="med"/>
+                      <a:tailEnd type="none" w="med" len="med"/>
+                    </a:lnR>
+                    <a:lnT w="12700" cap="flat" cmpd="sng" algn="ctr">
+                      <a:solidFill>
+                        <a:schemeClr val="tx1"/>
+                      </a:solidFill>
+                      <a:prstDash val="solid"/>
+                      <a:round/>
+                      <a:headEnd type="none" w="med" len="med"/>
+                      <a:tailEnd type="none" w="med" len="med"/>
+                    </a:lnT>
+                    <a:lnB w="12700" cap="flat" cmpd="sng" algn="ctr">
+                      <a:solidFill>
+                        <a:schemeClr val="tx1"/>
+                      </a:solidFill>
+                      <a:prstDash val="solid"/>
+                      <a:round/>
+                      <a:headEnd type="none" w="med" len="med"/>
+                      <a:tailEnd type="none" w="med" len="med"/>
+                    </a:lnB>
+                    <a:solidFill>
+                      <a:srgbClr val="FFFFFF"/>
+                    </a:solidFill>
+                  </a:tcPr>
+                </a:tc>
+                <a:tc>
+                  <a:txBody>
+                    <a:bodyPr/>
+                    <a:lstStyle/>
+                    <a:p>
+                      <a:r>
+                        <a:rPr lang="en-US" sz="1500">
+                          <a:effectLst/>
+                        </a:rPr>
+                        <a:t>Text-based shell with scripting capabilities</a:t>
+                      </a:r>
+                    </a:p>
+                  </a:txBody>
+                  <a:tcPr marL="98619" marR="98619" marT="45516" marB="45516" anchor="ctr">
+                    <a:lnL w="12700" cap="flat" cmpd="sng" algn="ctr">
+                      <a:solidFill>
+                        <a:schemeClr val="tx1"/>
+                      </a:solidFill>
+                      <a:prstDash val="solid"/>
+                      <a:round/>
+                      <a:headEnd type="none" w="med" len="med"/>
+                      <a:tailEnd type="none" w="med" len="med"/>
+                    </a:lnL>
+                    <a:lnR w="12700" cap="flat" cmpd="sng" algn="ctr">
+                      <a:solidFill>
+                        <a:schemeClr val="tx1"/>
+                      </a:solidFill>
+                      <a:prstDash val="solid"/>
+                      <a:round/>
+                      <a:headEnd type="none" w="med" len="med"/>
+                      <a:tailEnd type="none" w="med" len="med"/>
+                    </a:lnR>
+                    <a:lnT w="12700" cap="flat" cmpd="sng" algn="ctr">
+                      <a:solidFill>
+                        <a:schemeClr val="tx1"/>
+                      </a:solidFill>
+                      <a:prstDash val="solid"/>
+                      <a:round/>
+                      <a:headEnd type="none" w="med" len="med"/>
+                      <a:tailEnd type="none" w="med" len="med"/>
+                    </a:lnT>
+                    <a:lnB w="12700" cap="flat" cmpd="sng" algn="ctr">
+                      <a:solidFill>
+                        <a:schemeClr val="tx1"/>
+                      </a:solidFill>
+                      <a:prstDash val="solid"/>
+                      <a:round/>
+                      <a:headEnd type="none" w="med" len="med"/>
+                      <a:tailEnd type="none" w="med" len="med"/>
+                    </a:lnB>
+                    <a:solidFill>
+                      <a:srgbClr val="FFFFFF"/>
+                    </a:solidFill>
+                  </a:tcPr>
+                </a:tc>
+              </a:tr>
+              <a:tr h="825338">
+                <a:tc>
+                  <a:txBody>
+                    <a:bodyPr/>
+                    <a:lstStyle/>
+                    <a:p>
+                      <a:r>
+                        <a:rPr lang="en-GB" sz="1500" b="1">
+                          <a:effectLst/>
+                        </a:rPr>
+                        <a:t>Output Format</a:t>
+                      </a:r>
+                      <a:endParaRPr lang="en-GB" sz="1500">
+                        <a:effectLst/>
+                      </a:endParaRPr>
+                    </a:p>
+                  </a:txBody>
+                  <a:tcPr marL="98619" marR="98619" marT="45516" marB="45516" anchor="ctr">
+                    <a:lnL w="12700" cap="flat" cmpd="sng" algn="ctr">
+                      <a:solidFill>
+                        <a:schemeClr val="tx1"/>
+                      </a:solidFill>
+                      <a:prstDash val="solid"/>
+                      <a:round/>
+                      <a:headEnd type="none" w="med" len="med"/>
+                      <a:tailEnd type="none" w="med" len="med"/>
+                    </a:lnL>
+                    <a:lnR w="12700" cap="flat" cmpd="sng" algn="ctr">
+                      <a:solidFill>
+                        <a:schemeClr val="tx1"/>
+                      </a:solidFill>
+                      <a:prstDash val="solid"/>
+                      <a:round/>
+                      <a:headEnd type="none" w="med" len="med"/>
+                      <a:tailEnd type="none" w="med" len="med"/>
+                    </a:lnR>
+                    <a:lnT w="12700" cap="flat" cmpd="sng" algn="ctr">
+                      <a:solidFill>
+                        <a:schemeClr val="tx1"/>
+                      </a:solidFill>
+                      <a:prstDash val="solid"/>
+                      <a:round/>
+                      <a:headEnd type="none" w="med" len="med"/>
+                      <a:tailEnd type="none" w="med" len="med"/>
+                    </a:lnT>
+                    <a:lnB w="12700" cap="flat" cmpd="sng" algn="ctr">
+                      <a:solidFill>
+                        <a:schemeClr val="tx1"/>
+                      </a:solidFill>
+                      <a:prstDash val="solid"/>
+                      <a:round/>
+                      <a:headEnd type="none" w="med" len="med"/>
+                      <a:tailEnd type="none" w="med" len="med"/>
+                    </a:lnB>
+                    <a:solidFill>
+                      <a:srgbClr val="FFFFFF"/>
+                    </a:solidFill>
+                  </a:tcPr>
+                </a:tc>
+                <a:tc>
+                  <a:txBody>
+                    <a:bodyPr/>
+                    <a:lstStyle/>
+                    <a:p>
+                      <a:r>
+                        <a:rPr lang="en-GB" sz="1500">
+                          <a:effectLst/>
+                        </a:rPr>
+                        <a:t>Objects (easily manipulated)</a:t>
+                      </a:r>
+                    </a:p>
+                  </a:txBody>
+                  <a:tcPr marL="98619" marR="98619" marT="45516" marB="45516" anchor="ctr">
+                    <a:lnL w="12700" cap="flat" cmpd="sng" algn="ctr">
+                      <a:solidFill>
+                        <a:schemeClr val="tx1"/>
+                      </a:solidFill>
+                      <a:prstDash val="solid"/>
+                      <a:round/>
+                      <a:headEnd type="none" w="med" len="med"/>
+                      <a:tailEnd type="none" w="med" len="med"/>
+                    </a:lnL>
+                    <a:lnR w="12700" cap="flat" cmpd="sng" algn="ctr">
+                      <a:solidFill>
+                        <a:schemeClr val="tx1"/>
+                      </a:solidFill>
+                      <a:prstDash val="solid"/>
+                      <a:round/>
+                      <a:headEnd type="none" w="med" len="med"/>
+                      <a:tailEnd type="none" w="med" len="med"/>
+                    </a:lnR>
+                    <a:lnT w="12700" cap="flat" cmpd="sng" algn="ctr">
+                      <a:solidFill>
+                        <a:schemeClr val="tx1"/>
+                      </a:solidFill>
+                      <a:prstDash val="solid"/>
+                      <a:round/>
+                      <a:headEnd type="none" w="med" len="med"/>
+                      <a:tailEnd type="none" w="med" len="med"/>
+                    </a:lnT>
+                    <a:lnB w="12700" cap="flat" cmpd="sng" algn="ctr">
+                      <a:solidFill>
+                        <a:schemeClr val="tx1"/>
+                      </a:solidFill>
+                      <a:prstDash val="solid"/>
+                      <a:round/>
+                      <a:headEnd type="none" w="med" len="med"/>
+                      <a:tailEnd type="none" w="med" len="med"/>
+                    </a:lnB>
+                    <a:solidFill>
+                      <a:srgbClr val="FFFFFF"/>
+                    </a:solidFill>
+                  </a:tcPr>
+                </a:tc>
+                <a:tc>
+                  <a:txBody>
+                    <a:bodyPr/>
+                    <a:lstStyle/>
+                    <a:p>
+                      <a:r>
+                        <a:rPr lang="en-GB" sz="1500">
+                          <a:effectLst/>
+                        </a:rPr>
+                        <a:t>Text (limited processing)</a:t>
+                      </a:r>
+                    </a:p>
+                  </a:txBody>
+                  <a:tcPr marL="98619" marR="98619" marT="45516" marB="45516" anchor="ctr">
+                    <a:lnL w="12700" cap="flat" cmpd="sng" algn="ctr">
+                      <a:solidFill>
+                        <a:schemeClr val="tx1"/>
+                      </a:solidFill>
+                      <a:prstDash val="solid"/>
+                      <a:round/>
+                      <a:headEnd type="none" w="med" len="med"/>
+                      <a:tailEnd type="none" w="med" len="med"/>
+                    </a:lnL>
+                    <a:lnR w="12700" cap="flat" cmpd="sng" algn="ctr">
+                      <a:solidFill>
+                        <a:schemeClr val="tx1"/>
+                      </a:solidFill>
+                      <a:prstDash val="solid"/>
+                      <a:round/>
+                      <a:headEnd type="none" w="med" len="med"/>
+                      <a:tailEnd type="none" w="med" len="med"/>
+                    </a:lnR>
+                    <a:lnT w="12700" cap="flat" cmpd="sng" algn="ctr">
+                      <a:solidFill>
+                        <a:schemeClr val="tx1"/>
+                      </a:solidFill>
+                      <a:prstDash val="solid"/>
+                      <a:round/>
+                      <a:headEnd type="none" w="med" len="med"/>
+                      <a:tailEnd type="none" w="med" len="med"/>
+                    </a:lnT>
+                    <a:lnB w="12700" cap="flat" cmpd="sng" algn="ctr">
+                      <a:solidFill>
+                        <a:schemeClr val="tx1"/>
+                      </a:solidFill>
+                      <a:prstDash val="solid"/>
+                      <a:round/>
+                      <a:headEnd type="none" w="med" len="med"/>
+                      <a:tailEnd type="none" w="med" len="med"/>
+                    </a:lnB>
+                    <a:solidFill>
+                      <a:srgbClr val="FFFFFF"/>
+                    </a:solidFill>
+                  </a:tcPr>
+                </a:tc>
+                <a:tc>
+                  <a:txBody>
+                    <a:bodyPr/>
+                    <a:lstStyle/>
+                    <a:p>
+                      <a:r>
+                        <a:rPr lang="en-US" sz="1500">
+                          <a:effectLst/>
+                        </a:rPr>
+                        <a:t>Text (often piped into other text-based commands)</a:t>
+                      </a:r>
+                    </a:p>
+                  </a:txBody>
+                  <a:tcPr marL="98619" marR="98619" marT="45516" marB="45516" anchor="ctr">
+                    <a:lnL w="12700" cap="flat" cmpd="sng" algn="ctr">
+                      <a:solidFill>
+                        <a:schemeClr val="tx1"/>
+                      </a:solidFill>
+                      <a:prstDash val="solid"/>
+                      <a:round/>
+                      <a:headEnd type="none" w="med" len="med"/>
+                      <a:tailEnd type="none" w="med" len="med"/>
+                    </a:lnL>
+                    <a:lnR w="12700" cap="flat" cmpd="sng" algn="ctr">
+                      <a:solidFill>
+                        <a:schemeClr val="tx1"/>
+                      </a:solidFill>
+                      <a:prstDash val="solid"/>
+                      <a:round/>
+                      <a:headEnd type="none" w="med" len="med"/>
+                      <a:tailEnd type="none" w="med" len="med"/>
+                    </a:lnR>
+                    <a:lnT w="12700" cap="flat" cmpd="sng" algn="ctr">
+                      <a:solidFill>
+                        <a:schemeClr val="tx1"/>
+                      </a:solidFill>
+                      <a:prstDash val="solid"/>
+                      <a:round/>
+                      <a:headEnd type="none" w="med" len="med"/>
+                      <a:tailEnd type="none" w="med" len="med"/>
+                    </a:lnT>
+                    <a:lnB w="12700" cap="flat" cmpd="sng" algn="ctr">
+                      <a:solidFill>
+                        <a:schemeClr val="tx1"/>
+                      </a:solidFill>
+                      <a:prstDash val="solid"/>
+                      <a:round/>
+                      <a:headEnd type="none" w="med" len="med"/>
+                      <a:tailEnd type="none" w="med" len="med"/>
+                    </a:lnB>
+                    <a:solidFill>
+                      <a:srgbClr val="FFFFFF"/>
+                    </a:solidFill>
+                  </a:tcPr>
+                </a:tc>
+              </a:tr>
+              <a:tr h="583776">
+                <a:tc>
+                  <a:txBody>
+                    <a:bodyPr/>
+                    <a:lstStyle/>
+                    <a:p>
+                      <a:r>
+                        <a:rPr lang="en-GB" sz="1500" b="1">
+                          <a:effectLst/>
+                        </a:rPr>
+                        <a:t>Automation Support</a:t>
+                      </a:r>
+                      <a:endParaRPr lang="en-GB" sz="1500">
+                        <a:effectLst/>
+                      </a:endParaRPr>
+                    </a:p>
+                  </a:txBody>
+                  <a:tcPr marL="98619" marR="98619" marT="45516" marB="45516" anchor="ctr">
+                    <a:lnL w="12700" cap="flat" cmpd="sng" algn="ctr">
+                      <a:solidFill>
+                        <a:schemeClr val="tx1"/>
+                      </a:solidFill>
+                      <a:prstDash val="solid"/>
+                      <a:round/>
+                      <a:headEnd type="none" w="med" len="med"/>
+                      <a:tailEnd type="none" w="med" len="med"/>
+                    </a:lnL>
+                    <a:lnR w="12700" cap="flat" cmpd="sng" algn="ctr">
+                      <a:solidFill>
+                        <a:schemeClr val="tx1"/>
+                      </a:solidFill>
+                      <a:prstDash val="solid"/>
+                      <a:round/>
+                      <a:headEnd type="none" w="med" len="med"/>
+                      <a:tailEnd type="none" w="med" len="med"/>
+                    </a:lnR>
+                    <a:lnT w="12700" cap="flat" cmpd="sng" algn="ctr">
+                      <a:solidFill>
+                        <a:schemeClr val="tx1"/>
+                      </a:solidFill>
+                      <a:prstDash val="solid"/>
+                      <a:round/>
+                      <a:headEnd type="none" w="med" len="med"/>
+                      <a:tailEnd type="none" w="med" len="med"/>
+                    </a:lnT>
+                    <a:lnB w="12700" cap="flat" cmpd="sng" algn="ctr">
+                      <a:solidFill>
+                        <a:schemeClr val="tx1"/>
+                      </a:solidFill>
+                      <a:prstDash val="solid"/>
+                      <a:round/>
+                      <a:headEnd type="none" w="med" len="med"/>
+                      <a:tailEnd type="none" w="med" len="med"/>
+                    </a:lnB>
+                    <a:solidFill>
+                      <a:srgbClr val="FFFFFF"/>
+                    </a:solidFill>
+                  </a:tcPr>
+                </a:tc>
+                <a:tc>
+                  <a:txBody>
+                    <a:bodyPr/>
+                    <a:lstStyle/>
+                    <a:p>
+                      <a:r>
+                        <a:rPr lang="en-US" sz="1500" dirty="0">
+                          <a:effectLst/>
+                        </a:rPr>
+                        <a:t>Extensive automation with cmdlets and scripts</a:t>
+                      </a:r>
+                    </a:p>
+                  </a:txBody>
+                  <a:tcPr marL="98619" marR="98619" marT="45516" marB="45516" anchor="ctr">
+                    <a:lnL w="12700" cap="flat" cmpd="sng" algn="ctr">
+                      <a:solidFill>
+                        <a:schemeClr val="tx1"/>
+                      </a:solidFill>
+                      <a:prstDash val="solid"/>
+                      <a:round/>
+                      <a:headEnd type="none" w="med" len="med"/>
+                      <a:tailEnd type="none" w="med" len="med"/>
+                    </a:lnL>
+                    <a:lnR w="12700" cap="flat" cmpd="sng" algn="ctr">
+                      <a:solidFill>
+                        <a:schemeClr val="tx1"/>
+                      </a:solidFill>
+                      <a:prstDash val="solid"/>
+                      <a:round/>
+                      <a:headEnd type="none" w="med" len="med"/>
+                      <a:tailEnd type="none" w="med" len="med"/>
+                    </a:lnR>
+                    <a:lnT w="12700" cap="flat" cmpd="sng" algn="ctr">
+                      <a:solidFill>
+                        <a:schemeClr val="tx1"/>
+                      </a:solidFill>
+                      <a:prstDash val="solid"/>
+                      <a:round/>
+                      <a:headEnd type="none" w="med" len="med"/>
+                      <a:tailEnd type="none" w="med" len="med"/>
+                    </a:lnT>
+                    <a:lnB w="12700" cap="flat" cmpd="sng" algn="ctr">
+                      <a:solidFill>
+                        <a:schemeClr val="tx1"/>
+                      </a:solidFill>
+                      <a:prstDash val="solid"/>
+                      <a:round/>
+                      <a:headEnd type="none" w="med" len="med"/>
+                      <a:tailEnd type="none" w="med" len="med"/>
+                    </a:lnB>
+                    <a:solidFill>
+                      <a:srgbClr val="FFFFFF"/>
+                    </a:solidFill>
+                  </a:tcPr>
+                </a:tc>
+                <a:tc>
+                  <a:txBody>
+                    <a:bodyPr/>
+                    <a:lstStyle/>
+                    <a:p>
+                      <a:r>
+                        <a:rPr lang="en-US" sz="1500" dirty="0">
+                          <a:effectLst/>
+                        </a:rPr>
+                        <a:t>Basic scripting support (batch files)</a:t>
+                      </a:r>
+                    </a:p>
+                  </a:txBody>
+                  <a:tcPr marL="98619" marR="98619" marT="45516" marB="45516" anchor="ctr">
+                    <a:lnL w="12700" cap="flat" cmpd="sng" algn="ctr">
+                      <a:solidFill>
+                        <a:schemeClr val="tx1"/>
+                      </a:solidFill>
+                      <a:prstDash val="solid"/>
+                      <a:round/>
+                      <a:headEnd type="none" w="med" len="med"/>
+                      <a:tailEnd type="none" w="med" len="med"/>
+                    </a:lnL>
+                    <a:lnR w="12700" cap="flat" cmpd="sng" algn="ctr">
+                      <a:solidFill>
+                        <a:schemeClr val="tx1"/>
+                      </a:solidFill>
+                      <a:prstDash val="solid"/>
+                      <a:round/>
+                      <a:headEnd type="none" w="med" len="med"/>
+                      <a:tailEnd type="none" w="med" len="med"/>
+                    </a:lnR>
+                    <a:lnT w="12700" cap="flat" cmpd="sng" algn="ctr">
+                      <a:solidFill>
+                        <a:schemeClr val="tx1"/>
+                      </a:solidFill>
+                      <a:prstDash val="solid"/>
+                      <a:round/>
+                      <a:headEnd type="none" w="med" len="med"/>
+                      <a:tailEnd type="none" w="med" len="med"/>
+                    </a:lnT>
+                    <a:lnB w="12700" cap="flat" cmpd="sng" algn="ctr">
+                      <a:solidFill>
+                        <a:schemeClr val="tx1"/>
+                      </a:solidFill>
+                      <a:prstDash val="solid"/>
+                      <a:round/>
+                      <a:headEnd type="none" w="med" len="med"/>
+                      <a:tailEnd type="none" w="med" len="med"/>
+                    </a:lnB>
+                    <a:solidFill>
+                      <a:srgbClr val="FFFFFF"/>
+                    </a:solidFill>
+                  </a:tcPr>
+                </a:tc>
+                <a:tc>
+                  <a:txBody>
+                    <a:bodyPr/>
+                    <a:lstStyle/>
+                    <a:p>
+                      <a:r>
+                        <a:rPr lang="en-US" sz="1500">
+                          <a:effectLst/>
+                        </a:rPr>
+                        <a:t>Extensive scripting support (Bash scripts)</a:t>
+                      </a:r>
+                    </a:p>
+                  </a:txBody>
+                  <a:tcPr marL="98619" marR="98619" marT="45516" marB="45516" anchor="ctr">
+                    <a:lnL w="12700" cap="flat" cmpd="sng" algn="ctr">
+                      <a:solidFill>
+                        <a:schemeClr val="tx1"/>
+                      </a:solidFill>
+                      <a:prstDash val="solid"/>
+                      <a:round/>
+                      <a:headEnd type="none" w="med" len="med"/>
+                      <a:tailEnd type="none" w="med" len="med"/>
+                    </a:lnL>
+                    <a:lnR w="12700" cap="flat" cmpd="sng" algn="ctr">
+                      <a:solidFill>
+                        <a:schemeClr val="tx1"/>
+                      </a:solidFill>
+                      <a:prstDash val="solid"/>
+                      <a:round/>
+                      <a:headEnd type="none" w="med" len="med"/>
+                      <a:tailEnd type="none" w="med" len="med"/>
+                    </a:lnR>
+                    <a:lnT w="12700" cap="flat" cmpd="sng" algn="ctr">
+                      <a:solidFill>
+                        <a:schemeClr val="tx1"/>
+                      </a:solidFill>
+                      <a:prstDash val="solid"/>
+                      <a:round/>
+                      <a:headEnd type="none" w="med" len="med"/>
+                      <a:tailEnd type="none" w="med" len="med"/>
+                    </a:lnT>
+                    <a:lnB w="12700" cap="flat" cmpd="sng" algn="ctr">
+                      <a:solidFill>
+                        <a:schemeClr val="tx1"/>
+                      </a:solidFill>
+                      <a:prstDash val="solid"/>
+                      <a:round/>
+                      <a:headEnd type="none" w="med" len="med"/>
+                      <a:tailEnd type="none" w="med" len="med"/>
+                    </a:lnB>
+                    <a:solidFill>
+                      <a:srgbClr val="FFFFFF"/>
+                    </a:solidFill>
+                  </a:tcPr>
+                </a:tc>
+              </a:tr>
+              <a:tr h="825338">
+                <a:tc>
+                  <a:txBody>
+                    <a:bodyPr/>
+                    <a:lstStyle/>
+                    <a:p>
+                      <a:r>
+                        <a:rPr lang="en-GB" sz="1500" b="1">
+                          <a:effectLst/>
+                        </a:rPr>
+                        <a:t>Platform Support</a:t>
+                      </a:r>
+                      <a:endParaRPr lang="en-GB" sz="1500">
+                        <a:effectLst/>
+                      </a:endParaRPr>
+                    </a:p>
+                  </a:txBody>
+                  <a:tcPr marL="98619" marR="98619" marT="45516" marB="45516" anchor="ctr">
+                    <a:lnL w="12700" cap="flat" cmpd="sng" algn="ctr">
+                      <a:solidFill>
+                        <a:schemeClr val="tx1"/>
+                      </a:solidFill>
+                      <a:prstDash val="solid"/>
+                      <a:round/>
+                      <a:headEnd type="none" w="med" len="med"/>
+                      <a:tailEnd type="none" w="med" len="med"/>
+                    </a:lnL>
+                    <a:lnR w="12700" cap="flat" cmpd="sng" algn="ctr">
+                      <a:solidFill>
+                        <a:schemeClr val="tx1"/>
+                      </a:solidFill>
+                      <a:prstDash val="solid"/>
+                      <a:round/>
+                      <a:headEnd type="none" w="med" len="med"/>
+                      <a:tailEnd type="none" w="med" len="med"/>
+                    </a:lnR>
+                    <a:lnT w="12700" cap="flat" cmpd="sng" algn="ctr">
+                      <a:solidFill>
+                        <a:schemeClr val="tx1"/>
+                      </a:solidFill>
+                      <a:prstDash val="solid"/>
+                      <a:round/>
+                      <a:headEnd type="none" w="med" len="med"/>
+                      <a:tailEnd type="none" w="med" len="med"/>
+                    </a:lnT>
+                    <a:lnB w="12700" cap="flat" cmpd="sng" algn="ctr">
+                      <a:solidFill>
+                        <a:schemeClr val="tx1"/>
+                      </a:solidFill>
+                      <a:prstDash val="solid"/>
+                      <a:round/>
+                      <a:headEnd type="none" w="med" len="med"/>
+                      <a:tailEnd type="none" w="med" len="med"/>
+                    </a:lnB>
+                    <a:solidFill>
+                      <a:srgbClr val="FFFFFF"/>
+                    </a:solidFill>
+                  </a:tcPr>
+                </a:tc>
+                <a:tc>
+                  <a:txBody>
+                    <a:bodyPr/>
+                    <a:lstStyle/>
+                    <a:p>
+                      <a:r>
+                        <a:rPr lang="en-GB" sz="1500">
+                          <a:effectLst/>
+                        </a:rPr>
+                        <a:t>Cross-platform (Windows, macOS, Linux)</a:t>
+                      </a:r>
+                    </a:p>
+                  </a:txBody>
+                  <a:tcPr marL="98619" marR="98619" marT="45516" marB="45516" anchor="ctr">
+                    <a:lnL w="12700" cap="flat" cmpd="sng" algn="ctr">
+                      <a:solidFill>
+                        <a:schemeClr val="tx1"/>
+                      </a:solidFill>
+                      <a:prstDash val="solid"/>
+                      <a:round/>
+                      <a:headEnd type="none" w="med" len="med"/>
+                      <a:tailEnd type="none" w="med" len="med"/>
+                    </a:lnL>
+                    <a:lnR w="12700" cap="flat" cmpd="sng" algn="ctr">
+                      <a:solidFill>
+                        <a:schemeClr val="tx1"/>
+                      </a:solidFill>
+                      <a:prstDash val="solid"/>
+                      <a:round/>
+                      <a:headEnd type="none" w="med" len="med"/>
+                      <a:tailEnd type="none" w="med" len="med"/>
+                    </a:lnR>
+                    <a:lnT w="12700" cap="flat" cmpd="sng" algn="ctr">
+                      <a:solidFill>
+                        <a:schemeClr val="tx1"/>
+                      </a:solidFill>
+                      <a:prstDash val="solid"/>
+                      <a:round/>
+                      <a:headEnd type="none" w="med" len="med"/>
+                      <a:tailEnd type="none" w="med" len="med"/>
+                    </a:lnT>
+                    <a:lnB w="12700" cap="flat" cmpd="sng" algn="ctr">
+                      <a:solidFill>
+                        <a:schemeClr val="tx1"/>
+                      </a:solidFill>
+                      <a:prstDash val="solid"/>
+                      <a:round/>
+                      <a:headEnd type="none" w="med" len="med"/>
+                      <a:tailEnd type="none" w="med" len="med"/>
+                    </a:lnB>
+                    <a:solidFill>
+                      <a:srgbClr val="FFFFFF"/>
+                    </a:solidFill>
+                  </a:tcPr>
+                </a:tc>
+                <a:tc>
+                  <a:txBody>
+                    <a:bodyPr/>
+                    <a:lstStyle/>
+                    <a:p>
+                      <a:r>
+                        <a:rPr lang="en-GB" sz="1500">
+                          <a:effectLst/>
+                        </a:rPr>
+                        <a:t>Primarily Windows</a:t>
+                      </a:r>
+                    </a:p>
+                  </a:txBody>
+                  <a:tcPr marL="98619" marR="98619" marT="45516" marB="45516" anchor="ctr">
+                    <a:lnL w="12700" cap="flat" cmpd="sng" algn="ctr">
+                      <a:solidFill>
+                        <a:schemeClr val="tx1"/>
+                      </a:solidFill>
+                      <a:prstDash val="solid"/>
+                      <a:round/>
+                      <a:headEnd type="none" w="med" len="med"/>
+                      <a:tailEnd type="none" w="med" len="med"/>
+                    </a:lnL>
+                    <a:lnR w="12700" cap="flat" cmpd="sng" algn="ctr">
+                      <a:solidFill>
+                        <a:schemeClr val="tx1"/>
+                      </a:solidFill>
+                      <a:prstDash val="solid"/>
+                      <a:round/>
+                      <a:headEnd type="none" w="med" len="med"/>
+                      <a:tailEnd type="none" w="med" len="med"/>
+                    </a:lnR>
+                    <a:lnT w="12700" cap="flat" cmpd="sng" algn="ctr">
+                      <a:solidFill>
+                        <a:schemeClr val="tx1"/>
+                      </a:solidFill>
+                      <a:prstDash val="solid"/>
+                      <a:round/>
+                      <a:headEnd type="none" w="med" len="med"/>
+                      <a:tailEnd type="none" w="med" len="med"/>
+                    </a:lnT>
+                    <a:lnB w="12700" cap="flat" cmpd="sng" algn="ctr">
+                      <a:solidFill>
+                        <a:schemeClr val="tx1"/>
+                      </a:solidFill>
+                      <a:prstDash val="solid"/>
+                      <a:round/>
+                      <a:headEnd type="none" w="med" len="med"/>
+                      <a:tailEnd type="none" w="med" len="med"/>
+                    </a:lnB>
+                    <a:solidFill>
+                      <a:srgbClr val="FFFFFF"/>
+                    </a:solidFill>
+                  </a:tcPr>
+                </a:tc>
+                <a:tc>
+                  <a:txBody>
+                    <a:bodyPr/>
+                    <a:lstStyle/>
+                    <a:p>
+                      <a:r>
+                        <a:rPr lang="en-US" sz="1500">
+                          <a:effectLst/>
+                        </a:rPr>
+                        <a:t>Linux/Unix, macOS (with some Windows support via WSL)</a:t>
+                      </a:r>
+                    </a:p>
+                  </a:txBody>
+                  <a:tcPr marL="98619" marR="98619" marT="45516" marB="45516" anchor="ctr">
+                    <a:lnL w="12700" cap="flat" cmpd="sng" algn="ctr">
+                      <a:solidFill>
+                        <a:schemeClr val="tx1"/>
+                      </a:solidFill>
+                      <a:prstDash val="solid"/>
+                      <a:round/>
+                      <a:headEnd type="none" w="med" len="med"/>
+                      <a:tailEnd type="none" w="med" len="med"/>
+                    </a:lnL>
+                    <a:lnR w="12700" cap="flat" cmpd="sng" algn="ctr">
+                      <a:solidFill>
+                        <a:schemeClr val="tx1"/>
+                      </a:solidFill>
+                      <a:prstDash val="solid"/>
+                      <a:round/>
+                      <a:headEnd type="none" w="med" len="med"/>
+                      <a:tailEnd type="none" w="med" len="med"/>
+                    </a:lnR>
+                    <a:lnT w="12700" cap="flat" cmpd="sng" algn="ctr">
+                      <a:solidFill>
+                        <a:schemeClr val="tx1"/>
+                      </a:solidFill>
+                      <a:prstDash val="solid"/>
+                      <a:round/>
+                      <a:headEnd type="none" w="med" len="med"/>
+                      <a:tailEnd type="none" w="med" len="med"/>
+                    </a:lnT>
+                    <a:lnB w="12700" cap="flat" cmpd="sng" algn="ctr">
+                      <a:solidFill>
+                        <a:schemeClr val="tx1"/>
+                      </a:solidFill>
+                      <a:prstDash val="solid"/>
+                      <a:round/>
+                      <a:headEnd type="none" w="med" len="med"/>
+                      <a:tailEnd type="none" w="med" len="med"/>
+                    </a:lnB>
+                    <a:solidFill>
+                      <a:srgbClr val="FFFFFF"/>
+                    </a:solidFill>
+                  </a:tcPr>
+                </a:tc>
+              </a:tr>
+              <a:tr h="825338">
+                <a:tc>
+                  <a:txBody>
+                    <a:bodyPr/>
+                    <a:lstStyle/>
+                    <a:p>
+                      <a:r>
+                        <a:rPr lang="en-GB" sz="1500" b="1">
+                          <a:effectLst/>
+                        </a:rPr>
+                        <a:t>Integration</a:t>
+                      </a:r>
+                      <a:endParaRPr lang="en-GB" sz="1500">
+                        <a:effectLst/>
+                      </a:endParaRPr>
+                    </a:p>
+                  </a:txBody>
+                  <a:tcPr marL="98619" marR="98619" marT="45516" marB="45516" anchor="ctr">
+                    <a:lnL w="12700" cap="flat" cmpd="sng" algn="ctr">
+                      <a:solidFill>
+                        <a:schemeClr val="tx1"/>
+                      </a:solidFill>
+                      <a:prstDash val="solid"/>
+                      <a:round/>
+                      <a:headEnd type="none" w="med" len="med"/>
+                      <a:tailEnd type="none" w="med" len="med"/>
+                    </a:lnL>
+                    <a:lnR w="12700" cap="flat" cmpd="sng" algn="ctr">
+                      <a:solidFill>
+                        <a:schemeClr val="tx1"/>
+                      </a:solidFill>
+                      <a:prstDash val="solid"/>
+                      <a:round/>
+                      <a:headEnd type="none" w="med" len="med"/>
+                      <a:tailEnd type="none" w="med" len="med"/>
+                    </a:lnR>
+                    <a:lnT w="12700" cap="flat" cmpd="sng" algn="ctr">
+                      <a:solidFill>
+                        <a:schemeClr val="tx1"/>
+                      </a:solidFill>
+                      <a:prstDash val="solid"/>
+                      <a:round/>
+                      <a:headEnd type="none" w="med" len="med"/>
+                      <a:tailEnd type="none" w="med" len="med"/>
+                    </a:lnT>
+                    <a:lnB w="12700" cap="flat" cmpd="sng" algn="ctr">
+                      <a:solidFill>
+                        <a:schemeClr val="tx1"/>
+                      </a:solidFill>
+                      <a:prstDash val="solid"/>
+                      <a:round/>
+                      <a:headEnd type="none" w="med" len="med"/>
+                      <a:tailEnd type="none" w="med" len="med"/>
+                    </a:lnB>
+                    <a:solidFill>
+                      <a:srgbClr val="FFFFFF"/>
+                    </a:solidFill>
+                  </a:tcPr>
+                </a:tc>
+                <a:tc>
+                  <a:txBody>
+                    <a:bodyPr/>
+                    <a:lstStyle/>
+                    <a:p>
+                      <a:r>
+                        <a:rPr lang="en-US" sz="1500">
+                          <a:effectLst/>
+                        </a:rPr>
+                        <a:t>Deep integration with Windows, .NET, Azure, and more</a:t>
+                      </a:r>
+                    </a:p>
+                  </a:txBody>
+                  <a:tcPr marL="98619" marR="98619" marT="45516" marB="45516" anchor="ctr">
+                    <a:lnL w="12700" cap="flat" cmpd="sng" algn="ctr">
+                      <a:solidFill>
+                        <a:schemeClr val="tx1"/>
+                      </a:solidFill>
+                      <a:prstDash val="solid"/>
+                      <a:round/>
+                      <a:headEnd type="none" w="med" len="med"/>
+                      <a:tailEnd type="none" w="med" len="med"/>
+                    </a:lnL>
+                    <a:lnR w="12700" cap="flat" cmpd="sng" algn="ctr">
+                      <a:solidFill>
+                        <a:schemeClr val="tx1"/>
+                      </a:solidFill>
+                      <a:prstDash val="solid"/>
+                      <a:round/>
+                      <a:headEnd type="none" w="med" len="med"/>
+                      <a:tailEnd type="none" w="med" len="med"/>
+                    </a:lnR>
+                    <a:lnT w="12700" cap="flat" cmpd="sng" algn="ctr">
+                      <a:solidFill>
+                        <a:schemeClr val="tx1"/>
+                      </a:solidFill>
+                      <a:prstDash val="solid"/>
+                      <a:round/>
+                      <a:headEnd type="none" w="med" len="med"/>
+                      <a:tailEnd type="none" w="med" len="med"/>
+                    </a:lnT>
+                    <a:lnB w="12700" cap="flat" cmpd="sng" algn="ctr">
+                      <a:solidFill>
+                        <a:schemeClr val="tx1"/>
+                      </a:solidFill>
+                      <a:prstDash val="solid"/>
+                      <a:round/>
+                      <a:headEnd type="none" w="med" len="med"/>
+                      <a:tailEnd type="none" w="med" len="med"/>
+                    </a:lnB>
+                    <a:solidFill>
+                      <a:srgbClr val="FFFFFF"/>
+                    </a:solidFill>
+                  </a:tcPr>
+                </a:tc>
+                <a:tc>
+                  <a:txBody>
+                    <a:bodyPr/>
+                    <a:lstStyle/>
+                    <a:p>
+                      <a:r>
+                        <a:rPr lang="en-US" sz="1500">
+                          <a:effectLst/>
+                        </a:rPr>
+                        <a:t>Limited integration with Windows features</a:t>
+                      </a:r>
+                    </a:p>
+                  </a:txBody>
+                  <a:tcPr marL="98619" marR="98619" marT="45516" marB="45516" anchor="ctr">
+                    <a:lnL w="12700" cap="flat" cmpd="sng" algn="ctr">
+                      <a:solidFill>
+                        <a:schemeClr val="tx1"/>
+                      </a:solidFill>
+                      <a:prstDash val="solid"/>
+                      <a:round/>
+                      <a:headEnd type="none" w="med" len="med"/>
+                      <a:tailEnd type="none" w="med" len="med"/>
+                    </a:lnL>
+                    <a:lnR w="12700" cap="flat" cmpd="sng" algn="ctr">
+                      <a:solidFill>
+                        <a:schemeClr val="tx1"/>
+                      </a:solidFill>
+                      <a:prstDash val="solid"/>
+                      <a:round/>
+                      <a:headEnd type="none" w="med" len="med"/>
+                      <a:tailEnd type="none" w="med" len="med"/>
+                    </a:lnR>
+                    <a:lnT w="12700" cap="flat" cmpd="sng" algn="ctr">
+                      <a:solidFill>
+                        <a:schemeClr val="tx1"/>
+                      </a:solidFill>
+                      <a:prstDash val="solid"/>
+                      <a:round/>
+                      <a:headEnd type="none" w="med" len="med"/>
+                      <a:tailEnd type="none" w="med" len="med"/>
+                    </a:lnT>
+                    <a:lnB w="12700" cap="flat" cmpd="sng" algn="ctr">
+                      <a:solidFill>
+                        <a:schemeClr val="tx1"/>
+                      </a:solidFill>
+                      <a:prstDash val="solid"/>
+                      <a:round/>
+                      <a:headEnd type="none" w="med" len="med"/>
+                      <a:tailEnd type="none" w="med" len="med"/>
+                    </a:lnB>
+                    <a:solidFill>
+                      <a:srgbClr val="FFFFFF"/>
+                    </a:solidFill>
+                  </a:tcPr>
+                </a:tc>
+                <a:tc>
+                  <a:txBody>
+                    <a:bodyPr/>
+                    <a:lstStyle/>
+                    <a:p>
+                      <a:r>
+                        <a:rPr lang="en-US" sz="1500">
+                          <a:effectLst/>
+                        </a:rPr>
+                        <a:t>Integrated with Linux tools and utilities</a:t>
+                      </a:r>
+                    </a:p>
+                  </a:txBody>
+                  <a:tcPr marL="98619" marR="98619" marT="45516" marB="45516" anchor="ctr">
+                    <a:lnL w="12700" cap="flat" cmpd="sng" algn="ctr">
+                      <a:solidFill>
+                        <a:schemeClr val="tx1"/>
+                      </a:solidFill>
+                      <a:prstDash val="solid"/>
+                      <a:round/>
+                      <a:headEnd type="none" w="med" len="med"/>
+                      <a:tailEnd type="none" w="med" len="med"/>
+                    </a:lnL>
+                    <a:lnR w="12700" cap="flat" cmpd="sng" algn="ctr">
+                      <a:solidFill>
+                        <a:schemeClr val="tx1"/>
+                      </a:solidFill>
+                      <a:prstDash val="solid"/>
+                      <a:round/>
+                      <a:headEnd type="none" w="med" len="med"/>
+                      <a:tailEnd type="none" w="med" len="med"/>
+                    </a:lnR>
+                    <a:lnT w="12700" cap="flat" cmpd="sng" algn="ctr">
+                      <a:solidFill>
+                        <a:schemeClr val="tx1"/>
+                      </a:solidFill>
+                      <a:prstDash val="solid"/>
+                      <a:round/>
+                      <a:headEnd type="none" w="med" len="med"/>
+                      <a:tailEnd type="none" w="med" len="med"/>
+                    </a:lnT>
+                    <a:lnB w="12700" cap="flat" cmpd="sng" algn="ctr">
+                      <a:solidFill>
+                        <a:schemeClr val="tx1"/>
+                      </a:solidFill>
+                      <a:prstDash val="solid"/>
+                      <a:round/>
+                      <a:headEnd type="none" w="med" len="med"/>
+                      <a:tailEnd type="none" w="med" len="med"/>
+                    </a:lnB>
+                    <a:solidFill>
+                      <a:srgbClr val="FFFFFF"/>
+                    </a:solidFill>
+                  </a:tcPr>
+                </a:tc>
+              </a:tr>
+              <a:tr h="583776">
+                <a:tc>
+                  <a:txBody>
+                    <a:bodyPr/>
+                    <a:lstStyle/>
+                    <a:p>
+                      <a:r>
+                        <a:rPr lang="en-GB" sz="1500" b="1">
+                          <a:effectLst/>
+                        </a:rPr>
+                        <a:t>Learning Curve</a:t>
+                      </a:r>
+                      <a:endParaRPr lang="en-GB" sz="1500">
+                        <a:effectLst/>
+                      </a:endParaRPr>
+                    </a:p>
+                  </a:txBody>
+                  <a:tcPr marL="98619" marR="98619" marT="45516" marB="45516" anchor="ctr">
+                    <a:lnL w="12700" cap="flat" cmpd="sng" algn="ctr">
+                      <a:solidFill>
+                        <a:schemeClr val="tx1"/>
+                      </a:solidFill>
+                      <a:prstDash val="solid"/>
+                      <a:round/>
+                      <a:headEnd type="none" w="med" len="med"/>
+                      <a:tailEnd type="none" w="med" len="med"/>
+                    </a:lnL>
+                    <a:lnR w="12700" cap="flat" cmpd="sng" algn="ctr">
+                      <a:solidFill>
+                        <a:schemeClr val="tx1"/>
+                      </a:solidFill>
+                      <a:prstDash val="solid"/>
+                      <a:round/>
+                      <a:headEnd type="none" w="med" len="med"/>
+                      <a:tailEnd type="none" w="med" len="med"/>
+                    </a:lnR>
+                    <a:lnT w="12700" cap="flat" cmpd="sng" algn="ctr">
+                      <a:solidFill>
+                        <a:schemeClr val="tx1"/>
+                      </a:solidFill>
+                      <a:prstDash val="solid"/>
+                      <a:round/>
+                      <a:headEnd type="none" w="med" len="med"/>
+                      <a:tailEnd type="none" w="med" len="med"/>
+                    </a:lnT>
+                    <a:lnB w="12700" cap="flat" cmpd="sng" algn="ctr">
+                      <a:solidFill>
+                        <a:schemeClr val="tx1"/>
+                      </a:solidFill>
+                      <a:prstDash val="solid"/>
+                      <a:round/>
+                      <a:headEnd type="none" w="med" len="med"/>
+                      <a:tailEnd type="none" w="med" len="med"/>
+                    </a:lnB>
+                    <a:solidFill>
+                      <a:srgbClr val="FFFFFF"/>
+                    </a:solidFill>
+                  </a:tcPr>
+                </a:tc>
+                <a:tc>
+                  <a:txBody>
+                    <a:bodyPr/>
+                    <a:lstStyle/>
+                    <a:p>
+                      <a:r>
+                        <a:rPr lang="en-US" sz="1500">
+                          <a:effectLst/>
+                        </a:rPr>
+                        <a:t>Moderate to High (due to cmdlets, objects, etc.)</a:t>
+                      </a:r>
+                    </a:p>
+                  </a:txBody>
+                  <a:tcPr marL="98619" marR="98619" marT="45516" marB="45516" anchor="ctr">
+                    <a:lnL w="12700" cap="flat" cmpd="sng" algn="ctr">
+                      <a:solidFill>
+                        <a:schemeClr val="tx1"/>
+                      </a:solidFill>
+                      <a:prstDash val="solid"/>
+                      <a:round/>
+                      <a:headEnd type="none" w="med" len="med"/>
+                      <a:tailEnd type="none" w="med" len="med"/>
+                    </a:lnL>
+                    <a:lnR w="12700" cap="flat" cmpd="sng" algn="ctr">
+                      <a:solidFill>
+                        <a:schemeClr val="tx1"/>
+                      </a:solidFill>
+                      <a:prstDash val="solid"/>
+                      <a:round/>
+                      <a:headEnd type="none" w="med" len="med"/>
+                      <a:tailEnd type="none" w="med" len="med"/>
+                    </a:lnR>
+                    <a:lnT w="12700" cap="flat" cmpd="sng" algn="ctr">
+                      <a:solidFill>
+                        <a:schemeClr val="tx1"/>
+                      </a:solidFill>
+                      <a:prstDash val="solid"/>
+                      <a:round/>
+                      <a:headEnd type="none" w="med" len="med"/>
+                      <a:tailEnd type="none" w="med" len="med"/>
+                    </a:lnT>
+                    <a:lnB w="12700" cap="flat" cmpd="sng" algn="ctr">
+                      <a:solidFill>
+                        <a:schemeClr val="tx1"/>
+                      </a:solidFill>
+                      <a:prstDash val="solid"/>
+                      <a:round/>
+                      <a:headEnd type="none" w="med" len="med"/>
+                      <a:tailEnd type="none" w="med" len="med"/>
+                    </a:lnB>
+                    <a:solidFill>
+                      <a:srgbClr val="FFFFFF"/>
+                    </a:solidFill>
+                  </a:tcPr>
+                </a:tc>
+                <a:tc>
+                  <a:txBody>
+                    <a:bodyPr/>
+                    <a:lstStyle/>
+                    <a:p>
+                      <a:r>
+                        <a:rPr lang="en-GB" sz="1500" dirty="0">
+                          <a:effectLst/>
+                        </a:rPr>
+                        <a:t>Low (simple text-based commands)</a:t>
+                      </a:r>
+                    </a:p>
+                  </a:txBody>
+                  <a:tcPr marL="98619" marR="98619" marT="45516" marB="45516" anchor="ctr">
+                    <a:lnL w="12700" cap="flat" cmpd="sng" algn="ctr">
+                      <a:solidFill>
+                        <a:schemeClr val="tx1"/>
+                      </a:solidFill>
+                      <a:prstDash val="solid"/>
+                      <a:round/>
+                      <a:headEnd type="none" w="med" len="med"/>
+                      <a:tailEnd type="none" w="med" len="med"/>
+                    </a:lnL>
+                    <a:lnR w="12700" cap="flat" cmpd="sng" algn="ctr">
+                      <a:solidFill>
+                        <a:schemeClr val="tx1"/>
+                      </a:solidFill>
+                      <a:prstDash val="solid"/>
+                      <a:round/>
+                      <a:headEnd type="none" w="med" len="med"/>
+                      <a:tailEnd type="none" w="med" len="med"/>
+                    </a:lnR>
+                    <a:lnT w="12700" cap="flat" cmpd="sng" algn="ctr">
+                      <a:solidFill>
+                        <a:schemeClr val="tx1"/>
+                      </a:solidFill>
+                      <a:prstDash val="solid"/>
+                      <a:round/>
+                      <a:headEnd type="none" w="med" len="med"/>
+                      <a:tailEnd type="none" w="med" len="med"/>
+                    </a:lnT>
+                    <a:lnB w="12700" cap="flat" cmpd="sng" algn="ctr">
+                      <a:solidFill>
+                        <a:schemeClr val="tx1"/>
+                      </a:solidFill>
+                      <a:prstDash val="solid"/>
+                      <a:round/>
+                      <a:headEnd type="none" w="med" len="med"/>
+                      <a:tailEnd type="none" w="med" len="med"/>
+                    </a:lnB>
+                    <a:solidFill>
+                      <a:srgbClr val="FFFFFF"/>
+                    </a:solidFill>
+                  </a:tcPr>
+                </a:tc>
+                <a:tc>
+                  <a:txBody>
+                    <a:bodyPr/>
+                    <a:lstStyle/>
+                    <a:p>
+                      <a:r>
+                        <a:rPr lang="en-US" sz="1500" dirty="0">
+                          <a:effectLst/>
+                        </a:rPr>
+                        <a:t>Moderate (due to scripting capabilities)</a:t>
+                      </a:r>
+                    </a:p>
+                  </a:txBody>
+                  <a:tcPr marL="98619" marR="98619" marT="45516" marB="45516" anchor="ctr">
+                    <a:lnL w="12700" cap="flat" cmpd="sng" algn="ctr">
+                      <a:solidFill>
+                        <a:schemeClr val="tx1"/>
+                      </a:solidFill>
+                      <a:prstDash val="solid"/>
+                      <a:round/>
+                      <a:headEnd type="none" w="med" len="med"/>
+                      <a:tailEnd type="none" w="med" len="med"/>
+                    </a:lnL>
+                    <a:lnR w="12700" cap="flat" cmpd="sng" algn="ctr">
+                      <a:solidFill>
+                        <a:schemeClr val="tx1"/>
+                      </a:solidFill>
+                      <a:prstDash val="solid"/>
+                      <a:round/>
+                      <a:headEnd type="none" w="med" len="med"/>
+                      <a:tailEnd type="none" w="med" len="med"/>
+                    </a:lnR>
+                    <a:lnT w="12700" cap="flat" cmpd="sng" algn="ctr">
+                      <a:solidFill>
+                        <a:schemeClr val="tx1"/>
+                      </a:solidFill>
+                      <a:prstDash val="solid"/>
+                      <a:round/>
+                      <a:headEnd type="none" w="med" len="med"/>
+                      <a:tailEnd type="none" w="med" len="med"/>
+                    </a:lnT>
+                    <a:lnB w="12700" cap="flat" cmpd="sng" algn="ctr">
+                      <a:solidFill>
+                        <a:schemeClr val="tx1"/>
+                      </a:solidFill>
+                      <a:prstDash val="solid"/>
+                      <a:round/>
+                      <a:headEnd type="none" w="med" len="med"/>
+                      <a:tailEnd type="none" w="med" len="med"/>
+                    </a:lnB>
+                    <a:solidFill>
+                      <a:srgbClr val="FFFFFF"/>
+                    </a:solidFill>
+                  </a:tcPr>
+                </a:tc>
+              </a:tr>
+            </a:tbl>
+          </a:graphicData>
+        </a:graphic>
+      </p:graphicFrame>
+    </p:spTree>
+    <p:extLst>
+      <p:ext uri="{BB962C8B-B14F-4D97-AF65-F5344CB8AC3E}">
+        <p14:creationId xmlns:p14="http://schemas.microsoft.com/office/powerpoint/2010/main" val="4269466016"/>
+      </p:ext>
+    </p:extLst>
+  </p:cSld>
+  <p:clrMapOvr>
+    <a:masterClrMapping/>
+  </p:clrMapOvr>
+  <mc:AlternateContent xmlns:mc="http://schemas.openxmlformats.org/markup-compatibility/2006" xmlns:p14="http://schemas.microsoft.com/office/powerpoint/2010/main">
+    <mc:Choice Requires="p14">
+      <p:transition spd="slow" p14:dur="2000"/>
+    </mc:Choice>
+    <mc:Fallback xmlns="">
+      <p:transition spd="slow"/>
+    </mc:Fallback>
+  </mc:AlternateContent>
+  <p:timing>
+    <p:tnLst>
+      <p:par>
+        <p:cTn id="1" dur="indefinite" restart="never" nodeType="tmRoot"/>
+      </p:par>
+    </p:tnLst>
+  </p:timing>
+</p:sld>
+</file>
+
+<file path=ppt/slides/slide11.xml><?xml version="1.0" encoding="utf-8"?>
+<p:sld xmlns:a="http://schemas.openxmlformats.org/drawingml/2006/main" xmlns:r="http://schemas.openxmlformats.org/officeDocument/2006/relationships" xmlns:p="http://schemas.openxmlformats.org/presentationml/2006/main">
+  <p:cSld>
+    <p:spTree>
+      <p:nvGrpSpPr>
+        <p:cNvPr id="1" name=""/>
+        <p:cNvGrpSpPr/>
+        <p:nvPr/>
+      </p:nvGrpSpPr>
+      <p:grpSpPr>
+        <a:xfrm>
+          <a:off x="0" y="0"/>
+          <a:ext cx="0" cy="0"/>
+          <a:chOff x="0" y="0"/>
+          <a:chExt cx="0" cy="0"/>
+        </a:xfrm>
+      </p:grpSpPr>
+      <p:sp>
+        <p:nvSpPr>
+          <p:cNvPr id="2" name="Title 1"/>
+          <p:cNvSpPr>
+            <a:spLocks noGrp="1"/>
+          </p:cNvSpPr>
+          <p:nvPr>
+            <p:ph type="title"/>
+          </p:nvPr>
+        </p:nvSpPr>
+        <p:spPr/>
+        <p:txBody>
+          <a:bodyPr/>
+          <a:lstStyle/>
+          <a:p>
+            <a:r>
+              <a:rPr lang="en-US" dirty="0" smtClean="0"/>
+              <a:t>Introduction to PowerShell</a:t>
+            </a:r>
+            <a:endParaRPr lang="en-US" dirty="0"/>
+          </a:p>
+        </p:txBody>
+      </p:sp>
+      <p:sp>
+        <p:nvSpPr>
+          <p:cNvPr id="6" name="Rectangle 3"/>
+          <p:cNvSpPr>
+            <a:spLocks noGrp="1" noChangeArrowheads="1"/>
+          </p:cNvSpPr>
+          <p:nvPr>
+            <p:ph idx="1"/>
+          </p:nvPr>
+        </p:nvSpPr>
+        <p:spPr bwMode="auto">
+          <a:xfrm>
+            <a:off x="838200" y="1690690"/>
+            <a:ext cx="9531179" cy="4524315"/>
+          </a:xfrm>
+          <a:prstGeom prst="rect">
+            <a:avLst/>
+          </a:prstGeom>
+          <a:solidFill>
+            <a:srgbClr val="FFFFFF"/>
+          </a:solidFill>
+          <a:ln>
+            <a:noFill/>
+          </a:ln>
+          <a:effectLst/>
+          <a:extLst>
+            <a:ext uri="{91240B29-F687-4F45-9708-019B960494DF}">
+              <a14:hiddenLine xmlns:a14="http://schemas.microsoft.com/office/drawing/2010/main" w="9525">
+                <a:solidFill>
+                  <a:schemeClr val="tx1"/>
+                </a:solidFill>
+                <a:miter lim="800000"/>
+                <a:headEnd/>
+                <a:tailEnd/>
+              </a14:hiddenLine>
+            </a:ext>
+            <a:ext uri="{AF507438-7753-43E0-B8FC-AC1667EBCBE1}">
+              <a14:hiddenEffects xmlns:a14="http://schemas.microsoft.com/office/drawing/2010/main">
+                <a:effectLst>
+                  <a:outerShdw dist="35921" dir="2700000" algn="ctr" rotWithShape="0">
+                    <a:schemeClr val="bg2"/>
+                  </a:outerShdw>
+                </a:effectLst>
+              </a14:hiddenEffects>
+            </a:ext>
+          </a:extLst>
+        </p:spPr>
+        <p:txBody>
+          <a:bodyPr vert="horz" wrap="square" lIns="0" tIns="0" rIns="0" bIns="0" numCol="1" rtlCol="0" anchor="ctr" anchorCtr="0" compatLnSpc="1">
+            <a:prstTxWarp prst="textNoShape">
+              <a:avLst/>
+            </a:prstTxWarp>
+            <a:spAutoFit/>
+          </a:bodyPr>
+          <a:lstStyle/>
+          <a:p>
+            <a:pPr eaLnBrk="0" fontAlgn="base" hangingPunct="0">
+              <a:lnSpc>
+                <a:spcPct val="100000"/>
+              </a:lnSpc>
+              <a:spcBef>
+                <a:spcPct val="0"/>
+              </a:spcBef>
+              <a:spcAft>
+                <a:spcPct val="0"/>
+              </a:spcAft>
+            </a:pPr>
+            <a:r>
+              <a:rPr lang="en-US" altLang="en-US" sz="1800" b="1" dirty="0" smtClean="0">
+                <a:solidFill>
+                  <a:srgbClr val="1F2328"/>
+                </a:solidFill>
+                <a:latin typeface="-apple-system"/>
+              </a:rPr>
+              <a:t>Day 1: Introduction to PowerShell</a:t>
+            </a:r>
+            <a:r>
+              <a:rPr lang="en-US" altLang="en-US" sz="1800" dirty="0" smtClean="0">
+                <a:solidFill>
+                  <a:srgbClr val="1F2328"/>
+                </a:solidFill>
+                <a:latin typeface="-apple-system"/>
+              </a:rPr>
+              <a:t/>
+            </a:r>
+            <a:br>
+              <a:rPr lang="en-US" altLang="en-US" sz="1800" dirty="0" smtClean="0">
+                <a:solidFill>
+                  <a:srgbClr val="1F2328"/>
+                </a:solidFill>
+                <a:latin typeface="-apple-system"/>
+              </a:rPr>
+            </a:br>
+            <a:r>
+              <a:rPr lang="en-US" altLang="en-US" sz="1800" dirty="0" smtClean="0">
+                <a:solidFill>
+                  <a:srgbClr val="1F2328"/>
+                </a:solidFill>
+                <a:latin typeface="-apple-system"/>
+              </a:rPr>
+              <a:t>Overview of PowerShell, its history, and its role in automation and system administration.</a:t>
+            </a:r>
+          </a:p>
+          <a:p>
+            <a:pPr eaLnBrk="0" fontAlgn="base" hangingPunct="0">
+              <a:lnSpc>
+                <a:spcPct val="100000"/>
+              </a:lnSpc>
+              <a:spcBef>
+                <a:spcPct val="0"/>
+              </a:spcBef>
+              <a:spcAft>
+                <a:spcPct val="0"/>
+              </a:spcAft>
+            </a:pPr>
+            <a:r>
+              <a:rPr lang="en-US" altLang="en-US" sz="1800" b="1" dirty="0" smtClean="0">
+                <a:solidFill>
+                  <a:srgbClr val="1F2328"/>
+                </a:solidFill>
+                <a:latin typeface="-apple-system"/>
+              </a:rPr>
+              <a:t>Day 2: Basic Commands</a:t>
+            </a:r>
+            <a:r>
+              <a:rPr lang="en-US" altLang="en-US" sz="1800" dirty="0" smtClean="0">
+                <a:solidFill>
+                  <a:srgbClr val="1F2328"/>
+                </a:solidFill>
+                <a:latin typeface="-apple-system"/>
+              </a:rPr>
+              <a:t/>
+            </a:r>
+            <a:br>
+              <a:rPr lang="en-US" altLang="en-US" sz="1800" dirty="0" smtClean="0">
+                <a:solidFill>
+                  <a:srgbClr val="1F2328"/>
+                </a:solidFill>
+                <a:latin typeface="-apple-system"/>
+              </a:rPr>
+            </a:br>
+            <a:r>
+              <a:rPr lang="en-US" altLang="en-US" sz="1800" dirty="0" smtClean="0">
+                <a:solidFill>
+                  <a:srgbClr val="1F2328"/>
+                </a:solidFill>
+                <a:latin typeface="-apple-system"/>
+              </a:rPr>
+              <a:t>Learn basic cmdlets, how to execute commands, and the command structure.</a:t>
+            </a:r>
+          </a:p>
+          <a:p>
+            <a:pPr eaLnBrk="0" fontAlgn="base" hangingPunct="0">
+              <a:lnSpc>
+                <a:spcPct val="100000"/>
+              </a:lnSpc>
+              <a:spcBef>
+                <a:spcPct val="0"/>
+              </a:spcBef>
+              <a:spcAft>
+                <a:spcPct val="0"/>
+              </a:spcAft>
+            </a:pPr>
+            <a:r>
+              <a:rPr lang="en-US" altLang="en-US" sz="1800" b="1" dirty="0" smtClean="0">
+                <a:solidFill>
+                  <a:srgbClr val="1F2328"/>
+                </a:solidFill>
+                <a:latin typeface="-apple-system"/>
+              </a:rPr>
+              <a:t>Day 3: Working with Objects</a:t>
+            </a:r>
+            <a:r>
+              <a:rPr lang="en-US" altLang="en-US" sz="1800" dirty="0" smtClean="0">
+                <a:solidFill>
+                  <a:srgbClr val="1F2328"/>
+                </a:solidFill>
+                <a:latin typeface="-apple-system"/>
+              </a:rPr>
+              <a:t/>
+            </a:r>
+            <a:br>
+              <a:rPr lang="en-US" altLang="en-US" sz="1800" dirty="0" smtClean="0">
+                <a:solidFill>
+                  <a:srgbClr val="1F2328"/>
+                </a:solidFill>
+                <a:latin typeface="-apple-system"/>
+              </a:rPr>
+            </a:br>
+            <a:r>
+              <a:rPr lang="en-US" altLang="en-US" sz="1800" dirty="0" smtClean="0">
+                <a:solidFill>
+                  <a:srgbClr val="1F2328"/>
+                </a:solidFill>
+                <a:latin typeface="-apple-system"/>
+              </a:rPr>
+              <a:t>Understand how PowerShell treats data as objects and how to work with them.</a:t>
+            </a:r>
+          </a:p>
+          <a:p>
+            <a:pPr eaLnBrk="0" fontAlgn="base" hangingPunct="0">
+              <a:lnSpc>
+                <a:spcPct val="100000"/>
+              </a:lnSpc>
+              <a:spcBef>
+                <a:spcPct val="0"/>
+              </a:spcBef>
+              <a:spcAft>
+                <a:spcPct val="0"/>
+              </a:spcAft>
+            </a:pPr>
+            <a:r>
+              <a:rPr lang="en-US" altLang="en-US" sz="1800" b="1" dirty="0" smtClean="0">
+                <a:solidFill>
+                  <a:srgbClr val="1F2328"/>
+                </a:solidFill>
+                <a:latin typeface="-apple-system"/>
+              </a:rPr>
+              <a:t>Day 4: Basic Pipeline</a:t>
+            </a:r>
+            <a:r>
+              <a:rPr lang="en-US" altLang="en-US" sz="1800" dirty="0" smtClean="0">
+                <a:solidFill>
+                  <a:srgbClr val="1F2328"/>
+                </a:solidFill>
+                <a:latin typeface="-apple-system"/>
+              </a:rPr>
+              <a:t/>
+            </a:r>
+            <a:br>
+              <a:rPr lang="en-US" altLang="en-US" sz="1800" dirty="0" smtClean="0">
+                <a:solidFill>
+                  <a:srgbClr val="1F2328"/>
+                </a:solidFill>
+                <a:latin typeface="-apple-system"/>
+              </a:rPr>
+            </a:br>
+            <a:r>
+              <a:rPr lang="en-US" altLang="en-US" sz="1800" dirty="0" smtClean="0">
+                <a:solidFill>
+                  <a:srgbClr val="1F2328"/>
+                </a:solidFill>
+                <a:latin typeface="-apple-system"/>
+              </a:rPr>
+              <a:t>Introduction to the pipeline, chaining cmdlets, and passing data.</a:t>
+            </a:r>
+          </a:p>
+          <a:p>
+            <a:pPr eaLnBrk="0" fontAlgn="base" hangingPunct="0">
+              <a:lnSpc>
+                <a:spcPct val="100000"/>
+              </a:lnSpc>
+              <a:spcBef>
+                <a:spcPct val="0"/>
+              </a:spcBef>
+              <a:spcAft>
+                <a:spcPct val="0"/>
+              </a:spcAft>
+            </a:pPr>
+            <a:r>
+              <a:rPr lang="en-US" altLang="en-US" sz="1800" b="1" dirty="0" smtClean="0">
+                <a:solidFill>
+                  <a:srgbClr val="1F2328"/>
+                </a:solidFill>
+                <a:latin typeface="-apple-system"/>
+              </a:rPr>
+              <a:t>Day 5: Filtering and Sorting</a:t>
+            </a:r>
+            <a:r>
+              <a:rPr lang="en-US" altLang="en-US" sz="1800" dirty="0" smtClean="0">
+                <a:solidFill>
+                  <a:srgbClr val="1F2328"/>
+                </a:solidFill>
+                <a:latin typeface="-apple-system"/>
+              </a:rPr>
+              <a:t/>
+            </a:r>
+            <a:br>
+              <a:rPr lang="en-US" altLang="en-US" sz="1800" dirty="0" smtClean="0">
+                <a:solidFill>
+                  <a:srgbClr val="1F2328"/>
+                </a:solidFill>
+                <a:latin typeface="-apple-system"/>
+              </a:rPr>
+            </a:br>
+            <a:r>
+              <a:rPr lang="en-US" altLang="en-US" sz="1800" dirty="0" smtClean="0">
+                <a:solidFill>
+                  <a:srgbClr val="1F2328"/>
+                </a:solidFill>
+                <a:latin typeface="-apple-system"/>
+              </a:rPr>
+              <a:t>Learn to filter output using </a:t>
+            </a:r>
+            <a:r>
+              <a:rPr lang="en-US" altLang="en-US" sz="1100" dirty="0" smtClean="0">
+                <a:solidFill>
+                  <a:srgbClr val="1F2328"/>
+                </a:solidFill>
+                <a:latin typeface="var(--fontStack-monospace, ui-monospace, SFMono-Regular, SF Mono, Menlo, Consolas, Liberation Mono, monospace)"/>
+              </a:rPr>
+              <a:t>Where-Object</a:t>
+            </a:r>
+            <a:r>
+              <a:rPr lang="en-US" altLang="en-US" sz="1800" dirty="0" smtClean="0">
+                <a:solidFill>
+                  <a:srgbClr val="1F2328"/>
+                </a:solidFill>
+                <a:latin typeface="-apple-system"/>
+              </a:rPr>
+              <a:t> and sort with </a:t>
+            </a:r>
+            <a:r>
+              <a:rPr lang="en-US" altLang="en-US" sz="1100" dirty="0" smtClean="0">
+                <a:solidFill>
+                  <a:srgbClr val="1F2328"/>
+                </a:solidFill>
+                <a:latin typeface="var(--fontStack-monospace, ui-monospace, SFMono-Regular, SF Mono, Menlo, Consolas, Liberation Mono, monospace)"/>
+              </a:rPr>
+              <a:t>Sort-Object</a:t>
+            </a:r>
+            <a:r>
+              <a:rPr lang="en-US" altLang="en-US" sz="1800" dirty="0" smtClean="0">
+                <a:solidFill>
+                  <a:srgbClr val="1F2328"/>
+                </a:solidFill>
+                <a:latin typeface="-apple-system"/>
+              </a:rPr>
+              <a:t>.</a:t>
+            </a:r>
+          </a:p>
+          <a:p>
+            <a:pPr eaLnBrk="0" fontAlgn="base" hangingPunct="0">
+              <a:lnSpc>
+                <a:spcPct val="100000"/>
+              </a:lnSpc>
+              <a:spcBef>
+                <a:spcPct val="0"/>
+              </a:spcBef>
+              <a:spcAft>
+                <a:spcPct val="0"/>
+              </a:spcAft>
+            </a:pPr>
+            <a:r>
+              <a:rPr lang="en-US" altLang="en-US" sz="1800" b="1" dirty="0" smtClean="0">
+                <a:solidFill>
+                  <a:srgbClr val="1F2328"/>
+                </a:solidFill>
+                <a:latin typeface="-apple-system"/>
+              </a:rPr>
+              <a:t>Day 6: Introduction to Variables</a:t>
+            </a:r>
+            <a:r>
+              <a:rPr lang="en-US" altLang="en-US" sz="1800" dirty="0" smtClean="0">
+                <a:solidFill>
+                  <a:srgbClr val="1F2328"/>
+                </a:solidFill>
+                <a:latin typeface="-apple-system"/>
+              </a:rPr>
+              <a:t/>
+            </a:r>
+            <a:br>
+              <a:rPr lang="en-US" altLang="en-US" sz="1800" dirty="0" smtClean="0">
+                <a:solidFill>
+                  <a:srgbClr val="1F2328"/>
+                </a:solidFill>
+                <a:latin typeface="-apple-system"/>
+              </a:rPr>
+            </a:br>
+            <a:r>
+              <a:rPr lang="en-US" altLang="en-US" sz="1800" dirty="0" smtClean="0">
+                <a:solidFill>
+                  <a:srgbClr val="1F2328"/>
+                </a:solidFill>
+                <a:latin typeface="-apple-system"/>
+              </a:rPr>
+              <a:t>How to create, use, and manage variables in PowerShell.</a:t>
+            </a:r>
+          </a:p>
+          <a:p>
+            <a:pPr eaLnBrk="0" fontAlgn="base" hangingPunct="0">
+              <a:lnSpc>
+                <a:spcPct val="100000"/>
+              </a:lnSpc>
+              <a:spcBef>
+                <a:spcPct val="0"/>
+              </a:spcBef>
+              <a:spcAft>
+                <a:spcPct val="0"/>
+              </a:spcAft>
+            </a:pPr>
+            <a:r>
+              <a:rPr lang="en-US" altLang="en-US" sz="1800" b="1" dirty="0" smtClean="0">
+                <a:solidFill>
+                  <a:srgbClr val="1F2328"/>
+                </a:solidFill>
+                <a:latin typeface="-apple-system"/>
+              </a:rPr>
+              <a:t>Day 7: Review and Practice</a:t>
+            </a:r>
+            <a:r>
+              <a:rPr lang="en-US" altLang="en-US" sz="1800" dirty="0" smtClean="0">
+                <a:solidFill>
+                  <a:srgbClr val="1F2328"/>
+                </a:solidFill>
+                <a:latin typeface="-apple-system"/>
+              </a:rPr>
+              <a:t/>
+            </a:r>
+            <a:br>
+              <a:rPr lang="en-US" altLang="en-US" sz="1800" dirty="0" smtClean="0">
+                <a:solidFill>
+                  <a:srgbClr val="1F2328"/>
+                </a:solidFill>
+                <a:latin typeface="-apple-system"/>
+              </a:rPr>
+            </a:br>
+            <a:r>
+              <a:rPr lang="en-US" altLang="en-US" sz="1800" dirty="0" smtClean="0">
+                <a:solidFill>
+                  <a:srgbClr val="1F2328"/>
+                </a:solidFill>
+                <a:latin typeface="-apple-system"/>
+              </a:rPr>
+              <a:t>Consolidate your learning with practical exercises and quizzes.</a:t>
+            </a:r>
+          </a:p>
+          <a:p>
+            <a:pPr eaLnBrk="0" fontAlgn="base" hangingPunct="0">
+              <a:lnSpc>
+                <a:spcPct val="100000"/>
+              </a:lnSpc>
+              <a:spcBef>
+                <a:spcPct val="0"/>
+              </a:spcBef>
+              <a:spcAft>
+                <a:spcPct val="0"/>
+              </a:spcAft>
+            </a:pPr>
+            <a:endParaRPr lang="en-US" altLang="en-US" sz="1200" dirty="0" smtClean="0">
+              <a:solidFill>
+                <a:srgbClr val="1F2328"/>
+              </a:solidFill>
+              <a:latin typeface="-apple-system"/>
+            </a:endParaRPr>
+          </a:p>
+          <a:p>
+            <a:pPr eaLnBrk="0" fontAlgn="base" hangingPunct="0">
+              <a:lnSpc>
+                <a:spcPct val="100000"/>
+              </a:lnSpc>
+              <a:spcBef>
+                <a:spcPct val="0"/>
+              </a:spcBef>
+              <a:spcAft>
+                <a:spcPct val="0"/>
+              </a:spcAft>
+            </a:pPr>
+            <a:endParaRPr lang="en-US" altLang="en-US" sz="1200" dirty="0" smtClean="0">
+              <a:solidFill>
+                <a:srgbClr val="1F2328"/>
+              </a:solidFill>
+              <a:latin typeface="-apple-system"/>
+            </a:endParaRPr>
+          </a:p>
+          <a:p>
+            <a:pPr marL="0" indent="0" eaLnBrk="0" fontAlgn="base" hangingPunct="0">
+              <a:lnSpc>
+                <a:spcPct val="100000"/>
+              </a:lnSpc>
+              <a:spcBef>
+                <a:spcPct val="0"/>
+              </a:spcBef>
+              <a:spcAft>
+                <a:spcPct val="0"/>
+              </a:spcAft>
+              <a:buNone/>
+            </a:pPr>
+            <a:endParaRPr lang="en-US" altLang="en-US" sz="1800" dirty="0">
+              <a:latin typeface="Arial" panose="020B0604020202020204" pitchFamily="34" charset="0"/>
+            </a:endParaRPr>
+          </a:p>
+        </p:txBody>
+      </p:sp>
+    </p:spTree>
+    <p:extLst>
+      <p:ext uri="{BB962C8B-B14F-4D97-AF65-F5344CB8AC3E}">
+        <p14:creationId xmlns:p14="http://schemas.microsoft.com/office/powerpoint/2010/main" val="3403231711"/>
+      </p:ext>
+    </p:extLst>
+  </p:cSld>
+  <p:clrMapOvr>
+    <a:masterClrMapping/>
+  </p:clrMapOvr>
+  <mc:AlternateContent xmlns:mc="http://schemas.openxmlformats.org/markup-compatibility/2006" xmlns:p14="http://schemas.microsoft.com/office/powerpoint/2010/main">
+    <mc:Choice Requires="p14">
+      <p:transition spd="slow" p14:dur="2000"/>
+    </mc:Choice>
+    <mc:Fallback xmlns="">
+      <p:transition spd="slow"/>
+    </mc:Fallback>
+  </mc:AlternateContent>
+  <p:timing>
+    <p:tnLst>
+      <p:par>
+        <p:cTn id="1" dur="indefinite" restart="never" nodeType="tmRoot"/>
+      </p:par>
+    </p:tnLst>
+  </p:timing>
+</p:sld>
+</file>
+
+<file path=ppt/slides/slide12.xml><?xml version="1.0" encoding="utf-8"?>
+<p:sld xmlns:a="http://schemas.openxmlformats.org/drawingml/2006/main" xmlns:r="http://schemas.openxmlformats.org/officeDocument/2006/relationships" xmlns:p="http://schemas.openxmlformats.org/presentationml/2006/main">
+  <p:cSld>
+    <p:spTree>
+      <p:nvGrpSpPr>
+        <p:cNvPr id="1" name=""/>
+        <p:cNvGrpSpPr/>
+        <p:nvPr/>
+      </p:nvGrpSpPr>
+      <p:grpSpPr>
+        <a:xfrm>
+          <a:off x="0" y="0"/>
+          <a:ext cx="0" cy="0"/>
+          <a:chOff x="0" y="0"/>
+          <a:chExt cx="0" cy="0"/>
+        </a:xfrm>
+      </p:grpSpPr>
+      <p:sp>
+        <p:nvSpPr>
+          <p:cNvPr id="4" name="Content Placeholder 3"/>
+          <p:cNvSpPr>
+            <a:spLocks noGrp="1"/>
+          </p:cNvSpPr>
+          <p:nvPr>
+            <p:ph sz="half" idx="2"/>
+          </p:nvPr>
+        </p:nvSpPr>
+        <p:spPr>
+          <a:xfrm>
+            <a:off x="1" y="0"/>
+            <a:ext cx="3962399" cy="6858000"/>
+          </a:xfrm>
+          <a:solidFill>
+            <a:schemeClr val="accent6">
+              <a:lumMod val="50000"/>
+            </a:schemeClr>
+          </a:solidFill>
+        </p:spPr>
+        <p:style>
+          <a:lnRef idx="0">
+            <a:schemeClr val="accent1"/>
+          </a:lnRef>
+          <a:fillRef idx="3">
+            <a:schemeClr val="accent1"/>
+          </a:fillRef>
+          <a:effectRef idx="3">
+            <a:schemeClr val="accent1"/>
+          </a:effectRef>
+          <a:fontRef idx="minor">
+            <a:schemeClr val="lt1"/>
+          </a:fontRef>
+        </p:style>
+        <p:txBody>
+          <a:bodyPr anchor="ctr"/>
+          <a:lstStyle/>
+          <a:p>
+            <a:pPr marL="0" indent="0" algn="ctr">
+              <a:buNone/>
+            </a:pPr>
+            <a:r>
+              <a:rPr lang="en-IN" dirty="0" smtClean="0"/>
+              <a:t>Demo</a:t>
+            </a:r>
+            <a:endParaRPr lang="en-GB" dirty="0"/>
+          </a:p>
+        </p:txBody>
+      </p:sp>
+      <p:sp>
+        <p:nvSpPr>
+          <p:cNvPr id="6" name="Content Placeholder 5"/>
+          <p:cNvSpPr>
+            <a:spLocks noGrp="1"/>
+          </p:cNvSpPr>
+          <p:nvPr>
+            <p:ph sz="quarter" idx="4"/>
+          </p:nvPr>
+        </p:nvSpPr>
+        <p:spPr>
+          <a:xfrm>
+            <a:off x="3962400" y="0"/>
+            <a:ext cx="8229600" cy="6858000"/>
+          </a:xfrm>
+        </p:spPr>
+        <p:txBody>
+          <a:bodyPr anchor="ctr"/>
+          <a:lstStyle/>
+          <a:p>
+            <a:r>
+              <a:rPr lang="en-IN" dirty="0" smtClean="0"/>
+              <a:t>Hello World</a:t>
+            </a:r>
+          </a:p>
+          <a:p>
+            <a:r>
+              <a:rPr lang="en-IN" dirty="0" smtClean="0"/>
+              <a:t>Get current location</a:t>
+            </a:r>
+          </a:p>
+          <a:p>
+            <a:r>
+              <a:rPr lang="en-IN" dirty="0" smtClean="0"/>
+              <a:t>Get all items in the current folder</a:t>
+            </a:r>
+          </a:p>
+          <a:p>
+            <a:r>
+              <a:rPr lang="en-IN" dirty="0" smtClean="0"/>
+              <a:t>Get all drives in the current system</a:t>
+            </a:r>
+          </a:p>
+          <a:p>
+            <a:r>
+              <a:rPr lang="en-IN" dirty="0" smtClean="0"/>
+              <a:t>Get all services</a:t>
+            </a:r>
+          </a:p>
+          <a:p>
+            <a:r>
+              <a:rPr lang="en-IN" dirty="0" smtClean="0"/>
+              <a:t>Get all </a:t>
+            </a:r>
+            <a:r>
+              <a:rPr lang="en-GB" dirty="0" smtClean="0"/>
+              <a:t>processes</a:t>
+            </a:r>
+            <a:endParaRPr lang="en-IN" dirty="0"/>
+          </a:p>
+          <a:p>
+            <a:r>
+              <a:rPr lang="en-IN" dirty="0" smtClean="0"/>
+              <a:t>Get help</a:t>
+            </a:r>
+            <a:endParaRPr lang="en-IN" dirty="0"/>
+          </a:p>
+        </p:txBody>
+      </p:sp>
+    </p:spTree>
+    <p:extLst>
+      <p:ext uri="{BB962C8B-B14F-4D97-AF65-F5344CB8AC3E}">
+        <p14:creationId xmlns:p14="http://schemas.microsoft.com/office/powerpoint/2010/main" val="3840072570"/>
+      </p:ext>
+    </p:extLst>
+  </p:cSld>
+  <p:clrMapOvr>
+    <a:masterClrMapping/>
+  </p:clrMapOvr>
+  <p:timing>
+    <p:tnLst>
+      <p:par>
+        <p:cTn id="1" dur="indefinite" restart="never" nodeType="tmRoot"/>
+      </p:par>
+    </p:tnLst>
+  </p:timing>
+</p:sld>
+</file>
+
+<file path=ppt/slides/slide13.xml><?xml version="1.0" encoding="utf-8"?>
+<p:sld xmlns:a="http://schemas.openxmlformats.org/drawingml/2006/main" xmlns:r="http://schemas.openxmlformats.org/officeDocument/2006/relationships" xmlns:p="http://schemas.openxmlformats.org/presentationml/2006/main">
+  <p:cSld>
+    <p:spTree>
+      <p:nvGrpSpPr>
+        <p:cNvPr id="1" name=""/>
+        <p:cNvGrpSpPr/>
+        <p:nvPr/>
+      </p:nvGrpSpPr>
+      <p:grpSpPr>
+        <a:xfrm>
+          <a:off x="0" y="0"/>
+          <a:ext cx="0" cy="0"/>
+          <a:chOff x="0" y="0"/>
+          <a:chExt cx="0" cy="0"/>
+        </a:xfrm>
+      </p:grpSpPr>
+      <p:sp>
+        <p:nvSpPr>
           <p:cNvPr id="4" name="Content Placeholder 3"/>
           <p:cNvSpPr>
             <a:spLocks noGrp="1"/>
@@ -3173,7 +5620,7 @@
               <a:buNone/>
             </a:pPr>
             <a:r>
-              <a:rPr lang="en-IN" sz="6000" dirty="0" smtClean="0">
+              <a:rPr lang="en-IN" sz="6000" dirty="0">
                 <a:solidFill>
                   <a:schemeClr val="accent1">
                     <a:lumMod val="75000"/>
@@ -3239,40 +5686,52 @@
             <p:ph type="title"/>
           </p:nvPr>
         </p:nvSpPr>
-        <p:spPr/>
+        <p:spPr>
+          <a:xfrm>
+            <a:off x="810490" y="284743"/>
+            <a:ext cx="10515600" cy="638893"/>
+          </a:xfrm>
+          <a:ln>
+            <a:solidFill>
+              <a:schemeClr val="bg1"/>
+            </a:solidFill>
+          </a:ln>
+        </p:spPr>
+        <p:txBody>
+          <a:bodyPr>
+            <a:normAutofit fontScale="90000"/>
+          </a:bodyPr>
+          <a:lstStyle/>
+          <a:p>
+            <a:r>
+              <a:rPr lang="en-GB" sz="4000" b="1" dirty="0" smtClean="0"/>
+              <a:t>Course Overview</a:t>
+            </a:r>
+            <a:endParaRPr lang="en-GB" sz="4000" dirty="0"/>
+          </a:p>
+        </p:txBody>
+      </p:sp>
+      <p:sp>
+        <p:nvSpPr>
+          <p:cNvPr id="3" name="Content Placeholder 2"/>
+          <p:cNvSpPr>
+            <a:spLocks noGrp="1"/>
+          </p:cNvSpPr>
+          <p:nvPr>
+            <p:ph idx="1"/>
+          </p:nvPr>
+        </p:nvSpPr>
+        <p:spPr>
+          <a:xfrm>
+            <a:off x="810490" y="1452677"/>
+            <a:ext cx="10515600" cy="4344515"/>
+          </a:xfrm>
+        </p:spPr>
         <p:txBody>
           <a:bodyPr/>
           <a:lstStyle/>
           <a:p>
             <a:r>
-              <a:rPr lang="en-GB" b="1" dirty="0" smtClean="0"/>
-              <a:t>Course Overview</a:t>
-            </a:r>
-            <a:endParaRPr lang="en-GB" dirty="0"/>
-          </a:p>
-        </p:txBody>
-      </p:sp>
-      <p:sp>
-        <p:nvSpPr>
-          <p:cNvPr id="3" name="Content Placeholder 2"/>
-          <p:cNvSpPr>
-            <a:spLocks noGrp="1"/>
-          </p:cNvSpPr>
-          <p:nvPr>
-            <p:ph idx="1"/>
-          </p:nvPr>
-        </p:nvSpPr>
-        <p:spPr>
-          <a:xfrm>
-            <a:off x="838200" y="1825625"/>
-            <a:ext cx="10515600" cy="2441575"/>
-          </a:xfrm>
-        </p:spPr>
-        <p:txBody>
-          <a:bodyPr/>
-          <a:lstStyle/>
-          <a:p>
-            <a:r>
               <a:rPr lang="en-US" dirty="0"/>
               <a:t>Week 1: Introduction to PowerShell</a:t>
             </a:r>
@@ -3302,6 +5761,43 @@
           </a:p>
         </p:txBody>
       </p:sp>
+      <p:cxnSp>
+        <p:nvCxnSpPr>
+          <p:cNvPr id="4" name="Straight Connector 3"/>
+          <p:cNvCxnSpPr/>
+          <p:nvPr/>
+        </p:nvCxnSpPr>
+        <p:spPr>
+          <a:xfrm flipV="1">
+            <a:off x="810490" y="1281901"/>
+            <a:ext cx="10515600" cy="14169"/>
+          </a:xfrm>
+          <a:prstGeom prst="line">
+            <a:avLst/>
+          </a:prstGeom>
+          <a:ln w="57150">
+            <a:solidFill>
+              <a:schemeClr val="accent6">
+                <a:lumMod val="75000"/>
+              </a:schemeClr>
+            </a:solidFill>
+          </a:ln>
+        </p:spPr>
+        <p:style>
+          <a:lnRef idx="1">
+            <a:schemeClr val="accent1"/>
+          </a:lnRef>
+          <a:fillRef idx="0">
+            <a:schemeClr val="accent1"/>
+          </a:fillRef>
+          <a:effectRef idx="0">
+            <a:schemeClr val="accent1"/>
+          </a:effectRef>
+          <a:fontRef idx="minor">
+            <a:schemeClr val="tx1"/>
+          </a:fontRef>
+        </p:style>
+      </p:cxnSp>
     </p:spTree>
     <p:extLst>
       <p:ext uri="{BB962C8B-B14F-4D97-AF65-F5344CB8AC3E}">
@@ -3357,76 +5853,54 @@
             <p:ph type="title"/>
           </p:nvPr>
         </p:nvSpPr>
-        <p:spPr/>
-        <p:txBody>
-          <a:bodyPr/>
-          <a:lstStyle/>
-          <a:p>
-            <a:r>
-              <a:rPr lang="en-US" dirty="0" smtClean="0"/>
-              <a:t>Introduction to PowerShell</a:t>
-            </a:r>
-            <a:endParaRPr lang="en-US" dirty="0"/>
-          </a:p>
-        </p:txBody>
-      </p:sp>
-      <p:sp>
-        <p:nvSpPr>
-          <p:cNvPr id="6" name="Rectangle 3"/>
-          <p:cNvSpPr>
-            <a:spLocks noGrp="1" noChangeArrowheads="1"/>
-          </p:cNvSpPr>
-          <p:nvPr>
-            <p:ph idx="1"/>
-          </p:nvPr>
-        </p:nvSpPr>
-        <p:spPr bwMode="auto">
+        <p:spPr>
           <a:xfrm>
-            <a:off x="838200" y="1690688"/>
-            <a:ext cx="9531178" cy="4524315"/>
+            <a:off x="810490" y="284743"/>
+            <a:ext cx="10515600" cy="638893"/>
           </a:xfrm>
-          <a:prstGeom prst="rect">
-            <a:avLst/>
-          </a:prstGeom>
-          <a:solidFill>
-            <a:srgbClr val="FFFFFF"/>
-          </a:solidFill>
           <a:ln>
-            <a:noFill/>
+            <a:solidFill>
+              <a:schemeClr val="bg1"/>
+            </a:solidFill>
           </a:ln>
-          <a:effectLst/>
-          <a:extLst>
-            <a:ext uri="{91240B29-F687-4F45-9708-019B960494DF}">
-              <a14:hiddenLine xmlns:a14="http://schemas.microsoft.com/office/drawing/2010/main" w="9525">
-                <a:solidFill>
-                  <a:schemeClr val="tx1"/>
-                </a:solidFill>
-                <a:miter lim="800000"/>
-                <a:headEnd/>
-                <a:tailEnd/>
-              </a14:hiddenLine>
-            </a:ext>
-            <a:ext uri="{AF507438-7753-43E0-B8FC-AC1667EBCBE1}">
-              <a14:hiddenEffects xmlns:a14="http://schemas.microsoft.com/office/drawing/2010/main">
-                <a:effectLst>
-                  <a:outerShdw dist="35921" dir="2700000" algn="ctr" rotWithShape="0">
-                    <a:schemeClr val="bg2"/>
-                  </a:outerShdw>
-                </a:effectLst>
-              </a14:hiddenEffects>
-            </a:ext>
-          </a:extLst>
         </p:spPr>
         <p:txBody>
-          <a:bodyPr vert="horz" wrap="square" lIns="0" tIns="0" rIns="0" bIns="0" numCol="1" anchor="ctr" anchorCtr="0" compatLnSpc="1">
-            <a:prstTxWarp prst="textNoShape">
-              <a:avLst/>
-            </a:prstTxWarp>
-            <a:spAutoFit/>
+          <a:bodyPr>
+            <a:normAutofit/>
           </a:bodyPr>
           <a:lstStyle/>
           <a:p>
-            <a:pPr eaLnBrk="0" fontAlgn="base" hangingPunct="0">
+            <a:r>
+              <a:rPr lang="en-GB" sz="3600" b="1" dirty="0" smtClean="0"/>
+              <a:t>Who is this course for?</a:t>
+            </a:r>
+            <a:endParaRPr lang="en-GB" sz="4000" dirty="0"/>
+          </a:p>
+        </p:txBody>
+      </p:sp>
+      <p:sp>
+        <p:nvSpPr>
+          <p:cNvPr id="3" name="Content Placeholder 2"/>
+          <p:cNvSpPr>
+            <a:spLocks noGrp="1"/>
+          </p:cNvSpPr>
+          <p:nvPr>
+            <p:ph idx="1"/>
+          </p:nvPr>
+        </p:nvSpPr>
+        <p:spPr>
+          <a:xfrm>
+            <a:off x="810490" y="1452677"/>
+            <a:ext cx="10515600" cy="4344515"/>
+          </a:xfrm>
+        </p:spPr>
+        <p:txBody>
+          <a:bodyPr>
+            <a:normAutofit/>
+          </a:bodyPr>
+          <a:lstStyle/>
+          <a:p>
+            <a:pPr defTabSz="914400" eaLnBrk="0" fontAlgn="base" hangingPunct="0">
               <a:lnSpc>
                 <a:spcPct val="100000"/>
               </a:lnSpc>
@@ -3438,59 +5912,104 @@
               </a:spcAft>
             </a:pPr>
             <a:r>
-              <a:rPr kumimoji="0" lang="en-US" altLang="en-US" sz="1800" b="1" i="0" u="none" strike="noStrike" cap="none" normalizeH="0" baseline="0" dirty="0" smtClean="0">
+              <a:rPr kumimoji="0" lang="en-US" altLang="en-US" sz="2000" b="1" i="0" u="none" strike="noStrike" cap="none" normalizeH="0" baseline="0" dirty="0" smtClean="0">
                 <a:ln>
                   <a:noFill/>
                 </a:ln>
                 <a:solidFill>
-                  <a:srgbClr val="1F2328"/>
+                  <a:schemeClr val="tx1"/>
                 </a:solidFill>
                 <a:effectLst/>
-                <a:latin typeface="-apple-system"/>
+                <a:latin typeface="Arial" panose="020B0604020202020204" pitchFamily="34" charset="0"/>
               </a:rPr>
-              <a:t>Day 1: Introduction to PowerShell</a:t>
-            </a:r>
-            <a:r>
-              <a:rPr kumimoji="0" lang="en-US" altLang="en-US" sz="1800" b="0" i="0" u="none" strike="noStrike" cap="none" normalizeH="0" baseline="0" dirty="0" smtClean="0">
+              <a:t>Cloud Admins</a:t>
+            </a:r>
+          </a:p>
+          <a:p>
+            <a:pPr lvl="1" defTabSz="914400" eaLnBrk="0" fontAlgn="base" hangingPunct="0">
+              <a:lnSpc>
+                <a:spcPct val="100000"/>
+              </a:lnSpc>
+              <a:spcBef>
+                <a:spcPct val="0"/>
+              </a:spcBef>
+              <a:spcAft>
+                <a:spcPct val="0"/>
+              </a:spcAft>
+            </a:pPr>
+            <a:r>
+              <a:rPr kumimoji="0" lang="en-US" altLang="en-US" sz="1200" b="1" i="0" u="none" strike="noStrike" cap="none" normalizeH="0" baseline="0" dirty="0" smtClean="0">
                 <a:ln>
                   <a:noFill/>
                 </a:ln>
                 <a:solidFill>
-                  <a:srgbClr val="1F2328"/>
+                  <a:schemeClr val="tx1"/>
                 </a:solidFill>
                 <a:effectLst/>
-                <a:latin typeface="-apple-system"/>
+                <a:latin typeface="Arial" panose="020B0604020202020204" pitchFamily="34" charset="0"/>
               </a:rPr>
-              <a:t/>
-            </a:r>
-            <a:br>
-              <a:rPr kumimoji="0" lang="en-US" altLang="en-US" sz="1800" b="0" i="0" u="none" strike="noStrike" cap="none" normalizeH="0" baseline="0" dirty="0" smtClean="0">
+              <a:t>Example</a:t>
+            </a:r>
+            <a:r>
+              <a:rPr kumimoji="0" lang="en-US" altLang="en-US" sz="1200" b="0" i="0" u="none" strike="noStrike" cap="none" normalizeH="0" baseline="0" dirty="0" smtClean="0">
                 <a:ln>
                   <a:noFill/>
                 </a:ln>
                 <a:solidFill>
-                  <a:srgbClr val="1F2328"/>
+                  <a:schemeClr val="tx1"/>
                 </a:solidFill>
                 <a:effectLst/>
-                <a:latin typeface="-apple-system"/>
+                <a:latin typeface="Arial" panose="020B0604020202020204" pitchFamily="34" charset="0"/>
               </a:rPr>
-            </a:br>
-            <a:r>
-              <a:rPr kumimoji="0" lang="en-US" altLang="en-US" sz="1800" b="0" i="0" u="none" strike="noStrike" cap="none" normalizeH="0" baseline="0" dirty="0" smtClean="0">
+              <a:t>: Automating the creation of Azure VMs using PowerShell commands like </a:t>
+            </a:r>
+            <a:r>
+              <a:rPr lang="en-US" altLang="en-US" sz="1200" dirty="0" smtClean="0">
+                <a:latin typeface="Arial" panose="020B0604020202020204" pitchFamily="34" charset="0"/>
+              </a:rPr>
+              <a:t>New-</a:t>
+            </a:r>
+            <a:r>
+              <a:rPr lang="en-US" altLang="en-US" sz="1200" dirty="0" err="1" smtClean="0">
+                <a:latin typeface="Arial" panose="020B0604020202020204" pitchFamily="34" charset="0"/>
+              </a:rPr>
+              <a:t>AzVM</a:t>
+            </a:r>
+            <a:r>
+              <a:rPr lang="en-US" altLang="en-US" sz="1200" dirty="0" smtClean="0">
+                <a:latin typeface="Arial" panose="020B0604020202020204" pitchFamily="34" charset="0"/>
+              </a:rPr>
+              <a:t>.</a:t>
+            </a:r>
+          </a:p>
+          <a:p>
+            <a:pPr defTabSz="914400" eaLnBrk="0" fontAlgn="base" hangingPunct="0">
+              <a:lnSpc>
+                <a:spcPct val="100000"/>
+              </a:lnSpc>
+              <a:spcBef>
+                <a:spcPct val="0"/>
+              </a:spcBef>
+              <a:spcAft>
+                <a:spcPct val="0"/>
+              </a:spcAft>
+            </a:pPr>
+            <a:r>
+              <a:rPr kumimoji="0" lang="en-US" altLang="en-US" sz="2000" b="1" i="0" u="none" strike="noStrike" cap="none" normalizeH="0" baseline="0" dirty="0" smtClean="0">
                 <a:ln>
                   <a:noFill/>
                 </a:ln>
                 <a:solidFill>
-                  <a:srgbClr val="1F2328"/>
+                  <a:schemeClr val="tx1"/>
                 </a:solidFill>
                 <a:effectLst/>
-                <a:latin typeface="-apple-system"/>
+                <a:latin typeface="Arial" panose="020B0604020202020204" pitchFamily="34" charset="0"/>
               </a:rPr>
-              <a:t>Overview of PowerShell, its history, and its role in automation and system administration.</a:t>
-            </a:r>
-          </a:p>
-          <a:p>
-            <a:pPr eaLnBrk="0" fontAlgn="base" hangingPunct="0">
+              <a:t>Data Analysts</a:t>
+            </a:r>
+          </a:p>
+          <a:p>
+            <a:pPr lvl="1" defTabSz="914400" eaLnBrk="0" fontAlgn="base" hangingPunct="0">
               <a:lnSpc>
                 <a:spcPct val="100000"/>
               </a:lnSpc>
@@ -3502,59 +6021,120 @@
               </a:spcAft>
             </a:pPr>
             <a:r>
-              <a:rPr kumimoji="0" lang="en-US" altLang="en-US" sz="1800" b="1" i="0" u="none" strike="noStrike" cap="none" normalizeH="0" baseline="0" dirty="0" smtClean="0">
+              <a:rPr kumimoji="0" lang="en-US" altLang="en-US" sz="1600" b="1" i="0" u="none" strike="noStrike" cap="none" normalizeH="0" baseline="0" dirty="0" smtClean="0">
                 <a:ln>
                   <a:noFill/>
                 </a:ln>
                 <a:solidFill>
-                  <a:srgbClr val="1F2328"/>
+                  <a:schemeClr val="tx1"/>
                 </a:solidFill>
                 <a:effectLst/>
-                <a:latin typeface="-apple-system"/>
+                <a:latin typeface="Arial" panose="020B0604020202020204" pitchFamily="34" charset="0"/>
               </a:rPr>
-              <a:t>Day 2: Basic Commands</a:t>
-            </a:r>
-            <a:r>
-              <a:rPr kumimoji="0" lang="en-US" altLang="en-US" sz="1800" b="0" i="0" u="none" strike="noStrike" cap="none" normalizeH="0" baseline="0" dirty="0" smtClean="0">
+              <a:t>Example</a:t>
+            </a:r>
+            <a:r>
+              <a:rPr kumimoji="0" lang="en-US" altLang="en-US" sz="1600" b="0" i="0" u="none" strike="noStrike" cap="none" normalizeH="0" baseline="0" dirty="0" smtClean="0">
                 <a:ln>
                   <a:noFill/>
                 </a:ln>
                 <a:solidFill>
-                  <a:srgbClr val="1F2328"/>
+                  <a:schemeClr val="tx1"/>
                 </a:solidFill>
                 <a:effectLst/>
-                <a:latin typeface="-apple-system"/>
+                <a:latin typeface="Arial" panose="020B0604020202020204" pitchFamily="34" charset="0"/>
               </a:rPr>
-              <a:t/>
-            </a:r>
-            <a:br>
-              <a:rPr kumimoji="0" lang="en-US" altLang="en-US" sz="1800" b="0" i="0" u="none" strike="noStrike" cap="none" normalizeH="0" baseline="0" dirty="0" smtClean="0">
+              <a:t>: Automating data extraction from a SQL Server database using </a:t>
+            </a:r>
+            <a:r>
+              <a:rPr lang="en-US" altLang="en-US" sz="1600" dirty="0" smtClean="0">
+                <a:latin typeface="Arial" panose="020B0604020202020204" pitchFamily="34" charset="0"/>
+              </a:rPr>
+              <a:t>Invoke-</a:t>
+            </a:r>
+            <a:r>
+              <a:rPr lang="en-US" altLang="en-US" sz="1600" dirty="0" err="1" smtClean="0">
+                <a:latin typeface="Arial" panose="020B0604020202020204" pitchFamily="34" charset="0"/>
+              </a:rPr>
+              <a:t>Sqlcmd</a:t>
+            </a:r>
+            <a:r>
+              <a:rPr lang="en-US" altLang="en-US" sz="1600" dirty="0" smtClean="0">
+                <a:latin typeface="Arial" panose="020B0604020202020204" pitchFamily="34" charset="0"/>
+              </a:rPr>
+              <a:t> and generating reports in Excel.</a:t>
+            </a:r>
+          </a:p>
+          <a:p>
+            <a:pPr defTabSz="914400" eaLnBrk="0" fontAlgn="base" hangingPunct="0">
+              <a:lnSpc>
+                <a:spcPct val="100000"/>
+              </a:lnSpc>
+              <a:spcBef>
+                <a:spcPct val="0"/>
+              </a:spcBef>
+              <a:spcAft>
+                <a:spcPct val="0"/>
+              </a:spcAft>
+            </a:pPr>
+            <a:r>
+              <a:rPr kumimoji="0" lang="en-US" altLang="en-US" sz="2000" b="1" i="0" u="none" strike="noStrike" cap="none" normalizeH="0" baseline="0" dirty="0" smtClean="0">
                 <a:ln>
                   <a:noFill/>
                 </a:ln>
                 <a:solidFill>
-                  <a:srgbClr val="1F2328"/>
+                  <a:schemeClr val="tx1"/>
                 </a:solidFill>
                 <a:effectLst/>
-                <a:latin typeface="-apple-system"/>
+                <a:latin typeface="Arial" panose="020B0604020202020204" pitchFamily="34" charset="0"/>
               </a:rPr>
-            </a:br>
-            <a:r>
-              <a:rPr kumimoji="0" lang="en-US" altLang="en-US" sz="1800" b="0" i="0" u="none" strike="noStrike" cap="none" normalizeH="0" baseline="0" dirty="0" smtClean="0">
+              <a:t>DevOps</a:t>
+            </a:r>
+            <a:endParaRPr lang="en-US" altLang="en-US" sz="2000" dirty="0" smtClean="0">
+              <a:latin typeface="Arial" panose="020B0604020202020204" pitchFamily="34" charset="0"/>
+            </a:endParaRPr>
+          </a:p>
+          <a:p>
+            <a:pPr lvl="1" defTabSz="914400" eaLnBrk="0" fontAlgn="base" hangingPunct="0">
+              <a:lnSpc>
+                <a:spcPct val="100000"/>
+              </a:lnSpc>
+              <a:spcBef>
+                <a:spcPct val="0"/>
+              </a:spcBef>
+              <a:spcAft>
+                <a:spcPct val="0"/>
+              </a:spcAft>
+            </a:pPr>
+            <a:r>
+              <a:rPr kumimoji="0" lang="en-US" altLang="en-US" sz="1600" b="1" i="0" u="none" strike="noStrike" cap="none" normalizeH="0" baseline="0" dirty="0" smtClean="0">
                 <a:ln>
                   <a:noFill/>
                 </a:ln>
                 <a:solidFill>
-                  <a:srgbClr val="1F2328"/>
+                  <a:schemeClr val="tx1"/>
                 </a:solidFill>
                 <a:effectLst/>
-                <a:latin typeface="-apple-system"/>
+                <a:latin typeface="Arial" panose="020B0604020202020204" pitchFamily="34" charset="0"/>
               </a:rPr>
-              <a:t>Learn basic cmdlets, how to execute commands, and the command structure.</a:t>
-            </a:r>
-          </a:p>
-          <a:p>
-            <a:pPr eaLnBrk="0" fontAlgn="base" hangingPunct="0">
+              <a:t>Example</a:t>
+            </a:r>
+            <a:r>
+              <a:rPr kumimoji="0" lang="en-US" altLang="en-US" sz="1600" b="0" i="0" u="none" strike="noStrike" cap="none" normalizeH="0" baseline="0" dirty="0" smtClean="0">
+                <a:ln>
+                  <a:noFill/>
+                </a:ln>
+                <a:solidFill>
+                  <a:schemeClr val="tx1"/>
+                </a:solidFill>
+                <a:effectLst/>
+                <a:latin typeface="Arial" panose="020B0604020202020204" pitchFamily="34" charset="0"/>
+              </a:rPr>
+              <a:t>: Deploying code to production servers automatically using PowerShell scripts in a CI/CD pipeline with Jenkins or Azure DevOps.</a:t>
+            </a:r>
+          </a:p>
+          <a:p>
+            <a:pPr defTabSz="914400" eaLnBrk="0" fontAlgn="base" hangingPunct="0">
               <a:lnSpc>
                 <a:spcPct val="100000"/>
               </a:lnSpc>
@@ -3566,59 +6146,98 @@
               </a:spcAft>
             </a:pPr>
             <a:r>
-              <a:rPr kumimoji="0" lang="en-US" altLang="en-US" sz="1800" b="1" i="0" u="none" strike="noStrike" cap="none" normalizeH="0" baseline="0" dirty="0" smtClean="0">
+              <a:rPr kumimoji="0" lang="en-US" altLang="en-US" sz="2000" b="1" i="0" u="none" strike="noStrike" cap="none" normalizeH="0" baseline="0" dirty="0" smtClean="0">
                 <a:ln>
                   <a:noFill/>
                 </a:ln>
                 <a:solidFill>
-                  <a:srgbClr val="1F2328"/>
+                  <a:schemeClr val="tx1"/>
                 </a:solidFill>
                 <a:effectLst/>
-                <a:latin typeface="-apple-system"/>
+                <a:latin typeface="Arial" panose="020B0604020202020204" pitchFamily="34" charset="0"/>
               </a:rPr>
-              <a:t>Day 3: Working with Objects</a:t>
-            </a:r>
-            <a:r>
-              <a:rPr kumimoji="0" lang="en-US" altLang="en-US" sz="1800" b="0" i="0" u="none" strike="noStrike" cap="none" normalizeH="0" baseline="0" dirty="0" smtClean="0">
+              <a:t>Developers</a:t>
+            </a:r>
+          </a:p>
+          <a:p>
+            <a:pPr lvl="1" defTabSz="914400" eaLnBrk="0" fontAlgn="base" hangingPunct="0">
+              <a:lnSpc>
+                <a:spcPct val="100000"/>
+              </a:lnSpc>
+              <a:spcBef>
+                <a:spcPct val="0"/>
+              </a:spcBef>
+              <a:spcAft>
+                <a:spcPct val="0"/>
+              </a:spcAft>
+            </a:pPr>
+            <a:r>
+              <a:rPr kumimoji="0" lang="en-US" altLang="en-US" sz="1600" b="1" i="0" u="none" strike="noStrike" cap="none" normalizeH="0" baseline="0" dirty="0" smtClean="0">
                 <a:ln>
                   <a:noFill/>
                 </a:ln>
                 <a:solidFill>
-                  <a:srgbClr val="1F2328"/>
+                  <a:schemeClr val="tx1"/>
                 </a:solidFill>
                 <a:effectLst/>
-                <a:latin typeface="-apple-system"/>
+                <a:latin typeface="Arial" panose="020B0604020202020204" pitchFamily="34" charset="0"/>
               </a:rPr>
-              <a:t/>
-            </a:r>
-            <a:br>
-              <a:rPr kumimoji="0" lang="en-US" altLang="en-US" sz="1800" b="0" i="0" u="none" strike="noStrike" cap="none" normalizeH="0" baseline="0" dirty="0" smtClean="0">
+              <a:t>Example</a:t>
+            </a:r>
+            <a:r>
+              <a:rPr kumimoji="0" lang="en-US" altLang="en-US" sz="1600" b="0" i="0" u="none" strike="noStrike" cap="none" normalizeH="0" baseline="0" dirty="0" smtClean="0">
                 <a:ln>
                   <a:noFill/>
                 </a:ln>
                 <a:solidFill>
-                  <a:srgbClr val="1F2328"/>
+                  <a:schemeClr val="tx1"/>
                 </a:solidFill>
                 <a:effectLst/>
-                <a:latin typeface="-apple-system"/>
+                <a:latin typeface="Arial" panose="020B0604020202020204" pitchFamily="34" charset="0"/>
               </a:rPr>
-            </a:br>
-            <a:r>
-              <a:rPr kumimoji="0" lang="en-US" altLang="en-US" sz="1800" b="0" i="0" u="none" strike="noStrike" cap="none" normalizeH="0" baseline="0" dirty="0" smtClean="0">
+              <a:t>: Automating the build process with PowerShell scripts to compile code and run unit tests, such as using </a:t>
+            </a:r>
+            <a:r>
+              <a:rPr lang="en-US" altLang="en-US" sz="1600" dirty="0" err="1" smtClean="0">
+                <a:latin typeface="Arial" panose="020B0604020202020204" pitchFamily="34" charset="0"/>
+              </a:rPr>
+              <a:t>MSBuild</a:t>
+            </a:r>
+            <a:r>
+              <a:rPr lang="en-US" altLang="en-US" sz="1600" dirty="0" smtClean="0">
+                <a:latin typeface="Arial" panose="020B0604020202020204" pitchFamily="34" charset="0"/>
+              </a:rPr>
+              <a:t>.</a:t>
+            </a:r>
+          </a:p>
+          <a:p>
+            <a:pPr defTabSz="914400" eaLnBrk="0" fontAlgn="base" hangingPunct="0">
+              <a:lnSpc>
+                <a:spcPct val="100000"/>
+              </a:lnSpc>
+              <a:spcBef>
+                <a:spcPct val="0"/>
+              </a:spcBef>
+              <a:spcAft>
+                <a:spcPct val="0"/>
+              </a:spcAft>
+            </a:pPr>
+            <a:r>
+              <a:rPr kumimoji="0" lang="en-US" altLang="en-US" sz="2000" b="1" i="0" u="none" strike="noStrike" cap="none" normalizeH="0" baseline="0" dirty="0" smtClean="0">
                 <a:ln>
                   <a:noFill/>
                 </a:ln>
                 <a:solidFill>
-                  <a:srgbClr val="1F2328"/>
+                  <a:schemeClr val="tx1"/>
                 </a:solidFill>
                 <a:effectLst/>
-                <a:latin typeface="-apple-system"/>
+                <a:latin typeface="Arial" panose="020B0604020202020204" pitchFamily="34" charset="0"/>
               </a:rPr>
-              <a:t>Understand how PowerShell treats data as objects and how to work with them.</a:t>
-            </a:r>
-          </a:p>
-          <a:p>
-            <a:pPr eaLnBrk="0" fontAlgn="base" hangingPunct="0">
+              <a:t>IT Support</a:t>
+            </a:r>
+          </a:p>
+          <a:p>
+            <a:pPr lvl="1" defTabSz="914400" eaLnBrk="0" fontAlgn="base" hangingPunct="0">
               <a:lnSpc>
                 <a:spcPct val="100000"/>
               </a:lnSpc>
@@ -3630,59 +6249,52 @@
               </a:spcAft>
             </a:pPr>
             <a:r>
-              <a:rPr kumimoji="0" lang="en-US" altLang="en-US" sz="1800" b="1" i="0" u="none" strike="noStrike" cap="none" normalizeH="0" baseline="0" dirty="0" smtClean="0">
+              <a:rPr kumimoji="0" lang="en-US" altLang="en-US" sz="1600" b="1" i="0" u="none" strike="noStrike" cap="none" normalizeH="0" baseline="0" dirty="0" smtClean="0">
                 <a:ln>
                   <a:noFill/>
                 </a:ln>
                 <a:solidFill>
-                  <a:srgbClr val="1F2328"/>
+                  <a:schemeClr val="tx1"/>
                 </a:solidFill>
                 <a:effectLst/>
-                <a:latin typeface="-apple-system"/>
+                <a:latin typeface="Arial" panose="020B0604020202020204" pitchFamily="34" charset="0"/>
               </a:rPr>
-              <a:t>Day 4: Basic Pipeline</a:t>
-            </a:r>
-            <a:r>
-              <a:rPr kumimoji="0" lang="en-US" altLang="en-US" sz="1800" b="0" i="0" u="none" strike="noStrike" cap="none" normalizeH="0" baseline="0" dirty="0" smtClean="0">
+              <a:t>Example</a:t>
+            </a:r>
+            <a:r>
+              <a:rPr kumimoji="0" lang="en-US" altLang="en-US" sz="1600" b="0" i="0" u="none" strike="noStrike" cap="none" normalizeH="0" baseline="0" dirty="0" smtClean="0">
                 <a:ln>
                   <a:noFill/>
                 </a:ln>
                 <a:solidFill>
-                  <a:srgbClr val="1F2328"/>
+                  <a:schemeClr val="tx1"/>
                 </a:solidFill>
                 <a:effectLst/>
-                <a:latin typeface="-apple-system"/>
+                <a:latin typeface="Arial" panose="020B0604020202020204" pitchFamily="34" charset="0"/>
               </a:rPr>
-              <a:t/>
-            </a:r>
-            <a:br>
-              <a:rPr kumimoji="0" lang="en-US" altLang="en-US" sz="1800" b="0" i="0" u="none" strike="noStrike" cap="none" normalizeH="0" baseline="0" dirty="0" smtClean="0">
-                <a:ln>
-                  <a:noFill/>
-                </a:ln>
-                <a:solidFill>
-                  <a:srgbClr val="1F2328"/>
-                </a:solidFill>
-                <a:effectLst/>
-                <a:latin typeface="-apple-system"/>
+              <a:t>: Resetting user passwords or remotely troubleshooting machines with commands like </a:t>
+            </a:r>
+            <a:r>
+              <a:rPr lang="en-US" altLang="en-US" sz="1600" dirty="0" smtClean="0">
+                <a:latin typeface="Arial" panose="020B0604020202020204" pitchFamily="34" charset="0"/>
               </a:rPr>
-            </a:br>
-            <a:r>
-              <a:rPr kumimoji="0" lang="en-US" altLang="en-US" sz="1800" b="0" i="0" u="none" strike="noStrike" cap="none" normalizeH="0" baseline="0" dirty="0" smtClean="0">
-                <a:ln>
-                  <a:noFill/>
-                </a:ln>
-                <a:solidFill>
-                  <a:srgbClr val="1F2328"/>
-                </a:solidFill>
-                <a:effectLst/>
-                <a:latin typeface="-apple-system"/>
+              <a:t>Get-</a:t>
+            </a:r>
+            <a:r>
+              <a:rPr lang="en-US" altLang="en-US" sz="1600" dirty="0" err="1" smtClean="0">
+                <a:latin typeface="Arial" panose="020B0604020202020204" pitchFamily="34" charset="0"/>
               </a:rPr>
-              <a:t>Introduction to the pipeline, chaining cmdlets, and passing data.</a:t>
-            </a:r>
-          </a:p>
-          <a:p>
-            <a:pPr eaLnBrk="0" fontAlgn="base" hangingPunct="0">
+              <a:t>EventLog</a:t>
+            </a:r>
+            <a:r>
+              <a:rPr lang="en-US" altLang="en-US" sz="1600" dirty="0" smtClean="0">
+                <a:latin typeface="Arial" panose="020B0604020202020204" pitchFamily="34" charset="0"/>
+              </a:rPr>
+              <a:t> or Get-Process.</a:t>
+            </a:r>
+          </a:p>
+          <a:p>
+            <a:pPr lvl="1" defTabSz="914400" eaLnBrk="0" fontAlgn="base" hangingPunct="0">
               <a:lnSpc>
                 <a:spcPct val="100000"/>
               </a:lnSpc>
@@ -3693,112 +6305,12 @@
                 <a:spcPct val="0"/>
               </a:spcAft>
             </a:pPr>
-            <a:r>
-              <a:rPr kumimoji="0" lang="en-US" altLang="en-US" sz="1800" b="1" i="0" u="none" strike="noStrike" cap="none" normalizeH="0" baseline="0" dirty="0" smtClean="0">
-                <a:ln>
-                  <a:noFill/>
-                </a:ln>
-                <a:solidFill>
-                  <a:srgbClr val="1F2328"/>
-                </a:solidFill>
-                <a:effectLst/>
-                <a:latin typeface="-apple-system"/>
-              </a:rPr>
-              <a:t>Day 5: Filtering and Sorting</a:t>
-            </a:r>
-            <a:r>
-              <a:rPr kumimoji="0" lang="en-US" altLang="en-US" sz="1800" b="0" i="0" u="none" strike="noStrike" cap="none" normalizeH="0" baseline="0" dirty="0" smtClean="0">
-                <a:ln>
-                  <a:noFill/>
-                </a:ln>
-                <a:solidFill>
-                  <a:srgbClr val="1F2328"/>
-                </a:solidFill>
-                <a:effectLst/>
-                <a:latin typeface="-apple-system"/>
-              </a:rPr>
-              <a:t/>
-            </a:r>
-            <a:br>
-              <a:rPr kumimoji="0" lang="en-US" altLang="en-US" sz="1800" b="0" i="0" u="none" strike="noStrike" cap="none" normalizeH="0" baseline="0" dirty="0" smtClean="0">
-                <a:ln>
-                  <a:noFill/>
-                </a:ln>
-                <a:solidFill>
-                  <a:srgbClr val="1F2328"/>
-                </a:solidFill>
-                <a:effectLst/>
-                <a:latin typeface="-apple-system"/>
-              </a:rPr>
-            </a:br>
-            <a:r>
-              <a:rPr kumimoji="0" lang="en-US" altLang="en-US" sz="1800" b="0" i="0" u="none" strike="noStrike" cap="none" normalizeH="0" baseline="0" dirty="0" smtClean="0">
-                <a:ln>
-                  <a:noFill/>
-                </a:ln>
-                <a:solidFill>
-                  <a:srgbClr val="1F2328"/>
-                </a:solidFill>
-                <a:effectLst/>
-                <a:latin typeface="-apple-system"/>
-              </a:rPr>
-              <a:t>Learn to filter output using </a:t>
-            </a:r>
-            <a:r>
-              <a:rPr kumimoji="0" lang="en-US" altLang="en-US" sz="1100" b="0" i="0" u="none" strike="noStrike" cap="none" normalizeH="0" baseline="0" dirty="0" smtClean="0">
-                <a:ln>
-                  <a:noFill/>
-                </a:ln>
-                <a:solidFill>
-                  <a:srgbClr val="1F2328"/>
-                </a:solidFill>
-                <a:effectLst/>
-                <a:latin typeface="var(--fontStack-monospace, ui-monospace, SFMono-Regular, SF Mono, Menlo, Consolas, Liberation Mono, monospace)"/>
-              </a:rPr>
-              <a:t>Where-Object</a:t>
-            </a:r>
-            <a:r>
-              <a:rPr kumimoji="0" lang="en-US" altLang="en-US" sz="1800" b="0" i="0" u="none" strike="noStrike" cap="none" normalizeH="0" baseline="0" dirty="0" smtClean="0">
-                <a:ln>
-                  <a:noFill/>
-                </a:ln>
-                <a:solidFill>
-                  <a:srgbClr val="1F2328"/>
-                </a:solidFill>
-                <a:effectLst/>
-                <a:latin typeface="-apple-system"/>
-              </a:rPr>
-              <a:t> and sort with </a:t>
-            </a:r>
-            <a:r>
-              <a:rPr kumimoji="0" lang="en-US" altLang="en-US" sz="1100" b="0" i="0" u="none" strike="noStrike" cap="none" normalizeH="0" baseline="0" dirty="0" smtClean="0">
-                <a:ln>
-                  <a:noFill/>
-                </a:ln>
-                <a:solidFill>
-                  <a:srgbClr val="1F2328"/>
-                </a:solidFill>
-                <a:effectLst/>
-                <a:latin typeface="var(--fontStack-monospace, ui-monospace, SFMono-Regular, SF Mono, Menlo, Consolas, Liberation Mono, monospace)"/>
-              </a:rPr>
-              <a:t>Sort-Object</a:t>
-            </a:r>
-            <a:r>
-              <a:rPr kumimoji="0" lang="en-US" altLang="en-US" sz="1800" b="0" i="0" u="none" strike="noStrike" cap="none" normalizeH="0" baseline="0" dirty="0" smtClean="0">
-                <a:ln>
-                  <a:noFill/>
-                </a:ln>
-                <a:solidFill>
-                  <a:srgbClr val="1F2328"/>
-                </a:solidFill>
-                <a:effectLst/>
-                <a:latin typeface="-apple-system"/>
-              </a:rPr>
-              <a:t>.</a:t>
-            </a:r>
-          </a:p>
-          <a:p>
-            <a:pPr eaLnBrk="0" fontAlgn="base" hangingPunct="0">
+            <a:endParaRPr lang="en-US" altLang="en-US" sz="1600" dirty="0" smtClean="0">
+              <a:latin typeface="Arial" panose="020B0604020202020204" pitchFamily="34" charset="0"/>
+            </a:endParaRPr>
+          </a:p>
+          <a:p>
+            <a:pPr lvl="1" defTabSz="914400" eaLnBrk="0" fontAlgn="base" hangingPunct="0">
               <a:lnSpc>
                 <a:spcPct val="100000"/>
               </a:lnSpc>
@@ -3809,60 +6321,12 @@
                 <a:spcPct val="0"/>
               </a:spcAft>
             </a:pPr>
-            <a:r>
-              <a:rPr kumimoji="0" lang="en-US" altLang="en-US" sz="1800" b="1" i="0" u="none" strike="noStrike" cap="none" normalizeH="0" baseline="0" dirty="0" smtClean="0">
-                <a:ln>
-                  <a:noFill/>
-                </a:ln>
-                <a:solidFill>
-                  <a:srgbClr val="1F2328"/>
-                </a:solidFill>
-                <a:effectLst/>
-                <a:latin typeface="-apple-system"/>
-              </a:rPr>
-              <a:t>Day 6: Introduction to Variables</a:t>
-            </a:r>
-            <a:r>
-              <a:rPr kumimoji="0" lang="en-US" altLang="en-US" sz="1800" b="0" i="0" u="none" strike="noStrike" cap="none" normalizeH="0" baseline="0" dirty="0" smtClean="0">
-                <a:ln>
-                  <a:noFill/>
-                </a:ln>
-                <a:solidFill>
-                  <a:srgbClr val="1F2328"/>
-                </a:solidFill>
-                <a:effectLst/>
-                <a:latin typeface="-apple-system"/>
-              </a:rPr>
-              <a:t/>
-            </a:r>
-            <a:br>
-              <a:rPr kumimoji="0" lang="en-US" altLang="en-US" sz="1800" b="0" i="0" u="none" strike="noStrike" cap="none" normalizeH="0" baseline="0" dirty="0" smtClean="0">
-                <a:ln>
-                  <a:noFill/>
-                </a:ln>
-                <a:solidFill>
-                  <a:srgbClr val="1F2328"/>
-                </a:solidFill>
-                <a:effectLst/>
-                <a:latin typeface="-apple-system"/>
-              </a:rPr>
-            </a:br>
-            <a:r>
-              <a:rPr kumimoji="0" lang="en-US" altLang="en-US" sz="1800" b="0" i="0" u="none" strike="noStrike" cap="none" normalizeH="0" baseline="0" dirty="0" smtClean="0">
-                <a:ln>
-                  <a:noFill/>
-                </a:ln>
-                <a:solidFill>
-                  <a:srgbClr val="1F2328"/>
-                </a:solidFill>
-                <a:effectLst/>
-                <a:latin typeface="-apple-system"/>
-              </a:rPr>
-              <a:t>How to create, use, and manage variables in PowerShell.</a:t>
-            </a:r>
-          </a:p>
-          <a:p>
-            <a:pPr eaLnBrk="0" fontAlgn="base" hangingPunct="0">
+            <a:endParaRPr lang="en-US" altLang="en-US" sz="1600" dirty="0" smtClean="0">
+              <a:latin typeface="Arial" panose="020B0604020202020204" pitchFamily="34" charset="0"/>
+            </a:endParaRPr>
+          </a:p>
+          <a:p>
+            <a:pPr lvl="1" defTabSz="914400" eaLnBrk="0" fontAlgn="base" hangingPunct="0">
               <a:lnSpc>
                 <a:spcPct val="100000"/>
               </a:lnSpc>
@@ -3873,60 +6337,12 @@
                 <a:spcPct val="0"/>
               </a:spcAft>
             </a:pPr>
-            <a:r>
-              <a:rPr kumimoji="0" lang="en-US" altLang="en-US" sz="1800" b="1" i="0" u="none" strike="noStrike" cap="none" normalizeH="0" baseline="0" dirty="0" smtClean="0">
-                <a:ln>
-                  <a:noFill/>
-                </a:ln>
-                <a:solidFill>
-                  <a:srgbClr val="1F2328"/>
-                </a:solidFill>
-                <a:effectLst/>
-                <a:latin typeface="-apple-system"/>
-              </a:rPr>
-              <a:t>Day 7: Review and Practice</a:t>
-            </a:r>
-            <a:r>
-              <a:rPr kumimoji="0" lang="en-US" altLang="en-US" sz="1800" b="0" i="0" u="none" strike="noStrike" cap="none" normalizeH="0" baseline="0" dirty="0" smtClean="0">
-                <a:ln>
-                  <a:noFill/>
-                </a:ln>
-                <a:solidFill>
-                  <a:srgbClr val="1F2328"/>
-                </a:solidFill>
-                <a:effectLst/>
-                <a:latin typeface="-apple-system"/>
-              </a:rPr>
-              <a:t/>
-            </a:r>
-            <a:br>
-              <a:rPr kumimoji="0" lang="en-US" altLang="en-US" sz="1800" b="0" i="0" u="none" strike="noStrike" cap="none" normalizeH="0" baseline="0" dirty="0" smtClean="0">
-                <a:ln>
-                  <a:noFill/>
-                </a:ln>
-                <a:solidFill>
-                  <a:srgbClr val="1F2328"/>
-                </a:solidFill>
-                <a:effectLst/>
-                <a:latin typeface="-apple-system"/>
-              </a:rPr>
-            </a:br>
-            <a:r>
-              <a:rPr kumimoji="0" lang="en-US" altLang="en-US" sz="1800" b="0" i="0" u="none" strike="noStrike" cap="none" normalizeH="0" baseline="0" dirty="0" smtClean="0">
-                <a:ln>
-                  <a:noFill/>
-                </a:ln>
-                <a:solidFill>
-                  <a:srgbClr val="1F2328"/>
-                </a:solidFill>
-                <a:effectLst/>
-                <a:latin typeface="-apple-system"/>
-              </a:rPr>
-              <a:t>Consolidate your learning with practical exercises and quizzes.</a:t>
-            </a:r>
-          </a:p>
-          <a:p>
-            <a:pPr eaLnBrk="0" fontAlgn="base" hangingPunct="0">
+            <a:endParaRPr lang="en-US" altLang="en-US" sz="1600" dirty="0" smtClean="0">
+              <a:latin typeface="Arial" panose="020B0604020202020204" pitchFamily="34" charset="0"/>
+            </a:endParaRPr>
+          </a:p>
+          <a:p>
+            <a:pPr lvl="1" defTabSz="914400" eaLnBrk="0" fontAlgn="base" hangingPunct="0">
               <a:lnSpc>
                 <a:spcPct val="100000"/>
               </a:lnSpc>
@@ -3937,70 +6353,53 @@
                 <a:spcPct val="0"/>
               </a:spcAft>
             </a:pPr>
-            <a:endParaRPr lang="en-US" altLang="en-US" sz="1200" dirty="0">
-              <a:solidFill>
-                <a:srgbClr val="1F2328"/>
-              </a:solidFill>
-              <a:latin typeface="-apple-system"/>
-            </a:endParaRPr>
-          </a:p>
-          <a:p>
-            <a:pPr eaLnBrk="0" fontAlgn="base" hangingPunct="0">
-              <a:lnSpc>
-                <a:spcPct val="100000"/>
-              </a:lnSpc>
-              <a:spcBef>
-                <a:spcPct val="0"/>
-              </a:spcBef>
-              <a:spcAft>
-                <a:spcPct val="0"/>
-              </a:spcAft>
-            </a:pPr>
-            <a:endParaRPr kumimoji="0" lang="en-US" altLang="en-US" sz="1200" b="0" i="0" u="none" strike="noStrike" cap="none" normalizeH="0" baseline="0" dirty="0" smtClean="0">
-              <a:ln>
-                <a:noFill/>
-              </a:ln>
-              <a:solidFill>
-                <a:srgbClr val="1F2328"/>
-              </a:solidFill>
-              <a:effectLst/>
-              <a:latin typeface="-apple-system"/>
-            </a:endParaRPr>
-          </a:p>
-          <a:p>
-            <a:pPr marL="0" marR="0" lvl="0" indent="0" algn="l" defTabSz="914400" rtl="0" eaLnBrk="0" fontAlgn="base" latinLnBrk="0" hangingPunct="0">
-              <a:lnSpc>
-                <a:spcPct val="100000"/>
-              </a:lnSpc>
-              <a:spcBef>
-                <a:spcPct val="0"/>
-              </a:spcBef>
-              <a:spcAft>
-                <a:spcPct val="0"/>
-              </a:spcAft>
-              <a:buClrTx/>
-              <a:buSzTx/>
-              <a:buFontTx/>
-              <a:buNone/>
-              <a:tabLst/>
-            </a:pPr>
-            <a:endParaRPr kumimoji="0" lang="en-US" altLang="en-US" sz="1800" b="0" i="0" u="none" strike="noStrike" cap="none" normalizeH="0" baseline="0" dirty="0" smtClean="0">
-              <a:ln>
-                <a:noFill/>
-              </a:ln>
-              <a:solidFill>
-                <a:schemeClr val="tx1"/>
-              </a:solidFill>
-              <a:effectLst/>
+            <a:endParaRPr lang="en-US" altLang="en-US" sz="1600" dirty="0">
               <a:latin typeface="Arial" panose="020B0604020202020204" pitchFamily="34" charset="0"/>
             </a:endParaRPr>
           </a:p>
         </p:txBody>
       </p:sp>
+      <p:cxnSp>
+        <p:nvCxnSpPr>
+          <p:cNvPr id="4" name="Straight Connector 3"/>
+          <p:cNvCxnSpPr/>
+          <p:nvPr/>
+        </p:nvCxnSpPr>
+        <p:spPr>
+          <a:xfrm flipV="1">
+            <a:off x="810490" y="1281901"/>
+            <a:ext cx="10515600" cy="14169"/>
+          </a:xfrm>
+          <a:prstGeom prst="line">
+            <a:avLst/>
+          </a:prstGeom>
+          <a:ln w="57150">
+            <a:solidFill>
+              <a:schemeClr val="accent6">
+                <a:lumMod val="75000"/>
+              </a:schemeClr>
+            </a:solidFill>
+          </a:ln>
+        </p:spPr>
+        <p:style>
+          <a:lnRef idx="1">
+            <a:schemeClr val="accent1"/>
+          </a:lnRef>
+          <a:fillRef idx="0">
+            <a:schemeClr val="accent1"/>
+          </a:fillRef>
+          <a:effectRef idx="0">
+            <a:schemeClr val="accent1"/>
+          </a:effectRef>
+          <a:fontRef idx="minor">
+            <a:schemeClr val="tx1"/>
+          </a:fontRef>
+        </p:style>
+      </p:cxnSp>
     </p:spTree>
     <p:extLst>
       <p:ext uri="{BB962C8B-B14F-4D97-AF65-F5344CB8AC3E}">
-        <p14:creationId xmlns:p14="http://schemas.microsoft.com/office/powerpoint/2010/main" val="3403231711"/>
+        <p14:creationId xmlns:p14="http://schemas.microsoft.com/office/powerpoint/2010/main" val="1656540282"/>
       </p:ext>
     </p:extLst>
   </p:cSld>
@@ -4052,16 +6451,28 @@
             <p:ph type="title"/>
           </p:nvPr>
         </p:nvSpPr>
-        <p:spPr/>
-        <p:txBody>
-          <a:bodyPr/>
+        <p:spPr>
+          <a:xfrm>
+            <a:off x="810490" y="284743"/>
+            <a:ext cx="10515600" cy="638893"/>
+          </a:xfrm>
+          <a:ln>
+            <a:solidFill>
+              <a:schemeClr val="bg1"/>
+            </a:solidFill>
+          </a:ln>
+        </p:spPr>
+        <p:txBody>
+          <a:bodyPr>
+            <a:normAutofit/>
+          </a:bodyPr>
           <a:lstStyle/>
           <a:p>
             <a:r>
-              <a:rPr lang="en-GB" dirty="0" smtClean="0"/>
-              <a:t>What is PowerShell?</a:t>
-            </a:r>
-            <a:endParaRPr lang="en-GB" dirty="0"/>
+              <a:rPr lang="en-GB" sz="3600" b="1" dirty="0" smtClean="0"/>
+              <a:t>Who is this course for?</a:t>
+            </a:r>
+            <a:endParaRPr lang="en-GB" sz="4000" dirty="0"/>
           </a:p>
         </p:txBody>
       </p:sp>
@@ -4075,61 +6486,313 @@
             <p:ph idx="1"/>
           </p:nvPr>
         </p:nvSpPr>
-        <p:spPr/>
-        <p:txBody>
-          <a:bodyPr/>
+        <p:spPr>
+          <a:xfrm>
+            <a:off x="810490" y="1452677"/>
+            <a:ext cx="10515600" cy="4344515"/>
+          </a:xfrm>
+        </p:spPr>
+        <p:txBody>
+          <a:bodyPr>
+            <a:normAutofit/>
+          </a:bodyPr>
           <a:lstStyle/>
           <a:p>
-            <a:r>
-              <a:rPr lang="en-US" b="1" dirty="0" smtClean="0"/>
-              <a:t>A management execution engine.</a:t>
-            </a:r>
-          </a:p>
-          <a:p>
-            <a:r>
-              <a:rPr lang="en-US" dirty="0"/>
-              <a:t>A</a:t>
-            </a:r>
-            <a:r>
-              <a:rPr lang="en-US" dirty="0" smtClean="0"/>
-              <a:t> powerful task automation and configuration management framework designed by Microsoft.</a:t>
-            </a:r>
-          </a:p>
-          <a:p>
-            <a:r>
-              <a:rPr lang="en-US" dirty="0" smtClean="0"/>
-              <a:t>It is widely used for automating administrative tasks, managing systems, configuring networks, and interacting with cloud services like </a:t>
-            </a:r>
-            <a:r>
-              <a:rPr lang="en-US" b="1" dirty="0" smtClean="0"/>
-              <a:t>Azure</a:t>
-            </a:r>
-            <a:r>
-              <a:rPr lang="en-US" dirty="0" smtClean="0"/>
-              <a:t> and </a:t>
-            </a:r>
-            <a:r>
-              <a:rPr lang="en-US" b="1" dirty="0" smtClean="0"/>
-              <a:t>Office 365</a:t>
-            </a:r>
-            <a:r>
-              <a:rPr lang="en-US" dirty="0" smtClean="0"/>
+            <a:pPr defTabSz="914400" eaLnBrk="0" fontAlgn="base" hangingPunct="0">
+              <a:lnSpc>
+                <a:spcPct val="100000"/>
+              </a:lnSpc>
+              <a:spcBef>
+                <a:spcPct val="0"/>
+              </a:spcBef>
+              <a:spcAft>
+                <a:spcPct val="0"/>
+              </a:spcAft>
+            </a:pPr>
+            <a:r>
+              <a:rPr lang="en-US" altLang="en-US" sz="2000" b="1" dirty="0">
+                <a:latin typeface="Arial" panose="020B0604020202020204" pitchFamily="34" charset="0"/>
+              </a:rPr>
+              <a:t>Network Admins</a:t>
+            </a:r>
+          </a:p>
+          <a:p>
+            <a:pPr lvl="1" defTabSz="914400" eaLnBrk="0" fontAlgn="base" hangingPunct="0">
+              <a:lnSpc>
+                <a:spcPct val="100000"/>
+              </a:lnSpc>
+              <a:spcBef>
+                <a:spcPct val="0"/>
+              </a:spcBef>
+              <a:spcAft>
+                <a:spcPct val="0"/>
+              </a:spcAft>
+            </a:pPr>
+            <a:r>
+              <a:rPr lang="en-US" altLang="en-US" sz="2000" b="1" dirty="0">
+                <a:latin typeface="Arial" panose="020B0604020202020204" pitchFamily="34" charset="0"/>
+              </a:rPr>
+              <a:t>Example: </a:t>
+            </a:r>
+            <a:r>
+              <a:rPr lang="en-US" altLang="en-US" sz="2000" dirty="0">
+                <a:latin typeface="Arial" panose="020B0604020202020204" pitchFamily="34" charset="0"/>
+              </a:rPr>
+              <a:t>Automating network configuration, like managing IP addresses or DNS entries with Set-</a:t>
+            </a:r>
+            <a:r>
+              <a:rPr lang="en-US" altLang="en-US" sz="2000" dirty="0" err="1">
+                <a:latin typeface="Arial" panose="020B0604020202020204" pitchFamily="34" charset="0"/>
+              </a:rPr>
+              <a:t>DnsClientServerAddress</a:t>
+            </a:r>
+            <a:r>
+              <a:rPr lang="en-US" altLang="en-US" sz="2000" dirty="0">
+                <a:latin typeface="Arial" panose="020B0604020202020204" pitchFamily="34" charset="0"/>
+              </a:rPr>
               <a:t>.</a:t>
             </a:r>
-            <a:endParaRPr lang="en-US" b="1" dirty="0" smtClean="0"/>
-          </a:p>
-        </p:txBody>
-      </p:sp>
+          </a:p>
+          <a:p>
+            <a:pPr defTabSz="914400" eaLnBrk="0" fontAlgn="base" hangingPunct="0">
+              <a:lnSpc>
+                <a:spcPct val="100000"/>
+              </a:lnSpc>
+              <a:spcBef>
+                <a:spcPct val="0"/>
+              </a:spcBef>
+              <a:spcAft>
+                <a:spcPct val="0"/>
+              </a:spcAft>
+            </a:pPr>
+            <a:r>
+              <a:rPr lang="en-US" altLang="en-US" sz="2000" b="1" dirty="0">
+                <a:latin typeface="Arial" panose="020B0604020202020204" pitchFamily="34" charset="0"/>
+              </a:rPr>
+              <a:t>Power Users</a:t>
+            </a:r>
+          </a:p>
+          <a:p>
+            <a:pPr lvl="1" defTabSz="914400" eaLnBrk="0" fontAlgn="base" hangingPunct="0">
+              <a:lnSpc>
+                <a:spcPct val="100000"/>
+              </a:lnSpc>
+              <a:spcBef>
+                <a:spcPct val="0"/>
+              </a:spcBef>
+              <a:spcAft>
+                <a:spcPct val="0"/>
+              </a:spcAft>
+            </a:pPr>
+            <a:r>
+              <a:rPr lang="en-US" altLang="en-US" sz="2000" b="1" dirty="0">
+                <a:latin typeface="Arial" panose="020B0604020202020204" pitchFamily="34" charset="0"/>
+              </a:rPr>
+              <a:t>Example: </a:t>
+            </a:r>
+            <a:r>
+              <a:rPr lang="en-US" altLang="en-US" sz="2000" dirty="0">
+                <a:latin typeface="Arial" panose="020B0604020202020204" pitchFamily="34" charset="0"/>
+              </a:rPr>
+              <a:t>Writing scripts to automate file organization, such as moving old files from one directory to another based on age (Get-</a:t>
+            </a:r>
+            <a:r>
+              <a:rPr lang="en-US" altLang="en-US" sz="2000" dirty="0" err="1">
+                <a:latin typeface="Arial" panose="020B0604020202020204" pitchFamily="34" charset="0"/>
+              </a:rPr>
+              <a:t>ChildItem</a:t>
+            </a:r>
+            <a:r>
+              <a:rPr lang="en-US" altLang="en-US" sz="2000" dirty="0">
+                <a:latin typeface="Arial" panose="020B0604020202020204" pitchFamily="34" charset="0"/>
+              </a:rPr>
+              <a:t> + Move-Item).</a:t>
+            </a:r>
+          </a:p>
+          <a:p>
+            <a:pPr defTabSz="914400" eaLnBrk="0" fontAlgn="base" hangingPunct="0">
+              <a:lnSpc>
+                <a:spcPct val="100000"/>
+              </a:lnSpc>
+              <a:spcBef>
+                <a:spcPct val="0"/>
+              </a:spcBef>
+              <a:spcAft>
+                <a:spcPct val="0"/>
+              </a:spcAft>
+            </a:pPr>
+            <a:r>
+              <a:rPr lang="en-US" altLang="en-US" sz="2000" b="1" dirty="0">
+                <a:latin typeface="Arial" panose="020B0604020202020204" pitchFamily="34" charset="0"/>
+              </a:rPr>
+              <a:t>Security</a:t>
+            </a:r>
+          </a:p>
+          <a:p>
+            <a:pPr lvl="1" defTabSz="914400" eaLnBrk="0" fontAlgn="base" hangingPunct="0">
+              <a:lnSpc>
+                <a:spcPct val="100000"/>
+              </a:lnSpc>
+              <a:spcBef>
+                <a:spcPct val="0"/>
+              </a:spcBef>
+              <a:spcAft>
+                <a:spcPct val="0"/>
+              </a:spcAft>
+            </a:pPr>
+            <a:r>
+              <a:rPr lang="en-US" altLang="en-US" sz="2000" b="1" dirty="0">
+                <a:latin typeface="Arial" panose="020B0604020202020204" pitchFamily="34" charset="0"/>
+              </a:rPr>
+              <a:t>Example: </a:t>
+            </a:r>
+            <a:r>
+              <a:rPr lang="en-US" altLang="en-US" sz="2000" dirty="0">
+                <a:latin typeface="Arial" panose="020B0604020202020204" pitchFamily="34" charset="0"/>
+              </a:rPr>
+              <a:t>Automating security audits by checking system compliance with Get-</a:t>
+            </a:r>
+            <a:r>
+              <a:rPr lang="en-US" altLang="en-US" sz="2000" dirty="0" err="1">
+                <a:latin typeface="Arial" panose="020B0604020202020204" pitchFamily="34" charset="0"/>
+              </a:rPr>
+              <a:t>WindowsFeature</a:t>
+            </a:r>
+            <a:r>
+              <a:rPr lang="en-US" altLang="en-US" sz="2000" dirty="0">
+                <a:latin typeface="Arial" panose="020B0604020202020204" pitchFamily="34" charset="0"/>
+              </a:rPr>
+              <a:t> and Get-</a:t>
+            </a:r>
+            <a:r>
+              <a:rPr lang="en-US" altLang="en-US" sz="2000" dirty="0" err="1">
+                <a:latin typeface="Arial" panose="020B0604020202020204" pitchFamily="34" charset="0"/>
+              </a:rPr>
+              <a:t>EventLog</a:t>
+            </a:r>
+            <a:r>
+              <a:rPr lang="en-US" altLang="en-US" sz="2000" dirty="0">
+                <a:latin typeface="Arial" panose="020B0604020202020204" pitchFamily="34" charset="0"/>
+              </a:rPr>
+              <a:t> for suspicious activity.</a:t>
+            </a:r>
+          </a:p>
+          <a:p>
+            <a:pPr defTabSz="914400" eaLnBrk="0" fontAlgn="base" hangingPunct="0">
+              <a:lnSpc>
+                <a:spcPct val="100000"/>
+              </a:lnSpc>
+              <a:spcBef>
+                <a:spcPct val="0"/>
+              </a:spcBef>
+              <a:spcAft>
+                <a:spcPct val="0"/>
+              </a:spcAft>
+            </a:pPr>
+            <a:r>
+              <a:rPr lang="en-US" altLang="en-US" sz="2000" b="1" dirty="0" err="1">
+                <a:latin typeface="Arial" panose="020B0604020202020204" pitchFamily="34" charset="0"/>
+              </a:rPr>
+              <a:t>SysAdmins</a:t>
+            </a:r>
+            <a:endParaRPr lang="en-US" altLang="en-US" sz="2000" b="1" dirty="0">
+              <a:latin typeface="Arial" panose="020B0604020202020204" pitchFamily="34" charset="0"/>
+            </a:endParaRPr>
+          </a:p>
+          <a:p>
+            <a:pPr lvl="1" defTabSz="914400" eaLnBrk="0" fontAlgn="base" hangingPunct="0">
+              <a:lnSpc>
+                <a:spcPct val="100000"/>
+              </a:lnSpc>
+              <a:spcBef>
+                <a:spcPct val="0"/>
+              </a:spcBef>
+              <a:spcAft>
+                <a:spcPct val="0"/>
+              </a:spcAft>
+            </a:pPr>
+            <a:r>
+              <a:rPr lang="en-US" altLang="en-US" sz="2000" b="1" dirty="0">
+                <a:latin typeface="Arial" panose="020B0604020202020204" pitchFamily="34" charset="0"/>
+              </a:rPr>
+              <a:t>Example: </a:t>
+            </a:r>
+            <a:r>
+              <a:rPr lang="en-US" altLang="en-US" sz="2000" dirty="0">
+                <a:latin typeface="Arial" panose="020B0604020202020204" pitchFamily="34" charset="0"/>
+              </a:rPr>
+              <a:t>Automating system patch management, like running Windows Update or checking disk space on multiple servers (Get-</a:t>
+            </a:r>
+            <a:r>
+              <a:rPr lang="en-US" altLang="en-US" sz="2000" dirty="0" err="1">
+                <a:latin typeface="Arial" panose="020B0604020202020204" pitchFamily="34" charset="0"/>
+              </a:rPr>
+              <a:t>WmiObject</a:t>
+            </a:r>
+            <a:r>
+              <a:rPr lang="en-US" altLang="en-US" sz="2000" dirty="0">
+                <a:latin typeface="Arial" panose="020B0604020202020204" pitchFamily="34" charset="0"/>
+              </a:rPr>
+              <a:t>).</a:t>
+            </a:r>
+          </a:p>
+        </p:txBody>
+      </p:sp>
+      <p:cxnSp>
+        <p:nvCxnSpPr>
+          <p:cNvPr id="4" name="Straight Connector 3"/>
+          <p:cNvCxnSpPr/>
+          <p:nvPr/>
+        </p:nvCxnSpPr>
+        <p:spPr>
+          <a:xfrm flipV="1">
+            <a:off x="810490" y="1281901"/>
+            <a:ext cx="10515600" cy="14169"/>
+          </a:xfrm>
+          <a:prstGeom prst="line">
+            <a:avLst/>
+          </a:prstGeom>
+          <a:ln w="57150">
+            <a:solidFill>
+              <a:schemeClr val="accent6">
+                <a:lumMod val="75000"/>
+              </a:schemeClr>
+            </a:solidFill>
+          </a:ln>
+        </p:spPr>
+        <p:style>
+          <a:lnRef idx="1">
+            <a:schemeClr val="accent1"/>
+          </a:lnRef>
+          <a:fillRef idx="0">
+            <a:schemeClr val="accent1"/>
+          </a:fillRef>
+          <a:effectRef idx="0">
+            <a:schemeClr val="accent1"/>
+          </a:effectRef>
+          <a:fontRef idx="minor">
+            <a:schemeClr val="tx1"/>
+          </a:fontRef>
+        </p:style>
+      </p:cxnSp>
     </p:spTree>
     <p:extLst>
       <p:ext uri="{BB962C8B-B14F-4D97-AF65-F5344CB8AC3E}">
-        <p14:creationId xmlns:p14="http://schemas.microsoft.com/office/powerpoint/2010/main" val="74045697"/>
+        <p14:creationId xmlns:p14="http://schemas.microsoft.com/office/powerpoint/2010/main" val="3602127527"/>
       </p:ext>
     </p:extLst>
   </p:cSld>
   <p:clrMapOvr>
     <a:masterClrMapping/>
   </p:clrMapOvr>
+  <mc:AlternateContent xmlns:mc="http://schemas.openxmlformats.org/markup-compatibility/2006" xmlns:p14="http://schemas.microsoft.com/office/powerpoint/2010/main">
+    <mc:Choice Requires="p14">
+      <p:transition spd="slow" p14:dur="2000"/>
+    </mc:Choice>
+    <mc:Fallback xmlns="">
+      <p:transition spd="slow"/>
+    </mc:Fallback>
+  </mc:AlternateContent>
   <p:timing>
     <p:tnLst>
       <p:par>
@@ -4167,16 +6830,28 @@
             <p:ph type="title"/>
           </p:nvPr>
         </p:nvSpPr>
-        <p:spPr/>
-        <p:txBody>
-          <a:bodyPr/>
+        <p:spPr>
+          <a:xfrm>
+            <a:off x="810490" y="284743"/>
+            <a:ext cx="10515600" cy="638893"/>
+          </a:xfrm>
+          <a:ln>
+            <a:solidFill>
+              <a:schemeClr val="bg1"/>
+            </a:solidFill>
+          </a:ln>
+        </p:spPr>
+        <p:txBody>
+          <a:bodyPr>
+            <a:normAutofit fontScale="90000"/>
+          </a:bodyPr>
           <a:lstStyle/>
           <a:p>
             <a:r>
-              <a:rPr lang="en-GB" dirty="0" smtClean="0"/>
-              <a:t>Key Features of PowerShell</a:t>
-            </a:r>
-            <a:endParaRPr lang="en-GB" dirty="0"/>
+              <a:rPr lang="en-US" sz="4000" dirty="0" smtClean="0"/>
+              <a:t>What you should know</a:t>
+            </a:r>
+            <a:endParaRPr lang="en-GB" sz="4000" dirty="0"/>
           </a:p>
         </p:txBody>
       </p:sp>
@@ -4190,124 +6865,117 @@
             <p:ph idx="1"/>
           </p:nvPr>
         </p:nvSpPr>
-        <p:spPr/>
+        <p:spPr>
+          <a:xfrm>
+            <a:off x="810490" y="1452677"/>
+            <a:ext cx="10515600" cy="4344515"/>
+          </a:xfrm>
+        </p:spPr>
         <p:txBody>
           <a:bodyPr>
             <a:normAutofit/>
           </a:bodyPr>
           <a:lstStyle/>
           <a:p>
-            <a:pPr marL="514350" indent="-514350">
-              <a:buFont typeface="+mj-lt"/>
-              <a:buAutoNum type="arabicPeriod"/>
+            <a:r>
+              <a:rPr lang="en-US" b="1" dirty="0" smtClean="0"/>
+              <a:t>Basic Computer &amp; OS Knowledge</a:t>
+            </a:r>
+          </a:p>
+          <a:p>
+            <a:pPr lvl="1"/>
+            <a:r>
+              <a:rPr lang="en-US" dirty="0" smtClean="0"/>
+              <a:t>Understanding operating system concepts (especially Windows)</a:t>
+            </a:r>
+          </a:p>
+          <a:p>
+            <a:pPr lvl="1"/>
+            <a:r>
+              <a:rPr lang="en-US" dirty="0" smtClean="0"/>
+              <a:t>Navigating file systems and directories</a:t>
+            </a:r>
+          </a:p>
+          <a:p>
+            <a:pPr defTabSz="914400" eaLnBrk="0" fontAlgn="base" hangingPunct="0">
+              <a:lnSpc>
+                <a:spcPct val="100000"/>
+              </a:lnSpc>
+              <a:spcBef>
+                <a:spcPct val="0"/>
+              </a:spcBef>
+              <a:spcAft>
+                <a:spcPct val="0"/>
+              </a:spcAft>
             </a:pPr>
-            <a:r>
-              <a:rPr lang="en-US" b="1" dirty="0" smtClean="0"/>
-              <a:t>Command-line </a:t>
-            </a:r>
-            <a:r>
-              <a:rPr lang="en-US" b="1" dirty="0"/>
-              <a:t>Shell:</a:t>
-            </a:r>
-            <a:r>
-              <a:rPr lang="en-US" dirty="0"/>
-              <a:t> You can execute commands interactively, which makes it ideal for ad-hoc </a:t>
-            </a:r>
-            <a:r>
-              <a:rPr lang="en-US" b="1" dirty="0"/>
-              <a:t>administrative tasks</a:t>
-            </a:r>
-            <a:r>
-              <a:rPr lang="en-US" dirty="0"/>
-              <a:t>.</a:t>
-            </a:r>
-          </a:p>
-          <a:p>
-            <a:pPr marL="514350" indent="-514350">
-              <a:buFont typeface="+mj-lt"/>
-              <a:buAutoNum type="arabicPeriod"/>
-            </a:pPr>
-            <a:r>
-              <a:rPr lang="en-US" b="1" dirty="0"/>
-              <a:t>Scripting Language:</a:t>
-            </a:r>
-            <a:r>
-              <a:rPr lang="en-US" dirty="0"/>
-              <a:t> Allows you to write scripts for automating complex workflows, including everything from file manipulation to deploying cloud infrastructure.</a:t>
-            </a:r>
-          </a:p>
-          <a:p>
-            <a:pPr marL="514350" indent="-514350">
-              <a:buFont typeface="+mj-lt"/>
-              <a:buAutoNum type="arabicPeriod"/>
-            </a:pPr>
-            <a:r>
-              <a:rPr lang="en-US" b="1" dirty="0" smtClean="0"/>
-              <a:t>Object-Oriented</a:t>
-            </a:r>
-            <a:r>
-              <a:rPr lang="en-US" dirty="0" smtClean="0"/>
-              <a:t>: Unlike traditional shells like </a:t>
-            </a:r>
-            <a:r>
-              <a:rPr lang="en-US" b="1" dirty="0" smtClean="0"/>
-              <a:t>Bash</a:t>
-            </a:r>
-            <a:r>
-              <a:rPr lang="en-US" dirty="0" smtClean="0"/>
-              <a:t> or </a:t>
-            </a:r>
-            <a:r>
-              <a:rPr lang="en-US" b="1" dirty="0" smtClean="0"/>
-              <a:t>Command Prompt</a:t>
-            </a:r>
-            <a:r>
-              <a:rPr lang="en-US" dirty="0" smtClean="0"/>
-              <a:t>, PowerShell works with </a:t>
-            </a:r>
-            <a:r>
-              <a:rPr lang="en-US" b="1" dirty="0" smtClean="0"/>
-              <a:t>objects</a:t>
-            </a:r>
-            <a:r>
-              <a:rPr lang="en-US" dirty="0" smtClean="0"/>
-              <a:t> instead of plain text.</a:t>
-            </a:r>
-          </a:p>
-          <a:p>
-            <a:pPr marL="514350" indent="-514350">
-              <a:buFont typeface="+mj-lt"/>
-              <a:buAutoNum type="arabicPeriod"/>
-            </a:pPr>
-            <a:r>
-              <a:rPr lang="en-US" b="1" dirty="0" smtClean="0"/>
-              <a:t>Pipelines</a:t>
-            </a:r>
-            <a:r>
-              <a:rPr lang="en-US" dirty="0" smtClean="0"/>
-              <a:t>: PowerShell has a powerful feature called the </a:t>
-            </a:r>
-            <a:r>
-              <a:rPr lang="en-US" b="1" dirty="0" smtClean="0"/>
-              <a:t>pipeline</a:t>
-            </a:r>
-            <a:r>
-              <a:rPr lang="en-US" dirty="0" smtClean="0"/>
-              <a:t>, which allows the output of one cmdlet to be passed as input to another cmdlet.</a:t>
-            </a:r>
-          </a:p>
-        </p:txBody>
-      </p:sp>
+            <a:endParaRPr kumimoji="0" lang="en-US" altLang="en-US" b="0" i="0" u="none" strike="noStrike" cap="none" normalizeH="0" baseline="0" dirty="0" smtClean="0">
+              <a:ln>
+                <a:noFill/>
+              </a:ln>
+              <a:solidFill>
+                <a:schemeClr val="tx1"/>
+              </a:solidFill>
+              <a:effectLst/>
+              <a:latin typeface="Arial" panose="020B0604020202020204" pitchFamily="34" charset="0"/>
+            </a:endParaRPr>
+          </a:p>
+        </p:txBody>
+      </p:sp>
+      <p:cxnSp>
+        <p:nvCxnSpPr>
+          <p:cNvPr id="4" name="Straight Connector 3"/>
+          <p:cNvCxnSpPr/>
+          <p:nvPr/>
+        </p:nvCxnSpPr>
+        <p:spPr>
+          <a:xfrm flipV="1">
+            <a:off x="810490" y="1281901"/>
+            <a:ext cx="10515600" cy="14169"/>
+          </a:xfrm>
+          <a:prstGeom prst="line">
+            <a:avLst/>
+          </a:prstGeom>
+          <a:ln w="57150">
+            <a:solidFill>
+              <a:schemeClr val="accent6">
+                <a:lumMod val="75000"/>
+              </a:schemeClr>
+            </a:solidFill>
+          </a:ln>
+        </p:spPr>
+        <p:style>
+          <a:lnRef idx="1">
+            <a:schemeClr val="accent1"/>
+          </a:lnRef>
+          <a:fillRef idx="0">
+            <a:schemeClr val="accent1"/>
+          </a:fillRef>
+          <a:effectRef idx="0">
+            <a:schemeClr val="accent1"/>
+          </a:effectRef>
+          <a:fontRef idx="minor">
+            <a:schemeClr val="tx1"/>
+          </a:fontRef>
+        </p:style>
+      </p:cxnSp>
     </p:spTree>
     <p:extLst>
       <p:ext uri="{BB962C8B-B14F-4D97-AF65-F5344CB8AC3E}">
-        <p14:creationId xmlns:p14="http://schemas.microsoft.com/office/powerpoint/2010/main" val="1077102989"/>
+        <p14:creationId xmlns:p14="http://schemas.microsoft.com/office/powerpoint/2010/main" val="1897065413"/>
       </p:ext>
     </p:extLst>
   </p:cSld>
   <p:clrMapOvr>
     <a:masterClrMapping/>
   </p:clrMapOvr>
+  <mc:AlternateContent xmlns:mc="http://schemas.openxmlformats.org/markup-compatibility/2006" xmlns:p14="http://schemas.microsoft.com/office/powerpoint/2010/main">
+    <mc:Choice Requires="p14">
+      <p:transition spd="slow" p14:dur="2000"/>
+    </mc:Choice>
+    <mc:Fallback xmlns="">
+      <p:transition spd="slow"/>
+    </mc:Fallback>
+  </mc:AlternateContent>
   <p:timing>
     <p:tnLst>
       <p:par>
@@ -4321,6 +6989,11 @@
 <file path=ppt/slides/slide6.xml><?xml version="1.0" encoding="utf-8"?>
 <p:sld xmlns:a="http://schemas.openxmlformats.org/drawingml/2006/main" xmlns:r="http://schemas.openxmlformats.org/officeDocument/2006/relationships" xmlns:p="http://schemas.openxmlformats.org/presentationml/2006/main">
   <p:cSld>
+    <p:bg>
+      <p:bgRef idx="1001">
+        <a:schemeClr val="bg1"/>
+      </p:bgRef>
+    </p:bg>
     <p:spTree>
       <p:nvGrpSpPr>
         <p:cNvPr id="1" name=""/>
@@ -4345,257 +7018,167 @@
             <p:ph type="title"/>
           </p:nvPr>
         </p:nvSpPr>
-        <p:spPr/>
-        <p:txBody>
-          <a:bodyPr/>
+        <p:spPr>
+          <a:xfrm>
+            <a:off x="810490" y="284743"/>
+            <a:ext cx="10515600" cy="638893"/>
+          </a:xfrm>
+          <a:ln>
+            <a:solidFill>
+              <a:schemeClr val="bg1"/>
+            </a:solidFill>
+          </a:ln>
+        </p:spPr>
+        <p:txBody>
+          <a:bodyPr>
+            <a:normAutofit/>
+          </a:bodyPr>
           <a:lstStyle/>
           <a:p>
             <a:r>
-              <a:rPr lang="en-GB" dirty="0" smtClean="0"/>
-              <a:t>Why Do We Need to Use PowerShell?</a:t>
-            </a:r>
-            <a:endParaRPr lang="en-GB" dirty="0"/>
-          </a:p>
-        </p:txBody>
-      </p:sp>
-      <p:sp>
-        <p:nvSpPr>
-          <p:cNvPr id="4" name="Rectangle 1"/>
-          <p:cNvSpPr>
-            <a:spLocks noGrp="1" noChangeArrowheads="1"/>
+              <a:rPr lang="en-GB" sz="3600" dirty="0" smtClean="0"/>
+              <a:t>What is PowerShell?</a:t>
+            </a:r>
+            <a:endParaRPr lang="en-GB" sz="4000" dirty="0"/>
+          </a:p>
+        </p:txBody>
+      </p:sp>
+      <p:sp>
+        <p:nvSpPr>
+          <p:cNvPr id="3" name="Content Placeholder 2"/>
+          <p:cNvSpPr>
+            <a:spLocks noGrp="1"/>
           </p:cNvSpPr>
           <p:nvPr>
             <p:ph idx="1"/>
           </p:nvPr>
         </p:nvSpPr>
-        <p:spPr bwMode="auto">
+        <p:spPr>
           <a:xfrm>
-            <a:off x="838200" y="1632953"/>
-            <a:ext cx="11180805" cy="4736681"/>
+            <a:off x="810490" y="1452677"/>
+            <a:ext cx="10515600" cy="4344515"/>
           </a:xfrm>
-          <a:prstGeom prst="rect">
+        </p:spPr>
+        <p:txBody>
+          <a:bodyPr>
+            <a:normAutofit/>
+          </a:bodyPr>
+          <a:lstStyle/>
+          <a:p>
+            <a:r>
+              <a:rPr lang="en-US" b="1" dirty="0" smtClean="0"/>
+              <a:t>A management execution engine.</a:t>
+            </a:r>
+          </a:p>
+          <a:p>
+            <a:r>
+              <a:rPr lang="en-US" dirty="0" smtClean="0"/>
+              <a:t>A powerful task automation and configuration management framework designed by Microsoft.</a:t>
+            </a:r>
+          </a:p>
+          <a:p>
+            <a:r>
+              <a:rPr lang="en-US" dirty="0" smtClean="0"/>
+              <a:t>It is widely used for automating administrative tasks, managing systems, configuring networks, and interacting with cloud services like </a:t>
+            </a:r>
+            <a:r>
+              <a:rPr lang="en-US" b="1" dirty="0" smtClean="0"/>
+              <a:t>Azure</a:t>
+            </a:r>
+            <a:r>
+              <a:rPr lang="en-US" dirty="0" smtClean="0"/>
+              <a:t> and </a:t>
+            </a:r>
+            <a:r>
+              <a:rPr lang="en-US" b="1" dirty="0" smtClean="0"/>
+              <a:t>Office 365</a:t>
+            </a:r>
+            <a:r>
+              <a:rPr lang="en-US" dirty="0" smtClean="0"/>
+              <a:t>.</a:t>
+            </a:r>
+            <a:endParaRPr lang="en-US" b="1" dirty="0" smtClean="0"/>
+          </a:p>
+          <a:p>
+            <a:pPr defTabSz="914400" eaLnBrk="0" fontAlgn="base" hangingPunct="0">
+              <a:lnSpc>
+                <a:spcPct val="100000"/>
+              </a:lnSpc>
+              <a:spcBef>
+                <a:spcPct val="0"/>
+              </a:spcBef>
+              <a:spcAft>
+                <a:spcPct val="0"/>
+              </a:spcAft>
+            </a:pPr>
+            <a:endParaRPr kumimoji="0" lang="en-US" altLang="en-US" b="0" i="0" u="none" strike="noStrike" cap="none" normalizeH="0" baseline="0" dirty="0" smtClean="0">
+              <a:ln>
+                <a:noFill/>
+              </a:ln>
+              <a:solidFill>
+                <a:schemeClr val="tx1"/>
+              </a:solidFill>
+              <a:effectLst/>
+              <a:latin typeface="Arial" panose="020B0604020202020204" pitchFamily="34" charset="0"/>
+            </a:endParaRPr>
+          </a:p>
+        </p:txBody>
+      </p:sp>
+      <p:cxnSp>
+        <p:nvCxnSpPr>
+          <p:cNvPr id="4" name="Straight Connector 3"/>
+          <p:cNvCxnSpPr/>
+          <p:nvPr/>
+        </p:nvCxnSpPr>
+        <p:spPr>
+          <a:xfrm flipV="1">
+            <a:off x="810490" y="1281901"/>
+            <a:ext cx="10515600" cy="14169"/>
+          </a:xfrm>
+          <a:prstGeom prst="line">
             <a:avLst/>
           </a:prstGeom>
-          <a:noFill/>
-          <a:ln>
-            <a:noFill/>
+          <a:ln w="57150">
+            <a:solidFill>
+              <a:schemeClr val="accent6">
+                <a:lumMod val="75000"/>
+              </a:schemeClr>
+            </a:solidFill>
           </a:ln>
-          <a:effectLst/>
-          <a:extLst>
-            <a:ext uri="{909E8E84-426E-40DD-AFC4-6F175D3DCCD1}">
-              <a14:hiddenFill xmlns:a14="http://schemas.microsoft.com/office/drawing/2010/main">
-                <a:solidFill>
-                  <a:schemeClr val="accent1"/>
-                </a:solidFill>
-              </a14:hiddenFill>
-            </a:ext>
-            <a:ext uri="{91240B29-F687-4F45-9708-019B960494DF}">
-              <a14:hiddenLine xmlns:a14="http://schemas.microsoft.com/office/drawing/2010/main" w="9525">
-                <a:solidFill>
-                  <a:schemeClr val="tx1"/>
-                </a:solidFill>
-                <a:miter lim="800000"/>
-                <a:headEnd/>
-                <a:tailEnd/>
-              </a14:hiddenLine>
-            </a:ext>
-            <a:ext uri="{AF507438-7753-43E0-B8FC-AC1667EBCBE1}">
-              <a14:hiddenEffects xmlns:a14="http://schemas.microsoft.com/office/drawing/2010/main">
-                <a:effectLst>
-                  <a:outerShdw dist="35921" dir="2700000" algn="ctr" rotWithShape="0">
-                    <a:schemeClr val="bg2"/>
-                  </a:outerShdw>
-                </a:effectLst>
-              </a14:hiddenEffects>
-            </a:ext>
-          </a:extLst>
         </p:spPr>
-        <p:txBody>
-          <a:bodyPr vert="horz" wrap="square" lIns="91440" tIns="45720" rIns="91440" bIns="45720" numCol="1" anchor="ctr" anchorCtr="0" compatLnSpc="1">
-            <a:prstTxWarp prst="textNoShape">
-              <a:avLst/>
-            </a:prstTxWarp>
-            <a:spAutoFit/>
-          </a:bodyPr>
-          <a:lstStyle/>
-          <a:p>
-            <a:pPr fontAlgn="base">
-              <a:spcAft>
-                <a:spcPct val="0"/>
-              </a:spcAft>
-            </a:pPr>
-            <a:r>
-              <a:rPr lang="en-US" altLang="en-US" sz="2400" b="1" dirty="0"/>
-              <a:t>Automation:</a:t>
-            </a:r>
-            <a:r>
-              <a:rPr lang="en-US" altLang="en-US" sz="2400" dirty="0"/>
-              <a:t> Automates repetitive tasks, saving time and reducing errors.</a:t>
-            </a:r>
-          </a:p>
-          <a:p>
-            <a:pPr fontAlgn="base">
-              <a:spcAft>
-                <a:spcPct val="0"/>
-              </a:spcAft>
-            </a:pPr>
-            <a:r>
-              <a:rPr lang="en-US" altLang="en-US" sz="2400" b="1" dirty="0"/>
-              <a:t>Efficiency:</a:t>
-            </a:r>
-            <a:r>
-              <a:rPr lang="en-US" altLang="en-US" sz="2400" dirty="0"/>
-              <a:t> Executes tasks faster than GUIs, especially for large-scale operations.</a:t>
-            </a:r>
-          </a:p>
-          <a:p>
-            <a:pPr fontAlgn="base">
-              <a:spcAft>
-                <a:spcPct val="0"/>
-              </a:spcAft>
-            </a:pPr>
-            <a:r>
-              <a:rPr lang="en-US" altLang="en-US" sz="2400" b="1" dirty="0"/>
-              <a:t>Consistency:</a:t>
-            </a:r>
-            <a:r>
-              <a:rPr lang="en-US" altLang="en-US" sz="2400" dirty="0"/>
-              <a:t> Ensures uniform configurations across systems.</a:t>
-            </a:r>
-          </a:p>
-          <a:p>
-            <a:pPr fontAlgn="base">
-              <a:spcAft>
-                <a:spcPct val="0"/>
-              </a:spcAft>
-            </a:pPr>
-            <a:r>
-              <a:rPr lang="en-US" altLang="en-US" sz="2400" b="1" dirty="0"/>
-              <a:t>Cross-Platform:</a:t>
-            </a:r>
-            <a:r>
-              <a:rPr lang="en-US" altLang="en-US" sz="2400" dirty="0"/>
-              <a:t> Works on Windows, </a:t>
-            </a:r>
-            <a:r>
-              <a:rPr lang="en-US" altLang="en-US" sz="2400" dirty="0" err="1"/>
-              <a:t>macOS</a:t>
-            </a:r>
-            <a:r>
-              <a:rPr lang="en-US" altLang="en-US" sz="2400" dirty="0"/>
-              <a:t>, and Linux.</a:t>
-            </a:r>
-          </a:p>
-          <a:p>
-            <a:pPr fontAlgn="base">
-              <a:spcAft>
-                <a:spcPct val="0"/>
-              </a:spcAft>
-            </a:pPr>
-            <a:r>
-              <a:rPr lang="en-US" altLang="en-US" sz="2400" b="1" dirty="0"/>
-              <a:t>Remote Management:</a:t>
-            </a:r>
-            <a:r>
-              <a:rPr lang="en-US" altLang="en-US" sz="2400" dirty="0"/>
-              <a:t> Manage multiple systems remotely.</a:t>
-            </a:r>
-          </a:p>
-          <a:p>
-            <a:pPr fontAlgn="base">
-              <a:spcAft>
-                <a:spcPct val="0"/>
-              </a:spcAft>
-            </a:pPr>
-            <a:r>
-              <a:rPr lang="en-US" altLang="en-US" sz="2400" b="1" dirty="0"/>
-              <a:t>Object-Oriented:</a:t>
-            </a:r>
-            <a:r>
-              <a:rPr lang="en-US" altLang="en-US" sz="2400" dirty="0"/>
-              <a:t> Works with structured data for easy manipulation.</a:t>
-            </a:r>
-          </a:p>
-          <a:p>
-            <a:pPr fontAlgn="base">
-              <a:spcAft>
-                <a:spcPct val="0"/>
-              </a:spcAft>
-            </a:pPr>
-            <a:r>
-              <a:rPr lang="en-US" altLang="en-US" sz="2400" b="1" dirty="0"/>
-              <a:t>Integration:</a:t>
-            </a:r>
-            <a:r>
-              <a:rPr lang="en-US" altLang="en-US" sz="2400" dirty="0"/>
-              <a:t> Integrates with Microsoft products and cloud services like Azure.</a:t>
-            </a:r>
-          </a:p>
-          <a:p>
-            <a:pPr fontAlgn="base">
-              <a:spcAft>
-                <a:spcPct val="0"/>
-              </a:spcAft>
-            </a:pPr>
-            <a:r>
-              <a:rPr lang="en-US" altLang="en-US" sz="2400" b="1" dirty="0"/>
-              <a:t>Extensibility:</a:t>
-            </a:r>
-            <a:r>
-              <a:rPr lang="en-US" altLang="en-US" sz="2400" dirty="0"/>
-              <a:t> Customize with </a:t>
-            </a:r>
-            <a:r>
-              <a:rPr lang="en-US" altLang="en-US" sz="2400" dirty="0" smtClean="0"/>
-              <a:t>our own </a:t>
-            </a:r>
-            <a:r>
-              <a:rPr lang="en-US" altLang="en-US" sz="2400" dirty="0"/>
-              <a:t>scripts and modules.</a:t>
-            </a:r>
-          </a:p>
-          <a:p>
-            <a:pPr fontAlgn="base">
-              <a:spcAft>
-                <a:spcPct val="0"/>
-              </a:spcAft>
-            </a:pPr>
-            <a:r>
-              <a:rPr lang="en-US" altLang="en-US" sz="2400" b="1" dirty="0"/>
-              <a:t>Error Handling:</a:t>
-            </a:r>
-            <a:r>
-              <a:rPr lang="en-US" altLang="en-US" sz="2400" dirty="0"/>
-              <a:t> Reliable error handling for robust scripts.</a:t>
-            </a:r>
-          </a:p>
-          <a:p>
-            <a:pPr fontAlgn="base">
-              <a:spcAft>
-                <a:spcPct val="0"/>
-              </a:spcAft>
-            </a:pPr>
-            <a:r>
-              <a:rPr lang="en-US" altLang="en-US" sz="2400" b="1" dirty="0"/>
-              <a:t>Security:</a:t>
-            </a:r>
-            <a:r>
-              <a:rPr lang="en-US" altLang="en-US" sz="2400" dirty="0"/>
-              <a:t> Secure remote management and credential handling. </a:t>
-            </a:r>
-          </a:p>
-        </p:txBody>
-      </p:sp>
+        <p:style>
+          <a:lnRef idx="1">
+            <a:schemeClr val="accent1"/>
+          </a:lnRef>
+          <a:fillRef idx="0">
+            <a:schemeClr val="accent1"/>
+          </a:fillRef>
+          <a:effectRef idx="0">
+            <a:schemeClr val="accent1"/>
+          </a:effectRef>
+          <a:fontRef idx="minor">
+            <a:schemeClr val="tx1"/>
+          </a:fontRef>
+        </p:style>
+      </p:cxnSp>
     </p:spTree>
     <p:extLst>
       <p:ext uri="{BB962C8B-B14F-4D97-AF65-F5344CB8AC3E}">
-        <p14:creationId xmlns:p14="http://schemas.microsoft.com/office/powerpoint/2010/main" val="880245811"/>
+        <p14:creationId xmlns:p14="http://schemas.microsoft.com/office/powerpoint/2010/main" val="141965598"/>
       </p:ext>
     </p:extLst>
   </p:cSld>
   <p:clrMapOvr>
-    <a:masterClrMapping/>
+    <a:overrideClrMapping bg1="lt1" tx1="dk1" bg2="lt2" tx2="dk2" accent1="accent1" accent2="accent2" accent3="accent3" accent4="accent4" accent5="accent5" accent6="accent6" hlink="hlink" folHlink="folHlink"/>
   </p:clrMapOvr>
+  <mc:AlternateContent xmlns:mc="http://schemas.openxmlformats.org/markup-compatibility/2006" xmlns:p14="http://schemas.microsoft.com/office/powerpoint/2010/main">
+    <mc:Choice Requires="p14">
+      <p:transition spd="slow" p14:dur="2000"/>
+    </mc:Choice>
+    <mc:Fallback xmlns="">
+      <p:transition spd="slow"/>
+    </mc:Fallback>
+  </mc:AlternateContent>
   <p:timing>
     <p:tnLst>
       <p:par>
@@ -4635,423 +7218,266 @@
         </p:nvSpPr>
         <p:spPr>
           <a:xfrm>
-            <a:off x="838199" y="365125"/>
-            <a:ext cx="11040611" cy="1051783"/>
+            <a:off x="810490" y="284743"/>
+            <a:ext cx="10515600" cy="638893"/>
+          </a:xfrm>
+          <a:ln>
+            <a:solidFill>
+              <a:schemeClr val="bg1"/>
+            </a:solidFill>
+          </a:ln>
+        </p:spPr>
+        <p:txBody>
+          <a:bodyPr>
+            <a:normAutofit/>
+          </a:bodyPr>
+          <a:lstStyle/>
+          <a:p>
+            <a:r>
+              <a:rPr lang="en-GB" sz="3200" dirty="0" smtClean="0"/>
+              <a:t>Why Do We Need to Use PowerShell?</a:t>
+            </a:r>
+            <a:endParaRPr lang="en-GB" sz="4000" dirty="0"/>
+          </a:p>
+        </p:txBody>
+      </p:sp>
+      <p:sp>
+        <p:nvSpPr>
+          <p:cNvPr id="3" name="Content Placeholder 2"/>
+          <p:cNvSpPr>
+            <a:spLocks noGrp="1"/>
+          </p:cNvSpPr>
+          <p:nvPr>
+            <p:ph idx="1"/>
+          </p:nvPr>
+        </p:nvSpPr>
+        <p:spPr>
+          <a:xfrm>
+            <a:off x="810490" y="1452677"/>
+            <a:ext cx="10515600" cy="4344515"/>
           </a:xfrm>
         </p:spPr>
         <p:txBody>
-          <a:bodyPr/>
+          <a:bodyPr>
+            <a:normAutofit fontScale="85000" lnSpcReduction="10000"/>
+          </a:bodyPr>
           <a:lstStyle/>
           <a:p>
-            <a:r>
-              <a:rPr lang="en-GB" b="1" dirty="0"/>
-              <a:t>History of </a:t>
-            </a:r>
-            <a:r>
-              <a:rPr lang="en-GB" b="1" dirty="0" smtClean="0"/>
-              <a:t>PowerShell</a:t>
-            </a:r>
-            <a:endParaRPr lang="en-GB" dirty="0"/>
-          </a:p>
-        </p:txBody>
-      </p:sp>
-      <p:sp>
-        <p:nvSpPr>
-          <p:cNvPr id="5" name="Rectangle 2"/>
-          <p:cNvSpPr>
-            <a:spLocks noGrp="1" noChangeArrowheads="1"/>
-          </p:cNvSpPr>
-          <p:nvPr>
-            <p:ph idx="1"/>
-          </p:nvPr>
-        </p:nvSpPr>
-        <p:spPr bwMode="auto">
-          <a:xfrm>
-            <a:off x="838198" y="1641540"/>
-            <a:ext cx="11040611" cy="4093428"/>
+            <a:pPr fontAlgn="base">
+              <a:spcAft>
+                <a:spcPct val="0"/>
+              </a:spcAft>
+            </a:pPr>
+            <a:r>
+              <a:rPr lang="en-US" altLang="en-US" b="1" dirty="0" smtClean="0"/>
+              <a:t>Automation:</a:t>
+            </a:r>
+            <a:r>
+              <a:rPr lang="en-US" altLang="en-US" dirty="0" smtClean="0"/>
+              <a:t> Automates repetitive tasks, saving time and reducing errors.</a:t>
+            </a:r>
+          </a:p>
+          <a:p>
+            <a:pPr fontAlgn="base">
+              <a:spcAft>
+                <a:spcPct val="0"/>
+              </a:spcAft>
+            </a:pPr>
+            <a:r>
+              <a:rPr lang="en-US" altLang="en-US" b="1" dirty="0" smtClean="0"/>
+              <a:t>Efficiency:</a:t>
+            </a:r>
+            <a:r>
+              <a:rPr lang="en-US" altLang="en-US" dirty="0" smtClean="0"/>
+              <a:t> Executes tasks faster than GUIs, especially for large-scale operations.</a:t>
+            </a:r>
+          </a:p>
+          <a:p>
+            <a:pPr fontAlgn="base">
+              <a:spcAft>
+                <a:spcPct val="0"/>
+              </a:spcAft>
+            </a:pPr>
+            <a:r>
+              <a:rPr lang="en-US" altLang="en-US" b="1" dirty="0" smtClean="0"/>
+              <a:t>Consistency:</a:t>
+            </a:r>
+            <a:r>
+              <a:rPr lang="en-US" altLang="en-US" dirty="0" smtClean="0"/>
+              <a:t> Ensures uniform configurations across systems.</a:t>
+            </a:r>
+          </a:p>
+          <a:p>
+            <a:pPr fontAlgn="base">
+              <a:spcAft>
+                <a:spcPct val="0"/>
+              </a:spcAft>
+            </a:pPr>
+            <a:r>
+              <a:rPr lang="en-US" altLang="en-US" b="1" dirty="0" smtClean="0"/>
+              <a:t>Cross-Platform:</a:t>
+            </a:r>
+            <a:r>
+              <a:rPr lang="en-US" altLang="en-US" dirty="0" smtClean="0"/>
+              <a:t> Works on Windows, </a:t>
+            </a:r>
+            <a:r>
+              <a:rPr lang="en-US" altLang="en-US" dirty="0" err="1" smtClean="0"/>
+              <a:t>macOS</a:t>
+            </a:r>
+            <a:r>
+              <a:rPr lang="en-US" altLang="en-US" dirty="0" smtClean="0"/>
+              <a:t>, and Linux.</a:t>
+            </a:r>
+          </a:p>
+          <a:p>
+            <a:pPr fontAlgn="base">
+              <a:spcAft>
+                <a:spcPct val="0"/>
+              </a:spcAft>
+            </a:pPr>
+            <a:r>
+              <a:rPr lang="en-US" altLang="en-US" b="1" dirty="0" smtClean="0"/>
+              <a:t>Remote Management:</a:t>
+            </a:r>
+            <a:r>
+              <a:rPr lang="en-US" altLang="en-US" dirty="0" smtClean="0"/>
+              <a:t> Manage multiple systems remotely.</a:t>
+            </a:r>
+          </a:p>
+          <a:p>
+            <a:pPr fontAlgn="base">
+              <a:spcAft>
+                <a:spcPct val="0"/>
+              </a:spcAft>
+            </a:pPr>
+            <a:r>
+              <a:rPr lang="en-US" altLang="en-US" b="1" dirty="0" smtClean="0"/>
+              <a:t>Object-Oriented:</a:t>
+            </a:r>
+            <a:r>
+              <a:rPr lang="en-US" altLang="en-US" dirty="0" smtClean="0"/>
+              <a:t> Works with structured data for easy manipulation.</a:t>
+            </a:r>
+          </a:p>
+          <a:p>
+            <a:pPr fontAlgn="base">
+              <a:spcAft>
+                <a:spcPct val="0"/>
+              </a:spcAft>
+            </a:pPr>
+            <a:r>
+              <a:rPr lang="en-US" altLang="en-US" b="1" dirty="0" smtClean="0"/>
+              <a:t>Integration:</a:t>
+            </a:r>
+            <a:r>
+              <a:rPr lang="en-US" altLang="en-US" dirty="0" smtClean="0"/>
+              <a:t> Integrates with Microsoft products and cloud services like Azure.</a:t>
+            </a:r>
+          </a:p>
+          <a:p>
+            <a:pPr fontAlgn="base">
+              <a:spcAft>
+                <a:spcPct val="0"/>
+              </a:spcAft>
+            </a:pPr>
+            <a:r>
+              <a:rPr lang="en-US" altLang="en-US" b="1" dirty="0" smtClean="0"/>
+              <a:t>Extensibility:</a:t>
+            </a:r>
+            <a:r>
+              <a:rPr lang="en-US" altLang="en-US" dirty="0" smtClean="0"/>
+              <a:t> Customize with our own scripts and modules.</a:t>
+            </a:r>
+          </a:p>
+          <a:p>
+            <a:pPr fontAlgn="base">
+              <a:spcAft>
+                <a:spcPct val="0"/>
+              </a:spcAft>
+            </a:pPr>
+            <a:r>
+              <a:rPr lang="en-US" altLang="en-US" b="1" dirty="0" smtClean="0"/>
+              <a:t>Error Handling:</a:t>
+            </a:r>
+            <a:r>
+              <a:rPr lang="en-US" altLang="en-US" dirty="0" smtClean="0"/>
+              <a:t> Reliable error handling for robust scripts.</a:t>
+            </a:r>
+          </a:p>
+          <a:p>
+            <a:pPr fontAlgn="base">
+              <a:spcAft>
+                <a:spcPct val="0"/>
+              </a:spcAft>
+            </a:pPr>
+            <a:r>
+              <a:rPr lang="en-US" altLang="en-US" b="1" dirty="0" smtClean="0"/>
+              <a:t>Security:</a:t>
+            </a:r>
+            <a:r>
+              <a:rPr lang="en-US" altLang="en-US" dirty="0" smtClean="0"/>
+              <a:t> Secure remote management and credential handling. </a:t>
+            </a:r>
+            <a:endParaRPr lang="en-US" altLang="en-US" dirty="0"/>
+          </a:p>
+        </p:txBody>
+      </p:sp>
+      <p:cxnSp>
+        <p:nvCxnSpPr>
+          <p:cNvPr id="4" name="Straight Connector 3"/>
+          <p:cNvCxnSpPr/>
+          <p:nvPr/>
+        </p:nvCxnSpPr>
+        <p:spPr>
+          <a:xfrm flipV="1">
+            <a:off x="810490" y="1281901"/>
+            <a:ext cx="10515600" cy="14169"/>
           </a:xfrm>
-          <a:prstGeom prst="rect">
+          <a:prstGeom prst="line">
             <a:avLst/>
           </a:prstGeom>
-          <a:noFill/>
-          <a:ln>
-            <a:noFill/>
+          <a:ln w="57150">
+            <a:solidFill>
+              <a:schemeClr val="accent6">
+                <a:lumMod val="75000"/>
+              </a:schemeClr>
+            </a:solidFill>
           </a:ln>
-          <a:effectLst/>
-          <a:extLst>
-            <a:ext uri="{909E8E84-426E-40DD-AFC4-6F175D3DCCD1}">
-              <a14:hiddenFill xmlns:a14="http://schemas.microsoft.com/office/drawing/2010/main">
-                <a:solidFill>
-                  <a:schemeClr val="accent1"/>
-                </a:solidFill>
-              </a14:hiddenFill>
-            </a:ext>
-            <a:ext uri="{91240B29-F687-4F45-9708-019B960494DF}">
-              <a14:hiddenLine xmlns:a14="http://schemas.microsoft.com/office/drawing/2010/main" w="9525">
-                <a:solidFill>
-                  <a:schemeClr val="tx1"/>
-                </a:solidFill>
-                <a:miter lim="800000"/>
-                <a:headEnd/>
-                <a:tailEnd/>
-              </a14:hiddenLine>
-            </a:ext>
-            <a:ext uri="{AF507438-7753-43E0-B8FC-AC1667EBCBE1}">
-              <a14:hiddenEffects xmlns:a14="http://schemas.microsoft.com/office/drawing/2010/main">
-                <a:effectLst>
-                  <a:outerShdw dist="35921" dir="2700000" algn="ctr" rotWithShape="0">
-                    <a:schemeClr val="bg2"/>
-                  </a:outerShdw>
-                </a:effectLst>
-              </a14:hiddenEffects>
-            </a:ext>
-          </a:extLst>
         </p:spPr>
-        <p:txBody>
-          <a:bodyPr vert="horz" wrap="square" lIns="91440" tIns="45720" rIns="91440" bIns="45720" numCol="1" anchor="ctr" anchorCtr="0" compatLnSpc="1">
-            <a:prstTxWarp prst="textNoShape">
-              <a:avLst/>
-            </a:prstTxWarp>
-            <a:spAutoFit/>
-          </a:bodyPr>
-          <a:lstStyle/>
-          <a:p>
-            <a:pPr eaLnBrk="0" fontAlgn="base" hangingPunct="0">
-              <a:lnSpc>
-                <a:spcPct val="100000"/>
-              </a:lnSpc>
-              <a:spcBef>
-                <a:spcPct val="0"/>
-              </a:spcBef>
-              <a:spcAft>
-                <a:spcPct val="0"/>
-              </a:spcAft>
-            </a:pPr>
-            <a:r>
-              <a:rPr kumimoji="0" lang="en-US" altLang="en-US" sz="2000" b="1" i="0" u="none" strike="noStrike" cap="none" normalizeH="0" baseline="0" dirty="0" smtClean="0">
-                <a:ln>
-                  <a:noFill/>
-                </a:ln>
-                <a:solidFill>
-                  <a:schemeClr val="tx1"/>
-                </a:solidFill>
-                <a:effectLst/>
-                <a:latin typeface="Arial" panose="020B0604020202020204" pitchFamily="34" charset="0"/>
-              </a:rPr>
-              <a:t>PowerShell 1.0 (2006) : </a:t>
-            </a:r>
-            <a:r>
-              <a:rPr kumimoji="0" lang="en-US" altLang="en-US" sz="2000" b="0" i="0" u="none" strike="noStrike" cap="none" normalizeH="0" baseline="0" dirty="0" smtClean="0">
-                <a:ln>
-                  <a:noFill/>
-                </a:ln>
-                <a:solidFill>
-                  <a:schemeClr val="tx1"/>
-                </a:solidFill>
-                <a:effectLst/>
-                <a:latin typeface="Arial" panose="020B0604020202020204" pitchFamily="34" charset="0"/>
-              </a:rPr>
-              <a:t>Introduced as a command-line shell and scripting language for Windows system administration, featuring cmdlets and the pipeline.</a:t>
-            </a:r>
-          </a:p>
-          <a:p>
-            <a:pPr eaLnBrk="0" fontAlgn="base" hangingPunct="0">
-              <a:lnSpc>
-                <a:spcPct val="100000"/>
-              </a:lnSpc>
-              <a:spcBef>
-                <a:spcPct val="0"/>
-              </a:spcBef>
-              <a:spcAft>
-                <a:spcPct val="0"/>
-              </a:spcAft>
-            </a:pPr>
-            <a:r>
-              <a:rPr kumimoji="0" lang="en-US" altLang="en-US" sz="2000" b="1" i="0" u="none" strike="noStrike" cap="none" normalizeH="0" baseline="0" dirty="0" smtClean="0">
-                <a:ln>
-                  <a:noFill/>
-                </a:ln>
-                <a:solidFill>
-                  <a:schemeClr val="tx1"/>
-                </a:solidFill>
-                <a:effectLst/>
-                <a:latin typeface="Arial" panose="020B0604020202020204" pitchFamily="34" charset="0"/>
-              </a:rPr>
-              <a:t>PowerShell 2.0 (2009): </a:t>
-            </a:r>
-            <a:r>
-              <a:rPr kumimoji="0" lang="en-US" altLang="en-US" sz="2000" b="0" i="0" u="none" strike="noStrike" cap="none" normalizeH="0" baseline="0" dirty="0" smtClean="0">
-                <a:ln>
-                  <a:noFill/>
-                </a:ln>
-                <a:solidFill>
-                  <a:schemeClr val="tx1"/>
-                </a:solidFill>
-                <a:effectLst/>
-                <a:latin typeface="Arial" panose="020B0604020202020204" pitchFamily="34" charset="0"/>
-              </a:rPr>
-              <a:t>Added remoting, Integrated Scripting Environment (ISE), and enhanced cmdlets.</a:t>
-            </a:r>
-          </a:p>
-          <a:p>
-            <a:pPr eaLnBrk="0" fontAlgn="base" hangingPunct="0">
-              <a:lnSpc>
-                <a:spcPct val="100000"/>
-              </a:lnSpc>
-              <a:spcBef>
-                <a:spcPct val="0"/>
-              </a:spcBef>
-              <a:spcAft>
-                <a:spcPct val="0"/>
-              </a:spcAft>
-            </a:pPr>
-            <a:r>
-              <a:rPr kumimoji="0" lang="en-US" altLang="en-US" sz="2000" b="1" i="0" u="none" strike="noStrike" cap="none" normalizeH="0" baseline="0" dirty="0" smtClean="0">
-                <a:ln>
-                  <a:noFill/>
-                </a:ln>
-                <a:solidFill>
-                  <a:schemeClr val="tx1"/>
-                </a:solidFill>
-                <a:effectLst/>
-                <a:latin typeface="Arial" panose="020B0604020202020204" pitchFamily="34" charset="0"/>
-              </a:rPr>
-              <a:t>PowerShell 3.0 (2012): </a:t>
-            </a:r>
-            <a:r>
-              <a:rPr kumimoji="0" lang="en-US" altLang="en-US" sz="2000" b="0" i="0" u="none" strike="noStrike" cap="none" normalizeH="0" baseline="0" dirty="0" smtClean="0">
-                <a:ln>
-                  <a:noFill/>
-                </a:ln>
-                <a:solidFill>
-                  <a:schemeClr val="tx1"/>
-                </a:solidFill>
-                <a:effectLst/>
-                <a:latin typeface="Arial" panose="020B0604020202020204" pitchFamily="34" charset="0"/>
-              </a:rPr>
-              <a:t>Introduced workflows and improved debugging capabilities.</a:t>
-            </a:r>
-          </a:p>
-          <a:p>
-            <a:pPr eaLnBrk="0" fontAlgn="base" hangingPunct="0">
-              <a:lnSpc>
-                <a:spcPct val="100000"/>
-              </a:lnSpc>
-              <a:spcBef>
-                <a:spcPct val="0"/>
-              </a:spcBef>
-              <a:spcAft>
-                <a:spcPct val="0"/>
-              </a:spcAft>
-            </a:pPr>
-            <a:r>
-              <a:rPr kumimoji="0" lang="en-US" altLang="en-US" sz="2000" b="1" i="0" u="none" strike="noStrike" cap="none" normalizeH="0" baseline="0" dirty="0" smtClean="0">
-                <a:ln>
-                  <a:noFill/>
-                </a:ln>
-                <a:solidFill>
-                  <a:schemeClr val="tx1"/>
-                </a:solidFill>
-                <a:effectLst/>
-                <a:latin typeface="Arial" panose="020B0604020202020204" pitchFamily="34" charset="0"/>
-              </a:rPr>
-              <a:t>PowerShell 4.0 (2013): </a:t>
-            </a:r>
-            <a:r>
-              <a:rPr kumimoji="0" lang="en-US" altLang="en-US" sz="2000" b="0" i="0" u="none" strike="noStrike" cap="none" normalizeH="0" baseline="0" dirty="0" smtClean="0">
-                <a:ln>
-                  <a:noFill/>
-                </a:ln>
-                <a:solidFill>
-                  <a:schemeClr val="tx1"/>
-                </a:solidFill>
-                <a:effectLst/>
-                <a:latin typeface="Arial" panose="020B0604020202020204" pitchFamily="34" charset="0"/>
-              </a:rPr>
-              <a:t>Added Desired State Configuration (DSC) for system configuration management.</a:t>
-            </a:r>
-          </a:p>
-          <a:p>
-            <a:pPr eaLnBrk="0" fontAlgn="base" hangingPunct="0">
-              <a:lnSpc>
-                <a:spcPct val="100000"/>
-              </a:lnSpc>
-              <a:spcBef>
-                <a:spcPct val="0"/>
-              </a:spcBef>
-              <a:spcAft>
-                <a:spcPct val="0"/>
-              </a:spcAft>
-            </a:pPr>
-            <a:r>
-              <a:rPr kumimoji="0" lang="en-US" altLang="en-US" sz="2000" b="1" i="0" u="none" strike="noStrike" cap="none" normalizeH="0" baseline="0" dirty="0" smtClean="0">
-                <a:ln>
-                  <a:noFill/>
-                </a:ln>
-                <a:solidFill>
-                  <a:schemeClr val="tx1"/>
-                </a:solidFill>
-                <a:effectLst/>
-                <a:latin typeface="Arial" panose="020B0604020202020204" pitchFamily="34" charset="0"/>
-              </a:rPr>
-              <a:t>PowerShell 5.0 (2016) : </a:t>
-            </a:r>
-            <a:r>
-              <a:rPr kumimoji="0" lang="en-US" altLang="en-US" sz="2000" b="0" i="0" u="none" strike="noStrike" cap="none" normalizeH="0" baseline="0" dirty="0" smtClean="0">
-                <a:ln>
-                  <a:noFill/>
-                </a:ln>
-                <a:solidFill>
-                  <a:schemeClr val="tx1"/>
-                </a:solidFill>
-                <a:effectLst/>
-                <a:latin typeface="Arial" panose="020B0604020202020204" pitchFamily="34" charset="0"/>
-              </a:rPr>
-              <a:t>Introduced cloud cmdlets, </a:t>
-            </a:r>
-            <a:r>
-              <a:rPr kumimoji="0" lang="en-US" altLang="en-US" sz="2000" b="0" i="0" u="none" strike="noStrike" cap="none" normalizeH="0" baseline="0" dirty="0" err="1" smtClean="0">
-                <a:ln>
-                  <a:noFill/>
-                </a:ln>
-                <a:solidFill>
-                  <a:schemeClr val="tx1"/>
-                </a:solidFill>
-                <a:effectLst/>
-                <a:latin typeface="Arial" panose="020B0604020202020204" pitchFamily="34" charset="0"/>
-              </a:rPr>
-              <a:t>OneGet</a:t>
-            </a:r>
-            <a:r>
-              <a:rPr kumimoji="0" lang="en-US" altLang="en-US" sz="2000" b="0" i="0" u="none" strike="noStrike" cap="none" normalizeH="0" baseline="0" dirty="0" smtClean="0">
-                <a:ln>
-                  <a:noFill/>
-                </a:ln>
-                <a:solidFill>
-                  <a:schemeClr val="tx1"/>
-                </a:solidFill>
-                <a:effectLst/>
-                <a:latin typeface="Arial" panose="020B0604020202020204" pitchFamily="34" charset="0"/>
-              </a:rPr>
-              <a:t>, and the PowerShell Gallery for sharing scripts.</a:t>
-            </a:r>
-          </a:p>
-          <a:p>
-            <a:pPr eaLnBrk="0" fontAlgn="base" hangingPunct="0">
-              <a:lnSpc>
-                <a:spcPct val="100000"/>
-              </a:lnSpc>
-              <a:spcBef>
-                <a:spcPct val="0"/>
-              </a:spcBef>
-              <a:spcAft>
-                <a:spcPct val="0"/>
-              </a:spcAft>
-            </a:pPr>
-            <a:r>
-              <a:rPr kumimoji="0" lang="en-US" altLang="en-US" sz="2000" b="1" i="0" u="none" strike="noStrike" cap="none" normalizeH="0" baseline="0" dirty="0" smtClean="0">
-                <a:ln>
-                  <a:noFill/>
-                </a:ln>
-                <a:solidFill>
-                  <a:schemeClr val="tx1"/>
-                </a:solidFill>
-                <a:effectLst/>
-                <a:latin typeface="Arial" panose="020B0604020202020204" pitchFamily="34" charset="0"/>
-              </a:rPr>
-              <a:t>PowerShell Core 6.0 (2016) :</a:t>
-            </a:r>
-            <a:r>
-              <a:rPr kumimoji="0" lang="en-US" altLang="en-US" sz="2000" b="0" i="0" u="none" strike="noStrike" cap="none" normalizeH="0" baseline="0" dirty="0" smtClean="0">
-                <a:ln>
-                  <a:noFill/>
-                </a:ln>
-                <a:solidFill>
-                  <a:schemeClr val="tx1"/>
-                </a:solidFill>
-                <a:effectLst/>
-                <a:latin typeface="Arial" panose="020B0604020202020204" pitchFamily="34" charset="0"/>
-              </a:rPr>
-              <a:t>Became open-source and cross-platform, running on Windows, </a:t>
-            </a:r>
-            <a:r>
-              <a:rPr kumimoji="0" lang="en-US" altLang="en-US" sz="2000" b="0" i="0" u="none" strike="noStrike" cap="none" normalizeH="0" baseline="0" dirty="0" err="1" smtClean="0">
-                <a:ln>
-                  <a:noFill/>
-                </a:ln>
-                <a:solidFill>
-                  <a:schemeClr val="tx1"/>
-                </a:solidFill>
-                <a:effectLst/>
-                <a:latin typeface="Arial" panose="020B0604020202020204" pitchFamily="34" charset="0"/>
-              </a:rPr>
-              <a:t>macOS</a:t>
-            </a:r>
-            <a:r>
-              <a:rPr kumimoji="0" lang="en-US" altLang="en-US" sz="2000" b="0" i="0" u="none" strike="noStrike" cap="none" normalizeH="0" baseline="0" dirty="0" smtClean="0">
-                <a:ln>
-                  <a:noFill/>
-                </a:ln>
-                <a:solidFill>
-                  <a:schemeClr val="tx1"/>
-                </a:solidFill>
-                <a:effectLst/>
-                <a:latin typeface="Arial" panose="020B0604020202020204" pitchFamily="34" charset="0"/>
-              </a:rPr>
-              <a:t>, and Linux.</a:t>
-            </a:r>
-          </a:p>
-          <a:p>
-            <a:pPr eaLnBrk="0" fontAlgn="base" hangingPunct="0">
-              <a:lnSpc>
-                <a:spcPct val="100000"/>
-              </a:lnSpc>
-              <a:spcBef>
-                <a:spcPct val="0"/>
-              </a:spcBef>
-              <a:spcAft>
-                <a:spcPct val="0"/>
-              </a:spcAft>
-            </a:pPr>
-            <a:r>
-              <a:rPr kumimoji="0" lang="en-US" altLang="en-US" sz="2000" b="1" i="0" u="none" strike="noStrike" cap="none" normalizeH="0" baseline="0" dirty="0" smtClean="0">
-                <a:ln>
-                  <a:noFill/>
-                </a:ln>
-                <a:solidFill>
-                  <a:schemeClr val="tx1"/>
-                </a:solidFill>
-                <a:effectLst/>
-                <a:latin typeface="Arial" panose="020B0604020202020204" pitchFamily="34" charset="0"/>
-              </a:rPr>
-              <a:t>PowerShell 7.0 (2020): </a:t>
-            </a:r>
-            <a:r>
-              <a:rPr kumimoji="0" lang="en-US" altLang="en-US" sz="2000" b="0" i="0" u="none" strike="noStrike" cap="none" normalizeH="0" baseline="0" dirty="0" smtClean="0">
-                <a:ln>
-                  <a:noFill/>
-                </a:ln>
-                <a:solidFill>
-                  <a:schemeClr val="tx1"/>
-                </a:solidFill>
-                <a:effectLst/>
-                <a:latin typeface="Arial" panose="020B0604020202020204" pitchFamily="34" charset="0"/>
-              </a:rPr>
-              <a:t>Continued improvements, including better error handling and cloud integration, while maintaining cross-platform support.</a:t>
-            </a:r>
-          </a:p>
-        </p:txBody>
-      </p:sp>
+        <p:style>
+          <a:lnRef idx="1">
+            <a:schemeClr val="accent1"/>
+          </a:lnRef>
+          <a:fillRef idx="0">
+            <a:schemeClr val="accent1"/>
+          </a:fillRef>
+          <a:effectRef idx="0">
+            <a:schemeClr val="accent1"/>
+          </a:effectRef>
+          <a:fontRef idx="minor">
+            <a:schemeClr val="tx1"/>
+          </a:fontRef>
+        </p:style>
+      </p:cxnSp>
     </p:spTree>
     <p:extLst>
       <p:ext uri="{BB962C8B-B14F-4D97-AF65-F5344CB8AC3E}">
-        <p14:creationId xmlns:p14="http://schemas.microsoft.com/office/powerpoint/2010/main" val="3908053814"/>
+        <p14:creationId xmlns:p14="http://schemas.microsoft.com/office/powerpoint/2010/main" val="4177534871"/>
       </p:ext>
     </p:extLst>
   </p:cSld>
   <p:clrMapOvr>
     <a:masterClrMapping/>
   </p:clrMapOvr>
+  <mc:AlternateContent xmlns:mc="http://schemas.openxmlformats.org/markup-compatibility/2006" xmlns:p14="http://schemas.microsoft.com/office/powerpoint/2010/main">
+    <mc:Choice Requires="p14">
+      <p:transition spd="slow" p14:dur="2000"/>
+    </mc:Choice>
+    <mc:Fallback xmlns="">
+      <p:transition spd="slow"/>
+    </mc:Fallback>
+  </mc:AlternateContent>
   <p:timing>
     <p:tnLst>
       <p:par>
@@ -5089,7 +7515,17 @@
             <p:ph type="title"/>
           </p:nvPr>
         </p:nvSpPr>
-        <p:spPr/>
+        <p:spPr>
+          <a:xfrm>
+            <a:off x="810490" y="284743"/>
+            <a:ext cx="10515600" cy="638893"/>
+          </a:xfrm>
+          <a:ln>
+            <a:solidFill>
+              <a:schemeClr val="bg1"/>
+            </a:solidFill>
+          </a:ln>
+        </p:spPr>
         <p:txBody>
           <a:bodyPr>
             <a:normAutofit/>
@@ -5097,1641 +7533,188 @@
           <a:lstStyle/>
           <a:p>
             <a:r>
-              <a:rPr lang="en-GB" b="1" dirty="0"/>
-              <a:t>PowerShell vs Other </a:t>
-            </a:r>
-            <a:r>
-              <a:rPr lang="en-GB" b="1" dirty="0" smtClean="0"/>
-              <a:t>Shells</a:t>
-            </a:r>
-            <a:endParaRPr lang="en-GB" dirty="0"/>
-          </a:p>
-        </p:txBody>
-      </p:sp>
-      <p:graphicFrame>
-        <p:nvGraphicFramePr>
-          <p:cNvPr id="4" name="Content Placeholder 3"/>
-          <p:cNvGraphicFramePr>
-            <a:graphicFrameLocks noGrp="1"/>
-          </p:cNvGraphicFramePr>
+              <a:rPr lang="en-GB" sz="3200" dirty="0" smtClean="0"/>
+              <a:t>Key Features of PowerShell</a:t>
+            </a:r>
+            <a:endParaRPr lang="en-GB" sz="4000" dirty="0"/>
+          </a:p>
+        </p:txBody>
+      </p:sp>
+      <p:sp>
+        <p:nvSpPr>
+          <p:cNvPr id="3" name="Content Placeholder 2"/>
+          <p:cNvSpPr>
+            <a:spLocks noGrp="1"/>
+          </p:cNvSpPr>
           <p:nvPr>
             <p:ph idx="1"/>
-            <p:extLst>
-              <p:ext uri="{D42A27DB-BD31-4B8C-83A1-F6EECF244321}">
-                <p14:modId xmlns:p14="http://schemas.microsoft.com/office/powerpoint/2010/main" val="1736538618"/>
-              </p:ext>
-            </p:extLst>
-          </p:nvPr>
-        </p:nvGraphicFramePr>
-        <p:xfrm>
-          <a:off x="838198" y="1690688"/>
-          <a:ext cx="10431163" cy="4792490"/>
-        </p:xfrm>
-        <a:graphic>
-          <a:graphicData uri="http://schemas.openxmlformats.org/drawingml/2006/table">
-            <a:tbl>
-              <a:tblPr/>
-              <a:tblGrid>
-                <a:gridCol w="2269376"/>
-                <a:gridCol w="2269376"/>
-                <a:gridCol w="2269376"/>
-                <a:gridCol w="3623035"/>
-              </a:tblGrid>
-              <a:tr h="581516">
-                <a:tc>
-                  <a:txBody>
-                    <a:bodyPr/>
-                    <a:lstStyle/>
-                    <a:p>
-                      <a:r>
-                        <a:rPr lang="en-GB" sz="1400" dirty="0">
-                          <a:effectLst/>
-                        </a:rPr>
-                        <a:t>Feature</a:t>
-                      </a:r>
-                    </a:p>
-                  </a:txBody>
-                  <a:tcPr marL="98618" marR="98618" marT="45516" marB="45516" anchor="ctr">
-                    <a:lnL w="12700" cap="flat" cmpd="sng" algn="ctr">
-                      <a:solidFill>
-                        <a:schemeClr val="tx1"/>
-                      </a:solidFill>
-                      <a:prstDash val="solid"/>
-                      <a:round/>
-                      <a:headEnd type="none" w="med" len="med"/>
-                      <a:tailEnd type="none" w="med" len="med"/>
-                    </a:lnL>
-                    <a:lnR w="12700" cap="flat" cmpd="sng" algn="ctr">
-                      <a:solidFill>
-                        <a:schemeClr val="tx1"/>
-                      </a:solidFill>
-                      <a:prstDash val="solid"/>
-                      <a:round/>
-                      <a:headEnd type="none" w="med" len="med"/>
-                      <a:tailEnd type="none" w="med" len="med"/>
-                    </a:lnR>
-                    <a:lnT w="12700" cap="flat" cmpd="sng" algn="ctr">
-                      <a:solidFill>
-                        <a:schemeClr val="tx1"/>
-                      </a:solidFill>
-                      <a:prstDash val="solid"/>
-                      <a:round/>
-                      <a:headEnd type="none" w="med" len="med"/>
-                      <a:tailEnd type="none" w="med" len="med"/>
-                    </a:lnT>
-                    <a:lnB w="12700" cap="flat" cmpd="sng" algn="ctr">
-                      <a:solidFill>
-                        <a:schemeClr val="tx1"/>
-                      </a:solidFill>
-                      <a:prstDash val="solid"/>
-                      <a:round/>
-                      <a:headEnd type="none" w="med" len="med"/>
-                      <a:tailEnd type="none" w="med" len="med"/>
-                    </a:lnB>
-                    <a:solidFill>
-                      <a:srgbClr val="FFFFFF"/>
-                    </a:solidFill>
-                  </a:tcPr>
-                </a:tc>
-                <a:tc>
-                  <a:txBody>
-                    <a:bodyPr/>
-                    <a:lstStyle/>
-                    <a:p>
-                      <a:r>
-                        <a:rPr lang="en-GB" sz="1400" b="1">
-                          <a:effectLst/>
-                        </a:rPr>
-                        <a:t>PowerShell</a:t>
-                      </a:r>
-                      <a:endParaRPr lang="en-GB" sz="1400">
-                        <a:effectLst/>
-                      </a:endParaRPr>
-                    </a:p>
-                  </a:txBody>
-                  <a:tcPr marL="98618" marR="98618" marT="45516" marB="45516" anchor="ctr">
-                    <a:lnL w="12700" cap="flat" cmpd="sng" algn="ctr">
-                      <a:solidFill>
-                        <a:schemeClr val="tx1"/>
-                      </a:solidFill>
-                      <a:prstDash val="solid"/>
-                      <a:round/>
-                      <a:headEnd type="none" w="med" len="med"/>
-                      <a:tailEnd type="none" w="med" len="med"/>
-                    </a:lnL>
-                    <a:lnR w="12700" cap="flat" cmpd="sng" algn="ctr">
-                      <a:solidFill>
-                        <a:schemeClr val="tx1"/>
-                      </a:solidFill>
-                      <a:prstDash val="solid"/>
-                      <a:round/>
-                      <a:headEnd type="none" w="med" len="med"/>
-                      <a:tailEnd type="none" w="med" len="med"/>
-                    </a:lnR>
-                    <a:lnT w="12700" cap="flat" cmpd="sng" algn="ctr">
-                      <a:solidFill>
-                        <a:schemeClr val="tx1"/>
-                      </a:solidFill>
-                      <a:prstDash val="solid"/>
-                      <a:round/>
-                      <a:headEnd type="none" w="med" len="med"/>
-                      <a:tailEnd type="none" w="med" len="med"/>
-                    </a:lnT>
-                    <a:lnB w="12700" cap="flat" cmpd="sng" algn="ctr">
-                      <a:solidFill>
-                        <a:schemeClr val="tx1"/>
-                      </a:solidFill>
-                      <a:prstDash val="solid"/>
-                      <a:round/>
-                      <a:headEnd type="none" w="med" len="med"/>
-                      <a:tailEnd type="none" w="med" len="med"/>
-                    </a:lnB>
-                    <a:solidFill>
-                      <a:srgbClr val="FFFFFF"/>
-                    </a:solidFill>
-                  </a:tcPr>
-                </a:tc>
-                <a:tc>
-                  <a:txBody>
-                    <a:bodyPr/>
-                    <a:lstStyle/>
-                    <a:p>
-                      <a:r>
-                        <a:rPr lang="en-GB" sz="1400" b="1">
-                          <a:effectLst/>
-                        </a:rPr>
-                        <a:t>Command Prompt (cmd.exe)</a:t>
-                      </a:r>
-                      <a:endParaRPr lang="en-GB" sz="1400">
-                        <a:effectLst/>
-                      </a:endParaRPr>
-                    </a:p>
-                  </a:txBody>
-                  <a:tcPr marL="98618" marR="98618" marT="45516" marB="45516" anchor="ctr">
-                    <a:lnL w="12700" cap="flat" cmpd="sng" algn="ctr">
-                      <a:solidFill>
-                        <a:schemeClr val="tx1"/>
-                      </a:solidFill>
-                      <a:prstDash val="solid"/>
-                      <a:round/>
-                      <a:headEnd type="none" w="med" len="med"/>
-                      <a:tailEnd type="none" w="med" len="med"/>
-                    </a:lnL>
-                    <a:lnR w="12700" cap="flat" cmpd="sng" algn="ctr">
-                      <a:solidFill>
-                        <a:schemeClr val="tx1"/>
-                      </a:solidFill>
-                      <a:prstDash val="solid"/>
-                      <a:round/>
-                      <a:headEnd type="none" w="med" len="med"/>
-                      <a:tailEnd type="none" w="med" len="med"/>
-                    </a:lnR>
-                    <a:lnT w="12700" cap="flat" cmpd="sng" algn="ctr">
-                      <a:solidFill>
-                        <a:schemeClr val="tx1"/>
-                      </a:solidFill>
-                      <a:prstDash val="solid"/>
-                      <a:round/>
-                      <a:headEnd type="none" w="med" len="med"/>
-                      <a:tailEnd type="none" w="med" len="med"/>
-                    </a:lnT>
-                    <a:lnB w="12700" cap="flat" cmpd="sng" algn="ctr">
-                      <a:solidFill>
-                        <a:schemeClr val="tx1"/>
-                      </a:solidFill>
-                      <a:prstDash val="solid"/>
-                      <a:round/>
-                      <a:headEnd type="none" w="med" len="med"/>
-                      <a:tailEnd type="none" w="med" len="med"/>
-                    </a:lnB>
-                    <a:solidFill>
-                      <a:srgbClr val="FFFFFF"/>
-                    </a:solidFill>
-                  </a:tcPr>
-                </a:tc>
-                <a:tc>
-                  <a:txBody>
-                    <a:bodyPr/>
-                    <a:lstStyle/>
-                    <a:p>
-                      <a:r>
-                        <a:rPr lang="en-GB" sz="1400" b="1">
-                          <a:effectLst/>
-                        </a:rPr>
-                        <a:t>Bash</a:t>
-                      </a:r>
-                      <a:endParaRPr lang="en-GB" sz="1400">
-                        <a:effectLst/>
-                      </a:endParaRPr>
-                    </a:p>
-                  </a:txBody>
-                  <a:tcPr marL="98618" marR="98618" marT="45516" marB="45516" anchor="ctr">
-                    <a:lnL w="12700" cap="flat" cmpd="sng" algn="ctr">
-                      <a:solidFill>
-                        <a:schemeClr val="tx1"/>
-                      </a:solidFill>
-                      <a:prstDash val="solid"/>
-                      <a:round/>
-                      <a:headEnd type="none" w="med" len="med"/>
-                      <a:tailEnd type="none" w="med" len="med"/>
-                    </a:lnL>
-                    <a:lnR w="12700" cap="flat" cmpd="sng" algn="ctr">
-                      <a:solidFill>
-                        <a:schemeClr val="tx1"/>
-                      </a:solidFill>
-                      <a:prstDash val="solid"/>
-                      <a:round/>
-                      <a:headEnd type="none" w="med" len="med"/>
-                      <a:tailEnd type="none" w="med" len="med"/>
-                    </a:lnR>
-                    <a:lnT w="12700" cap="flat" cmpd="sng" algn="ctr">
-                      <a:solidFill>
-                        <a:schemeClr val="tx1"/>
-                      </a:solidFill>
-                      <a:prstDash val="solid"/>
-                      <a:round/>
-                      <a:headEnd type="none" w="med" len="med"/>
-                      <a:tailEnd type="none" w="med" len="med"/>
-                    </a:lnT>
-                    <a:lnB w="12700" cap="flat" cmpd="sng" algn="ctr">
-                      <a:solidFill>
-                        <a:schemeClr val="tx1"/>
-                      </a:solidFill>
-                      <a:prstDash val="solid"/>
-                      <a:round/>
-                      <a:headEnd type="none" w="med" len="med"/>
-                      <a:tailEnd type="none" w="med" len="med"/>
-                    </a:lnB>
-                    <a:solidFill>
-                      <a:srgbClr val="FFFFFF"/>
-                    </a:solidFill>
-                  </a:tcPr>
-                </a:tc>
-              </a:tr>
-              <a:tr h="581516">
-                <a:tc>
-                  <a:txBody>
-                    <a:bodyPr/>
-                    <a:lstStyle/>
-                    <a:p>
-                      <a:r>
-                        <a:rPr lang="en-GB" sz="1400" b="1">
-                          <a:effectLst/>
-                        </a:rPr>
-                        <a:t>Type</a:t>
-                      </a:r>
-                      <a:endParaRPr lang="en-GB" sz="1400">
-                        <a:effectLst/>
-                      </a:endParaRPr>
-                    </a:p>
-                  </a:txBody>
-                  <a:tcPr marL="98618" marR="98618" marT="45516" marB="45516" anchor="ctr">
-                    <a:lnL w="12700" cap="flat" cmpd="sng" algn="ctr">
-                      <a:solidFill>
-                        <a:schemeClr val="tx1"/>
-                      </a:solidFill>
-                      <a:prstDash val="solid"/>
-                      <a:round/>
-                      <a:headEnd type="none" w="med" len="med"/>
-                      <a:tailEnd type="none" w="med" len="med"/>
-                    </a:lnL>
-                    <a:lnR w="12700" cap="flat" cmpd="sng" algn="ctr">
-                      <a:solidFill>
-                        <a:schemeClr val="tx1"/>
-                      </a:solidFill>
-                      <a:prstDash val="solid"/>
-                      <a:round/>
-                      <a:headEnd type="none" w="med" len="med"/>
-                      <a:tailEnd type="none" w="med" len="med"/>
-                    </a:lnR>
-                    <a:lnT w="12700" cap="flat" cmpd="sng" algn="ctr">
-                      <a:solidFill>
-                        <a:schemeClr val="tx1"/>
-                      </a:solidFill>
-                      <a:prstDash val="solid"/>
-                      <a:round/>
-                      <a:headEnd type="none" w="med" len="med"/>
-                      <a:tailEnd type="none" w="med" len="med"/>
-                    </a:lnT>
-                    <a:lnB w="12700" cap="flat" cmpd="sng" algn="ctr">
-                      <a:solidFill>
-                        <a:schemeClr val="tx1"/>
-                      </a:solidFill>
-                      <a:prstDash val="solid"/>
-                      <a:round/>
-                      <a:headEnd type="none" w="med" len="med"/>
-                      <a:tailEnd type="none" w="med" len="med"/>
-                    </a:lnB>
-                    <a:solidFill>
-                      <a:srgbClr val="FFFFFF"/>
-                    </a:solidFill>
-                  </a:tcPr>
-                </a:tc>
-                <a:tc>
-                  <a:txBody>
-                    <a:bodyPr/>
-                    <a:lstStyle/>
-                    <a:p>
-                      <a:r>
-                        <a:rPr lang="en-US" sz="1400" dirty="0">
-                          <a:effectLst/>
-                        </a:rPr>
-                        <a:t>Object-oriented shell and scripting language</a:t>
-                      </a:r>
-                    </a:p>
-                  </a:txBody>
-                  <a:tcPr marL="98618" marR="98618" marT="45516" marB="45516" anchor="ctr">
-                    <a:lnL w="12700" cap="flat" cmpd="sng" algn="ctr">
-                      <a:solidFill>
-                        <a:schemeClr val="tx1"/>
-                      </a:solidFill>
-                      <a:prstDash val="solid"/>
-                      <a:round/>
-                      <a:headEnd type="none" w="med" len="med"/>
-                      <a:tailEnd type="none" w="med" len="med"/>
-                    </a:lnL>
-                    <a:lnR w="12700" cap="flat" cmpd="sng" algn="ctr">
-                      <a:solidFill>
-                        <a:schemeClr val="tx1"/>
-                      </a:solidFill>
-                      <a:prstDash val="solid"/>
-                      <a:round/>
-                      <a:headEnd type="none" w="med" len="med"/>
-                      <a:tailEnd type="none" w="med" len="med"/>
-                    </a:lnR>
-                    <a:lnT w="12700" cap="flat" cmpd="sng" algn="ctr">
-                      <a:solidFill>
-                        <a:schemeClr val="tx1"/>
-                      </a:solidFill>
-                      <a:prstDash val="solid"/>
-                      <a:round/>
-                      <a:headEnd type="none" w="med" len="med"/>
-                      <a:tailEnd type="none" w="med" len="med"/>
-                    </a:lnT>
-                    <a:lnB w="12700" cap="flat" cmpd="sng" algn="ctr">
-                      <a:solidFill>
-                        <a:schemeClr val="tx1"/>
-                      </a:solidFill>
-                      <a:prstDash val="solid"/>
-                      <a:round/>
-                      <a:headEnd type="none" w="med" len="med"/>
-                      <a:tailEnd type="none" w="med" len="med"/>
-                    </a:lnB>
-                    <a:solidFill>
-                      <a:srgbClr val="FFFFFF"/>
-                    </a:solidFill>
-                  </a:tcPr>
-                </a:tc>
-                <a:tc>
-                  <a:txBody>
-                    <a:bodyPr/>
-                    <a:lstStyle/>
-                    <a:p>
-                      <a:r>
-                        <a:rPr lang="en-GB" sz="1400">
-                          <a:effectLst/>
-                        </a:rPr>
-                        <a:t>Text-based command-line interface</a:t>
-                      </a:r>
-                    </a:p>
-                  </a:txBody>
-                  <a:tcPr marL="98618" marR="98618" marT="45516" marB="45516" anchor="ctr">
-                    <a:lnL w="12700" cap="flat" cmpd="sng" algn="ctr">
-                      <a:solidFill>
-                        <a:schemeClr val="tx1"/>
-                      </a:solidFill>
-                      <a:prstDash val="solid"/>
-                      <a:round/>
-                      <a:headEnd type="none" w="med" len="med"/>
-                      <a:tailEnd type="none" w="med" len="med"/>
-                    </a:lnL>
-                    <a:lnR w="12700" cap="flat" cmpd="sng" algn="ctr">
-                      <a:solidFill>
-                        <a:schemeClr val="tx1"/>
-                      </a:solidFill>
-                      <a:prstDash val="solid"/>
-                      <a:round/>
-                      <a:headEnd type="none" w="med" len="med"/>
-                      <a:tailEnd type="none" w="med" len="med"/>
-                    </a:lnR>
-                    <a:lnT w="12700" cap="flat" cmpd="sng" algn="ctr">
-                      <a:solidFill>
-                        <a:schemeClr val="tx1"/>
-                      </a:solidFill>
-                      <a:prstDash val="solid"/>
-                      <a:round/>
-                      <a:headEnd type="none" w="med" len="med"/>
-                      <a:tailEnd type="none" w="med" len="med"/>
-                    </a:lnT>
-                    <a:lnB w="12700" cap="flat" cmpd="sng" algn="ctr">
-                      <a:solidFill>
-                        <a:schemeClr val="tx1"/>
-                      </a:solidFill>
-                      <a:prstDash val="solid"/>
-                      <a:round/>
-                      <a:headEnd type="none" w="med" len="med"/>
-                      <a:tailEnd type="none" w="med" len="med"/>
-                    </a:lnB>
-                    <a:solidFill>
-                      <a:srgbClr val="FFFFFF"/>
-                    </a:solidFill>
-                  </a:tcPr>
-                </a:tc>
-                <a:tc>
-                  <a:txBody>
-                    <a:bodyPr/>
-                    <a:lstStyle/>
-                    <a:p>
-                      <a:r>
-                        <a:rPr lang="en-US" sz="1400">
-                          <a:effectLst/>
-                        </a:rPr>
-                        <a:t>Text-based shell with scripting capabilities</a:t>
-                      </a:r>
-                    </a:p>
-                  </a:txBody>
-                  <a:tcPr marL="98618" marR="98618" marT="45516" marB="45516" anchor="ctr">
-                    <a:lnL w="12700" cap="flat" cmpd="sng" algn="ctr">
-                      <a:solidFill>
-                        <a:schemeClr val="tx1"/>
-                      </a:solidFill>
-                      <a:prstDash val="solid"/>
-                      <a:round/>
-                      <a:headEnd type="none" w="med" len="med"/>
-                      <a:tailEnd type="none" w="med" len="med"/>
-                    </a:lnL>
-                    <a:lnR w="12700" cap="flat" cmpd="sng" algn="ctr">
-                      <a:solidFill>
-                        <a:schemeClr val="tx1"/>
-                      </a:solidFill>
-                      <a:prstDash val="solid"/>
-                      <a:round/>
-                      <a:headEnd type="none" w="med" len="med"/>
-                      <a:tailEnd type="none" w="med" len="med"/>
-                    </a:lnR>
-                    <a:lnT w="12700" cap="flat" cmpd="sng" algn="ctr">
-                      <a:solidFill>
-                        <a:schemeClr val="tx1"/>
-                      </a:solidFill>
-                      <a:prstDash val="solid"/>
-                      <a:round/>
-                      <a:headEnd type="none" w="med" len="med"/>
-                      <a:tailEnd type="none" w="med" len="med"/>
-                    </a:lnT>
-                    <a:lnB w="12700" cap="flat" cmpd="sng" algn="ctr">
-                      <a:solidFill>
-                        <a:schemeClr val="tx1"/>
-                      </a:solidFill>
-                      <a:prstDash val="solid"/>
-                      <a:round/>
-                      <a:headEnd type="none" w="med" len="med"/>
-                      <a:tailEnd type="none" w="med" len="med"/>
-                    </a:lnB>
-                    <a:solidFill>
-                      <a:srgbClr val="FFFFFF"/>
-                    </a:solidFill>
-                  </a:tcPr>
-                </a:tc>
-              </a:tr>
-              <a:tr h="822142">
-                <a:tc>
-                  <a:txBody>
-                    <a:bodyPr/>
-                    <a:lstStyle/>
-                    <a:p>
-                      <a:r>
-                        <a:rPr lang="en-GB" sz="1400" b="1">
-                          <a:effectLst/>
-                        </a:rPr>
-                        <a:t>Output Format</a:t>
-                      </a:r>
-                      <a:endParaRPr lang="en-GB" sz="1400">
-                        <a:effectLst/>
-                      </a:endParaRPr>
-                    </a:p>
-                  </a:txBody>
-                  <a:tcPr marL="98618" marR="98618" marT="45516" marB="45516" anchor="ctr">
-                    <a:lnL w="12700" cap="flat" cmpd="sng" algn="ctr">
-                      <a:solidFill>
-                        <a:schemeClr val="tx1"/>
-                      </a:solidFill>
-                      <a:prstDash val="solid"/>
-                      <a:round/>
-                      <a:headEnd type="none" w="med" len="med"/>
-                      <a:tailEnd type="none" w="med" len="med"/>
-                    </a:lnL>
-                    <a:lnR w="12700" cap="flat" cmpd="sng" algn="ctr">
-                      <a:solidFill>
-                        <a:schemeClr val="tx1"/>
-                      </a:solidFill>
-                      <a:prstDash val="solid"/>
-                      <a:round/>
-                      <a:headEnd type="none" w="med" len="med"/>
-                      <a:tailEnd type="none" w="med" len="med"/>
-                    </a:lnR>
-                    <a:lnT w="12700" cap="flat" cmpd="sng" algn="ctr">
-                      <a:solidFill>
-                        <a:schemeClr val="tx1"/>
-                      </a:solidFill>
-                      <a:prstDash val="solid"/>
-                      <a:round/>
-                      <a:headEnd type="none" w="med" len="med"/>
-                      <a:tailEnd type="none" w="med" len="med"/>
-                    </a:lnT>
-                    <a:lnB w="12700" cap="flat" cmpd="sng" algn="ctr">
-                      <a:solidFill>
-                        <a:schemeClr val="tx1"/>
-                      </a:solidFill>
-                      <a:prstDash val="solid"/>
-                      <a:round/>
-                      <a:headEnd type="none" w="med" len="med"/>
-                      <a:tailEnd type="none" w="med" len="med"/>
-                    </a:lnB>
-                    <a:solidFill>
-                      <a:srgbClr val="FFFFFF"/>
-                    </a:solidFill>
-                  </a:tcPr>
-                </a:tc>
-                <a:tc>
-                  <a:txBody>
-                    <a:bodyPr/>
-                    <a:lstStyle/>
-                    <a:p>
-                      <a:r>
-                        <a:rPr lang="en-GB" sz="1400">
-                          <a:effectLst/>
-                        </a:rPr>
-                        <a:t>Objects (easily manipulated)</a:t>
-                      </a:r>
-                    </a:p>
-                  </a:txBody>
-                  <a:tcPr marL="98618" marR="98618" marT="45516" marB="45516" anchor="ctr">
-                    <a:lnL w="12700" cap="flat" cmpd="sng" algn="ctr">
-                      <a:solidFill>
-                        <a:schemeClr val="tx1"/>
-                      </a:solidFill>
-                      <a:prstDash val="solid"/>
-                      <a:round/>
-                      <a:headEnd type="none" w="med" len="med"/>
-                      <a:tailEnd type="none" w="med" len="med"/>
-                    </a:lnL>
-                    <a:lnR w="12700" cap="flat" cmpd="sng" algn="ctr">
-                      <a:solidFill>
-                        <a:schemeClr val="tx1"/>
-                      </a:solidFill>
-                      <a:prstDash val="solid"/>
-                      <a:round/>
-                      <a:headEnd type="none" w="med" len="med"/>
-                      <a:tailEnd type="none" w="med" len="med"/>
-                    </a:lnR>
-                    <a:lnT w="12700" cap="flat" cmpd="sng" algn="ctr">
-                      <a:solidFill>
-                        <a:schemeClr val="tx1"/>
-                      </a:solidFill>
-                      <a:prstDash val="solid"/>
-                      <a:round/>
-                      <a:headEnd type="none" w="med" len="med"/>
-                      <a:tailEnd type="none" w="med" len="med"/>
-                    </a:lnT>
-                    <a:lnB w="12700" cap="flat" cmpd="sng" algn="ctr">
-                      <a:solidFill>
-                        <a:schemeClr val="tx1"/>
-                      </a:solidFill>
-                      <a:prstDash val="solid"/>
-                      <a:round/>
-                      <a:headEnd type="none" w="med" len="med"/>
-                      <a:tailEnd type="none" w="med" len="med"/>
-                    </a:lnB>
-                    <a:solidFill>
-                      <a:srgbClr val="FFFFFF"/>
-                    </a:solidFill>
-                  </a:tcPr>
-                </a:tc>
-                <a:tc>
-                  <a:txBody>
-                    <a:bodyPr/>
-                    <a:lstStyle/>
-                    <a:p>
-                      <a:r>
-                        <a:rPr lang="en-GB" sz="1400">
-                          <a:effectLst/>
-                        </a:rPr>
-                        <a:t>Text (limited processing)</a:t>
-                      </a:r>
-                    </a:p>
-                  </a:txBody>
-                  <a:tcPr marL="98618" marR="98618" marT="45516" marB="45516" anchor="ctr">
-                    <a:lnL w="12700" cap="flat" cmpd="sng" algn="ctr">
-                      <a:solidFill>
-                        <a:schemeClr val="tx1"/>
-                      </a:solidFill>
-                      <a:prstDash val="solid"/>
-                      <a:round/>
-                      <a:headEnd type="none" w="med" len="med"/>
-                      <a:tailEnd type="none" w="med" len="med"/>
-                    </a:lnL>
-                    <a:lnR w="12700" cap="flat" cmpd="sng" algn="ctr">
-                      <a:solidFill>
-                        <a:schemeClr val="tx1"/>
-                      </a:solidFill>
-                      <a:prstDash val="solid"/>
-                      <a:round/>
-                      <a:headEnd type="none" w="med" len="med"/>
-                      <a:tailEnd type="none" w="med" len="med"/>
-                    </a:lnR>
-                    <a:lnT w="12700" cap="flat" cmpd="sng" algn="ctr">
-                      <a:solidFill>
-                        <a:schemeClr val="tx1"/>
-                      </a:solidFill>
-                      <a:prstDash val="solid"/>
-                      <a:round/>
-                      <a:headEnd type="none" w="med" len="med"/>
-                      <a:tailEnd type="none" w="med" len="med"/>
-                    </a:lnT>
-                    <a:lnB w="12700" cap="flat" cmpd="sng" algn="ctr">
-                      <a:solidFill>
-                        <a:schemeClr val="tx1"/>
-                      </a:solidFill>
-                      <a:prstDash val="solid"/>
-                      <a:round/>
-                      <a:headEnd type="none" w="med" len="med"/>
-                      <a:tailEnd type="none" w="med" len="med"/>
-                    </a:lnB>
-                    <a:solidFill>
-                      <a:srgbClr val="FFFFFF"/>
-                    </a:solidFill>
-                  </a:tcPr>
-                </a:tc>
-                <a:tc>
-                  <a:txBody>
-                    <a:bodyPr/>
-                    <a:lstStyle/>
-                    <a:p>
-                      <a:r>
-                        <a:rPr lang="en-US" sz="1400">
-                          <a:effectLst/>
-                        </a:rPr>
-                        <a:t>Text (often piped into other text-based commands)</a:t>
-                      </a:r>
-                    </a:p>
-                  </a:txBody>
-                  <a:tcPr marL="98618" marR="98618" marT="45516" marB="45516" anchor="ctr">
-                    <a:lnL w="12700" cap="flat" cmpd="sng" algn="ctr">
-                      <a:solidFill>
-                        <a:schemeClr val="tx1"/>
-                      </a:solidFill>
-                      <a:prstDash val="solid"/>
-                      <a:round/>
-                      <a:headEnd type="none" w="med" len="med"/>
-                      <a:tailEnd type="none" w="med" len="med"/>
-                    </a:lnL>
-                    <a:lnR w="12700" cap="flat" cmpd="sng" algn="ctr">
-                      <a:solidFill>
-                        <a:schemeClr val="tx1"/>
-                      </a:solidFill>
-                      <a:prstDash val="solid"/>
-                      <a:round/>
-                      <a:headEnd type="none" w="med" len="med"/>
-                      <a:tailEnd type="none" w="med" len="med"/>
-                    </a:lnR>
-                    <a:lnT w="12700" cap="flat" cmpd="sng" algn="ctr">
-                      <a:solidFill>
-                        <a:schemeClr val="tx1"/>
-                      </a:solidFill>
-                      <a:prstDash val="solid"/>
-                      <a:round/>
-                      <a:headEnd type="none" w="med" len="med"/>
-                      <a:tailEnd type="none" w="med" len="med"/>
-                    </a:lnT>
-                    <a:lnB w="12700" cap="flat" cmpd="sng" algn="ctr">
-                      <a:solidFill>
-                        <a:schemeClr val="tx1"/>
-                      </a:solidFill>
-                      <a:prstDash val="solid"/>
-                      <a:round/>
-                      <a:headEnd type="none" w="med" len="med"/>
-                      <a:tailEnd type="none" w="med" len="med"/>
-                    </a:lnB>
-                    <a:solidFill>
-                      <a:srgbClr val="FFFFFF"/>
-                    </a:solidFill>
-                  </a:tcPr>
-                </a:tc>
-              </a:tr>
-              <a:tr h="581516">
-                <a:tc>
-                  <a:txBody>
-                    <a:bodyPr/>
-                    <a:lstStyle/>
-                    <a:p>
-                      <a:r>
-                        <a:rPr lang="en-GB" sz="1400" b="1">
-                          <a:effectLst/>
-                        </a:rPr>
-                        <a:t>Automation Support</a:t>
-                      </a:r>
-                      <a:endParaRPr lang="en-GB" sz="1400">
-                        <a:effectLst/>
-                      </a:endParaRPr>
-                    </a:p>
-                  </a:txBody>
-                  <a:tcPr marL="98618" marR="98618" marT="45516" marB="45516" anchor="ctr">
-                    <a:lnL w="12700" cap="flat" cmpd="sng" algn="ctr">
-                      <a:solidFill>
-                        <a:schemeClr val="tx1"/>
-                      </a:solidFill>
-                      <a:prstDash val="solid"/>
-                      <a:round/>
-                      <a:headEnd type="none" w="med" len="med"/>
-                      <a:tailEnd type="none" w="med" len="med"/>
-                    </a:lnL>
-                    <a:lnR w="12700" cap="flat" cmpd="sng" algn="ctr">
-                      <a:solidFill>
-                        <a:schemeClr val="tx1"/>
-                      </a:solidFill>
-                      <a:prstDash val="solid"/>
-                      <a:round/>
-                      <a:headEnd type="none" w="med" len="med"/>
-                      <a:tailEnd type="none" w="med" len="med"/>
-                    </a:lnR>
-                    <a:lnT w="12700" cap="flat" cmpd="sng" algn="ctr">
-                      <a:solidFill>
-                        <a:schemeClr val="tx1"/>
-                      </a:solidFill>
-                      <a:prstDash val="solid"/>
-                      <a:round/>
-                      <a:headEnd type="none" w="med" len="med"/>
-                      <a:tailEnd type="none" w="med" len="med"/>
-                    </a:lnT>
-                    <a:lnB w="12700" cap="flat" cmpd="sng" algn="ctr">
-                      <a:solidFill>
-                        <a:schemeClr val="tx1"/>
-                      </a:solidFill>
-                      <a:prstDash val="solid"/>
-                      <a:round/>
-                      <a:headEnd type="none" w="med" len="med"/>
-                      <a:tailEnd type="none" w="med" len="med"/>
-                    </a:lnB>
-                    <a:solidFill>
-                      <a:srgbClr val="FFFFFF"/>
-                    </a:solidFill>
-                  </a:tcPr>
-                </a:tc>
-                <a:tc>
-                  <a:txBody>
-                    <a:bodyPr/>
-                    <a:lstStyle/>
-                    <a:p>
-                      <a:r>
-                        <a:rPr lang="en-US" sz="1400">
-                          <a:effectLst/>
-                        </a:rPr>
-                        <a:t>Extensive automation with cmdlets and scripts</a:t>
-                      </a:r>
-                    </a:p>
-                  </a:txBody>
-                  <a:tcPr marL="98618" marR="98618" marT="45516" marB="45516" anchor="ctr">
-                    <a:lnL w="12700" cap="flat" cmpd="sng" algn="ctr">
-                      <a:solidFill>
-                        <a:schemeClr val="tx1"/>
-                      </a:solidFill>
-                      <a:prstDash val="solid"/>
-                      <a:round/>
-                      <a:headEnd type="none" w="med" len="med"/>
-                      <a:tailEnd type="none" w="med" len="med"/>
-                    </a:lnL>
-                    <a:lnR w="12700" cap="flat" cmpd="sng" algn="ctr">
-                      <a:solidFill>
-                        <a:schemeClr val="tx1"/>
-                      </a:solidFill>
-                      <a:prstDash val="solid"/>
-                      <a:round/>
-                      <a:headEnd type="none" w="med" len="med"/>
-                      <a:tailEnd type="none" w="med" len="med"/>
-                    </a:lnR>
-                    <a:lnT w="12700" cap="flat" cmpd="sng" algn="ctr">
-                      <a:solidFill>
-                        <a:schemeClr val="tx1"/>
-                      </a:solidFill>
-                      <a:prstDash val="solid"/>
-                      <a:round/>
-                      <a:headEnd type="none" w="med" len="med"/>
-                      <a:tailEnd type="none" w="med" len="med"/>
-                    </a:lnT>
-                    <a:lnB w="12700" cap="flat" cmpd="sng" algn="ctr">
-                      <a:solidFill>
-                        <a:schemeClr val="tx1"/>
-                      </a:solidFill>
-                      <a:prstDash val="solid"/>
-                      <a:round/>
-                      <a:headEnd type="none" w="med" len="med"/>
-                      <a:tailEnd type="none" w="med" len="med"/>
-                    </a:lnB>
-                    <a:solidFill>
-                      <a:srgbClr val="FFFFFF"/>
-                    </a:solidFill>
-                  </a:tcPr>
-                </a:tc>
-                <a:tc>
-                  <a:txBody>
-                    <a:bodyPr/>
-                    <a:lstStyle/>
-                    <a:p>
-                      <a:r>
-                        <a:rPr lang="en-US" sz="1400" dirty="0">
-                          <a:effectLst/>
-                        </a:rPr>
-                        <a:t>Basic scripting support (batch files)</a:t>
-                      </a:r>
-                    </a:p>
-                  </a:txBody>
-                  <a:tcPr marL="98618" marR="98618" marT="45516" marB="45516" anchor="ctr">
-                    <a:lnL w="12700" cap="flat" cmpd="sng" algn="ctr">
-                      <a:solidFill>
-                        <a:schemeClr val="tx1"/>
-                      </a:solidFill>
-                      <a:prstDash val="solid"/>
-                      <a:round/>
-                      <a:headEnd type="none" w="med" len="med"/>
-                      <a:tailEnd type="none" w="med" len="med"/>
-                    </a:lnL>
-                    <a:lnR w="12700" cap="flat" cmpd="sng" algn="ctr">
-                      <a:solidFill>
-                        <a:schemeClr val="tx1"/>
-                      </a:solidFill>
-                      <a:prstDash val="solid"/>
-                      <a:round/>
-                      <a:headEnd type="none" w="med" len="med"/>
-                      <a:tailEnd type="none" w="med" len="med"/>
-                    </a:lnR>
-                    <a:lnT w="12700" cap="flat" cmpd="sng" algn="ctr">
-                      <a:solidFill>
-                        <a:schemeClr val="tx1"/>
-                      </a:solidFill>
-                      <a:prstDash val="solid"/>
-                      <a:round/>
-                      <a:headEnd type="none" w="med" len="med"/>
-                      <a:tailEnd type="none" w="med" len="med"/>
-                    </a:lnT>
-                    <a:lnB w="12700" cap="flat" cmpd="sng" algn="ctr">
-                      <a:solidFill>
-                        <a:schemeClr val="tx1"/>
-                      </a:solidFill>
-                      <a:prstDash val="solid"/>
-                      <a:round/>
-                      <a:headEnd type="none" w="med" len="med"/>
-                      <a:tailEnd type="none" w="med" len="med"/>
-                    </a:lnB>
-                    <a:solidFill>
-                      <a:srgbClr val="FFFFFF"/>
-                    </a:solidFill>
-                  </a:tcPr>
-                </a:tc>
-                <a:tc>
-                  <a:txBody>
-                    <a:bodyPr/>
-                    <a:lstStyle/>
-                    <a:p>
-                      <a:r>
-                        <a:rPr lang="en-US" sz="1400">
-                          <a:effectLst/>
-                        </a:rPr>
-                        <a:t>Extensive scripting support (Bash scripts)</a:t>
-                      </a:r>
-                    </a:p>
-                  </a:txBody>
-                  <a:tcPr marL="98618" marR="98618" marT="45516" marB="45516" anchor="ctr">
-                    <a:lnL w="12700" cap="flat" cmpd="sng" algn="ctr">
-                      <a:solidFill>
-                        <a:schemeClr val="tx1"/>
-                      </a:solidFill>
-                      <a:prstDash val="solid"/>
-                      <a:round/>
-                      <a:headEnd type="none" w="med" len="med"/>
-                      <a:tailEnd type="none" w="med" len="med"/>
-                    </a:lnL>
-                    <a:lnR w="12700" cap="flat" cmpd="sng" algn="ctr">
-                      <a:solidFill>
-                        <a:schemeClr val="tx1"/>
-                      </a:solidFill>
-                      <a:prstDash val="solid"/>
-                      <a:round/>
-                      <a:headEnd type="none" w="med" len="med"/>
-                      <a:tailEnd type="none" w="med" len="med"/>
-                    </a:lnR>
-                    <a:lnT w="12700" cap="flat" cmpd="sng" algn="ctr">
-                      <a:solidFill>
-                        <a:schemeClr val="tx1"/>
-                      </a:solidFill>
-                      <a:prstDash val="solid"/>
-                      <a:round/>
-                      <a:headEnd type="none" w="med" len="med"/>
-                      <a:tailEnd type="none" w="med" len="med"/>
-                    </a:lnT>
-                    <a:lnB w="12700" cap="flat" cmpd="sng" algn="ctr">
-                      <a:solidFill>
-                        <a:schemeClr val="tx1"/>
-                      </a:solidFill>
-                      <a:prstDash val="solid"/>
-                      <a:round/>
-                      <a:headEnd type="none" w="med" len="med"/>
-                      <a:tailEnd type="none" w="med" len="med"/>
-                    </a:lnB>
-                    <a:solidFill>
-                      <a:srgbClr val="FFFFFF"/>
-                    </a:solidFill>
-                  </a:tcPr>
-                </a:tc>
-              </a:tr>
-              <a:tr h="822142">
-                <a:tc>
-                  <a:txBody>
-                    <a:bodyPr/>
-                    <a:lstStyle/>
-                    <a:p>
-                      <a:r>
-                        <a:rPr lang="en-GB" sz="1400" b="1">
-                          <a:effectLst/>
-                        </a:rPr>
-                        <a:t>Platform Support</a:t>
-                      </a:r>
-                      <a:endParaRPr lang="en-GB" sz="1400">
-                        <a:effectLst/>
-                      </a:endParaRPr>
-                    </a:p>
-                  </a:txBody>
-                  <a:tcPr marL="98618" marR="98618" marT="45516" marB="45516" anchor="ctr">
-                    <a:lnL w="12700" cap="flat" cmpd="sng" algn="ctr">
-                      <a:solidFill>
-                        <a:schemeClr val="tx1"/>
-                      </a:solidFill>
-                      <a:prstDash val="solid"/>
-                      <a:round/>
-                      <a:headEnd type="none" w="med" len="med"/>
-                      <a:tailEnd type="none" w="med" len="med"/>
-                    </a:lnL>
-                    <a:lnR w="12700" cap="flat" cmpd="sng" algn="ctr">
-                      <a:solidFill>
-                        <a:schemeClr val="tx1"/>
-                      </a:solidFill>
-                      <a:prstDash val="solid"/>
-                      <a:round/>
-                      <a:headEnd type="none" w="med" len="med"/>
-                      <a:tailEnd type="none" w="med" len="med"/>
-                    </a:lnR>
-                    <a:lnT w="12700" cap="flat" cmpd="sng" algn="ctr">
-                      <a:solidFill>
-                        <a:schemeClr val="tx1"/>
-                      </a:solidFill>
-                      <a:prstDash val="solid"/>
-                      <a:round/>
-                      <a:headEnd type="none" w="med" len="med"/>
-                      <a:tailEnd type="none" w="med" len="med"/>
-                    </a:lnT>
-                    <a:lnB w="12700" cap="flat" cmpd="sng" algn="ctr">
-                      <a:solidFill>
-                        <a:schemeClr val="tx1"/>
-                      </a:solidFill>
-                      <a:prstDash val="solid"/>
-                      <a:round/>
-                      <a:headEnd type="none" w="med" len="med"/>
-                      <a:tailEnd type="none" w="med" len="med"/>
-                    </a:lnB>
-                    <a:solidFill>
-                      <a:srgbClr val="FFFFFF"/>
-                    </a:solidFill>
-                  </a:tcPr>
-                </a:tc>
-                <a:tc>
-                  <a:txBody>
-                    <a:bodyPr/>
-                    <a:lstStyle/>
-                    <a:p>
-                      <a:r>
-                        <a:rPr lang="en-GB" sz="1400">
-                          <a:effectLst/>
-                        </a:rPr>
-                        <a:t>Cross-platform (Windows, macOS, Linux)</a:t>
-                      </a:r>
-                    </a:p>
-                  </a:txBody>
-                  <a:tcPr marL="98618" marR="98618" marT="45516" marB="45516" anchor="ctr">
-                    <a:lnL w="12700" cap="flat" cmpd="sng" algn="ctr">
-                      <a:solidFill>
-                        <a:schemeClr val="tx1"/>
-                      </a:solidFill>
-                      <a:prstDash val="solid"/>
-                      <a:round/>
-                      <a:headEnd type="none" w="med" len="med"/>
-                      <a:tailEnd type="none" w="med" len="med"/>
-                    </a:lnL>
-                    <a:lnR w="12700" cap="flat" cmpd="sng" algn="ctr">
-                      <a:solidFill>
-                        <a:schemeClr val="tx1"/>
-                      </a:solidFill>
-                      <a:prstDash val="solid"/>
-                      <a:round/>
-                      <a:headEnd type="none" w="med" len="med"/>
-                      <a:tailEnd type="none" w="med" len="med"/>
-                    </a:lnR>
-                    <a:lnT w="12700" cap="flat" cmpd="sng" algn="ctr">
-                      <a:solidFill>
-                        <a:schemeClr val="tx1"/>
-                      </a:solidFill>
-                      <a:prstDash val="solid"/>
-                      <a:round/>
-                      <a:headEnd type="none" w="med" len="med"/>
-                      <a:tailEnd type="none" w="med" len="med"/>
-                    </a:lnT>
-                    <a:lnB w="12700" cap="flat" cmpd="sng" algn="ctr">
-                      <a:solidFill>
-                        <a:schemeClr val="tx1"/>
-                      </a:solidFill>
-                      <a:prstDash val="solid"/>
-                      <a:round/>
-                      <a:headEnd type="none" w="med" len="med"/>
-                      <a:tailEnd type="none" w="med" len="med"/>
-                    </a:lnB>
-                    <a:solidFill>
-                      <a:srgbClr val="FFFFFF"/>
-                    </a:solidFill>
-                  </a:tcPr>
-                </a:tc>
-                <a:tc>
-                  <a:txBody>
-                    <a:bodyPr/>
-                    <a:lstStyle/>
-                    <a:p>
-                      <a:r>
-                        <a:rPr lang="en-GB" sz="1400">
-                          <a:effectLst/>
-                        </a:rPr>
-                        <a:t>Primarily Windows</a:t>
-                      </a:r>
-                    </a:p>
-                  </a:txBody>
-                  <a:tcPr marL="98618" marR="98618" marT="45516" marB="45516" anchor="ctr">
-                    <a:lnL w="12700" cap="flat" cmpd="sng" algn="ctr">
-                      <a:solidFill>
-                        <a:schemeClr val="tx1"/>
-                      </a:solidFill>
-                      <a:prstDash val="solid"/>
-                      <a:round/>
-                      <a:headEnd type="none" w="med" len="med"/>
-                      <a:tailEnd type="none" w="med" len="med"/>
-                    </a:lnL>
-                    <a:lnR w="12700" cap="flat" cmpd="sng" algn="ctr">
-                      <a:solidFill>
-                        <a:schemeClr val="tx1"/>
-                      </a:solidFill>
-                      <a:prstDash val="solid"/>
-                      <a:round/>
-                      <a:headEnd type="none" w="med" len="med"/>
-                      <a:tailEnd type="none" w="med" len="med"/>
-                    </a:lnR>
-                    <a:lnT w="12700" cap="flat" cmpd="sng" algn="ctr">
-                      <a:solidFill>
-                        <a:schemeClr val="tx1"/>
-                      </a:solidFill>
-                      <a:prstDash val="solid"/>
-                      <a:round/>
-                      <a:headEnd type="none" w="med" len="med"/>
-                      <a:tailEnd type="none" w="med" len="med"/>
-                    </a:lnT>
-                    <a:lnB w="12700" cap="flat" cmpd="sng" algn="ctr">
-                      <a:solidFill>
-                        <a:schemeClr val="tx1"/>
-                      </a:solidFill>
-                      <a:prstDash val="solid"/>
-                      <a:round/>
-                      <a:headEnd type="none" w="med" len="med"/>
-                      <a:tailEnd type="none" w="med" len="med"/>
-                    </a:lnB>
-                    <a:solidFill>
-                      <a:srgbClr val="FFFFFF"/>
-                    </a:solidFill>
-                  </a:tcPr>
-                </a:tc>
-                <a:tc>
-                  <a:txBody>
-                    <a:bodyPr/>
-                    <a:lstStyle/>
-                    <a:p>
-                      <a:r>
-                        <a:rPr lang="en-US" sz="1400">
-                          <a:effectLst/>
-                        </a:rPr>
-                        <a:t>Linux/Unix, macOS (with some Windows support via WSL)</a:t>
-                      </a:r>
-                    </a:p>
-                  </a:txBody>
-                  <a:tcPr marL="98618" marR="98618" marT="45516" marB="45516" anchor="ctr">
-                    <a:lnL w="12700" cap="flat" cmpd="sng" algn="ctr">
-                      <a:solidFill>
-                        <a:schemeClr val="tx1"/>
-                      </a:solidFill>
-                      <a:prstDash val="solid"/>
-                      <a:round/>
-                      <a:headEnd type="none" w="med" len="med"/>
-                      <a:tailEnd type="none" w="med" len="med"/>
-                    </a:lnL>
-                    <a:lnR w="12700" cap="flat" cmpd="sng" algn="ctr">
-                      <a:solidFill>
-                        <a:schemeClr val="tx1"/>
-                      </a:solidFill>
-                      <a:prstDash val="solid"/>
-                      <a:round/>
-                      <a:headEnd type="none" w="med" len="med"/>
-                      <a:tailEnd type="none" w="med" len="med"/>
-                    </a:lnR>
-                    <a:lnT w="12700" cap="flat" cmpd="sng" algn="ctr">
-                      <a:solidFill>
-                        <a:schemeClr val="tx1"/>
-                      </a:solidFill>
-                      <a:prstDash val="solid"/>
-                      <a:round/>
-                      <a:headEnd type="none" w="med" len="med"/>
-                      <a:tailEnd type="none" w="med" len="med"/>
-                    </a:lnT>
-                    <a:lnB w="12700" cap="flat" cmpd="sng" algn="ctr">
-                      <a:solidFill>
-                        <a:schemeClr val="tx1"/>
-                      </a:solidFill>
-                      <a:prstDash val="solid"/>
-                      <a:round/>
-                      <a:headEnd type="none" w="med" len="med"/>
-                      <a:tailEnd type="none" w="med" len="med"/>
-                    </a:lnB>
-                    <a:solidFill>
-                      <a:srgbClr val="FFFFFF"/>
-                    </a:solidFill>
-                  </a:tcPr>
-                </a:tc>
-              </a:tr>
-              <a:tr h="822142">
-                <a:tc>
-                  <a:txBody>
-                    <a:bodyPr/>
-                    <a:lstStyle/>
-                    <a:p>
-                      <a:r>
-                        <a:rPr lang="en-GB" sz="1400" b="1">
-                          <a:effectLst/>
-                        </a:rPr>
-                        <a:t>Integration</a:t>
-                      </a:r>
-                      <a:endParaRPr lang="en-GB" sz="1400">
-                        <a:effectLst/>
-                      </a:endParaRPr>
-                    </a:p>
-                  </a:txBody>
-                  <a:tcPr marL="98618" marR="98618" marT="45516" marB="45516" anchor="ctr">
-                    <a:lnL w="12700" cap="flat" cmpd="sng" algn="ctr">
-                      <a:solidFill>
-                        <a:schemeClr val="tx1"/>
-                      </a:solidFill>
-                      <a:prstDash val="solid"/>
-                      <a:round/>
-                      <a:headEnd type="none" w="med" len="med"/>
-                      <a:tailEnd type="none" w="med" len="med"/>
-                    </a:lnL>
-                    <a:lnR w="12700" cap="flat" cmpd="sng" algn="ctr">
-                      <a:solidFill>
-                        <a:schemeClr val="tx1"/>
-                      </a:solidFill>
-                      <a:prstDash val="solid"/>
-                      <a:round/>
-                      <a:headEnd type="none" w="med" len="med"/>
-                      <a:tailEnd type="none" w="med" len="med"/>
-                    </a:lnR>
-                    <a:lnT w="12700" cap="flat" cmpd="sng" algn="ctr">
-                      <a:solidFill>
-                        <a:schemeClr val="tx1"/>
-                      </a:solidFill>
-                      <a:prstDash val="solid"/>
-                      <a:round/>
-                      <a:headEnd type="none" w="med" len="med"/>
-                      <a:tailEnd type="none" w="med" len="med"/>
-                    </a:lnT>
-                    <a:lnB w="12700" cap="flat" cmpd="sng" algn="ctr">
-                      <a:solidFill>
-                        <a:schemeClr val="tx1"/>
-                      </a:solidFill>
-                      <a:prstDash val="solid"/>
-                      <a:round/>
-                      <a:headEnd type="none" w="med" len="med"/>
-                      <a:tailEnd type="none" w="med" len="med"/>
-                    </a:lnB>
-                    <a:solidFill>
-                      <a:srgbClr val="FFFFFF"/>
-                    </a:solidFill>
-                  </a:tcPr>
-                </a:tc>
-                <a:tc>
-                  <a:txBody>
-                    <a:bodyPr/>
-                    <a:lstStyle/>
-                    <a:p>
-                      <a:r>
-                        <a:rPr lang="en-US" sz="1400">
-                          <a:effectLst/>
-                        </a:rPr>
-                        <a:t>Deep integration with Windows, .NET, Azure, and more</a:t>
-                      </a:r>
-                    </a:p>
-                  </a:txBody>
-                  <a:tcPr marL="98618" marR="98618" marT="45516" marB="45516" anchor="ctr">
-                    <a:lnL w="12700" cap="flat" cmpd="sng" algn="ctr">
-                      <a:solidFill>
-                        <a:schemeClr val="tx1"/>
-                      </a:solidFill>
-                      <a:prstDash val="solid"/>
-                      <a:round/>
-                      <a:headEnd type="none" w="med" len="med"/>
-                      <a:tailEnd type="none" w="med" len="med"/>
-                    </a:lnL>
-                    <a:lnR w="12700" cap="flat" cmpd="sng" algn="ctr">
-                      <a:solidFill>
-                        <a:schemeClr val="tx1"/>
-                      </a:solidFill>
-                      <a:prstDash val="solid"/>
-                      <a:round/>
-                      <a:headEnd type="none" w="med" len="med"/>
-                      <a:tailEnd type="none" w="med" len="med"/>
-                    </a:lnR>
-                    <a:lnT w="12700" cap="flat" cmpd="sng" algn="ctr">
-                      <a:solidFill>
-                        <a:schemeClr val="tx1"/>
-                      </a:solidFill>
-                      <a:prstDash val="solid"/>
-                      <a:round/>
-                      <a:headEnd type="none" w="med" len="med"/>
-                      <a:tailEnd type="none" w="med" len="med"/>
-                    </a:lnT>
-                    <a:lnB w="12700" cap="flat" cmpd="sng" algn="ctr">
-                      <a:solidFill>
-                        <a:schemeClr val="tx1"/>
-                      </a:solidFill>
-                      <a:prstDash val="solid"/>
-                      <a:round/>
-                      <a:headEnd type="none" w="med" len="med"/>
-                      <a:tailEnd type="none" w="med" len="med"/>
-                    </a:lnB>
-                    <a:solidFill>
-                      <a:srgbClr val="FFFFFF"/>
-                    </a:solidFill>
-                  </a:tcPr>
-                </a:tc>
-                <a:tc>
-                  <a:txBody>
-                    <a:bodyPr/>
-                    <a:lstStyle/>
-                    <a:p>
-                      <a:r>
-                        <a:rPr lang="en-US" sz="1400">
-                          <a:effectLst/>
-                        </a:rPr>
-                        <a:t>Limited integration with Windows features</a:t>
-                      </a:r>
-                    </a:p>
-                  </a:txBody>
-                  <a:tcPr marL="98618" marR="98618" marT="45516" marB="45516" anchor="ctr">
-                    <a:lnL w="12700" cap="flat" cmpd="sng" algn="ctr">
-                      <a:solidFill>
-                        <a:schemeClr val="tx1"/>
-                      </a:solidFill>
-                      <a:prstDash val="solid"/>
-                      <a:round/>
-                      <a:headEnd type="none" w="med" len="med"/>
-                      <a:tailEnd type="none" w="med" len="med"/>
-                    </a:lnL>
-                    <a:lnR w="12700" cap="flat" cmpd="sng" algn="ctr">
-                      <a:solidFill>
-                        <a:schemeClr val="tx1"/>
-                      </a:solidFill>
-                      <a:prstDash val="solid"/>
-                      <a:round/>
-                      <a:headEnd type="none" w="med" len="med"/>
-                      <a:tailEnd type="none" w="med" len="med"/>
-                    </a:lnR>
-                    <a:lnT w="12700" cap="flat" cmpd="sng" algn="ctr">
-                      <a:solidFill>
-                        <a:schemeClr val="tx1"/>
-                      </a:solidFill>
-                      <a:prstDash val="solid"/>
-                      <a:round/>
-                      <a:headEnd type="none" w="med" len="med"/>
-                      <a:tailEnd type="none" w="med" len="med"/>
-                    </a:lnT>
-                    <a:lnB w="12700" cap="flat" cmpd="sng" algn="ctr">
-                      <a:solidFill>
-                        <a:schemeClr val="tx1"/>
-                      </a:solidFill>
-                      <a:prstDash val="solid"/>
-                      <a:round/>
-                      <a:headEnd type="none" w="med" len="med"/>
-                      <a:tailEnd type="none" w="med" len="med"/>
-                    </a:lnB>
-                    <a:solidFill>
-                      <a:srgbClr val="FFFFFF"/>
-                    </a:solidFill>
-                  </a:tcPr>
-                </a:tc>
-                <a:tc>
-                  <a:txBody>
-                    <a:bodyPr/>
-                    <a:lstStyle/>
-                    <a:p>
-                      <a:r>
-                        <a:rPr lang="en-US" sz="1400">
-                          <a:effectLst/>
-                        </a:rPr>
-                        <a:t>Integrated with Linux tools and utilities</a:t>
-                      </a:r>
-                    </a:p>
-                  </a:txBody>
-                  <a:tcPr marL="98618" marR="98618" marT="45516" marB="45516" anchor="ctr">
-                    <a:lnL w="12700" cap="flat" cmpd="sng" algn="ctr">
-                      <a:solidFill>
-                        <a:schemeClr val="tx1"/>
-                      </a:solidFill>
-                      <a:prstDash val="solid"/>
-                      <a:round/>
-                      <a:headEnd type="none" w="med" len="med"/>
-                      <a:tailEnd type="none" w="med" len="med"/>
-                    </a:lnL>
-                    <a:lnR w="12700" cap="flat" cmpd="sng" algn="ctr">
-                      <a:solidFill>
-                        <a:schemeClr val="tx1"/>
-                      </a:solidFill>
-                      <a:prstDash val="solid"/>
-                      <a:round/>
-                      <a:headEnd type="none" w="med" len="med"/>
-                      <a:tailEnd type="none" w="med" len="med"/>
-                    </a:lnR>
-                    <a:lnT w="12700" cap="flat" cmpd="sng" algn="ctr">
-                      <a:solidFill>
-                        <a:schemeClr val="tx1"/>
-                      </a:solidFill>
-                      <a:prstDash val="solid"/>
-                      <a:round/>
-                      <a:headEnd type="none" w="med" len="med"/>
-                      <a:tailEnd type="none" w="med" len="med"/>
-                    </a:lnT>
-                    <a:lnB w="12700" cap="flat" cmpd="sng" algn="ctr">
-                      <a:solidFill>
-                        <a:schemeClr val="tx1"/>
-                      </a:solidFill>
-                      <a:prstDash val="solid"/>
-                      <a:round/>
-                      <a:headEnd type="none" w="med" len="med"/>
-                      <a:tailEnd type="none" w="med" len="med"/>
-                    </a:lnB>
-                    <a:solidFill>
-                      <a:srgbClr val="FFFFFF"/>
-                    </a:solidFill>
-                  </a:tcPr>
-                </a:tc>
-              </a:tr>
-              <a:tr h="581516">
-                <a:tc>
-                  <a:txBody>
-                    <a:bodyPr/>
-                    <a:lstStyle/>
-                    <a:p>
-                      <a:r>
-                        <a:rPr lang="en-GB" sz="1400" b="1">
-                          <a:effectLst/>
-                        </a:rPr>
-                        <a:t>Learning Curve</a:t>
-                      </a:r>
-                      <a:endParaRPr lang="en-GB" sz="1400">
-                        <a:effectLst/>
-                      </a:endParaRPr>
-                    </a:p>
-                  </a:txBody>
-                  <a:tcPr marL="98618" marR="98618" marT="45516" marB="45516" anchor="ctr">
-                    <a:lnL w="12700" cap="flat" cmpd="sng" algn="ctr">
-                      <a:solidFill>
-                        <a:schemeClr val="tx1"/>
-                      </a:solidFill>
-                      <a:prstDash val="solid"/>
-                      <a:round/>
-                      <a:headEnd type="none" w="med" len="med"/>
-                      <a:tailEnd type="none" w="med" len="med"/>
-                    </a:lnL>
-                    <a:lnR w="12700" cap="flat" cmpd="sng" algn="ctr">
-                      <a:solidFill>
-                        <a:schemeClr val="tx1"/>
-                      </a:solidFill>
-                      <a:prstDash val="solid"/>
-                      <a:round/>
-                      <a:headEnd type="none" w="med" len="med"/>
-                      <a:tailEnd type="none" w="med" len="med"/>
-                    </a:lnR>
-                    <a:lnT w="12700" cap="flat" cmpd="sng" algn="ctr">
-                      <a:solidFill>
-                        <a:schemeClr val="tx1"/>
-                      </a:solidFill>
-                      <a:prstDash val="solid"/>
-                      <a:round/>
-                      <a:headEnd type="none" w="med" len="med"/>
-                      <a:tailEnd type="none" w="med" len="med"/>
-                    </a:lnT>
-                    <a:lnB w="12700" cap="flat" cmpd="sng" algn="ctr">
-                      <a:solidFill>
-                        <a:schemeClr val="tx1"/>
-                      </a:solidFill>
-                      <a:prstDash val="solid"/>
-                      <a:round/>
-                      <a:headEnd type="none" w="med" len="med"/>
-                      <a:tailEnd type="none" w="med" len="med"/>
-                    </a:lnB>
-                    <a:solidFill>
-                      <a:srgbClr val="FFFFFF"/>
-                    </a:solidFill>
-                  </a:tcPr>
-                </a:tc>
-                <a:tc>
-                  <a:txBody>
-                    <a:bodyPr/>
-                    <a:lstStyle/>
-                    <a:p>
-                      <a:r>
-                        <a:rPr lang="en-US" sz="1400">
-                          <a:effectLst/>
-                        </a:rPr>
-                        <a:t>Moderate to High (due to cmdlets, objects, etc.)</a:t>
-                      </a:r>
-                    </a:p>
-                  </a:txBody>
-                  <a:tcPr marL="98618" marR="98618" marT="45516" marB="45516" anchor="ctr">
-                    <a:lnL w="12700" cap="flat" cmpd="sng" algn="ctr">
-                      <a:solidFill>
-                        <a:schemeClr val="tx1"/>
-                      </a:solidFill>
-                      <a:prstDash val="solid"/>
-                      <a:round/>
-                      <a:headEnd type="none" w="med" len="med"/>
-                      <a:tailEnd type="none" w="med" len="med"/>
-                    </a:lnL>
-                    <a:lnR w="12700" cap="flat" cmpd="sng" algn="ctr">
-                      <a:solidFill>
-                        <a:schemeClr val="tx1"/>
-                      </a:solidFill>
-                      <a:prstDash val="solid"/>
-                      <a:round/>
-                      <a:headEnd type="none" w="med" len="med"/>
-                      <a:tailEnd type="none" w="med" len="med"/>
-                    </a:lnR>
-                    <a:lnT w="12700" cap="flat" cmpd="sng" algn="ctr">
-                      <a:solidFill>
-                        <a:schemeClr val="tx1"/>
-                      </a:solidFill>
-                      <a:prstDash val="solid"/>
-                      <a:round/>
-                      <a:headEnd type="none" w="med" len="med"/>
-                      <a:tailEnd type="none" w="med" len="med"/>
-                    </a:lnT>
-                    <a:lnB w="12700" cap="flat" cmpd="sng" algn="ctr">
-                      <a:solidFill>
-                        <a:schemeClr val="tx1"/>
-                      </a:solidFill>
-                      <a:prstDash val="solid"/>
-                      <a:round/>
-                      <a:headEnd type="none" w="med" len="med"/>
-                      <a:tailEnd type="none" w="med" len="med"/>
-                    </a:lnB>
-                    <a:solidFill>
-                      <a:srgbClr val="FFFFFF"/>
-                    </a:solidFill>
-                  </a:tcPr>
-                </a:tc>
-                <a:tc>
-                  <a:txBody>
-                    <a:bodyPr/>
-                    <a:lstStyle/>
-                    <a:p>
-                      <a:r>
-                        <a:rPr lang="en-GB" sz="1400">
-                          <a:effectLst/>
-                        </a:rPr>
-                        <a:t>Low (simple text-based commands)</a:t>
-                      </a:r>
-                    </a:p>
-                  </a:txBody>
-                  <a:tcPr marL="98618" marR="98618" marT="45516" marB="45516" anchor="ctr">
-                    <a:lnL w="12700" cap="flat" cmpd="sng" algn="ctr">
-                      <a:solidFill>
-                        <a:schemeClr val="tx1"/>
-                      </a:solidFill>
-                      <a:prstDash val="solid"/>
-                      <a:round/>
-                      <a:headEnd type="none" w="med" len="med"/>
-                      <a:tailEnd type="none" w="med" len="med"/>
-                    </a:lnL>
-                    <a:lnR w="12700" cap="flat" cmpd="sng" algn="ctr">
-                      <a:solidFill>
-                        <a:schemeClr val="tx1"/>
-                      </a:solidFill>
-                      <a:prstDash val="solid"/>
-                      <a:round/>
-                      <a:headEnd type="none" w="med" len="med"/>
-                      <a:tailEnd type="none" w="med" len="med"/>
-                    </a:lnR>
-                    <a:lnT w="12700" cap="flat" cmpd="sng" algn="ctr">
-                      <a:solidFill>
-                        <a:schemeClr val="tx1"/>
-                      </a:solidFill>
-                      <a:prstDash val="solid"/>
-                      <a:round/>
-                      <a:headEnd type="none" w="med" len="med"/>
-                      <a:tailEnd type="none" w="med" len="med"/>
-                    </a:lnT>
-                    <a:lnB w="12700" cap="flat" cmpd="sng" algn="ctr">
-                      <a:solidFill>
-                        <a:schemeClr val="tx1"/>
-                      </a:solidFill>
-                      <a:prstDash val="solid"/>
-                      <a:round/>
-                      <a:headEnd type="none" w="med" len="med"/>
-                      <a:tailEnd type="none" w="med" len="med"/>
-                    </a:lnB>
-                    <a:solidFill>
-                      <a:srgbClr val="FFFFFF"/>
-                    </a:solidFill>
-                  </a:tcPr>
-                </a:tc>
-                <a:tc>
-                  <a:txBody>
-                    <a:bodyPr/>
-                    <a:lstStyle/>
-                    <a:p>
-                      <a:r>
-                        <a:rPr lang="en-US" sz="1400" dirty="0">
-                          <a:effectLst/>
-                        </a:rPr>
-                        <a:t>Moderate (due to scripting capabilities)</a:t>
-                      </a:r>
-                    </a:p>
-                  </a:txBody>
-                  <a:tcPr marL="98618" marR="98618" marT="45516" marB="45516" anchor="ctr">
-                    <a:lnL w="12700" cap="flat" cmpd="sng" algn="ctr">
-                      <a:solidFill>
-                        <a:schemeClr val="tx1"/>
-                      </a:solidFill>
-                      <a:prstDash val="solid"/>
-                      <a:round/>
-                      <a:headEnd type="none" w="med" len="med"/>
-                      <a:tailEnd type="none" w="med" len="med"/>
-                    </a:lnL>
-                    <a:lnR w="12700" cap="flat" cmpd="sng" algn="ctr">
-                      <a:solidFill>
-                        <a:schemeClr val="tx1"/>
-                      </a:solidFill>
-                      <a:prstDash val="solid"/>
-                      <a:round/>
-                      <a:headEnd type="none" w="med" len="med"/>
-                      <a:tailEnd type="none" w="med" len="med"/>
-                    </a:lnR>
-                    <a:lnT w="12700" cap="flat" cmpd="sng" algn="ctr">
-                      <a:solidFill>
-                        <a:schemeClr val="tx1"/>
-                      </a:solidFill>
-                      <a:prstDash val="solid"/>
-                      <a:round/>
-                      <a:headEnd type="none" w="med" len="med"/>
-                      <a:tailEnd type="none" w="med" len="med"/>
-                    </a:lnT>
-                    <a:lnB w="12700" cap="flat" cmpd="sng" algn="ctr">
-                      <a:solidFill>
-                        <a:schemeClr val="tx1"/>
-                      </a:solidFill>
-                      <a:prstDash val="solid"/>
-                      <a:round/>
-                      <a:headEnd type="none" w="med" len="med"/>
-                      <a:tailEnd type="none" w="med" len="med"/>
-                    </a:lnB>
-                    <a:solidFill>
-                      <a:srgbClr val="FFFFFF"/>
-                    </a:solidFill>
-                  </a:tcPr>
-                </a:tc>
-              </a:tr>
-            </a:tbl>
-          </a:graphicData>
-        </a:graphic>
-      </p:graphicFrame>
+          </p:nvPr>
+        </p:nvSpPr>
+        <p:spPr>
+          <a:xfrm>
+            <a:off x="810490" y="1452677"/>
+            <a:ext cx="10515600" cy="4344515"/>
+          </a:xfrm>
+        </p:spPr>
+        <p:txBody>
+          <a:bodyPr>
+            <a:normAutofit/>
+          </a:bodyPr>
+          <a:lstStyle/>
+          <a:p>
+            <a:pPr marL="514338" indent="-514338">
+              <a:buFont typeface="+mj-lt"/>
+              <a:buAutoNum type="arabicPeriod"/>
+            </a:pPr>
+            <a:r>
+              <a:rPr lang="en-US" b="1" dirty="0" smtClean="0"/>
+              <a:t>Command-line Shell:</a:t>
+            </a:r>
+            <a:r>
+              <a:rPr lang="en-US" dirty="0" smtClean="0"/>
+              <a:t> You can execute commands interactively, which makes it ideal for ad-hoc </a:t>
+            </a:r>
+            <a:r>
+              <a:rPr lang="en-US" b="1" dirty="0" smtClean="0"/>
+              <a:t>administrative tasks</a:t>
+            </a:r>
+            <a:r>
+              <a:rPr lang="en-US" dirty="0" smtClean="0"/>
+              <a:t>.</a:t>
+            </a:r>
+          </a:p>
+          <a:p>
+            <a:pPr marL="514338" indent="-514338">
+              <a:buFont typeface="+mj-lt"/>
+              <a:buAutoNum type="arabicPeriod"/>
+            </a:pPr>
+            <a:r>
+              <a:rPr lang="en-US" b="1" dirty="0" smtClean="0"/>
+              <a:t>Scripting Language:</a:t>
+            </a:r>
+            <a:r>
+              <a:rPr lang="en-US" dirty="0" smtClean="0"/>
+              <a:t> Allows you to write scripts for automating complex workflows, including everything from file manipulation to deploying cloud infrastructure.</a:t>
+            </a:r>
+          </a:p>
+          <a:p>
+            <a:pPr marL="514338" indent="-514338">
+              <a:buFont typeface="+mj-lt"/>
+              <a:buAutoNum type="arabicPeriod"/>
+            </a:pPr>
+            <a:r>
+              <a:rPr lang="en-US" b="1" dirty="0" smtClean="0"/>
+              <a:t>Object-Oriented</a:t>
+            </a:r>
+            <a:r>
+              <a:rPr lang="en-US" dirty="0" smtClean="0"/>
+              <a:t>: Unlike traditional shells like </a:t>
+            </a:r>
+            <a:r>
+              <a:rPr lang="en-US" b="1" dirty="0" smtClean="0"/>
+              <a:t>Bash</a:t>
+            </a:r>
+            <a:r>
+              <a:rPr lang="en-US" dirty="0" smtClean="0"/>
+              <a:t> or </a:t>
+            </a:r>
+            <a:r>
+              <a:rPr lang="en-US" b="1" dirty="0" smtClean="0"/>
+              <a:t>Command Prompt</a:t>
+            </a:r>
+            <a:r>
+              <a:rPr lang="en-US" dirty="0" smtClean="0"/>
+              <a:t>, PowerShell works with </a:t>
+            </a:r>
+            <a:r>
+              <a:rPr lang="en-US" b="1" dirty="0" smtClean="0"/>
+              <a:t>objects</a:t>
+            </a:r>
+            <a:r>
+              <a:rPr lang="en-US" dirty="0" smtClean="0"/>
+              <a:t> instead of plain text.</a:t>
+            </a:r>
+          </a:p>
+          <a:p>
+            <a:pPr marL="514338" indent="-514338">
+              <a:buFont typeface="+mj-lt"/>
+              <a:buAutoNum type="arabicPeriod"/>
+            </a:pPr>
+            <a:r>
+              <a:rPr lang="en-US" b="1" dirty="0" smtClean="0"/>
+              <a:t>Pipelines</a:t>
+            </a:r>
+            <a:r>
+              <a:rPr lang="en-US" dirty="0" smtClean="0"/>
+              <a:t>: PowerShell has a powerful feature called the </a:t>
+            </a:r>
+            <a:r>
+              <a:rPr lang="en-US" b="1" dirty="0" smtClean="0"/>
+              <a:t>pipeline</a:t>
+            </a:r>
+            <a:r>
+              <a:rPr lang="en-US" dirty="0" smtClean="0"/>
+              <a:t>, which allows the output of one cmdlet to be passed as input to another cmdlet.</a:t>
+            </a:r>
+            <a:endParaRPr lang="en-US" dirty="0" smtClean="0"/>
+          </a:p>
+        </p:txBody>
+      </p:sp>
+      <p:cxnSp>
+        <p:nvCxnSpPr>
+          <p:cNvPr id="4" name="Straight Connector 3"/>
+          <p:cNvCxnSpPr/>
+          <p:nvPr/>
+        </p:nvCxnSpPr>
+        <p:spPr>
+          <a:xfrm flipV="1">
+            <a:off x="810490" y="1281901"/>
+            <a:ext cx="10515600" cy="14169"/>
+          </a:xfrm>
+          <a:prstGeom prst="line">
+            <a:avLst/>
+          </a:prstGeom>
+          <a:ln w="57150">
+            <a:solidFill>
+              <a:schemeClr val="accent6">
+                <a:lumMod val="75000"/>
+              </a:schemeClr>
+            </a:solidFill>
+          </a:ln>
+        </p:spPr>
+        <p:style>
+          <a:lnRef idx="1">
+            <a:schemeClr val="accent1"/>
+          </a:lnRef>
+          <a:fillRef idx="0">
+            <a:schemeClr val="accent1"/>
+          </a:fillRef>
+          <a:effectRef idx="0">
+            <a:schemeClr val="accent1"/>
+          </a:effectRef>
+          <a:fontRef idx="minor">
+            <a:schemeClr val="tx1"/>
+          </a:fontRef>
+        </p:style>
+      </p:cxnSp>
     </p:spTree>
     <p:extLst>
       <p:ext uri="{BB962C8B-B14F-4D97-AF65-F5344CB8AC3E}">
-        <p14:creationId xmlns:p14="http://schemas.microsoft.com/office/powerpoint/2010/main" val="2898675647"/>
+        <p14:creationId xmlns:p14="http://schemas.microsoft.com/office/powerpoint/2010/main" val="1177312956"/>
       </p:ext>
     </p:extLst>
   </p:cSld>
   <p:clrMapOvr>
     <a:masterClrMapping/>
   </p:clrMapOvr>
+  <mc:AlternateContent xmlns:mc="http://schemas.openxmlformats.org/markup-compatibility/2006" xmlns:p14="http://schemas.microsoft.com/office/powerpoint/2010/main">
+    <mc:Choice Requires="p14">
+      <p:transition spd="slow" p14:dur="2000"/>
+    </mc:Choice>
+    <mc:Fallback xmlns="">
+      <p:transition spd="slow"/>
+    </mc:Fallback>
+  </mc:AlternateContent>
   <p:timing>
     <p:tnLst>
       <p:par>
@@ -6761,128 +7744,298 @@
       </p:grpSpPr>
       <p:sp>
         <p:nvSpPr>
-          <p:cNvPr id="4" name="Content Placeholder 3"/>
-          <p:cNvSpPr>
-            <a:spLocks noGrp="1"/>
-          </p:cNvSpPr>
-          <p:nvPr>
-            <p:ph sz="half" idx="2"/>
+          <p:cNvPr id="2" name="Title 1"/>
+          <p:cNvSpPr>
+            <a:spLocks noGrp="1"/>
+          </p:cNvSpPr>
+          <p:nvPr>
+            <p:ph type="title"/>
           </p:nvPr>
         </p:nvSpPr>
         <p:spPr>
           <a:xfrm>
-            <a:off x="0" y="0"/>
-            <a:ext cx="3525795" cy="6858000"/>
+            <a:off x="810490" y="284743"/>
+            <a:ext cx="10515600" cy="638893"/>
+          </a:xfrm>
+          <a:ln>
+            <a:solidFill>
+              <a:schemeClr val="bg1"/>
+            </a:solidFill>
+          </a:ln>
+        </p:spPr>
+        <p:txBody>
+          <a:bodyPr>
+            <a:normAutofit/>
+          </a:bodyPr>
+          <a:lstStyle/>
+          <a:p>
+            <a:r>
+              <a:rPr lang="en-GB" sz="3600" b="1" dirty="0" smtClean="0"/>
+              <a:t>History of PowerShell</a:t>
+            </a:r>
+            <a:endParaRPr lang="en-GB" sz="4000" dirty="0"/>
+          </a:p>
+        </p:txBody>
+      </p:sp>
+      <p:sp>
+        <p:nvSpPr>
+          <p:cNvPr id="3" name="Content Placeholder 2"/>
+          <p:cNvSpPr>
+            <a:spLocks noGrp="1"/>
+          </p:cNvSpPr>
+          <p:nvPr>
+            <p:ph idx="1"/>
+          </p:nvPr>
+        </p:nvSpPr>
+        <p:spPr>
+          <a:xfrm>
+            <a:off x="810490" y="1452677"/>
+            <a:ext cx="10515600" cy="4344515"/>
           </a:xfrm>
         </p:spPr>
+        <p:txBody>
+          <a:bodyPr>
+            <a:normAutofit fontScale="47500" lnSpcReduction="20000"/>
+          </a:bodyPr>
+          <a:lstStyle/>
+          <a:p>
+            <a:pPr fontAlgn="base">
+              <a:lnSpc>
+                <a:spcPct val="110000"/>
+              </a:lnSpc>
+              <a:spcAft>
+                <a:spcPct val="0"/>
+              </a:spcAft>
+            </a:pPr>
+            <a:r>
+              <a:rPr lang="en-US" altLang="en-US" sz="3600" b="1" dirty="0"/>
+              <a:t>PowerShell 1.0 (2006</a:t>
+            </a:r>
+            <a:r>
+              <a:rPr lang="en-US" altLang="en-US" sz="3600" b="1" dirty="0" smtClean="0"/>
+              <a:t>): </a:t>
+            </a:r>
+            <a:r>
+              <a:rPr lang="en-US" altLang="en-US" sz="3600" dirty="0"/>
+              <a:t>Introduced as a command-line shell and scripting language for Windows system administration, featuring cmdlets and the pipeline.</a:t>
+            </a:r>
+          </a:p>
+          <a:p>
+            <a:pPr fontAlgn="base">
+              <a:lnSpc>
+                <a:spcPct val="110000"/>
+              </a:lnSpc>
+              <a:spcAft>
+                <a:spcPct val="0"/>
+              </a:spcAft>
+            </a:pPr>
+            <a:r>
+              <a:rPr lang="en-US" altLang="en-US" sz="3600" b="1" dirty="0"/>
+              <a:t>PowerShell 2.0 (2009): </a:t>
+            </a:r>
+            <a:r>
+              <a:rPr lang="en-US" altLang="en-US" sz="3600" dirty="0"/>
+              <a:t>Added remoting, Integrated Scripting Environment (ISE), and enhanced cmdlets.</a:t>
+            </a:r>
+          </a:p>
+          <a:p>
+            <a:pPr fontAlgn="base">
+              <a:lnSpc>
+                <a:spcPct val="110000"/>
+              </a:lnSpc>
+              <a:spcAft>
+                <a:spcPct val="0"/>
+              </a:spcAft>
+            </a:pPr>
+            <a:r>
+              <a:rPr lang="en-US" altLang="en-US" sz="3600" b="1" dirty="0"/>
+              <a:t>PowerShell 3.0 (2012): </a:t>
+            </a:r>
+            <a:r>
+              <a:rPr lang="en-US" altLang="en-US" sz="3600" dirty="0"/>
+              <a:t>Introduced workflows and improved debugging capabilities.</a:t>
+            </a:r>
+          </a:p>
+          <a:p>
+            <a:pPr fontAlgn="base">
+              <a:lnSpc>
+                <a:spcPct val="110000"/>
+              </a:lnSpc>
+              <a:spcAft>
+                <a:spcPct val="0"/>
+              </a:spcAft>
+            </a:pPr>
+            <a:r>
+              <a:rPr lang="en-US" altLang="en-US" sz="3600" b="1" dirty="0"/>
+              <a:t>PowerShell 4.0 (2013): </a:t>
+            </a:r>
+            <a:r>
+              <a:rPr lang="en-US" altLang="en-US" sz="3600" dirty="0"/>
+              <a:t>Added Desired State Configuration (DSC) for system configuration management.</a:t>
+            </a:r>
+          </a:p>
+          <a:p>
+            <a:pPr fontAlgn="base">
+              <a:lnSpc>
+                <a:spcPct val="110000"/>
+              </a:lnSpc>
+              <a:spcAft>
+                <a:spcPct val="0"/>
+              </a:spcAft>
+            </a:pPr>
+            <a:r>
+              <a:rPr lang="en-US" altLang="en-US" sz="3600" b="1" dirty="0"/>
+              <a:t>PowerShell 5.0 (2016</a:t>
+            </a:r>
+            <a:r>
+              <a:rPr lang="en-US" altLang="en-US" sz="3600" b="1" dirty="0" smtClean="0"/>
+              <a:t>): </a:t>
+            </a:r>
+            <a:r>
+              <a:rPr lang="en-US" altLang="en-US" sz="3600" dirty="0"/>
+              <a:t>Introduced cloud cmdlets, </a:t>
+            </a:r>
+            <a:r>
+              <a:rPr lang="en-US" altLang="en-US" sz="3600" dirty="0" err="1"/>
+              <a:t>OneGet</a:t>
+            </a:r>
+            <a:r>
+              <a:rPr lang="en-US" altLang="en-US" sz="3600" dirty="0"/>
+              <a:t>, and the PowerShell Gallery for sharing scripts.</a:t>
+            </a:r>
+          </a:p>
+          <a:p>
+            <a:pPr fontAlgn="base">
+              <a:lnSpc>
+                <a:spcPct val="110000"/>
+              </a:lnSpc>
+              <a:spcAft>
+                <a:spcPct val="0"/>
+              </a:spcAft>
+            </a:pPr>
+            <a:r>
+              <a:rPr lang="en-US" altLang="en-US" sz="3600" b="1" dirty="0"/>
+              <a:t>PowerShell Core 6.0 (2016</a:t>
+            </a:r>
+            <a:r>
+              <a:rPr lang="en-US" altLang="en-US" sz="3600" b="1" dirty="0" smtClean="0"/>
+              <a:t>):</a:t>
+            </a:r>
+            <a:r>
+              <a:rPr lang="en-US" altLang="en-US" sz="3600" dirty="0" smtClean="0"/>
+              <a:t> Became </a:t>
+            </a:r>
+            <a:r>
+              <a:rPr lang="en-US" altLang="en-US" sz="3600" dirty="0"/>
+              <a:t>open-source and cross-platform, running on Windows, </a:t>
+            </a:r>
+            <a:r>
+              <a:rPr lang="en-US" altLang="en-US" sz="3600" dirty="0" err="1"/>
+              <a:t>macOS</a:t>
+            </a:r>
+            <a:r>
+              <a:rPr lang="en-US" altLang="en-US" sz="3600" dirty="0"/>
+              <a:t>, and Linux.</a:t>
+            </a:r>
+          </a:p>
+          <a:p>
+            <a:pPr fontAlgn="base">
+              <a:lnSpc>
+                <a:spcPct val="110000"/>
+              </a:lnSpc>
+              <a:spcAft>
+                <a:spcPct val="0"/>
+              </a:spcAft>
+            </a:pPr>
+            <a:r>
+              <a:rPr lang="en-US" altLang="en-US" sz="3600" b="1" dirty="0"/>
+              <a:t>PowerShell 7.0 (2020):</a:t>
+            </a:r>
+            <a:r>
+              <a:rPr lang="en-US" altLang="en-US" sz="3600" dirty="0"/>
+              <a:t> Continued improvements, including better error handling and cloud integration, while maintaining cross-platform support.</a:t>
+            </a:r>
+          </a:p>
+          <a:p>
+            <a:pPr defTabSz="914400" eaLnBrk="0" fontAlgn="base" hangingPunct="0">
+              <a:lnSpc>
+                <a:spcPct val="100000"/>
+              </a:lnSpc>
+              <a:spcBef>
+                <a:spcPct val="0"/>
+              </a:spcBef>
+              <a:spcAft>
+                <a:spcPct val="0"/>
+              </a:spcAft>
+            </a:pPr>
+            <a:endParaRPr kumimoji="0" lang="en-US" altLang="en-US" b="0" i="0" u="none" strike="noStrike" cap="none" normalizeH="0" baseline="0" dirty="0" smtClean="0">
+              <a:ln>
+                <a:noFill/>
+              </a:ln>
+              <a:solidFill>
+                <a:schemeClr val="tx1"/>
+              </a:solidFill>
+              <a:effectLst/>
+              <a:latin typeface="Arial" panose="020B0604020202020204" pitchFamily="34" charset="0"/>
+            </a:endParaRPr>
+          </a:p>
+        </p:txBody>
+      </p:sp>
+      <p:cxnSp>
+        <p:nvCxnSpPr>
+          <p:cNvPr id="4" name="Straight Connector 3"/>
+          <p:cNvCxnSpPr/>
+          <p:nvPr/>
+        </p:nvCxnSpPr>
+        <p:spPr>
+          <a:xfrm flipV="1">
+            <a:off x="810490" y="1281901"/>
+            <a:ext cx="10515600" cy="14169"/>
+          </a:xfrm>
+          <a:prstGeom prst="line">
+            <a:avLst/>
+          </a:prstGeom>
+          <a:ln w="57150">
+            <a:solidFill>
+              <a:schemeClr val="accent6">
+                <a:lumMod val="75000"/>
+              </a:schemeClr>
+            </a:solidFill>
+          </a:ln>
+        </p:spPr>
         <p:style>
-          <a:lnRef idx="0">
+          <a:lnRef idx="1">
             <a:schemeClr val="accent1"/>
           </a:lnRef>
-          <a:fillRef idx="3">
+          <a:fillRef idx="0">
             <a:schemeClr val="accent1"/>
           </a:fillRef>
-          <a:effectRef idx="3">
+          <a:effectRef idx="0">
             <a:schemeClr val="accent1"/>
           </a:effectRef>
           <a:fontRef idx="minor">
-            <a:schemeClr val="lt1"/>
+            <a:schemeClr val="tx1"/>
           </a:fontRef>
         </p:style>
-        <p:txBody>
-          <a:bodyPr anchor="ctr"/>
-          <a:lstStyle/>
-          <a:p>
-            <a:pPr marL="0" indent="0" algn="ctr">
-              <a:buNone/>
-            </a:pPr>
-            <a:r>
-              <a:rPr lang="en-IN" dirty="0" smtClean="0"/>
-              <a:t>Demo</a:t>
-            </a:r>
-            <a:endParaRPr lang="en-GB" dirty="0"/>
-          </a:p>
-        </p:txBody>
-      </p:sp>
-      <p:sp>
-        <p:nvSpPr>
-          <p:cNvPr id="6" name="Content Placeholder 5"/>
-          <p:cNvSpPr>
-            <a:spLocks noGrp="1"/>
-          </p:cNvSpPr>
-          <p:nvPr>
-            <p:ph sz="quarter" idx="4"/>
-          </p:nvPr>
-        </p:nvSpPr>
-        <p:spPr>
-          <a:xfrm>
-            <a:off x="3525794" y="0"/>
-            <a:ext cx="8666205" cy="6858000"/>
-          </a:xfrm>
-        </p:spPr>
-        <p:txBody>
-          <a:bodyPr anchor="ctr"/>
-          <a:lstStyle/>
-          <a:p>
-            <a:r>
-              <a:rPr lang="en-IN" dirty="0" smtClean="0"/>
-              <a:t>Hello World</a:t>
-            </a:r>
-          </a:p>
-          <a:p>
-            <a:r>
-              <a:rPr lang="en-IN" dirty="0" smtClean="0"/>
-              <a:t>Get current location</a:t>
-            </a:r>
-          </a:p>
-          <a:p>
-            <a:r>
-              <a:rPr lang="en-IN" dirty="0" smtClean="0"/>
-              <a:t>Get all items in the current folder</a:t>
-            </a:r>
-          </a:p>
-          <a:p>
-            <a:r>
-              <a:rPr lang="en-IN" dirty="0" smtClean="0"/>
-              <a:t>Get all drives in the current system</a:t>
-            </a:r>
-          </a:p>
-          <a:p>
-            <a:r>
-              <a:rPr lang="en-IN" dirty="0" smtClean="0"/>
-              <a:t>Get all services</a:t>
-            </a:r>
-          </a:p>
-          <a:p>
-            <a:r>
-              <a:rPr lang="en-IN" dirty="0" smtClean="0"/>
-              <a:t>Get all </a:t>
-            </a:r>
-            <a:r>
-              <a:rPr lang="en-GB" dirty="0" smtClean="0"/>
-              <a:t>processes</a:t>
-            </a:r>
-            <a:endParaRPr lang="en-IN" dirty="0"/>
-          </a:p>
-          <a:p>
-            <a:r>
-              <a:rPr lang="en-IN" dirty="0" smtClean="0"/>
-              <a:t>Get help</a:t>
-            </a:r>
-            <a:endParaRPr lang="en-IN" dirty="0"/>
-          </a:p>
-        </p:txBody>
-      </p:sp>
+      </p:cxnSp>
     </p:spTree>
     <p:extLst>
       <p:ext uri="{BB962C8B-B14F-4D97-AF65-F5344CB8AC3E}">
-        <p14:creationId xmlns:p14="http://schemas.microsoft.com/office/powerpoint/2010/main" val="3840072570"/>
+        <p14:creationId xmlns:p14="http://schemas.microsoft.com/office/powerpoint/2010/main" val="2368208950"/>
       </p:ext>
     </p:extLst>
   </p:cSld>
   <p:clrMapOvr>
     <a:masterClrMapping/>
   </p:clrMapOvr>
+  <mc:AlternateContent xmlns:mc="http://schemas.openxmlformats.org/markup-compatibility/2006" xmlns:p14="http://schemas.microsoft.com/office/powerpoint/2010/main">
+    <mc:Choice Requires="p14">
+      <p:transition spd="slow" p14:dur="2000"/>
+    </mc:Choice>
+    <mc:Fallback xmlns="">
+      <p:transition spd="slow"/>
+    </mc:Fallback>
+  </mc:AlternateContent>
   <p:timing>
     <p:tnLst>
       <p:par>
@@ -7152,4 +8305,47 @@
     </a:ext>
   </a:extLst>
 </a:theme>
+</file>
+
+<file path=ppt/theme/themeOverride1.xml><?xml version="1.0" encoding="utf-8"?>
+<a:themeOverride xmlns:a="http://schemas.openxmlformats.org/drawingml/2006/main">
+  <a:clrScheme name="Office">
+    <a:dk1>
+      <a:sysClr val="windowText" lastClr="000000"/>
+    </a:dk1>
+    <a:lt1>
+      <a:sysClr val="window" lastClr="FFFFFF"/>
+    </a:lt1>
+    <a:dk2>
+      <a:srgbClr val="44546A"/>
+    </a:dk2>
+    <a:lt2>
+      <a:srgbClr val="E7E6E6"/>
+    </a:lt2>
+    <a:accent1>
+      <a:srgbClr val="5B9BD5"/>
+    </a:accent1>
+    <a:accent2>
+      <a:srgbClr val="ED7D31"/>
+    </a:accent2>
+    <a:accent3>
+      <a:srgbClr val="A5A5A5"/>
+    </a:accent3>
+    <a:accent4>
+      <a:srgbClr val="FFC000"/>
+    </a:accent4>
+    <a:accent5>
+      <a:srgbClr val="4472C4"/>
+    </a:accent5>
+    <a:accent6>
+      <a:srgbClr val="70AD47"/>
+    </a:accent6>
+    <a:hlink>
+      <a:srgbClr val="0563C1"/>
+    </a:hlink>
+    <a:folHlink>
+      <a:srgbClr val="954F72"/>
+    </a:folHlink>
+  </a:clrScheme>
+</a:themeOverride>
 </file>